--- a/3. Regression.pptx
+++ b/3. Regression.pptx
@@ -84,6 +84,17 @@
     <p:sldId id="352" r:id="rId78"/>
     <p:sldId id="348" r:id="rId79"/>
     <p:sldId id="353" r:id="rId80"/>
+    <p:sldId id="354" r:id="rId81"/>
+    <p:sldId id="355" r:id="rId82"/>
+    <p:sldId id="356" r:id="rId83"/>
+    <p:sldId id="357" r:id="rId84"/>
+    <p:sldId id="358" r:id="rId85"/>
+    <p:sldId id="359" r:id="rId86"/>
+    <p:sldId id="360" r:id="rId87"/>
+    <p:sldId id="361" r:id="rId88"/>
+    <p:sldId id="362" r:id="rId89"/>
+    <p:sldId id="363" r:id="rId90"/>
+    <p:sldId id="364" r:id="rId91"/>
   </p:sldIdLst>
   <p:sldSz cx="12192000" cy="6858000"/>
   <p:notesSz cx="6858000" cy="9144000"/>
@@ -361,7 +372,7 @@
           <a:p>
             <a:fld id="{48A87A34-81AB-432B-8DAE-1953F412C126}" type="datetimeFigureOut">
               <a:rPr lang="en-US" smtClean="0"/>
-              <a:t>4/29/2018</a:t>
+              <a:t>5/2/2018</a:t>
             </a:fld>
             <a:endParaRPr lang="en-US" dirty="0"/>
           </a:p>
@@ -677,7 +688,7 @@
             <a:fld id="{48A87A34-81AB-432B-8DAE-1953F412C126}" type="datetimeFigureOut">
               <a:rPr lang="en-US" smtClean="0"/>
               <a:pPr/>
-              <a:t>4/29/2018</a:t>
+              <a:t>5/2/2018</a:t>
             </a:fld>
             <a:endParaRPr lang="en-US" dirty="0"/>
           </a:p>
@@ -901,7 +912,7 @@
             <a:fld id="{48A87A34-81AB-432B-8DAE-1953F412C126}" type="datetimeFigureOut">
               <a:rPr lang="en-US" smtClean="0"/>
               <a:pPr/>
-              <a:t>4/29/2018</a:t>
+              <a:t>5/2/2018</a:t>
             </a:fld>
             <a:endParaRPr lang="en-US" dirty="0"/>
           </a:p>
@@ -1194,7 +1205,7 @@
             <a:fld id="{48A87A34-81AB-432B-8DAE-1953F412C126}" type="datetimeFigureOut">
               <a:rPr lang="en-US" smtClean="0"/>
               <a:pPr/>
-              <a:t>4/29/2018</a:t>
+              <a:t>5/2/2018</a:t>
             </a:fld>
             <a:endParaRPr lang="en-US" dirty="0"/>
           </a:p>
@@ -1650,7 +1661,7 @@
             <a:fld id="{48A87A34-81AB-432B-8DAE-1953F412C126}" type="datetimeFigureOut">
               <a:rPr lang="en-US" smtClean="0"/>
               <a:pPr/>
-              <a:t>4/29/2018</a:t>
+              <a:t>5/2/2018</a:t>
             </a:fld>
             <a:endParaRPr lang="en-US" dirty="0"/>
           </a:p>
@@ -2228,7 +2239,7 @@
             <a:fld id="{48A87A34-81AB-432B-8DAE-1953F412C126}" type="datetimeFigureOut">
               <a:rPr lang="en-US" smtClean="0"/>
               <a:pPr/>
-              <a:t>4/29/2018</a:t>
+              <a:t>5/2/2018</a:t>
             </a:fld>
             <a:endParaRPr lang="en-US" dirty="0"/>
           </a:p>
@@ -3091,7 +3102,7 @@
             <a:fld id="{48A87A34-81AB-432B-8DAE-1953F412C126}" type="datetimeFigureOut">
               <a:rPr lang="en-US" smtClean="0"/>
               <a:pPr/>
-              <a:t>4/29/2018</a:t>
+              <a:t>5/2/2018</a:t>
             </a:fld>
             <a:endParaRPr lang="en-US" dirty="0"/>
           </a:p>
@@ -3298,7 +3309,7 @@
             <a:fld id="{48A87A34-81AB-432B-8DAE-1953F412C126}" type="datetimeFigureOut">
               <a:rPr lang="en-US" smtClean="0"/>
               <a:pPr/>
-              <a:t>4/29/2018</a:t>
+              <a:t>5/2/2018</a:t>
             </a:fld>
             <a:endParaRPr lang="en-US" dirty="0"/>
           </a:p>
@@ -3514,7 +3525,7 @@
             <a:fld id="{48A87A34-81AB-432B-8DAE-1953F412C126}" type="datetimeFigureOut">
               <a:rPr lang="en-US" smtClean="0"/>
               <a:pPr/>
-              <a:t>4/29/2018</a:t>
+              <a:t>5/2/2018</a:t>
             </a:fld>
             <a:endParaRPr lang="en-US" dirty="0"/>
           </a:p>
@@ -3691,7 +3702,7 @@
           <a:p>
             <a:fld id="{48A87A34-81AB-432B-8DAE-1953F412C126}" type="datetimeFigureOut">
               <a:rPr lang="en-US" smtClean="0"/>
-              <a:t>4/30/2018</a:t>
+              <a:t>5/2/2018</a:t>
             </a:fld>
             <a:endParaRPr lang="en-US" dirty="0"/>
           </a:p>
@@ -3897,7 +3908,7 @@
             <a:fld id="{48A87A34-81AB-432B-8DAE-1953F412C126}" type="datetimeFigureOut">
               <a:rPr lang="en-US" smtClean="0"/>
               <a:pPr/>
-              <a:t>4/29/2018</a:t>
+              <a:t>5/2/2018</a:t>
             </a:fld>
             <a:endParaRPr lang="en-US" dirty="0"/>
           </a:p>
@@ -4178,7 +4189,7 @@
           <a:p>
             <a:fld id="{48A87A34-81AB-432B-8DAE-1953F412C126}" type="datetimeFigureOut">
               <a:rPr lang="en-US" smtClean="0"/>
-              <a:t>4/29/2018</a:t>
+              <a:t>5/2/2018</a:t>
             </a:fld>
             <a:endParaRPr lang="en-US" dirty="0"/>
           </a:p>
@@ -4446,7 +4457,7 @@
             <a:fld id="{48A87A34-81AB-432B-8DAE-1953F412C126}" type="datetimeFigureOut">
               <a:rPr lang="en-US" smtClean="0"/>
               <a:pPr/>
-              <a:t>4/29/2018</a:t>
+              <a:t>5/2/2018</a:t>
             </a:fld>
             <a:endParaRPr lang="en-US" dirty="0"/>
           </a:p>
@@ -4863,7 +4874,7 @@
             <a:fld id="{48A87A34-81AB-432B-8DAE-1953F412C126}" type="datetimeFigureOut">
               <a:rPr lang="en-US" smtClean="0"/>
               <a:pPr/>
-              <a:t>4/29/2018</a:t>
+              <a:t>5/2/2018</a:t>
             </a:fld>
             <a:endParaRPr lang="en-US" dirty="0"/>
           </a:p>
@@ -5012,7 +5023,7 @@
           <a:p>
             <a:fld id="{48A87A34-81AB-432B-8DAE-1953F412C126}" type="datetimeFigureOut">
               <a:rPr lang="en-US" smtClean="0"/>
-              <a:t>4/29/2018</a:t>
+              <a:t>5/2/2018</a:t>
             </a:fld>
             <a:endParaRPr lang="en-US" dirty="0"/>
           </a:p>
@@ -5137,7 +5148,7 @@
           <a:p>
             <a:fld id="{48A87A34-81AB-432B-8DAE-1953F412C126}" type="datetimeFigureOut">
               <a:rPr lang="en-US" smtClean="0"/>
-              <a:t>4/29/2018</a:t>
+              <a:t>5/2/2018</a:t>
             </a:fld>
             <a:endParaRPr lang="en-US" dirty="0"/>
           </a:p>
@@ -5417,7 +5428,7 @@
             <a:fld id="{48A87A34-81AB-432B-8DAE-1953F412C126}" type="datetimeFigureOut">
               <a:rPr lang="en-US" smtClean="0"/>
               <a:pPr/>
-              <a:t>4/29/2018</a:t>
+              <a:t>5/2/2018</a:t>
             </a:fld>
             <a:endParaRPr lang="en-US" dirty="0"/>
           </a:p>
@@ -5734,7 +5745,7 @@
             <a:fld id="{48A87A34-81AB-432B-8DAE-1953F412C126}" type="datetimeFigureOut">
               <a:rPr lang="en-US" smtClean="0"/>
               <a:pPr/>
-              <a:t>4/29/2018</a:t>
+              <a:t>5/2/2018</a:t>
             </a:fld>
             <a:endParaRPr lang="en-US" dirty="0"/>
           </a:p>
@@ -5988,7 +5999,7 @@
             <a:fld id="{48A87A34-81AB-432B-8DAE-1953F412C126}" type="datetimeFigureOut">
               <a:rPr lang="en-US" smtClean="0"/>
               <a:pPr/>
-              <a:t>4/29/2018</a:t>
+              <a:t>5/2/2018</a:t>
             </a:fld>
             <a:endParaRPr lang="en-US" dirty="0"/>
           </a:p>
@@ -6461,14 +6472,7 @@
                 <a:latin typeface="Gill Sans MT" panose="020B0502020104020203" pitchFamily="34" charset="0"/>
                 <a:cs typeface="Calibri Light" panose="020F0302020204030204" pitchFamily="34" charset="0"/>
               </a:rPr>
-              <a:t>Intro to Machine Learning – week </a:t>
-            </a:r>
-            <a:r>
-              <a:rPr lang="en-US" b="1" dirty="0" smtClean="0">
-                <a:latin typeface="Gill Sans MT" panose="020B0502020104020203" pitchFamily="34" charset="0"/>
-                <a:cs typeface="Calibri Light" panose="020F0302020204030204" pitchFamily="34" charset="0"/>
-              </a:rPr>
-              <a:t>3</a:t>
+              <a:t>Intro to Machine Learning – week 3</a:t>
             </a:r>
             <a:r>
               <a:rPr lang="en-US" dirty="0" smtClean="0">
@@ -6576,8 +6580,8 @@
           </a:p>
         </p:txBody>
       </p:sp>
-      <mc:AlternateContent xmlns:mc="http://schemas.openxmlformats.org/markup-compatibility/2006">
-        <mc:Choice xmlns:a14="http://schemas.microsoft.com/office/drawing/2010/main" Requires="a14">
+      <mc:AlternateContent xmlns:mc="http://schemas.openxmlformats.org/markup-compatibility/2006" xmlns:a14="http://schemas.microsoft.com/office/drawing/2010/main">
+        <mc:Choice Requires="a14">
           <p:sp>
             <p:nvSpPr>
               <p:cNvPr id="3" name="Content Placeholder 2"/>
@@ -6769,7 +6773,7 @@
             </p:txBody>
           </p:sp>
         </mc:Choice>
-        <mc:Fallback>
+        <mc:Fallback xmlns="">
           <p:sp>
             <p:nvSpPr>
               <p:cNvPr id="3" name="Content Placeholder 2"/>
@@ -6876,8 +6880,8 @@
           </a:p>
         </p:txBody>
       </p:sp>
-      <mc:AlternateContent xmlns:mc="http://schemas.openxmlformats.org/markup-compatibility/2006">
-        <mc:Choice xmlns:a14="http://schemas.microsoft.com/office/drawing/2010/main" Requires="a14">
+      <mc:AlternateContent xmlns:mc="http://schemas.openxmlformats.org/markup-compatibility/2006" xmlns:a14="http://schemas.microsoft.com/office/drawing/2010/main">
+        <mc:Choice Requires="a14">
           <p:sp>
             <p:nvSpPr>
               <p:cNvPr id="3" name="Content Placeholder 2"/>
@@ -7219,7 +7223,7 @@
             </p:txBody>
           </p:sp>
         </mc:Choice>
-        <mc:Fallback>
+        <mc:Fallback xmlns="">
           <p:sp>
             <p:nvSpPr>
               <p:cNvPr id="3" name="Content Placeholder 2"/>
@@ -7326,8 +7330,8 @@
           </a:p>
         </p:txBody>
       </p:sp>
-      <mc:AlternateContent xmlns:mc="http://schemas.openxmlformats.org/markup-compatibility/2006">
-        <mc:Choice xmlns:a14="http://schemas.microsoft.com/office/drawing/2010/main" Requires="a14">
+      <mc:AlternateContent xmlns:mc="http://schemas.openxmlformats.org/markup-compatibility/2006" xmlns:a14="http://schemas.microsoft.com/office/drawing/2010/main">
+        <mc:Choice Requires="a14">
           <p:sp>
             <p:nvSpPr>
               <p:cNvPr id="3" name="Content Placeholder 2"/>
@@ -8033,7 +8037,7 @@
             </p:txBody>
           </p:sp>
         </mc:Choice>
-        <mc:Fallback>
+        <mc:Fallback xmlns="">
           <p:sp>
             <p:nvSpPr>
               <p:cNvPr id="3" name="Content Placeholder 2"/>
@@ -8140,8 +8144,8 @@
           </a:p>
         </p:txBody>
       </p:sp>
-      <mc:AlternateContent xmlns:mc="http://schemas.openxmlformats.org/markup-compatibility/2006">
-        <mc:Choice xmlns:a14="http://schemas.microsoft.com/office/drawing/2010/main" Requires="a14">
+      <mc:AlternateContent xmlns:mc="http://schemas.openxmlformats.org/markup-compatibility/2006" xmlns:a14="http://schemas.microsoft.com/office/drawing/2010/main">
+        <mc:Choice Requires="a14">
           <p:sp>
             <p:nvSpPr>
               <p:cNvPr id="3" name="Content Placeholder 2"/>
@@ -8853,10 +8857,6 @@
                   </a:rPr>
                   <a:t>Calculus brings us to the following estimates: </a:t>
                 </a:r>
-                <a:endParaRPr lang="en-US" sz="2800" cap="none" dirty="0" smtClean="0">
-                  <a:latin typeface="Calibri" panose="020F0502020204030204" pitchFamily="34" charset="0"/>
-                  <a:cs typeface="Calibri" panose="020F0502020204030204" pitchFamily="34" charset="0"/>
-                </a:endParaRPr>
               </a:p>
               <a:p>
                 <a:pPr lvl="1"/>
@@ -8868,7 +8868,7 @@
             </p:txBody>
           </p:sp>
         </mc:Choice>
-        <mc:Fallback>
+        <mc:Fallback xmlns="">
           <p:sp>
             <p:nvSpPr>
               <p:cNvPr id="3" name="Content Placeholder 2"/>
@@ -9238,8 +9238,8 @@
           </a:p>
         </p:txBody>
       </p:sp>
-      <mc:AlternateContent xmlns:mc="http://schemas.openxmlformats.org/markup-compatibility/2006">
-        <mc:Choice xmlns:a14="http://schemas.microsoft.com/office/drawing/2010/main" Requires="a14">
+      <mc:AlternateContent xmlns:mc="http://schemas.openxmlformats.org/markup-compatibility/2006" xmlns:a14="http://schemas.microsoft.com/office/drawing/2010/main">
+        <mc:Choice Requires="a14">
           <p:sp>
             <p:nvSpPr>
               <p:cNvPr id="3" name="Content Placeholder 2"/>
@@ -9410,7 +9410,7 @@
             </p:txBody>
           </p:sp>
         </mc:Choice>
-        <mc:Fallback>
+        <mc:Fallback xmlns="">
           <p:sp>
             <p:nvSpPr>
               <p:cNvPr id="3" name="Content Placeholder 2"/>
@@ -9517,8 +9517,8 @@
           </a:p>
         </p:txBody>
       </p:sp>
-      <mc:AlternateContent xmlns:mc="http://schemas.openxmlformats.org/markup-compatibility/2006">
-        <mc:Choice xmlns:a14="http://schemas.microsoft.com/office/drawing/2010/main" Requires="a14">
+      <mc:AlternateContent xmlns:mc="http://schemas.openxmlformats.org/markup-compatibility/2006" xmlns:a14="http://schemas.microsoft.com/office/drawing/2010/main">
+        <mc:Choice Requires="a14">
           <p:sp>
             <p:nvSpPr>
               <p:cNvPr id="3" name="Content Placeholder 2"/>
@@ -9727,7 +9727,7 @@
             </p:txBody>
           </p:sp>
         </mc:Choice>
-        <mc:Fallback>
+        <mc:Fallback xmlns="">
           <p:sp>
             <p:nvSpPr>
               <p:cNvPr id="3" name="Content Placeholder 2"/>
@@ -9834,8 +9834,8 @@
           </a:p>
         </p:txBody>
       </p:sp>
-      <mc:AlternateContent xmlns:mc="http://schemas.openxmlformats.org/markup-compatibility/2006">
-        <mc:Choice xmlns:a14="http://schemas.microsoft.com/office/drawing/2010/main" Requires="a14">
+      <mc:AlternateContent xmlns:mc="http://schemas.openxmlformats.org/markup-compatibility/2006" xmlns:a14="http://schemas.microsoft.com/office/drawing/2010/main">
+        <mc:Choice Requires="a14">
           <p:sp>
             <p:nvSpPr>
               <p:cNvPr id="3" name="Content Placeholder 2"/>
@@ -10044,7 +10044,7 @@
             </p:txBody>
           </p:sp>
         </mc:Choice>
-        <mc:Fallback>
+        <mc:Fallback xmlns="">
           <p:sp>
             <p:nvSpPr>
               <p:cNvPr id="3" name="Content Placeholder 2"/>
@@ -10557,8 +10557,8 @@
           </a:p>
         </p:txBody>
       </p:sp>
-      <mc:AlternateContent xmlns:mc="http://schemas.openxmlformats.org/markup-compatibility/2006">
-        <mc:Choice xmlns:a14="http://schemas.microsoft.com/office/drawing/2010/main" Requires="a14">
+      <mc:AlternateContent xmlns:mc="http://schemas.openxmlformats.org/markup-compatibility/2006" xmlns:a14="http://schemas.microsoft.com/office/drawing/2010/main">
+        <mc:Choice Requires="a14">
           <p:sp>
             <p:nvSpPr>
               <p:cNvPr id="3" name="Content Placeholder 2"/>
@@ -10735,7 +10735,7 @@
             </p:txBody>
           </p:sp>
         </mc:Choice>
-        <mc:Fallback>
+        <mc:Fallback xmlns="">
           <p:sp>
             <p:nvSpPr>
               <p:cNvPr id="3" name="Content Placeholder 2"/>
@@ -12019,8 +12019,8 @@
           </a:p>
         </p:txBody>
       </p:sp>
-      <mc:AlternateContent xmlns:mc="http://schemas.openxmlformats.org/markup-compatibility/2006">
-        <mc:Choice xmlns:a14="http://schemas.microsoft.com/office/drawing/2010/main" Requires="a14">
+      <mc:AlternateContent xmlns:mc="http://schemas.openxmlformats.org/markup-compatibility/2006" xmlns:a14="http://schemas.microsoft.com/office/drawing/2010/main">
+        <mc:Choice Requires="a14">
           <p:sp>
             <p:nvSpPr>
               <p:cNvPr id="6" name="Content Placeholder 2"/>
@@ -12336,7 +12336,7 @@
             </p:txBody>
           </p:sp>
         </mc:Choice>
-        <mc:Fallback>
+        <mc:Fallback xmlns="">
           <p:sp>
             <p:nvSpPr>
               <p:cNvPr id="6" name="Content Placeholder 2"/>
@@ -13419,8 +13419,8 @@
           </a:p>
         </p:txBody>
       </p:sp>
-      <mc:AlternateContent xmlns:mc="http://schemas.openxmlformats.org/markup-compatibility/2006">
-        <mc:Choice xmlns:a14="http://schemas.microsoft.com/office/drawing/2010/main" Requires="a14">
+      <mc:AlternateContent xmlns:mc="http://schemas.openxmlformats.org/markup-compatibility/2006" xmlns:a14="http://schemas.microsoft.com/office/drawing/2010/main">
+        <mc:Choice Requires="a14">
           <p:sp>
             <p:nvSpPr>
               <p:cNvPr id="6" name="Content Placeholder 2"/>
@@ -13731,7 +13731,7 @@
             </p:txBody>
           </p:sp>
         </mc:Choice>
-        <mc:Fallback>
+        <mc:Fallback xmlns="">
           <p:sp>
             <p:nvSpPr>
               <p:cNvPr id="6" name="Content Placeholder 2"/>
@@ -13907,8 +13907,8 @@
           </a:p>
         </p:txBody>
       </p:sp>
-      <mc:AlternateContent xmlns:mc="http://schemas.openxmlformats.org/markup-compatibility/2006">
-        <mc:Choice xmlns:a14="http://schemas.microsoft.com/office/drawing/2010/main" Requires="a14">
+      <mc:AlternateContent xmlns:mc="http://schemas.openxmlformats.org/markup-compatibility/2006" xmlns:a14="http://schemas.microsoft.com/office/drawing/2010/main">
+        <mc:Choice Requires="a14">
           <p:sp>
             <p:nvSpPr>
               <p:cNvPr id="6" name="Content Placeholder 2"/>
@@ -14229,7 +14229,7 @@
             </p:txBody>
           </p:sp>
         </mc:Choice>
-        <mc:Fallback>
+        <mc:Fallback xmlns="">
           <p:sp>
             <p:nvSpPr>
               <p:cNvPr id="6" name="Content Placeholder 2"/>
@@ -14405,8 +14405,8 @@
           </a:p>
         </p:txBody>
       </p:sp>
-      <mc:AlternateContent xmlns:mc="http://schemas.openxmlformats.org/markup-compatibility/2006">
-        <mc:Choice xmlns:a14="http://schemas.microsoft.com/office/drawing/2010/main" Requires="a14">
+      <mc:AlternateContent xmlns:mc="http://schemas.openxmlformats.org/markup-compatibility/2006" xmlns:a14="http://schemas.microsoft.com/office/drawing/2010/main">
+        <mc:Choice Requires="a14">
           <p:sp>
             <p:nvSpPr>
               <p:cNvPr id="6" name="Content Placeholder 2"/>
@@ -14737,7 +14737,7 @@
             </p:txBody>
           </p:sp>
         </mc:Choice>
-        <mc:Fallback>
+        <mc:Fallback xmlns="">
           <p:sp>
             <p:nvSpPr>
               <p:cNvPr id="6" name="Content Placeholder 2"/>
@@ -14913,8 +14913,8 @@
           </a:p>
         </p:txBody>
       </p:sp>
-      <mc:AlternateContent xmlns:mc="http://schemas.openxmlformats.org/markup-compatibility/2006">
-        <mc:Choice xmlns:a14="http://schemas.microsoft.com/office/drawing/2010/main" Requires="a14">
+      <mc:AlternateContent xmlns:mc="http://schemas.openxmlformats.org/markup-compatibility/2006" xmlns:a14="http://schemas.microsoft.com/office/drawing/2010/main">
+        <mc:Choice Requires="a14">
           <p:sp>
             <p:nvSpPr>
               <p:cNvPr id="6" name="Content Placeholder 2"/>
@@ -15383,7 +15383,7 @@
             </p:txBody>
           </p:sp>
         </mc:Choice>
-        <mc:Fallback>
+        <mc:Fallback xmlns="">
           <p:sp>
             <p:nvSpPr>
               <p:cNvPr id="6" name="Content Placeholder 2"/>
@@ -15938,8 +15938,8 @@
           </a:p>
         </p:txBody>
       </p:sp>
-      <mc:AlternateContent xmlns:mc="http://schemas.openxmlformats.org/markup-compatibility/2006">
-        <mc:Choice xmlns:a14="http://schemas.microsoft.com/office/drawing/2010/main" Requires="a14">
+      <mc:AlternateContent xmlns:mc="http://schemas.openxmlformats.org/markup-compatibility/2006" xmlns:a14="http://schemas.microsoft.com/office/drawing/2010/main">
+        <mc:Choice Requires="a14">
           <p:sp>
             <p:nvSpPr>
               <p:cNvPr id="6" name="Content Placeholder 2"/>
@@ -16318,7 +16318,7 @@
             </p:txBody>
           </p:sp>
         </mc:Choice>
-        <mc:Fallback>
+        <mc:Fallback xmlns="">
           <p:sp>
             <p:nvSpPr>
               <p:cNvPr id="6" name="Content Placeholder 2"/>
@@ -16494,8 +16494,8 @@
           </a:p>
         </p:txBody>
       </p:sp>
-      <mc:AlternateContent xmlns:mc="http://schemas.openxmlformats.org/markup-compatibility/2006">
-        <mc:Choice xmlns:a14="http://schemas.microsoft.com/office/drawing/2010/main" Requires="a14">
+      <mc:AlternateContent xmlns:mc="http://schemas.openxmlformats.org/markup-compatibility/2006" xmlns:a14="http://schemas.microsoft.com/office/drawing/2010/main">
+        <mc:Choice Requires="a14">
           <p:sp>
             <p:nvSpPr>
               <p:cNvPr id="6" name="Content Placeholder 2"/>
@@ -16884,7 +16884,7 @@
             </p:txBody>
           </p:sp>
         </mc:Choice>
-        <mc:Fallback>
+        <mc:Fallback xmlns="">
           <p:sp>
             <p:nvSpPr>
               <p:cNvPr id="6" name="Content Placeholder 2"/>
@@ -17060,8 +17060,8 @@
           </a:p>
         </p:txBody>
       </p:sp>
-      <mc:AlternateContent xmlns:mc="http://schemas.openxmlformats.org/markup-compatibility/2006">
-        <mc:Choice xmlns:a14="http://schemas.microsoft.com/office/drawing/2010/main" Requires="a14">
+      <mc:AlternateContent xmlns:mc="http://schemas.openxmlformats.org/markup-compatibility/2006" xmlns:a14="http://schemas.microsoft.com/office/drawing/2010/main">
+        <mc:Choice Requires="a14">
           <p:sp>
             <p:nvSpPr>
               <p:cNvPr id="6" name="Content Placeholder 2"/>
@@ -17460,7 +17460,7 @@
             </p:txBody>
           </p:sp>
         </mc:Choice>
-        <mc:Fallback>
+        <mc:Fallback xmlns="">
           <p:sp>
             <p:nvSpPr>
               <p:cNvPr id="6" name="Content Placeholder 2"/>
@@ -18177,8 +18177,8 @@
           </a:p>
         </p:txBody>
       </p:sp>
-      <mc:AlternateContent xmlns:mc="http://schemas.openxmlformats.org/markup-compatibility/2006">
-        <mc:Choice xmlns:a14="http://schemas.microsoft.com/office/drawing/2010/main" Requires="a14">
+      <mc:AlternateContent xmlns:mc="http://schemas.openxmlformats.org/markup-compatibility/2006" xmlns:a14="http://schemas.microsoft.com/office/drawing/2010/main">
+        <mc:Choice Requires="a14">
           <p:sp>
             <p:nvSpPr>
               <p:cNvPr id="6" name="Content Placeholder 2"/>
@@ -18699,7 +18699,7 @@
             </p:txBody>
           </p:sp>
         </mc:Choice>
-        <mc:Fallback>
+        <mc:Fallback xmlns="">
           <p:sp>
             <p:nvSpPr>
               <p:cNvPr id="6" name="Content Placeholder 2"/>
@@ -18831,8 +18831,8 @@
           </a:p>
         </p:txBody>
       </p:sp>
-      <mc:AlternateContent xmlns:mc="http://schemas.openxmlformats.org/markup-compatibility/2006">
-        <mc:Choice xmlns:a14="http://schemas.microsoft.com/office/drawing/2010/main" Requires="a14">
+      <mc:AlternateContent xmlns:mc="http://schemas.openxmlformats.org/markup-compatibility/2006" xmlns:a14="http://schemas.microsoft.com/office/drawing/2010/main">
+        <mc:Choice Requires="a14">
           <p:sp>
             <p:nvSpPr>
               <p:cNvPr id="6" name="Content Placeholder 2"/>
@@ -19363,7 +19363,7 @@
             </p:txBody>
           </p:sp>
         </mc:Choice>
-        <mc:Fallback>
+        <mc:Fallback xmlns="">
           <p:sp>
             <p:nvSpPr>
               <p:cNvPr id="6" name="Content Placeholder 2"/>
@@ -19495,8 +19495,8 @@
           </a:p>
         </p:txBody>
       </p:sp>
-      <mc:AlternateContent xmlns:mc="http://schemas.openxmlformats.org/markup-compatibility/2006">
-        <mc:Choice xmlns:a14="http://schemas.microsoft.com/office/drawing/2010/main" Requires="a14">
+      <mc:AlternateContent xmlns:mc="http://schemas.openxmlformats.org/markup-compatibility/2006" xmlns:a14="http://schemas.microsoft.com/office/drawing/2010/main">
+        <mc:Choice Requires="a14">
           <p:sp>
             <p:nvSpPr>
               <p:cNvPr id="6" name="Content Placeholder 2"/>
@@ -20055,7 +20055,7 @@
             </p:txBody>
           </p:sp>
         </mc:Choice>
-        <mc:Fallback>
+        <mc:Fallback xmlns="">
           <p:sp>
             <p:nvSpPr>
               <p:cNvPr id="6" name="Content Placeholder 2"/>
@@ -22684,8 +22684,8 @@
           </a:p>
         </p:txBody>
       </p:sp>
-      <mc:AlternateContent xmlns:mc="http://schemas.openxmlformats.org/markup-compatibility/2006">
-        <mc:Choice xmlns:a14="http://schemas.microsoft.com/office/drawing/2010/main" Requires="a14">
+      <mc:AlternateContent xmlns:mc="http://schemas.openxmlformats.org/markup-compatibility/2006" xmlns:a14="http://schemas.microsoft.com/office/drawing/2010/main">
+        <mc:Choice Requires="a14">
           <p:sp>
             <p:nvSpPr>
               <p:cNvPr id="3" name="Content Placeholder 2"/>
@@ -22834,7 +22834,7 @@
             </p:txBody>
           </p:sp>
         </mc:Choice>
-        <mc:Fallback>
+        <mc:Fallback xmlns="">
           <p:sp>
             <p:nvSpPr>
               <p:cNvPr id="3" name="Content Placeholder 2"/>
@@ -23682,8 +23682,8 @@
           </a:p>
         </p:txBody>
       </p:sp>
-      <mc:AlternateContent xmlns:mc="http://schemas.openxmlformats.org/markup-compatibility/2006">
-        <mc:Choice xmlns:a14="http://schemas.microsoft.com/office/drawing/2010/main" Requires="a14">
+      <mc:AlternateContent xmlns:mc="http://schemas.openxmlformats.org/markup-compatibility/2006" xmlns:a14="http://schemas.microsoft.com/office/drawing/2010/main">
+        <mc:Choice Requires="a14">
           <p:sp>
             <p:nvSpPr>
               <p:cNvPr id="6" name="Content Placeholder 2"/>
@@ -24147,7 +24147,7 @@
             </p:txBody>
           </p:sp>
         </mc:Choice>
-        <mc:Fallback>
+        <mc:Fallback xmlns="">
           <p:sp>
             <p:nvSpPr>
               <p:cNvPr id="6" name="Content Placeholder 2"/>
@@ -25766,8 +25766,8 @@
           </a:p>
         </p:txBody>
       </p:sp>
-      <mc:AlternateContent xmlns:mc="http://schemas.openxmlformats.org/markup-compatibility/2006">
-        <mc:Choice xmlns:a14="http://schemas.microsoft.com/office/drawing/2010/main" Requires="a14">
+      <mc:AlternateContent xmlns:mc="http://schemas.openxmlformats.org/markup-compatibility/2006" xmlns:a14="http://schemas.microsoft.com/office/drawing/2010/main">
+        <mc:Choice Requires="a14">
           <p:sp>
             <p:nvSpPr>
               <p:cNvPr id="6" name="Content Placeholder 2"/>
@@ -26145,7 +26145,7 @@
             </p:txBody>
           </p:sp>
         </mc:Choice>
-        <mc:Fallback>
+        <mc:Fallback xmlns="">
           <p:sp>
             <p:nvSpPr>
               <p:cNvPr id="6" name="Content Placeholder 2"/>
@@ -26979,8 +26979,8 @@
           </a:p>
         </p:txBody>
       </p:sp>
-      <mc:AlternateContent xmlns:mc="http://schemas.openxmlformats.org/markup-compatibility/2006">
-        <mc:Choice xmlns:a14="http://schemas.microsoft.com/office/drawing/2010/main" Requires="a14">
+      <mc:AlternateContent xmlns:mc="http://schemas.openxmlformats.org/markup-compatibility/2006" xmlns:a14="http://schemas.microsoft.com/office/drawing/2010/main">
+        <mc:Choice Requires="a14">
           <p:sp>
             <p:nvSpPr>
               <p:cNvPr id="3" name="Content Placeholder 2"/>
@@ -27149,7 +27149,7 @@
             </p:txBody>
           </p:sp>
         </mc:Choice>
-        <mc:Fallback>
+        <mc:Fallback xmlns="">
           <p:sp>
             <p:nvSpPr>
               <p:cNvPr id="3" name="Content Placeholder 2"/>
@@ -27646,304 +27646,396 @@
           </a:p>
         </p:txBody>
       </p:sp>
-      <p:sp>
-        <p:nvSpPr>
-          <p:cNvPr id="6" name="Content Placeholder 2"/>
-          <p:cNvSpPr txBox="1">
-            <a:spLocks/>
-          </p:cNvSpPr>
-          <p:nvPr/>
-        </p:nvSpPr>
-        <p:spPr>
-          <a:xfrm>
-            <a:off x="913775" y="1639461"/>
-            <a:ext cx="10364451" cy="4830350"/>
-          </a:xfrm>
-          <a:prstGeom prst="rect">
-            <a:avLst/>
-          </a:prstGeom>
-        </p:spPr>
-        <p:txBody>
-          <a:bodyPr vert="horz" lIns="91440" tIns="45720" rIns="91440" bIns="45720" rtlCol="0">
-            <a:normAutofit/>
-          </a:bodyPr>
-          <a:lstStyle>
-            <a:lvl1pPr marL="228600" indent="-228600" algn="l" defTabSz="914400" rtl="0" eaLnBrk="1" latinLnBrk="0" hangingPunct="1">
-              <a:lnSpc>
-                <a:spcPct val="120000"/>
-              </a:lnSpc>
-              <a:spcBef>
-                <a:spcPts val="1000"/>
-              </a:spcBef>
-              <a:buClr>
-                <a:schemeClr val="tx1"/>
-              </a:buClr>
-              <a:buFont typeface="Arial" panose="020B0604020202020204" pitchFamily="34" charset="0"/>
-              <a:buChar char="•"/>
-              <a:defRPr sz="2000" kern="1200" cap="all" baseline="0">
-                <a:solidFill>
-                  <a:schemeClr val="tx1"/>
-                </a:solidFill>
-                <a:effectLst/>
-                <a:latin typeface="+mn-lt"/>
-                <a:ea typeface="+mn-ea"/>
-                <a:cs typeface="+mn-cs"/>
-              </a:defRPr>
-            </a:lvl1pPr>
-            <a:lvl2pPr marL="685800" indent="-228600" algn="l" defTabSz="914400" rtl="0" eaLnBrk="1" latinLnBrk="0" hangingPunct="1">
-              <a:lnSpc>
-                <a:spcPct val="120000"/>
-              </a:lnSpc>
-              <a:spcBef>
-                <a:spcPts val="500"/>
-              </a:spcBef>
-              <a:buClr>
-                <a:schemeClr val="tx1"/>
-              </a:buClr>
-              <a:buFont typeface="Arial" panose="020B0604020202020204" pitchFamily="34" charset="0"/>
-              <a:buChar char="•"/>
-              <a:defRPr sz="1800" kern="1200" cap="all" baseline="0">
-                <a:solidFill>
-                  <a:schemeClr val="tx1"/>
-                </a:solidFill>
-                <a:effectLst/>
-                <a:latin typeface="+mn-lt"/>
-                <a:ea typeface="+mn-ea"/>
-                <a:cs typeface="+mn-cs"/>
-              </a:defRPr>
-            </a:lvl2pPr>
-            <a:lvl3pPr marL="1143000" indent="-228600" algn="l" defTabSz="914400" rtl="0" eaLnBrk="1" latinLnBrk="0" hangingPunct="1">
-              <a:lnSpc>
-                <a:spcPct val="120000"/>
-              </a:lnSpc>
-              <a:spcBef>
-                <a:spcPts val="500"/>
-              </a:spcBef>
-              <a:buClr>
-                <a:schemeClr val="tx1"/>
-              </a:buClr>
-              <a:buFont typeface="Arial" panose="020B0604020202020204" pitchFamily="34" charset="0"/>
-              <a:buChar char="•"/>
-              <a:defRPr sz="1600" kern="1200" cap="all" baseline="0">
-                <a:solidFill>
-                  <a:schemeClr val="tx1"/>
-                </a:solidFill>
-                <a:effectLst/>
-                <a:latin typeface="+mn-lt"/>
-                <a:ea typeface="+mn-ea"/>
-                <a:cs typeface="+mn-cs"/>
-              </a:defRPr>
-            </a:lvl3pPr>
-            <a:lvl4pPr marL="1600200" indent="-228600" algn="l" defTabSz="914400" rtl="0" eaLnBrk="1" latinLnBrk="0" hangingPunct="1">
-              <a:lnSpc>
-                <a:spcPct val="120000"/>
-              </a:lnSpc>
-              <a:spcBef>
-                <a:spcPts val="500"/>
-              </a:spcBef>
-              <a:buClr>
-                <a:schemeClr val="tx1"/>
-              </a:buClr>
-              <a:buFont typeface="Arial" panose="020B0604020202020204" pitchFamily="34" charset="0"/>
-              <a:buChar char="•"/>
-              <a:defRPr sz="1400" kern="1200" cap="all" baseline="0">
-                <a:solidFill>
-                  <a:schemeClr val="tx1"/>
-                </a:solidFill>
-                <a:effectLst/>
-                <a:latin typeface="+mn-lt"/>
-                <a:ea typeface="+mn-ea"/>
-                <a:cs typeface="+mn-cs"/>
-              </a:defRPr>
-            </a:lvl4pPr>
-            <a:lvl5pPr marL="2057400" indent="-228600" algn="l" defTabSz="914400" rtl="0" eaLnBrk="1" latinLnBrk="0" hangingPunct="1">
-              <a:lnSpc>
-                <a:spcPct val="120000"/>
-              </a:lnSpc>
-              <a:spcBef>
-                <a:spcPts val="500"/>
-              </a:spcBef>
-              <a:buClr>
-                <a:schemeClr val="tx1"/>
-              </a:buClr>
-              <a:buFont typeface="Arial" panose="020B0604020202020204" pitchFamily="34" charset="0"/>
-              <a:buChar char="•"/>
-              <a:defRPr sz="1400" kern="1200" cap="all" baseline="0">
-                <a:solidFill>
-                  <a:schemeClr val="tx1"/>
-                </a:solidFill>
-                <a:effectLst/>
-                <a:latin typeface="+mn-lt"/>
-                <a:ea typeface="+mn-ea"/>
-                <a:cs typeface="+mn-cs"/>
-              </a:defRPr>
-            </a:lvl5pPr>
-            <a:lvl6pPr marL="2514600" indent="-228600" algn="l" defTabSz="914400" rtl="0" eaLnBrk="1" latinLnBrk="0" hangingPunct="1">
-              <a:lnSpc>
-                <a:spcPct val="120000"/>
-              </a:lnSpc>
-              <a:spcBef>
-                <a:spcPts val="500"/>
-              </a:spcBef>
-              <a:buClr>
-                <a:schemeClr val="tx1"/>
-              </a:buClr>
-              <a:buFont typeface="Arial" panose="020B0604020202020204" pitchFamily="34" charset="0"/>
-              <a:buChar char="•"/>
-              <a:defRPr sz="1400" kern="1200" cap="all" baseline="0">
-                <a:solidFill>
-                  <a:schemeClr val="tx1"/>
-                </a:solidFill>
-                <a:effectLst/>
-                <a:latin typeface="+mn-lt"/>
-                <a:ea typeface="+mn-ea"/>
-                <a:cs typeface="+mn-cs"/>
-              </a:defRPr>
-            </a:lvl6pPr>
-            <a:lvl7pPr marL="2971800" indent="-228600" algn="l" defTabSz="914400" rtl="0" eaLnBrk="1" latinLnBrk="0" hangingPunct="1">
-              <a:lnSpc>
-                <a:spcPct val="120000"/>
-              </a:lnSpc>
-              <a:spcBef>
-                <a:spcPts val="500"/>
-              </a:spcBef>
-              <a:buClr>
-                <a:schemeClr val="tx1"/>
-              </a:buClr>
-              <a:buFont typeface="Arial" panose="020B0604020202020204" pitchFamily="34" charset="0"/>
-              <a:buChar char="•"/>
-              <a:defRPr sz="1400" kern="1200" cap="all" baseline="0">
-                <a:solidFill>
-                  <a:schemeClr val="tx1"/>
-                </a:solidFill>
-                <a:effectLst/>
-                <a:latin typeface="+mn-lt"/>
-                <a:ea typeface="+mn-ea"/>
-                <a:cs typeface="+mn-cs"/>
-              </a:defRPr>
-            </a:lvl7pPr>
-            <a:lvl8pPr marL="3429000" indent="-228600" algn="l" defTabSz="914400" rtl="0" eaLnBrk="1" latinLnBrk="0" hangingPunct="1">
-              <a:lnSpc>
-                <a:spcPct val="120000"/>
-              </a:lnSpc>
-              <a:spcBef>
-                <a:spcPts val="500"/>
-              </a:spcBef>
-              <a:buClr>
-                <a:schemeClr val="tx1"/>
-              </a:buClr>
-              <a:buFont typeface="Arial" panose="020B0604020202020204" pitchFamily="34" charset="0"/>
-              <a:buChar char="•"/>
-              <a:defRPr sz="1400" kern="1200" cap="all" baseline="0">
-                <a:solidFill>
-                  <a:schemeClr val="tx1"/>
-                </a:solidFill>
-                <a:effectLst/>
-                <a:latin typeface="+mn-lt"/>
-                <a:ea typeface="+mn-ea"/>
-                <a:cs typeface="+mn-cs"/>
-              </a:defRPr>
-            </a:lvl8pPr>
-            <a:lvl9pPr marL="3886200" indent="-228600" algn="l" defTabSz="914400" rtl="0" eaLnBrk="1" latinLnBrk="0" hangingPunct="1">
-              <a:lnSpc>
-                <a:spcPct val="120000"/>
-              </a:lnSpc>
-              <a:spcBef>
-                <a:spcPts val="500"/>
-              </a:spcBef>
-              <a:buClr>
-                <a:schemeClr val="tx1"/>
-              </a:buClr>
-              <a:buFont typeface="Arial" panose="020B0604020202020204" pitchFamily="34" charset="0"/>
-              <a:buChar char="•"/>
-              <a:defRPr sz="1400" kern="1200" cap="all" baseline="0">
-                <a:solidFill>
-                  <a:schemeClr val="tx1"/>
-                </a:solidFill>
-                <a:effectLst/>
-                <a:latin typeface="+mn-lt"/>
-                <a:ea typeface="+mn-ea"/>
-                <a:cs typeface="+mn-cs"/>
-              </a:defRPr>
-            </a:lvl9pPr>
-          </a:lstStyle>
-          <a:p>
-            <a:pPr lvl="1"/>
-            <a:r>
-              <a:rPr lang="en-US" sz="2800" cap="none" dirty="0">
-                <a:latin typeface="Calibri" panose="020F0502020204030204" pitchFamily="34" charset="0"/>
-                <a:cs typeface="Calibri" panose="020F0502020204030204" pitchFamily="34" charset="0"/>
-              </a:rPr>
-              <a:t>2. </a:t>
-            </a:r>
-            <a:r>
-              <a:rPr lang="en-US" sz="2800" cap="none" dirty="0" smtClean="0">
-                <a:latin typeface="Calibri" panose="020F0502020204030204" pitchFamily="34" charset="0"/>
-                <a:cs typeface="Calibri" panose="020F0502020204030204" pitchFamily="34" charset="0"/>
-              </a:rPr>
-              <a:t>Do </a:t>
-            </a:r>
-            <a:r>
-              <a:rPr lang="en-US" sz="2800" cap="none" dirty="0">
-                <a:latin typeface="Calibri" panose="020F0502020204030204" pitchFamily="34" charset="0"/>
-                <a:cs typeface="Calibri" panose="020F0502020204030204" pitchFamily="34" charset="0"/>
-              </a:rPr>
-              <a:t>all predictors help explain the response, or only a subset?</a:t>
-            </a:r>
-          </a:p>
-          <a:p>
-            <a:pPr lvl="2"/>
-            <a:r>
-              <a:rPr lang="en-US" sz="2600" cap="none" dirty="0" smtClean="0">
-                <a:latin typeface="Calibri" panose="020F0502020204030204" pitchFamily="34" charset="0"/>
-                <a:cs typeface="Calibri" panose="020F0502020204030204" pitchFamily="34" charset="0"/>
-              </a:rPr>
-              <a:t>There is also Mixed selection, which is a combination of both forward and backward selection</a:t>
-            </a:r>
-          </a:p>
-          <a:p>
-            <a:pPr lvl="2"/>
-            <a:r>
-              <a:rPr lang="en-US" sz="2600" cap="none" dirty="0" smtClean="0">
-                <a:latin typeface="Calibri" panose="020F0502020204030204" pitchFamily="34" charset="0"/>
-                <a:cs typeface="Calibri" panose="020F0502020204030204" pitchFamily="34" charset="0"/>
-              </a:rPr>
-              <a:t>Backward selection will not work if </a:t>
-            </a:r>
-            <a:r>
-              <a:rPr lang="en-US" sz="2600" b="1" cap="none" dirty="0" smtClean="0">
-                <a:latin typeface="Calibri" panose="020F0502020204030204" pitchFamily="34" charset="0"/>
-                <a:cs typeface="Calibri" panose="020F0502020204030204" pitchFamily="34" charset="0"/>
-              </a:rPr>
-              <a:t>p &gt; n</a:t>
-            </a:r>
-          </a:p>
-          <a:p>
-            <a:pPr lvl="2"/>
-            <a:r>
-              <a:rPr lang="en-US" sz="2600" cap="none" dirty="0" smtClean="0">
-                <a:latin typeface="Calibri" panose="020F0502020204030204" pitchFamily="34" charset="0"/>
-                <a:cs typeface="Calibri" panose="020F0502020204030204" pitchFamily="34" charset="0"/>
-              </a:rPr>
-              <a:t>This is because we do not have enough data to optimize the predictors. In this situation, start with forward selection, or use a different ML algorithm! </a:t>
-            </a:r>
-          </a:p>
-          <a:p>
-            <a:pPr lvl="1"/>
-            <a:endParaRPr lang="en-US" sz="2800" cap="none" dirty="0" smtClean="0">
-              <a:latin typeface="Calibri" panose="020F0502020204030204" pitchFamily="34" charset="0"/>
-              <a:cs typeface="Calibri" panose="020F0502020204030204" pitchFamily="34" charset="0"/>
-            </a:endParaRPr>
-          </a:p>
-          <a:p>
-            <a:pPr lvl="2"/>
-            <a:endParaRPr lang="en-US" sz="2800" cap="none" dirty="0" smtClean="0">
-              <a:latin typeface="Calibri" panose="020F0502020204030204" pitchFamily="34" charset="0"/>
-              <a:cs typeface="Calibri" panose="020F0502020204030204" pitchFamily="34" charset="0"/>
-            </a:endParaRPr>
-          </a:p>
-        </p:txBody>
-      </p:sp>
+      <mc:AlternateContent xmlns:mc="http://schemas.openxmlformats.org/markup-compatibility/2006">
+        <mc:Choice xmlns:a14="http://schemas.microsoft.com/office/drawing/2010/main" Requires="a14">
+          <p:sp>
+            <p:nvSpPr>
+              <p:cNvPr id="6" name="Content Placeholder 2"/>
+              <p:cNvSpPr txBox="1">
+                <a:spLocks/>
+              </p:cNvSpPr>
+              <p:nvPr/>
+            </p:nvSpPr>
+            <p:spPr>
+              <a:xfrm>
+                <a:off x="913775" y="1639461"/>
+                <a:ext cx="10364451" cy="4830350"/>
+              </a:xfrm>
+              <a:prstGeom prst="rect">
+                <a:avLst/>
+              </a:prstGeom>
+            </p:spPr>
+            <p:txBody>
+              <a:bodyPr vert="horz" lIns="91440" tIns="45720" rIns="91440" bIns="45720" rtlCol="0">
+                <a:normAutofit/>
+              </a:bodyPr>
+              <a:lstStyle>
+                <a:lvl1pPr marL="228600" indent="-228600" algn="l" defTabSz="914400" rtl="0" eaLnBrk="1" latinLnBrk="0" hangingPunct="1">
+                  <a:lnSpc>
+                    <a:spcPct val="120000"/>
+                  </a:lnSpc>
+                  <a:spcBef>
+                    <a:spcPts val="1000"/>
+                  </a:spcBef>
+                  <a:buClr>
+                    <a:schemeClr val="tx1"/>
+                  </a:buClr>
+                  <a:buFont typeface="Arial" panose="020B0604020202020204" pitchFamily="34" charset="0"/>
+                  <a:buChar char="•"/>
+                  <a:defRPr sz="2000" kern="1200" cap="all" baseline="0">
+                    <a:solidFill>
+                      <a:schemeClr val="tx1"/>
+                    </a:solidFill>
+                    <a:effectLst/>
+                    <a:latin typeface="+mn-lt"/>
+                    <a:ea typeface="+mn-ea"/>
+                    <a:cs typeface="+mn-cs"/>
+                  </a:defRPr>
+                </a:lvl1pPr>
+                <a:lvl2pPr marL="685800" indent="-228600" algn="l" defTabSz="914400" rtl="0" eaLnBrk="1" latinLnBrk="0" hangingPunct="1">
+                  <a:lnSpc>
+                    <a:spcPct val="120000"/>
+                  </a:lnSpc>
+                  <a:spcBef>
+                    <a:spcPts val="500"/>
+                  </a:spcBef>
+                  <a:buClr>
+                    <a:schemeClr val="tx1"/>
+                  </a:buClr>
+                  <a:buFont typeface="Arial" panose="020B0604020202020204" pitchFamily="34" charset="0"/>
+                  <a:buChar char="•"/>
+                  <a:defRPr sz="1800" kern="1200" cap="all" baseline="0">
+                    <a:solidFill>
+                      <a:schemeClr val="tx1"/>
+                    </a:solidFill>
+                    <a:effectLst/>
+                    <a:latin typeface="+mn-lt"/>
+                    <a:ea typeface="+mn-ea"/>
+                    <a:cs typeface="+mn-cs"/>
+                  </a:defRPr>
+                </a:lvl2pPr>
+                <a:lvl3pPr marL="1143000" indent="-228600" algn="l" defTabSz="914400" rtl="0" eaLnBrk="1" latinLnBrk="0" hangingPunct="1">
+                  <a:lnSpc>
+                    <a:spcPct val="120000"/>
+                  </a:lnSpc>
+                  <a:spcBef>
+                    <a:spcPts val="500"/>
+                  </a:spcBef>
+                  <a:buClr>
+                    <a:schemeClr val="tx1"/>
+                  </a:buClr>
+                  <a:buFont typeface="Arial" panose="020B0604020202020204" pitchFamily="34" charset="0"/>
+                  <a:buChar char="•"/>
+                  <a:defRPr sz="1600" kern="1200" cap="all" baseline="0">
+                    <a:solidFill>
+                      <a:schemeClr val="tx1"/>
+                    </a:solidFill>
+                    <a:effectLst/>
+                    <a:latin typeface="+mn-lt"/>
+                    <a:ea typeface="+mn-ea"/>
+                    <a:cs typeface="+mn-cs"/>
+                  </a:defRPr>
+                </a:lvl3pPr>
+                <a:lvl4pPr marL="1600200" indent="-228600" algn="l" defTabSz="914400" rtl="0" eaLnBrk="1" latinLnBrk="0" hangingPunct="1">
+                  <a:lnSpc>
+                    <a:spcPct val="120000"/>
+                  </a:lnSpc>
+                  <a:spcBef>
+                    <a:spcPts val="500"/>
+                  </a:spcBef>
+                  <a:buClr>
+                    <a:schemeClr val="tx1"/>
+                  </a:buClr>
+                  <a:buFont typeface="Arial" panose="020B0604020202020204" pitchFamily="34" charset="0"/>
+                  <a:buChar char="•"/>
+                  <a:defRPr sz="1400" kern="1200" cap="all" baseline="0">
+                    <a:solidFill>
+                      <a:schemeClr val="tx1"/>
+                    </a:solidFill>
+                    <a:effectLst/>
+                    <a:latin typeface="+mn-lt"/>
+                    <a:ea typeface="+mn-ea"/>
+                    <a:cs typeface="+mn-cs"/>
+                  </a:defRPr>
+                </a:lvl4pPr>
+                <a:lvl5pPr marL="2057400" indent="-228600" algn="l" defTabSz="914400" rtl="0" eaLnBrk="1" latinLnBrk="0" hangingPunct="1">
+                  <a:lnSpc>
+                    <a:spcPct val="120000"/>
+                  </a:lnSpc>
+                  <a:spcBef>
+                    <a:spcPts val="500"/>
+                  </a:spcBef>
+                  <a:buClr>
+                    <a:schemeClr val="tx1"/>
+                  </a:buClr>
+                  <a:buFont typeface="Arial" panose="020B0604020202020204" pitchFamily="34" charset="0"/>
+                  <a:buChar char="•"/>
+                  <a:defRPr sz="1400" kern="1200" cap="all" baseline="0">
+                    <a:solidFill>
+                      <a:schemeClr val="tx1"/>
+                    </a:solidFill>
+                    <a:effectLst/>
+                    <a:latin typeface="+mn-lt"/>
+                    <a:ea typeface="+mn-ea"/>
+                    <a:cs typeface="+mn-cs"/>
+                  </a:defRPr>
+                </a:lvl5pPr>
+                <a:lvl6pPr marL="2514600" indent="-228600" algn="l" defTabSz="914400" rtl="0" eaLnBrk="1" latinLnBrk="0" hangingPunct="1">
+                  <a:lnSpc>
+                    <a:spcPct val="120000"/>
+                  </a:lnSpc>
+                  <a:spcBef>
+                    <a:spcPts val="500"/>
+                  </a:spcBef>
+                  <a:buClr>
+                    <a:schemeClr val="tx1"/>
+                  </a:buClr>
+                  <a:buFont typeface="Arial" panose="020B0604020202020204" pitchFamily="34" charset="0"/>
+                  <a:buChar char="•"/>
+                  <a:defRPr sz="1400" kern="1200" cap="all" baseline="0">
+                    <a:solidFill>
+                      <a:schemeClr val="tx1"/>
+                    </a:solidFill>
+                    <a:effectLst/>
+                    <a:latin typeface="+mn-lt"/>
+                    <a:ea typeface="+mn-ea"/>
+                    <a:cs typeface="+mn-cs"/>
+                  </a:defRPr>
+                </a:lvl6pPr>
+                <a:lvl7pPr marL="2971800" indent="-228600" algn="l" defTabSz="914400" rtl="0" eaLnBrk="1" latinLnBrk="0" hangingPunct="1">
+                  <a:lnSpc>
+                    <a:spcPct val="120000"/>
+                  </a:lnSpc>
+                  <a:spcBef>
+                    <a:spcPts val="500"/>
+                  </a:spcBef>
+                  <a:buClr>
+                    <a:schemeClr val="tx1"/>
+                  </a:buClr>
+                  <a:buFont typeface="Arial" panose="020B0604020202020204" pitchFamily="34" charset="0"/>
+                  <a:buChar char="•"/>
+                  <a:defRPr sz="1400" kern="1200" cap="all" baseline="0">
+                    <a:solidFill>
+                      <a:schemeClr val="tx1"/>
+                    </a:solidFill>
+                    <a:effectLst/>
+                    <a:latin typeface="+mn-lt"/>
+                    <a:ea typeface="+mn-ea"/>
+                    <a:cs typeface="+mn-cs"/>
+                  </a:defRPr>
+                </a:lvl7pPr>
+                <a:lvl8pPr marL="3429000" indent="-228600" algn="l" defTabSz="914400" rtl="0" eaLnBrk="1" latinLnBrk="0" hangingPunct="1">
+                  <a:lnSpc>
+                    <a:spcPct val="120000"/>
+                  </a:lnSpc>
+                  <a:spcBef>
+                    <a:spcPts val="500"/>
+                  </a:spcBef>
+                  <a:buClr>
+                    <a:schemeClr val="tx1"/>
+                  </a:buClr>
+                  <a:buFont typeface="Arial" panose="020B0604020202020204" pitchFamily="34" charset="0"/>
+                  <a:buChar char="•"/>
+                  <a:defRPr sz="1400" kern="1200" cap="all" baseline="0">
+                    <a:solidFill>
+                      <a:schemeClr val="tx1"/>
+                    </a:solidFill>
+                    <a:effectLst/>
+                    <a:latin typeface="+mn-lt"/>
+                    <a:ea typeface="+mn-ea"/>
+                    <a:cs typeface="+mn-cs"/>
+                  </a:defRPr>
+                </a:lvl8pPr>
+                <a:lvl9pPr marL="3886200" indent="-228600" algn="l" defTabSz="914400" rtl="0" eaLnBrk="1" latinLnBrk="0" hangingPunct="1">
+                  <a:lnSpc>
+                    <a:spcPct val="120000"/>
+                  </a:lnSpc>
+                  <a:spcBef>
+                    <a:spcPts val="500"/>
+                  </a:spcBef>
+                  <a:buClr>
+                    <a:schemeClr val="tx1"/>
+                  </a:buClr>
+                  <a:buFont typeface="Arial" panose="020B0604020202020204" pitchFamily="34" charset="0"/>
+                  <a:buChar char="•"/>
+                  <a:defRPr sz="1400" kern="1200" cap="all" baseline="0">
+                    <a:solidFill>
+                      <a:schemeClr val="tx1"/>
+                    </a:solidFill>
+                    <a:effectLst/>
+                    <a:latin typeface="+mn-lt"/>
+                    <a:ea typeface="+mn-ea"/>
+                    <a:cs typeface="+mn-cs"/>
+                  </a:defRPr>
+                </a:lvl9pPr>
+              </a:lstStyle>
+              <a:p>
+                <a:pPr lvl="1"/>
+                <a:r>
+                  <a:rPr lang="en-US" sz="2800" cap="none" dirty="0" smtClean="0">
+                    <a:latin typeface="Calibri" panose="020F0502020204030204" pitchFamily="34" charset="0"/>
+                    <a:cs typeface="Calibri" panose="020F0502020204030204" pitchFamily="34" charset="0"/>
+                  </a:rPr>
+                  <a:t>2. </a:t>
+                </a:r>
+                <a:r>
+                  <a:rPr lang="en-US" sz="2800" cap="none" dirty="0" smtClean="0">
+                    <a:latin typeface="Calibri" panose="020F0502020204030204" pitchFamily="34" charset="0"/>
+                    <a:cs typeface="Calibri" panose="020F0502020204030204" pitchFamily="34" charset="0"/>
+                  </a:rPr>
+                  <a:t>Do </a:t>
+                </a:r>
+                <a:r>
+                  <a:rPr lang="en-US" sz="2800" cap="none" dirty="0">
+                    <a:latin typeface="Calibri" panose="020F0502020204030204" pitchFamily="34" charset="0"/>
+                    <a:cs typeface="Calibri" panose="020F0502020204030204" pitchFamily="34" charset="0"/>
+                  </a:rPr>
+                  <a:t>all predictors help explain the response, or only a subset?</a:t>
+                </a:r>
+              </a:p>
+              <a:p>
+                <a:pPr lvl="2"/>
+                <a:r>
+                  <a:rPr lang="en-US" sz="2600" cap="none" dirty="0" smtClean="0">
+                    <a:latin typeface="Calibri" panose="020F0502020204030204" pitchFamily="34" charset="0"/>
+                    <a:cs typeface="Calibri" panose="020F0502020204030204" pitchFamily="34" charset="0"/>
+                  </a:rPr>
+                  <a:t>There is also Mixed selection, which is a combination of both forward and backward </a:t>
+                </a:r>
+                <a:r>
+                  <a:rPr lang="en-US" sz="2600" cap="none" dirty="0" smtClean="0">
+                    <a:latin typeface="Calibri" panose="020F0502020204030204" pitchFamily="34" charset="0"/>
+                    <a:cs typeface="Calibri" panose="020F0502020204030204" pitchFamily="34" charset="0"/>
+                  </a:rPr>
+                  <a:t>selection, and Best selection, which tries every possible combination. This results in </a:t>
+                </a:r>
+                <a14:m>
+                  <m:oMath xmlns:m="http://schemas.openxmlformats.org/officeDocument/2006/math">
+                    <m:sSup>
+                      <m:sSupPr>
+                        <m:ctrlPr>
+                          <a:rPr lang="en-US" sz="2600" i="1" cap="none" smtClean="0">
+                            <a:latin typeface="Cambria Math" panose="02040503050406030204" pitchFamily="18" charset="0"/>
+                            <a:cs typeface="Calibri" panose="020F0502020204030204" pitchFamily="34" charset="0"/>
+                          </a:rPr>
+                        </m:ctrlPr>
+                      </m:sSupPr>
+                      <m:e>
+                        <m:r>
+                          <a:rPr lang="en-US" sz="2600" b="0" i="1" cap="none" smtClean="0">
+                            <a:latin typeface="Cambria Math" panose="02040503050406030204" pitchFamily="18" charset="0"/>
+                            <a:cs typeface="Calibri" panose="020F0502020204030204" pitchFamily="34" charset="0"/>
+                          </a:rPr>
+                          <m:t>2</m:t>
+                        </m:r>
+                      </m:e>
+                      <m:sup>
+                        <m:r>
+                          <a:rPr lang="en-US" sz="2600" b="0" i="1" cap="none" smtClean="0">
+                            <a:latin typeface="Cambria Math" panose="02040503050406030204" pitchFamily="18" charset="0"/>
+                            <a:cs typeface="Calibri" panose="020F0502020204030204" pitchFamily="34" charset="0"/>
+                          </a:rPr>
+                          <m:t>𝑝</m:t>
+                        </m:r>
+                      </m:sup>
+                    </m:sSup>
+                  </m:oMath>
+                </a14:m>
+                <a:r>
+                  <a:rPr lang="en-US" sz="2600" cap="none" dirty="0" smtClean="0">
+                    <a:latin typeface="Calibri" panose="020F0502020204030204" pitchFamily="34" charset="0"/>
+                    <a:cs typeface="Calibri" panose="020F0502020204030204" pitchFamily="34" charset="0"/>
+                  </a:rPr>
+                  <a:t> models. </a:t>
+                </a:r>
+                <a:endParaRPr lang="en-US" sz="2600" cap="none" dirty="0" smtClean="0">
+                  <a:latin typeface="Calibri" panose="020F0502020204030204" pitchFamily="34" charset="0"/>
+                  <a:cs typeface="Calibri" panose="020F0502020204030204" pitchFamily="34" charset="0"/>
+                </a:endParaRPr>
+              </a:p>
+              <a:p>
+                <a:pPr lvl="2"/>
+                <a:r>
+                  <a:rPr lang="en-US" sz="2600" cap="none" dirty="0" smtClean="0">
+                    <a:latin typeface="Calibri" panose="020F0502020204030204" pitchFamily="34" charset="0"/>
+                    <a:cs typeface="Calibri" panose="020F0502020204030204" pitchFamily="34" charset="0"/>
+                  </a:rPr>
+                  <a:t>Backward selection will not work if </a:t>
+                </a:r>
+                <a:r>
+                  <a:rPr lang="en-US" sz="2600" b="1" cap="none" dirty="0" smtClean="0">
+                    <a:latin typeface="Calibri" panose="020F0502020204030204" pitchFamily="34" charset="0"/>
+                    <a:cs typeface="Calibri" panose="020F0502020204030204" pitchFamily="34" charset="0"/>
+                  </a:rPr>
+                  <a:t>p &gt; n</a:t>
+                </a:r>
+              </a:p>
+              <a:p>
+                <a:pPr lvl="2"/>
+                <a:r>
+                  <a:rPr lang="en-US" sz="2600" cap="none" dirty="0" smtClean="0">
+                    <a:latin typeface="Calibri" panose="020F0502020204030204" pitchFamily="34" charset="0"/>
+                    <a:cs typeface="Calibri" panose="020F0502020204030204" pitchFamily="34" charset="0"/>
+                  </a:rPr>
+                  <a:t>This is because we do not have enough data to optimize the predictors. In this situation, start with forward selection, or use a different ML algorithm! </a:t>
+                </a:r>
+              </a:p>
+              <a:p>
+                <a:pPr lvl="1"/>
+                <a:endParaRPr lang="en-US" sz="2800" cap="none" dirty="0" smtClean="0">
+                  <a:latin typeface="Calibri" panose="020F0502020204030204" pitchFamily="34" charset="0"/>
+                  <a:cs typeface="Calibri" panose="020F0502020204030204" pitchFamily="34" charset="0"/>
+                </a:endParaRPr>
+              </a:p>
+              <a:p>
+                <a:pPr lvl="2"/>
+                <a:endParaRPr lang="en-US" sz="2800" cap="none" dirty="0" smtClean="0">
+                  <a:latin typeface="Calibri" panose="020F0502020204030204" pitchFamily="34" charset="0"/>
+                  <a:cs typeface="Calibri" panose="020F0502020204030204" pitchFamily="34" charset="0"/>
+                </a:endParaRPr>
+              </a:p>
+            </p:txBody>
+          </p:sp>
+        </mc:Choice>
+        <mc:Fallback>
+          <p:sp>
+            <p:nvSpPr>
+              <p:cNvPr id="6" name="Content Placeholder 2"/>
+              <p:cNvSpPr txBox="1">
+                <a:spLocks noRot="1" noChangeAspect="1" noMove="1" noResize="1" noEditPoints="1" noAdjustHandles="1" noChangeArrowheads="1" noChangeShapeType="1" noTextEdit="1"/>
+              </p:cNvSpPr>
+              <p:nvPr/>
+            </p:nvSpPr>
+            <p:spPr>
+              <a:xfrm>
+                <a:off x="913775" y="1639461"/>
+                <a:ext cx="10364451" cy="4830350"/>
+              </a:xfrm>
+              <a:prstGeom prst="rect">
+                <a:avLst/>
+              </a:prstGeom>
+              <a:blipFill>
+                <a:blip r:embed="rId2"/>
+                <a:stretch>
+                  <a:fillRect t="-253"/>
+                </a:stretch>
+              </a:blipFill>
+            </p:spPr>
+            <p:txBody>
+              <a:bodyPr/>
+              <a:lstStyle/>
+              <a:p>
+                <a:r>
+                  <a:rPr lang="en-US">
+                    <a:noFill/>
+                  </a:rPr>
+                  <a:t> </a:t>
+                </a:r>
+              </a:p>
+            </p:txBody>
+          </p:sp>
+        </mc:Fallback>
+      </mc:AlternateContent>
     </p:spTree>
     <p:extLst>
       <p:ext uri="{BB962C8B-B14F-4D97-AF65-F5344CB8AC3E}">
@@ -28013,8 +28105,8 @@
           </a:p>
         </p:txBody>
       </p:sp>
-      <mc:AlternateContent xmlns:mc="http://schemas.openxmlformats.org/markup-compatibility/2006">
-        <mc:Choice xmlns:a14="http://schemas.microsoft.com/office/drawing/2010/main" Requires="a14">
+      <mc:AlternateContent xmlns:mc="http://schemas.openxmlformats.org/markup-compatibility/2006" xmlns:a14="http://schemas.microsoft.com/office/drawing/2010/main">
+        <mc:Choice Requires="a14">
           <p:sp>
             <p:nvSpPr>
               <p:cNvPr id="6" name="Content Placeholder 2"/>
@@ -28504,7 +28596,7 @@
             </p:txBody>
           </p:sp>
         </mc:Choice>
-        <mc:Fallback>
+        <mc:Fallback xmlns="">
           <p:sp>
             <p:nvSpPr>
               <p:cNvPr id="6" name="Content Placeholder 2"/>
@@ -31399,8 +31491,8 @@
           </a:p>
         </p:txBody>
       </p:sp>
-      <mc:AlternateContent xmlns:mc="http://schemas.openxmlformats.org/markup-compatibility/2006">
-        <mc:Choice xmlns:a14="http://schemas.microsoft.com/office/drawing/2010/main" Requires="a14">
+      <mc:AlternateContent xmlns:mc="http://schemas.openxmlformats.org/markup-compatibility/2006" xmlns:a14="http://schemas.microsoft.com/office/drawing/2010/main">
+        <mc:Choice Requires="a14">
           <p:sp>
             <p:nvSpPr>
               <p:cNvPr id="3" name="Content Placeholder 2"/>
@@ -31579,7 +31671,7 @@
             </p:txBody>
           </p:sp>
         </mc:Choice>
-        <mc:Fallback>
+        <mc:Fallback xmlns="">
           <p:sp>
             <p:nvSpPr>
               <p:cNvPr id="3" name="Content Placeholder 2"/>
@@ -32084,8 +32176,8 @@
           </a:p>
         </p:txBody>
       </p:sp>
-      <mc:AlternateContent xmlns:mc="http://schemas.openxmlformats.org/markup-compatibility/2006">
-        <mc:Choice xmlns:a14="http://schemas.microsoft.com/office/drawing/2010/main" Requires="a14">
+      <mc:AlternateContent xmlns:mc="http://schemas.openxmlformats.org/markup-compatibility/2006" xmlns:a14="http://schemas.microsoft.com/office/drawing/2010/main">
+        <mc:Choice Requires="a14">
           <p:sp>
             <p:nvSpPr>
               <p:cNvPr id="6" name="Content Placeholder 2"/>
@@ -32497,7 +32589,7 @@
             </p:txBody>
           </p:sp>
         </mc:Choice>
-        <mc:Fallback>
+        <mc:Fallback xmlns="">
           <p:sp>
             <p:nvSpPr>
               <p:cNvPr id="6" name="Content Placeholder 2"/>
@@ -32629,8 +32721,8 @@
           </a:p>
         </p:txBody>
       </p:sp>
-      <mc:AlternateContent xmlns:mc="http://schemas.openxmlformats.org/markup-compatibility/2006">
-        <mc:Choice xmlns:a14="http://schemas.microsoft.com/office/drawing/2010/main" Requires="a14">
+      <mc:AlternateContent xmlns:mc="http://schemas.openxmlformats.org/markup-compatibility/2006" xmlns:a14="http://schemas.microsoft.com/office/drawing/2010/main">
+        <mc:Choice Requires="a14">
           <p:sp>
             <p:nvSpPr>
               <p:cNvPr id="6" name="Content Placeholder 2"/>
@@ -33020,7 +33112,7 @@
             </p:txBody>
           </p:sp>
         </mc:Choice>
-        <mc:Fallback>
+        <mc:Fallback xmlns="">
           <p:sp>
             <p:nvSpPr>
               <p:cNvPr id="6" name="Content Placeholder 2"/>
@@ -35568,7 +35660,7 @@
         <p:spPr>
           <a:xfrm>
             <a:off x="913774" y="1639461"/>
-            <a:ext cx="10364451" cy="4830350"/>
+            <a:ext cx="10364451" cy="3929443"/>
           </a:xfrm>
           <a:prstGeom prst="rect">
             <a:avLst/>
@@ -35825,8 +35917,29 @@
                 <a:latin typeface="Calibri" panose="020F0502020204030204" pitchFamily="34" charset="0"/>
                 <a:cs typeface="Calibri" panose="020F0502020204030204" pitchFamily="34" charset="0"/>
               </a:rPr>
-              <a:t>Total Least Squares</a:t>
-            </a:r>
+              <a:t>Total Least </a:t>
+            </a:r>
+            <a:r>
+              <a:rPr lang="en-US" sz="3200" cap="none" dirty="0" smtClean="0">
+                <a:latin typeface="Calibri" panose="020F0502020204030204" pitchFamily="34" charset="0"/>
+                <a:cs typeface="Calibri" panose="020F0502020204030204" pitchFamily="34" charset="0"/>
+              </a:rPr>
+              <a:t>Squares</a:t>
+            </a:r>
+          </a:p>
+          <a:p>
+            <a:pPr lvl="2"/>
+            <a:r>
+              <a:rPr lang="en-US" sz="3200" cap="none" dirty="0" smtClean="0">
+                <a:latin typeface="Calibri" panose="020F0502020204030204" pitchFamily="34" charset="0"/>
+                <a:cs typeface="Calibri" panose="020F0502020204030204" pitchFamily="34" charset="0"/>
+              </a:rPr>
+              <a:t>Smoothing Splines</a:t>
+            </a:r>
+            <a:endParaRPr lang="en-US" sz="3200" cap="none" dirty="0" smtClean="0">
+              <a:latin typeface="Calibri" panose="020F0502020204030204" pitchFamily="34" charset="0"/>
+              <a:cs typeface="Calibri" panose="020F0502020204030204" pitchFamily="34" charset="0"/>
+            </a:endParaRPr>
           </a:p>
           <a:p>
             <a:pPr lvl="2"/>
@@ -35920,8 +36033,8 @@
           </a:p>
         </p:txBody>
       </p:sp>
-      <mc:AlternateContent xmlns:mc="http://schemas.openxmlformats.org/markup-compatibility/2006">
-        <mc:Choice xmlns:a14="http://schemas.microsoft.com/office/drawing/2010/main" Requires="a14">
+      <mc:AlternateContent xmlns:mc="http://schemas.openxmlformats.org/markup-compatibility/2006" xmlns:a14="http://schemas.microsoft.com/office/drawing/2010/main">
+        <mc:Choice Requires="a14">
           <p:sp>
             <p:nvSpPr>
               <p:cNvPr id="3" name="Content Placeholder 2"/>
@@ -36193,7 +36306,7 @@
             </p:txBody>
           </p:sp>
         </mc:Choice>
-        <mc:Fallback>
+        <mc:Fallback xmlns="">
           <p:sp>
             <p:nvSpPr>
               <p:cNvPr id="3" name="Content Placeholder 2"/>
@@ -36251,6 +36364,5916 @@
 </p:sld>
 </file>
 
+<file path=ppt/slides/slide80.xml><?xml version="1.0" encoding="utf-8"?>
+<p:sld xmlns:a="http://schemas.openxmlformats.org/drawingml/2006/main" xmlns:r="http://schemas.openxmlformats.org/officeDocument/2006/relationships" xmlns:p="http://schemas.openxmlformats.org/presentationml/2006/main">
+  <p:cSld>
+    <p:spTree>
+      <p:nvGrpSpPr>
+        <p:cNvPr id="1" name=""/>
+        <p:cNvGrpSpPr/>
+        <p:nvPr/>
+      </p:nvGrpSpPr>
+      <p:grpSpPr>
+        <a:xfrm>
+          <a:off x="0" y="0"/>
+          <a:ext cx="0" cy="0"/>
+          <a:chOff x="0" y="0"/>
+          <a:chExt cx="0" cy="0"/>
+        </a:xfrm>
+      </p:grpSpPr>
+      <p:sp>
+        <p:nvSpPr>
+          <p:cNvPr id="2" name="Title 1"/>
+          <p:cNvSpPr>
+            <a:spLocks noGrp="1"/>
+          </p:cNvSpPr>
+          <p:nvPr>
+            <p:ph type="title"/>
+          </p:nvPr>
+        </p:nvSpPr>
+        <p:spPr>
+          <a:xfrm>
+            <a:off x="913775" y="618517"/>
+            <a:ext cx="10364451" cy="624129"/>
+          </a:xfrm>
+        </p:spPr>
+        <p:txBody>
+          <a:bodyPr>
+            <a:normAutofit/>
+          </a:bodyPr>
+          <a:lstStyle/>
+          <a:p>
+            <a:r>
+              <a:rPr lang="en-US" b="1" dirty="0" smtClean="0"/>
+              <a:t>Ridge regression</a:t>
+            </a:r>
+            <a:endParaRPr lang="en-US" b="1" dirty="0">
+              <a:latin typeface="Gill Sans MT" panose="020B0502020104020203" pitchFamily="34" charset="0"/>
+            </a:endParaRPr>
+          </a:p>
+        </p:txBody>
+      </p:sp>
+      <p:sp>
+        <p:nvSpPr>
+          <p:cNvPr id="6" name="Content Placeholder 2"/>
+          <p:cNvSpPr txBox="1">
+            <a:spLocks/>
+          </p:cNvSpPr>
+          <p:nvPr/>
+        </p:nvSpPr>
+        <p:spPr>
+          <a:xfrm>
+            <a:off x="913775" y="1639461"/>
+            <a:ext cx="10364451" cy="4830350"/>
+          </a:xfrm>
+          <a:prstGeom prst="rect">
+            <a:avLst/>
+          </a:prstGeom>
+        </p:spPr>
+        <p:txBody>
+          <a:bodyPr vert="horz" lIns="91440" tIns="45720" rIns="91440" bIns="45720" rtlCol="0">
+            <a:normAutofit/>
+          </a:bodyPr>
+          <a:lstStyle>
+            <a:lvl1pPr marL="228600" indent="-228600" algn="l" defTabSz="914400" rtl="0" eaLnBrk="1" latinLnBrk="0" hangingPunct="1">
+              <a:lnSpc>
+                <a:spcPct val="120000"/>
+              </a:lnSpc>
+              <a:spcBef>
+                <a:spcPts val="1000"/>
+              </a:spcBef>
+              <a:buClr>
+                <a:schemeClr val="tx1"/>
+              </a:buClr>
+              <a:buFont typeface="Arial" panose="020B0604020202020204" pitchFamily="34" charset="0"/>
+              <a:buChar char="•"/>
+              <a:defRPr sz="2000" kern="1200" cap="all" baseline="0">
+                <a:solidFill>
+                  <a:schemeClr val="tx1"/>
+                </a:solidFill>
+                <a:effectLst/>
+                <a:latin typeface="+mn-lt"/>
+                <a:ea typeface="+mn-ea"/>
+                <a:cs typeface="+mn-cs"/>
+              </a:defRPr>
+            </a:lvl1pPr>
+            <a:lvl2pPr marL="685800" indent="-228600" algn="l" defTabSz="914400" rtl="0" eaLnBrk="1" latinLnBrk="0" hangingPunct="1">
+              <a:lnSpc>
+                <a:spcPct val="120000"/>
+              </a:lnSpc>
+              <a:spcBef>
+                <a:spcPts val="500"/>
+              </a:spcBef>
+              <a:buClr>
+                <a:schemeClr val="tx1"/>
+              </a:buClr>
+              <a:buFont typeface="Arial" panose="020B0604020202020204" pitchFamily="34" charset="0"/>
+              <a:buChar char="•"/>
+              <a:defRPr sz="1800" kern="1200" cap="all" baseline="0">
+                <a:solidFill>
+                  <a:schemeClr val="tx1"/>
+                </a:solidFill>
+                <a:effectLst/>
+                <a:latin typeface="+mn-lt"/>
+                <a:ea typeface="+mn-ea"/>
+                <a:cs typeface="+mn-cs"/>
+              </a:defRPr>
+            </a:lvl2pPr>
+            <a:lvl3pPr marL="1143000" indent="-228600" algn="l" defTabSz="914400" rtl="0" eaLnBrk="1" latinLnBrk="0" hangingPunct="1">
+              <a:lnSpc>
+                <a:spcPct val="120000"/>
+              </a:lnSpc>
+              <a:spcBef>
+                <a:spcPts val="500"/>
+              </a:spcBef>
+              <a:buClr>
+                <a:schemeClr val="tx1"/>
+              </a:buClr>
+              <a:buFont typeface="Arial" panose="020B0604020202020204" pitchFamily="34" charset="0"/>
+              <a:buChar char="•"/>
+              <a:defRPr sz="1600" kern="1200" cap="all" baseline="0">
+                <a:solidFill>
+                  <a:schemeClr val="tx1"/>
+                </a:solidFill>
+                <a:effectLst/>
+                <a:latin typeface="+mn-lt"/>
+                <a:ea typeface="+mn-ea"/>
+                <a:cs typeface="+mn-cs"/>
+              </a:defRPr>
+            </a:lvl3pPr>
+            <a:lvl4pPr marL="1600200" indent="-228600" algn="l" defTabSz="914400" rtl="0" eaLnBrk="1" latinLnBrk="0" hangingPunct="1">
+              <a:lnSpc>
+                <a:spcPct val="120000"/>
+              </a:lnSpc>
+              <a:spcBef>
+                <a:spcPts val="500"/>
+              </a:spcBef>
+              <a:buClr>
+                <a:schemeClr val="tx1"/>
+              </a:buClr>
+              <a:buFont typeface="Arial" panose="020B0604020202020204" pitchFamily="34" charset="0"/>
+              <a:buChar char="•"/>
+              <a:defRPr sz="1400" kern="1200" cap="all" baseline="0">
+                <a:solidFill>
+                  <a:schemeClr val="tx1"/>
+                </a:solidFill>
+                <a:effectLst/>
+                <a:latin typeface="+mn-lt"/>
+                <a:ea typeface="+mn-ea"/>
+                <a:cs typeface="+mn-cs"/>
+              </a:defRPr>
+            </a:lvl4pPr>
+            <a:lvl5pPr marL="2057400" indent="-228600" algn="l" defTabSz="914400" rtl="0" eaLnBrk="1" latinLnBrk="0" hangingPunct="1">
+              <a:lnSpc>
+                <a:spcPct val="120000"/>
+              </a:lnSpc>
+              <a:spcBef>
+                <a:spcPts val="500"/>
+              </a:spcBef>
+              <a:buClr>
+                <a:schemeClr val="tx1"/>
+              </a:buClr>
+              <a:buFont typeface="Arial" panose="020B0604020202020204" pitchFamily="34" charset="0"/>
+              <a:buChar char="•"/>
+              <a:defRPr sz="1400" kern="1200" cap="all" baseline="0">
+                <a:solidFill>
+                  <a:schemeClr val="tx1"/>
+                </a:solidFill>
+                <a:effectLst/>
+                <a:latin typeface="+mn-lt"/>
+                <a:ea typeface="+mn-ea"/>
+                <a:cs typeface="+mn-cs"/>
+              </a:defRPr>
+            </a:lvl5pPr>
+            <a:lvl6pPr marL="2514600" indent="-228600" algn="l" defTabSz="914400" rtl="0" eaLnBrk="1" latinLnBrk="0" hangingPunct="1">
+              <a:lnSpc>
+                <a:spcPct val="120000"/>
+              </a:lnSpc>
+              <a:spcBef>
+                <a:spcPts val="500"/>
+              </a:spcBef>
+              <a:buClr>
+                <a:schemeClr val="tx1"/>
+              </a:buClr>
+              <a:buFont typeface="Arial" panose="020B0604020202020204" pitchFamily="34" charset="0"/>
+              <a:buChar char="•"/>
+              <a:defRPr sz="1400" kern="1200" cap="all" baseline="0">
+                <a:solidFill>
+                  <a:schemeClr val="tx1"/>
+                </a:solidFill>
+                <a:effectLst/>
+                <a:latin typeface="+mn-lt"/>
+                <a:ea typeface="+mn-ea"/>
+                <a:cs typeface="+mn-cs"/>
+              </a:defRPr>
+            </a:lvl6pPr>
+            <a:lvl7pPr marL="2971800" indent="-228600" algn="l" defTabSz="914400" rtl="0" eaLnBrk="1" latinLnBrk="0" hangingPunct="1">
+              <a:lnSpc>
+                <a:spcPct val="120000"/>
+              </a:lnSpc>
+              <a:spcBef>
+                <a:spcPts val="500"/>
+              </a:spcBef>
+              <a:buClr>
+                <a:schemeClr val="tx1"/>
+              </a:buClr>
+              <a:buFont typeface="Arial" panose="020B0604020202020204" pitchFamily="34" charset="0"/>
+              <a:buChar char="•"/>
+              <a:defRPr sz="1400" kern="1200" cap="all" baseline="0">
+                <a:solidFill>
+                  <a:schemeClr val="tx1"/>
+                </a:solidFill>
+                <a:effectLst/>
+                <a:latin typeface="+mn-lt"/>
+                <a:ea typeface="+mn-ea"/>
+                <a:cs typeface="+mn-cs"/>
+              </a:defRPr>
+            </a:lvl7pPr>
+            <a:lvl8pPr marL="3429000" indent="-228600" algn="l" defTabSz="914400" rtl="0" eaLnBrk="1" latinLnBrk="0" hangingPunct="1">
+              <a:lnSpc>
+                <a:spcPct val="120000"/>
+              </a:lnSpc>
+              <a:spcBef>
+                <a:spcPts val="500"/>
+              </a:spcBef>
+              <a:buClr>
+                <a:schemeClr val="tx1"/>
+              </a:buClr>
+              <a:buFont typeface="Arial" panose="020B0604020202020204" pitchFamily="34" charset="0"/>
+              <a:buChar char="•"/>
+              <a:defRPr sz="1400" kern="1200" cap="all" baseline="0">
+                <a:solidFill>
+                  <a:schemeClr val="tx1"/>
+                </a:solidFill>
+                <a:effectLst/>
+                <a:latin typeface="+mn-lt"/>
+                <a:ea typeface="+mn-ea"/>
+                <a:cs typeface="+mn-cs"/>
+              </a:defRPr>
+            </a:lvl8pPr>
+            <a:lvl9pPr marL="3886200" indent="-228600" algn="l" defTabSz="914400" rtl="0" eaLnBrk="1" latinLnBrk="0" hangingPunct="1">
+              <a:lnSpc>
+                <a:spcPct val="120000"/>
+              </a:lnSpc>
+              <a:spcBef>
+                <a:spcPts val="500"/>
+              </a:spcBef>
+              <a:buClr>
+                <a:schemeClr val="tx1"/>
+              </a:buClr>
+              <a:buFont typeface="Arial" panose="020B0604020202020204" pitchFamily="34" charset="0"/>
+              <a:buChar char="•"/>
+              <a:defRPr sz="1400" kern="1200" cap="all" baseline="0">
+                <a:solidFill>
+                  <a:schemeClr val="tx1"/>
+                </a:solidFill>
+                <a:effectLst/>
+                <a:latin typeface="+mn-lt"/>
+                <a:ea typeface="+mn-ea"/>
+                <a:cs typeface="+mn-cs"/>
+              </a:defRPr>
+            </a:lvl9pPr>
+          </a:lstStyle>
+          <a:p>
+            <a:pPr lvl="2"/>
+            <a:endParaRPr lang="en-US" sz="2600" cap="none" dirty="0" smtClean="0">
+              <a:latin typeface="Calibri" panose="020F0502020204030204" pitchFamily="34" charset="0"/>
+              <a:cs typeface="Calibri" panose="020F0502020204030204" pitchFamily="34" charset="0"/>
+            </a:endParaRPr>
+          </a:p>
+          <a:p>
+            <a:pPr lvl="2"/>
+            <a:endParaRPr lang="en-US" sz="2600" cap="none" dirty="0" smtClean="0">
+              <a:latin typeface="Calibri" panose="020F0502020204030204" pitchFamily="34" charset="0"/>
+              <a:cs typeface="Calibri" panose="020F0502020204030204" pitchFamily="34" charset="0"/>
+            </a:endParaRPr>
+          </a:p>
+          <a:p>
+            <a:pPr lvl="2"/>
+            <a:endParaRPr lang="en-US" sz="2800" cap="none" dirty="0" smtClean="0">
+              <a:latin typeface="Calibri" panose="020F0502020204030204" pitchFamily="34" charset="0"/>
+              <a:cs typeface="Calibri" panose="020F0502020204030204" pitchFamily="34" charset="0"/>
+            </a:endParaRPr>
+          </a:p>
+          <a:p>
+            <a:pPr lvl="2"/>
+            <a:endParaRPr lang="en-US" sz="2800" cap="none" dirty="0" smtClean="0">
+              <a:latin typeface="Calibri" panose="020F0502020204030204" pitchFamily="34" charset="0"/>
+              <a:cs typeface="Calibri" panose="020F0502020204030204" pitchFamily="34" charset="0"/>
+            </a:endParaRPr>
+          </a:p>
+        </p:txBody>
+      </p:sp>
+      <p:sp>
+        <p:nvSpPr>
+          <p:cNvPr id="4" name="Content Placeholder 2"/>
+          <p:cNvSpPr txBox="1">
+            <a:spLocks/>
+          </p:cNvSpPr>
+          <p:nvPr/>
+        </p:nvSpPr>
+        <p:spPr>
+          <a:xfrm>
+            <a:off x="408214" y="1639461"/>
+            <a:ext cx="11348357" cy="3929443"/>
+          </a:xfrm>
+          <a:prstGeom prst="rect">
+            <a:avLst/>
+          </a:prstGeom>
+        </p:spPr>
+        <p:txBody>
+          <a:bodyPr vert="horz" lIns="91440" tIns="45720" rIns="91440" bIns="45720" rtlCol="0">
+            <a:normAutofit/>
+          </a:bodyPr>
+          <a:lstStyle>
+            <a:lvl1pPr marL="228600" indent="-228600" algn="l" defTabSz="914400" rtl="0" eaLnBrk="1" latinLnBrk="0" hangingPunct="1">
+              <a:lnSpc>
+                <a:spcPct val="120000"/>
+              </a:lnSpc>
+              <a:spcBef>
+                <a:spcPts val="1000"/>
+              </a:spcBef>
+              <a:buClr>
+                <a:schemeClr val="tx1"/>
+              </a:buClr>
+              <a:buFont typeface="Arial" panose="020B0604020202020204" pitchFamily="34" charset="0"/>
+              <a:buChar char="•"/>
+              <a:defRPr sz="2000" kern="1200" cap="all" baseline="0">
+                <a:solidFill>
+                  <a:schemeClr val="tx1"/>
+                </a:solidFill>
+                <a:effectLst/>
+                <a:latin typeface="+mn-lt"/>
+                <a:ea typeface="+mn-ea"/>
+                <a:cs typeface="+mn-cs"/>
+              </a:defRPr>
+            </a:lvl1pPr>
+            <a:lvl2pPr marL="685800" indent="-228600" algn="l" defTabSz="914400" rtl="0" eaLnBrk="1" latinLnBrk="0" hangingPunct="1">
+              <a:lnSpc>
+                <a:spcPct val="120000"/>
+              </a:lnSpc>
+              <a:spcBef>
+                <a:spcPts val="500"/>
+              </a:spcBef>
+              <a:buClr>
+                <a:schemeClr val="tx1"/>
+              </a:buClr>
+              <a:buFont typeface="Arial" panose="020B0604020202020204" pitchFamily="34" charset="0"/>
+              <a:buChar char="•"/>
+              <a:defRPr sz="1800" kern="1200" cap="all" baseline="0">
+                <a:solidFill>
+                  <a:schemeClr val="tx1"/>
+                </a:solidFill>
+                <a:effectLst/>
+                <a:latin typeface="+mn-lt"/>
+                <a:ea typeface="+mn-ea"/>
+                <a:cs typeface="+mn-cs"/>
+              </a:defRPr>
+            </a:lvl2pPr>
+            <a:lvl3pPr marL="1143000" indent="-228600" algn="l" defTabSz="914400" rtl="0" eaLnBrk="1" latinLnBrk="0" hangingPunct="1">
+              <a:lnSpc>
+                <a:spcPct val="120000"/>
+              </a:lnSpc>
+              <a:spcBef>
+                <a:spcPts val="500"/>
+              </a:spcBef>
+              <a:buClr>
+                <a:schemeClr val="tx1"/>
+              </a:buClr>
+              <a:buFont typeface="Arial" panose="020B0604020202020204" pitchFamily="34" charset="0"/>
+              <a:buChar char="•"/>
+              <a:defRPr sz="1600" kern="1200" cap="all" baseline="0">
+                <a:solidFill>
+                  <a:schemeClr val="tx1"/>
+                </a:solidFill>
+                <a:effectLst/>
+                <a:latin typeface="+mn-lt"/>
+                <a:ea typeface="+mn-ea"/>
+                <a:cs typeface="+mn-cs"/>
+              </a:defRPr>
+            </a:lvl3pPr>
+            <a:lvl4pPr marL="1600200" indent="-228600" algn="l" defTabSz="914400" rtl="0" eaLnBrk="1" latinLnBrk="0" hangingPunct="1">
+              <a:lnSpc>
+                <a:spcPct val="120000"/>
+              </a:lnSpc>
+              <a:spcBef>
+                <a:spcPts val="500"/>
+              </a:spcBef>
+              <a:buClr>
+                <a:schemeClr val="tx1"/>
+              </a:buClr>
+              <a:buFont typeface="Arial" panose="020B0604020202020204" pitchFamily="34" charset="0"/>
+              <a:buChar char="•"/>
+              <a:defRPr sz="1400" kern="1200" cap="all" baseline="0">
+                <a:solidFill>
+                  <a:schemeClr val="tx1"/>
+                </a:solidFill>
+                <a:effectLst/>
+                <a:latin typeface="+mn-lt"/>
+                <a:ea typeface="+mn-ea"/>
+                <a:cs typeface="+mn-cs"/>
+              </a:defRPr>
+            </a:lvl4pPr>
+            <a:lvl5pPr marL="2057400" indent="-228600" algn="l" defTabSz="914400" rtl="0" eaLnBrk="1" latinLnBrk="0" hangingPunct="1">
+              <a:lnSpc>
+                <a:spcPct val="120000"/>
+              </a:lnSpc>
+              <a:spcBef>
+                <a:spcPts val="500"/>
+              </a:spcBef>
+              <a:buClr>
+                <a:schemeClr val="tx1"/>
+              </a:buClr>
+              <a:buFont typeface="Arial" panose="020B0604020202020204" pitchFamily="34" charset="0"/>
+              <a:buChar char="•"/>
+              <a:defRPr sz="1400" kern="1200" cap="all" baseline="0">
+                <a:solidFill>
+                  <a:schemeClr val="tx1"/>
+                </a:solidFill>
+                <a:effectLst/>
+                <a:latin typeface="+mn-lt"/>
+                <a:ea typeface="+mn-ea"/>
+                <a:cs typeface="+mn-cs"/>
+              </a:defRPr>
+            </a:lvl5pPr>
+            <a:lvl6pPr marL="2514600" indent="-228600" algn="l" defTabSz="914400" rtl="0" eaLnBrk="1" latinLnBrk="0" hangingPunct="1">
+              <a:lnSpc>
+                <a:spcPct val="120000"/>
+              </a:lnSpc>
+              <a:spcBef>
+                <a:spcPts val="500"/>
+              </a:spcBef>
+              <a:buClr>
+                <a:schemeClr val="tx1"/>
+              </a:buClr>
+              <a:buFont typeface="Arial" panose="020B0604020202020204" pitchFamily="34" charset="0"/>
+              <a:buChar char="•"/>
+              <a:defRPr sz="1400" kern="1200" cap="all" baseline="0">
+                <a:solidFill>
+                  <a:schemeClr val="tx1"/>
+                </a:solidFill>
+                <a:effectLst/>
+                <a:latin typeface="+mn-lt"/>
+                <a:ea typeface="+mn-ea"/>
+                <a:cs typeface="+mn-cs"/>
+              </a:defRPr>
+            </a:lvl6pPr>
+            <a:lvl7pPr marL="2971800" indent="-228600" algn="l" defTabSz="914400" rtl="0" eaLnBrk="1" latinLnBrk="0" hangingPunct="1">
+              <a:lnSpc>
+                <a:spcPct val="120000"/>
+              </a:lnSpc>
+              <a:spcBef>
+                <a:spcPts val="500"/>
+              </a:spcBef>
+              <a:buClr>
+                <a:schemeClr val="tx1"/>
+              </a:buClr>
+              <a:buFont typeface="Arial" panose="020B0604020202020204" pitchFamily="34" charset="0"/>
+              <a:buChar char="•"/>
+              <a:defRPr sz="1400" kern="1200" cap="all" baseline="0">
+                <a:solidFill>
+                  <a:schemeClr val="tx1"/>
+                </a:solidFill>
+                <a:effectLst/>
+                <a:latin typeface="+mn-lt"/>
+                <a:ea typeface="+mn-ea"/>
+                <a:cs typeface="+mn-cs"/>
+              </a:defRPr>
+            </a:lvl7pPr>
+            <a:lvl8pPr marL="3429000" indent="-228600" algn="l" defTabSz="914400" rtl="0" eaLnBrk="1" latinLnBrk="0" hangingPunct="1">
+              <a:lnSpc>
+                <a:spcPct val="120000"/>
+              </a:lnSpc>
+              <a:spcBef>
+                <a:spcPts val="500"/>
+              </a:spcBef>
+              <a:buClr>
+                <a:schemeClr val="tx1"/>
+              </a:buClr>
+              <a:buFont typeface="Arial" panose="020B0604020202020204" pitchFamily="34" charset="0"/>
+              <a:buChar char="•"/>
+              <a:defRPr sz="1400" kern="1200" cap="all" baseline="0">
+                <a:solidFill>
+                  <a:schemeClr val="tx1"/>
+                </a:solidFill>
+                <a:effectLst/>
+                <a:latin typeface="+mn-lt"/>
+                <a:ea typeface="+mn-ea"/>
+                <a:cs typeface="+mn-cs"/>
+              </a:defRPr>
+            </a:lvl8pPr>
+            <a:lvl9pPr marL="3886200" indent="-228600" algn="l" defTabSz="914400" rtl="0" eaLnBrk="1" latinLnBrk="0" hangingPunct="1">
+              <a:lnSpc>
+                <a:spcPct val="120000"/>
+              </a:lnSpc>
+              <a:spcBef>
+                <a:spcPts val="500"/>
+              </a:spcBef>
+              <a:buClr>
+                <a:schemeClr val="tx1"/>
+              </a:buClr>
+              <a:buFont typeface="Arial" panose="020B0604020202020204" pitchFamily="34" charset="0"/>
+              <a:buChar char="•"/>
+              <a:defRPr sz="1400" kern="1200" cap="all" baseline="0">
+                <a:solidFill>
+                  <a:schemeClr val="tx1"/>
+                </a:solidFill>
+                <a:effectLst/>
+                <a:latin typeface="+mn-lt"/>
+                <a:ea typeface="+mn-ea"/>
+                <a:cs typeface="+mn-cs"/>
+              </a:defRPr>
+            </a:lvl9pPr>
+          </a:lstStyle>
+          <a:p>
+            <a:pPr lvl="2"/>
+            <a:r>
+              <a:rPr lang="en-US" sz="2600" cap="none" dirty="0" smtClean="0">
+                <a:latin typeface="Calibri" panose="020F0502020204030204" pitchFamily="34" charset="0"/>
+                <a:cs typeface="Calibri" panose="020F0502020204030204" pitchFamily="34" charset="0"/>
+              </a:rPr>
+              <a:t>Very similar to linear, except it contains a shrinkage penalty for coefficients based on a tuning parameter, lambda. </a:t>
+            </a:r>
+          </a:p>
+          <a:p>
+            <a:pPr lvl="2"/>
+            <a:endParaRPr lang="en-US" sz="2800" cap="none" dirty="0" smtClean="0">
+              <a:latin typeface="Calibri" panose="020F0502020204030204" pitchFamily="34" charset="0"/>
+              <a:cs typeface="Calibri" panose="020F0502020204030204" pitchFamily="34" charset="0"/>
+            </a:endParaRPr>
+          </a:p>
+          <a:p>
+            <a:pPr lvl="2"/>
+            <a:endParaRPr lang="en-US" sz="2800" cap="none" dirty="0" smtClean="0">
+              <a:latin typeface="Calibri" panose="020F0502020204030204" pitchFamily="34" charset="0"/>
+              <a:cs typeface="Calibri" panose="020F0502020204030204" pitchFamily="34" charset="0"/>
+            </a:endParaRPr>
+          </a:p>
+        </p:txBody>
+      </p:sp>
+    </p:spTree>
+    <p:extLst>
+      <p:ext uri="{BB962C8B-B14F-4D97-AF65-F5344CB8AC3E}">
+        <p14:creationId xmlns:p14="http://schemas.microsoft.com/office/powerpoint/2010/main" val="2322605603"/>
+      </p:ext>
+    </p:extLst>
+  </p:cSld>
+  <p:clrMapOvr>
+    <a:masterClrMapping/>
+  </p:clrMapOvr>
+  <p:timing>
+    <p:tnLst>
+      <p:par>
+        <p:cTn id="1" dur="indefinite" restart="never" nodeType="tmRoot"/>
+      </p:par>
+    </p:tnLst>
+  </p:timing>
+</p:sld>
+</file>
+
+<file path=ppt/slides/slide81.xml><?xml version="1.0" encoding="utf-8"?>
+<p:sld xmlns:a="http://schemas.openxmlformats.org/drawingml/2006/main" xmlns:r="http://schemas.openxmlformats.org/officeDocument/2006/relationships" xmlns:p="http://schemas.openxmlformats.org/presentationml/2006/main">
+  <p:cSld>
+    <p:spTree>
+      <p:nvGrpSpPr>
+        <p:cNvPr id="1" name=""/>
+        <p:cNvGrpSpPr/>
+        <p:nvPr/>
+      </p:nvGrpSpPr>
+      <p:grpSpPr>
+        <a:xfrm>
+          <a:off x="0" y="0"/>
+          <a:ext cx="0" cy="0"/>
+          <a:chOff x="0" y="0"/>
+          <a:chExt cx="0" cy="0"/>
+        </a:xfrm>
+      </p:grpSpPr>
+      <p:sp>
+        <p:nvSpPr>
+          <p:cNvPr id="2" name="Title 1"/>
+          <p:cNvSpPr>
+            <a:spLocks noGrp="1"/>
+          </p:cNvSpPr>
+          <p:nvPr>
+            <p:ph type="title"/>
+          </p:nvPr>
+        </p:nvSpPr>
+        <p:spPr>
+          <a:xfrm>
+            <a:off x="913775" y="618517"/>
+            <a:ext cx="10364451" cy="624129"/>
+          </a:xfrm>
+        </p:spPr>
+        <p:txBody>
+          <a:bodyPr>
+            <a:normAutofit/>
+          </a:bodyPr>
+          <a:lstStyle/>
+          <a:p>
+            <a:r>
+              <a:rPr lang="en-US" b="1" dirty="0" smtClean="0"/>
+              <a:t>Ridge regression</a:t>
+            </a:r>
+            <a:endParaRPr lang="en-US" b="1" dirty="0">
+              <a:latin typeface="Gill Sans MT" panose="020B0502020104020203" pitchFamily="34" charset="0"/>
+            </a:endParaRPr>
+          </a:p>
+        </p:txBody>
+      </p:sp>
+      <p:sp>
+        <p:nvSpPr>
+          <p:cNvPr id="6" name="Content Placeholder 2"/>
+          <p:cNvSpPr txBox="1">
+            <a:spLocks/>
+          </p:cNvSpPr>
+          <p:nvPr/>
+        </p:nvSpPr>
+        <p:spPr>
+          <a:xfrm>
+            <a:off x="913775" y="1639461"/>
+            <a:ext cx="10364451" cy="4830350"/>
+          </a:xfrm>
+          <a:prstGeom prst="rect">
+            <a:avLst/>
+          </a:prstGeom>
+        </p:spPr>
+        <p:txBody>
+          <a:bodyPr vert="horz" lIns="91440" tIns="45720" rIns="91440" bIns="45720" rtlCol="0">
+            <a:normAutofit/>
+          </a:bodyPr>
+          <a:lstStyle>
+            <a:lvl1pPr marL="228600" indent="-228600" algn="l" defTabSz="914400" rtl="0" eaLnBrk="1" latinLnBrk="0" hangingPunct="1">
+              <a:lnSpc>
+                <a:spcPct val="120000"/>
+              </a:lnSpc>
+              <a:spcBef>
+                <a:spcPts val="1000"/>
+              </a:spcBef>
+              <a:buClr>
+                <a:schemeClr val="tx1"/>
+              </a:buClr>
+              <a:buFont typeface="Arial" panose="020B0604020202020204" pitchFamily="34" charset="0"/>
+              <a:buChar char="•"/>
+              <a:defRPr sz="2000" kern="1200" cap="all" baseline="0">
+                <a:solidFill>
+                  <a:schemeClr val="tx1"/>
+                </a:solidFill>
+                <a:effectLst/>
+                <a:latin typeface="+mn-lt"/>
+                <a:ea typeface="+mn-ea"/>
+                <a:cs typeface="+mn-cs"/>
+              </a:defRPr>
+            </a:lvl1pPr>
+            <a:lvl2pPr marL="685800" indent="-228600" algn="l" defTabSz="914400" rtl="0" eaLnBrk="1" latinLnBrk="0" hangingPunct="1">
+              <a:lnSpc>
+                <a:spcPct val="120000"/>
+              </a:lnSpc>
+              <a:spcBef>
+                <a:spcPts val="500"/>
+              </a:spcBef>
+              <a:buClr>
+                <a:schemeClr val="tx1"/>
+              </a:buClr>
+              <a:buFont typeface="Arial" panose="020B0604020202020204" pitchFamily="34" charset="0"/>
+              <a:buChar char="•"/>
+              <a:defRPr sz="1800" kern="1200" cap="all" baseline="0">
+                <a:solidFill>
+                  <a:schemeClr val="tx1"/>
+                </a:solidFill>
+                <a:effectLst/>
+                <a:latin typeface="+mn-lt"/>
+                <a:ea typeface="+mn-ea"/>
+                <a:cs typeface="+mn-cs"/>
+              </a:defRPr>
+            </a:lvl2pPr>
+            <a:lvl3pPr marL="1143000" indent="-228600" algn="l" defTabSz="914400" rtl="0" eaLnBrk="1" latinLnBrk="0" hangingPunct="1">
+              <a:lnSpc>
+                <a:spcPct val="120000"/>
+              </a:lnSpc>
+              <a:spcBef>
+                <a:spcPts val="500"/>
+              </a:spcBef>
+              <a:buClr>
+                <a:schemeClr val="tx1"/>
+              </a:buClr>
+              <a:buFont typeface="Arial" panose="020B0604020202020204" pitchFamily="34" charset="0"/>
+              <a:buChar char="•"/>
+              <a:defRPr sz="1600" kern="1200" cap="all" baseline="0">
+                <a:solidFill>
+                  <a:schemeClr val="tx1"/>
+                </a:solidFill>
+                <a:effectLst/>
+                <a:latin typeface="+mn-lt"/>
+                <a:ea typeface="+mn-ea"/>
+                <a:cs typeface="+mn-cs"/>
+              </a:defRPr>
+            </a:lvl3pPr>
+            <a:lvl4pPr marL="1600200" indent="-228600" algn="l" defTabSz="914400" rtl="0" eaLnBrk="1" latinLnBrk="0" hangingPunct="1">
+              <a:lnSpc>
+                <a:spcPct val="120000"/>
+              </a:lnSpc>
+              <a:spcBef>
+                <a:spcPts val="500"/>
+              </a:spcBef>
+              <a:buClr>
+                <a:schemeClr val="tx1"/>
+              </a:buClr>
+              <a:buFont typeface="Arial" panose="020B0604020202020204" pitchFamily="34" charset="0"/>
+              <a:buChar char="•"/>
+              <a:defRPr sz="1400" kern="1200" cap="all" baseline="0">
+                <a:solidFill>
+                  <a:schemeClr val="tx1"/>
+                </a:solidFill>
+                <a:effectLst/>
+                <a:latin typeface="+mn-lt"/>
+                <a:ea typeface="+mn-ea"/>
+                <a:cs typeface="+mn-cs"/>
+              </a:defRPr>
+            </a:lvl4pPr>
+            <a:lvl5pPr marL="2057400" indent="-228600" algn="l" defTabSz="914400" rtl="0" eaLnBrk="1" latinLnBrk="0" hangingPunct="1">
+              <a:lnSpc>
+                <a:spcPct val="120000"/>
+              </a:lnSpc>
+              <a:spcBef>
+                <a:spcPts val="500"/>
+              </a:spcBef>
+              <a:buClr>
+                <a:schemeClr val="tx1"/>
+              </a:buClr>
+              <a:buFont typeface="Arial" panose="020B0604020202020204" pitchFamily="34" charset="0"/>
+              <a:buChar char="•"/>
+              <a:defRPr sz="1400" kern="1200" cap="all" baseline="0">
+                <a:solidFill>
+                  <a:schemeClr val="tx1"/>
+                </a:solidFill>
+                <a:effectLst/>
+                <a:latin typeface="+mn-lt"/>
+                <a:ea typeface="+mn-ea"/>
+                <a:cs typeface="+mn-cs"/>
+              </a:defRPr>
+            </a:lvl5pPr>
+            <a:lvl6pPr marL="2514600" indent="-228600" algn="l" defTabSz="914400" rtl="0" eaLnBrk="1" latinLnBrk="0" hangingPunct="1">
+              <a:lnSpc>
+                <a:spcPct val="120000"/>
+              </a:lnSpc>
+              <a:spcBef>
+                <a:spcPts val="500"/>
+              </a:spcBef>
+              <a:buClr>
+                <a:schemeClr val="tx1"/>
+              </a:buClr>
+              <a:buFont typeface="Arial" panose="020B0604020202020204" pitchFamily="34" charset="0"/>
+              <a:buChar char="•"/>
+              <a:defRPr sz="1400" kern="1200" cap="all" baseline="0">
+                <a:solidFill>
+                  <a:schemeClr val="tx1"/>
+                </a:solidFill>
+                <a:effectLst/>
+                <a:latin typeface="+mn-lt"/>
+                <a:ea typeface="+mn-ea"/>
+                <a:cs typeface="+mn-cs"/>
+              </a:defRPr>
+            </a:lvl6pPr>
+            <a:lvl7pPr marL="2971800" indent="-228600" algn="l" defTabSz="914400" rtl="0" eaLnBrk="1" latinLnBrk="0" hangingPunct="1">
+              <a:lnSpc>
+                <a:spcPct val="120000"/>
+              </a:lnSpc>
+              <a:spcBef>
+                <a:spcPts val="500"/>
+              </a:spcBef>
+              <a:buClr>
+                <a:schemeClr val="tx1"/>
+              </a:buClr>
+              <a:buFont typeface="Arial" panose="020B0604020202020204" pitchFamily="34" charset="0"/>
+              <a:buChar char="•"/>
+              <a:defRPr sz="1400" kern="1200" cap="all" baseline="0">
+                <a:solidFill>
+                  <a:schemeClr val="tx1"/>
+                </a:solidFill>
+                <a:effectLst/>
+                <a:latin typeface="+mn-lt"/>
+                <a:ea typeface="+mn-ea"/>
+                <a:cs typeface="+mn-cs"/>
+              </a:defRPr>
+            </a:lvl7pPr>
+            <a:lvl8pPr marL="3429000" indent="-228600" algn="l" defTabSz="914400" rtl="0" eaLnBrk="1" latinLnBrk="0" hangingPunct="1">
+              <a:lnSpc>
+                <a:spcPct val="120000"/>
+              </a:lnSpc>
+              <a:spcBef>
+                <a:spcPts val="500"/>
+              </a:spcBef>
+              <a:buClr>
+                <a:schemeClr val="tx1"/>
+              </a:buClr>
+              <a:buFont typeface="Arial" panose="020B0604020202020204" pitchFamily="34" charset="0"/>
+              <a:buChar char="•"/>
+              <a:defRPr sz="1400" kern="1200" cap="all" baseline="0">
+                <a:solidFill>
+                  <a:schemeClr val="tx1"/>
+                </a:solidFill>
+                <a:effectLst/>
+                <a:latin typeface="+mn-lt"/>
+                <a:ea typeface="+mn-ea"/>
+                <a:cs typeface="+mn-cs"/>
+              </a:defRPr>
+            </a:lvl8pPr>
+            <a:lvl9pPr marL="3886200" indent="-228600" algn="l" defTabSz="914400" rtl="0" eaLnBrk="1" latinLnBrk="0" hangingPunct="1">
+              <a:lnSpc>
+                <a:spcPct val="120000"/>
+              </a:lnSpc>
+              <a:spcBef>
+                <a:spcPts val="500"/>
+              </a:spcBef>
+              <a:buClr>
+                <a:schemeClr val="tx1"/>
+              </a:buClr>
+              <a:buFont typeface="Arial" panose="020B0604020202020204" pitchFamily="34" charset="0"/>
+              <a:buChar char="•"/>
+              <a:defRPr sz="1400" kern="1200" cap="all" baseline="0">
+                <a:solidFill>
+                  <a:schemeClr val="tx1"/>
+                </a:solidFill>
+                <a:effectLst/>
+                <a:latin typeface="+mn-lt"/>
+                <a:ea typeface="+mn-ea"/>
+                <a:cs typeface="+mn-cs"/>
+              </a:defRPr>
+            </a:lvl9pPr>
+          </a:lstStyle>
+          <a:p>
+            <a:pPr lvl="2"/>
+            <a:endParaRPr lang="en-US" sz="2600" cap="none" dirty="0" smtClean="0">
+              <a:latin typeface="Calibri" panose="020F0502020204030204" pitchFamily="34" charset="0"/>
+              <a:cs typeface="Calibri" panose="020F0502020204030204" pitchFamily="34" charset="0"/>
+            </a:endParaRPr>
+          </a:p>
+          <a:p>
+            <a:pPr lvl="2"/>
+            <a:endParaRPr lang="en-US" sz="2600" cap="none" dirty="0" smtClean="0">
+              <a:latin typeface="Calibri" panose="020F0502020204030204" pitchFamily="34" charset="0"/>
+              <a:cs typeface="Calibri" panose="020F0502020204030204" pitchFamily="34" charset="0"/>
+            </a:endParaRPr>
+          </a:p>
+          <a:p>
+            <a:pPr lvl="2"/>
+            <a:endParaRPr lang="en-US" sz="2800" cap="none" dirty="0" smtClean="0">
+              <a:latin typeface="Calibri" panose="020F0502020204030204" pitchFamily="34" charset="0"/>
+              <a:cs typeface="Calibri" panose="020F0502020204030204" pitchFamily="34" charset="0"/>
+            </a:endParaRPr>
+          </a:p>
+          <a:p>
+            <a:pPr lvl="2"/>
+            <a:endParaRPr lang="en-US" sz="2800" cap="none" dirty="0" smtClean="0">
+              <a:latin typeface="Calibri" panose="020F0502020204030204" pitchFamily="34" charset="0"/>
+              <a:cs typeface="Calibri" panose="020F0502020204030204" pitchFamily="34" charset="0"/>
+            </a:endParaRPr>
+          </a:p>
+        </p:txBody>
+      </p:sp>
+      <p:sp>
+        <p:nvSpPr>
+          <p:cNvPr id="4" name="Content Placeholder 2"/>
+          <p:cNvSpPr txBox="1">
+            <a:spLocks/>
+          </p:cNvSpPr>
+          <p:nvPr/>
+        </p:nvSpPr>
+        <p:spPr>
+          <a:xfrm>
+            <a:off x="408214" y="1639461"/>
+            <a:ext cx="11348357" cy="3929443"/>
+          </a:xfrm>
+          <a:prstGeom prst="rect">
+            <a:avLst/>
+          </a:prstGeom>
+        </p:spPr>
+        <p:txBody>
+          <a:bodyPr vert="horz" lIns="91440" tIns="45720" rIns="91440" bIns="45720" rtlCol="0">
+            <a:normAutofit/>
+          </a:bodyPr>
+          <a:lstStyle>
+            <a:lvl1pPr marL="228600" indent="-228600" algn="l" defTabSz="914400" rtl="0" eaLnBrk="1" latinLnBrk="0" hangingPunct="1">
+              <a:lnSpc>
+                <a:spcPct val="120000"/>
+              </a:lnSpc>
+              <a:spcBef>
+                <a:spcPts val="1000"/>
+              </a:spcBef>
+              <a:buClr>
+                <a:schemeClr val="tx1"/>
+              </a:buClr>
+              <a:buFont typeface="Arial" panose="020B0604020202020204" pitchFamily="34" charset="0"/>
+              <a:buChar char="•"/>
+              <a:defRPr sz="2000" kern="1200" cap="all" baseline="0">
+                <a:solidFill>
+                  <a:schemeClr val="tx1"/>
+                </a:solidFill>
+                <a:effectLst/>
+                <a:latin typeface="+mn-lt"/>
+                <a:ea typeface="+mn-ea"/>
+                <a:cs typeface="+mn-cs"/>
+              </a:defRPr>
+            </a:lvl1pPr>
+            <a:lvl2pPr marL="685800" indent="-228600" algn="l" defTabSz="914400" rtl="0" eaLnBrk="1" latinLnBrk="0" hangingPunct="1">
+              <a:lnSpc>
+                <a:spcPct val="120000"/>
+              </a:lnSpc>
+              <a:spcBef>
+                <a:spcPts val="500"/>
+              </a:spcBef>
+              <a:buClr>
+                <a:schemeClr val="tx1"/>
+              </a:buClr>
+              <a:buFont typeface="Arial" panose="020B0604020202020204" pitchFamily="34" charset="0"/>
+              <a:buChar char="•"/>
+              <a:defRPr sz="1800" kern="1200" cap="all" baseline="0">
+                <a:solidFill>
+                  <a:schemeClr val="tx1"/>
+                </a:solidFill>
+                <a:effectLst/>
+                <a:latin typeface="+mn-lt"/>
+                <a:ea typeface="+mn-ea"/>
+                <a:cs typeface="+mn-cs"/>
+              </a:defRPr>
+            </a:lvl2pPr>
+            <a:lvl3pPr marL="1143000" indent="-228600" algn="l" defTabSz="914400" rtl="0" eaLnBrk="1" latinLnBrk="0" hangingPunct="1">
+              <a:lnSpc>
+                <a:spcPct val="120000"/>
+              </a:lnSpc>
+              <a:spcBef>
+                <a:spcPts val="500"/>
+              </a:spcBef>
+              <a:buClr>
+                <a:schemeClr val="tx1"/>
+              </a:buClr>
+              <a:buFont typeface="Arial" panose="020B0604020202020204" pitchFamily="34" charset="0"/>
+              <a:buChar char="•"/>
+              <a:defRPr sz="1600" kern="1200" cap="all" baseline="0">
+                <a:solidFill>
+                  <a:schemeClr val="tx1"/>
+                </a:solidFill>
+                <a:effectLst/>
+                <a:latin typeface="+mn-lt"/>
+                <a:ea typeface="+mn-ea"/>
+                <a:cs typeface="+mn-cs"/>
+              </a:defRPr>
+            </a:lvl3pPr>
+            <a:lvl4pPr marL="1600200" indent="-228600" algn="l" defTabSz="914400" rtl="0" eaLnBrk="1" latinLnBrk="0" hangingPunct="1">
+              <a:lnSpc>
+                <a:spcPct val="120000"/>
+              </a:lnSpc>
+              <a:spcBef>
+                <a:spcPts val="500"/>
+              </a:spcBef>
+              <a:buClr>
+                <a:schemeClr val="tx1"/>
+              </a:buClr>
+              <a:buFont typeface="Arial" panose="020B0604020202020204" pitchFamily="34" charset="0"/>
+              <a:buChar char="•"/>
+              <a:defRPr sz="1400" kern="1200" cap="all" baseline="0">
+                <a:solidFill>
+                  <a:schemeClr val="tx1"/>
+                </a:solidFill>
+                <a:effectLst/>
+                <a:latin typeface="+mn-lt"/>
+                <a:ea typeface="+mn-ea"/>
+                <a:cs typeface="+mn-cs"/>
+              </a:defRPr>
+            </a:lvl4pPr>
+            <a:lvl5pPr marL="2057400" indent="-228600" algn="l" defTabSz="914400" rtl="0" eaLnBrk="1" latinLnBrk="0" hangingPunct="1">
+              <a:lnSpc>
+                <a:spcPct val="120000"/>
+              </a:lnSpc>
+              <a:spcBef>
+                <a:spcPts val="500"/>
+              </a:spcBef>
+              <a:buClr>
+                <a:schemeClr val="tx1"/>
+              </a:buClr>
+              <a:buFont typeface="Arial" panose="020B0604020202020204" pitchFamily="34" charset="0"/>
+              <a:buChar char="•"/>
+              <a:defRPr sz="1400" kern="1200" cap="all" baseline="0">
+                <a:solidFill>
+                  <a:schemeClr val="tx1"/>
+                </a:solidFill>
+                <a:effectLst/>
+                <a:latin typeface="+mn-lt"/>
+                <a:ea typeface="+mn-ea"/>
+                <a:cs typeface="+mn-cs"/>
+              </a:defRPr>
+            </a:lvl5pPr>
+            <a:lvl6pPr marL="2514600" indent="-228600" algn="l" defTabSz="914400" rtl="0" eaLnBrk="1" latinLnBrk="0" hangingPunct="1">
+              <a:lnSpc>
+                <a:spcPct val="120000"/>
+              </a:lnSpc>
+              <a:spcBef>
+                <a:spcPts val="500"/>
+              </a:spcBef>
+              <a:buClr>
+                <a:schemeClr val="tx1"/>
+              </a:buClr>
+              <a:buFont typeface="Arial" panose="020B0604020202020204" pitchFamily="34" charset="0"/>
+              <a:buChar char="•"/>
+              <a:defRPr sz="1400" kern="1200" cap="all" baseline="0">
+                <a:solidFill>
+                  <a:schemeClr val="tx1"/>
+                </a:solidFill>
+                <a:effectLst/>
+                <a:latin typeface="+mn-lt"/>
+                <a:ea typeface="+mn-ea"/>
+                <a:cs typeface="+mn-cs"/>
+              </a:defRPr>
+            </a:lvl6pPr>
+            <a:lvl7pPr marL="2971800" indent="-228600" algn="l" defTabSz="914400" rtl="0" eaLnBrk="1" latinLnBrk="0" hangingPunct="1">
+              <a:lnSpc>
+                <a:spcPct val="120000"/>
+              </a:lnSpc>
+              <a:spcBef>
+                <a:spcPts val="500"/>
+              </a:spcBef>
+              <a:buClr>
+                <a:schemeClr val="tx1"/>
+              </a:buClr>
+              <a:buFont typeface="Arial" panose="020B0604020202020204" pitchFamily="34" charset="0"/>
+              <a:buChar char="•"/>
+              <a:defRPr sz="1400" kern="1200" cap="all" baseline="0">
+                <a:solidFill>
+                  <a:schemeClr val="tx1"/>
+                </a:solidFill>
+                <a:effectLst/>
+                <a:latin typeface="+mn-lt"/>
+                <a:ea typeface="+mn-ea"/>
+                <a:cs typeface="+mn-cs"/>
+              </a:defRPr>
+            </a:lvl7pPr>
+            <a:lvl8pPr marL="3429000" indent="-228600" algn="l" defTabSz="914400" rtl="0" eaLnBrk="1" latinLnBrk="0" hangingPunct="1">
+              <a:lnSpc>
+                <a:spcPct val="120000"/>
+              </a:lnSpc>
+              <a:spcBef>
+                <a:spcPts val="500"/>
+              </a:spcBef>
+              <a:buClr>
+                <a:schemeClr val="tx1"/>
+              </a:buClr>
+              <a:buFont typeface="Arial" panose="020B0604020202020204" pitchFamily="34" charset="0"/>
+              <a:buChar char="•"/>
+              <a:defRPr sz="1400" kern="1200" cap="all" baseline="0">
+                <a:solidFill>
+                  <a:schemeClr val="tx1"/>
+                </a:solidFill>
+                <a:effectLst/>
+                <a:latin typeface="+mn-lt"/>
+                <a:ea typeface="+mn-ea"/>
+                <a:cs typeface="+mn-cs"/>
+              </a:defRPr>
+            </a:lvl8pPr>
+            <a:lvl9pPr marL="3886200" indent="-228600" algn="l" defTabSz="914400" rtl="0" eaLnBrk="1" latinLnBrk="0" hangingPunct="1">
+              <a:lnSpc>
+                <a:spcPct val="120000"/>
+              </a:lnSpc>
+              <a:spcBef>
+                <a:spcPts val="500"/>
+              </a:spcBef>
+              <a:buClr>
+                <a:schemeClr val="tx1"/>
+              </a:buClr>
+              <a:buFont typeface="Arial" panose="020B0604020202020204" pitchFamily="34" charset="0"/>
+              <a:buChar char="•"/>
+              <a:defRPr sz="1400" kern="1200" cap="all" baseline="0">
+                <a:solidFill>
+                  <a:schemeClr val="tx1"/>
+                </a:solidFill>
+                <a:effectLst/>
+                <a:latin typeface="+mn-lt"/>
+                <a:ea typeface="+mn-ea"/>
+                <a:cs typeface="+mn-cs"/>
+              </a:defRPr>
+            </a:lvl9pPr>
+          </a:lstStyle>
+          <a:p>
+            <a:pPr lvl="2"/>
+            <a:r>
+              <a:rPr lang="en-US" sz="2600" cap="none" dirty="0" smtClean="0">
+                <a:latin typeface="Calibri" panose="020F0502020204030204" pitchFamily="34" charset="0"/>
+                <a:cs typeface="Calibri" panose="020F0502020204030204" pitchFamily="34" charset="0"/>
+              </a:rPr>
+              <a:t>Very similar to linear, except it contains a shrinkage penalty for coefficients based on a tuning parameter, lambda. </a:t>
+            </a:r>
+          </a:p>
+          <a:p>
+            <a:pPr lvl="2"/>
+            <a:r>
+              <a:rPr lang="en-US" sz="2600" cap="none" dirty="0" smtClean="0">
+                <a:latin typeface="Calibri" panose="020F0502020204030204" pitchFamily="34" charset="0"/>
+                <a:cs typeface="Calibri" panose="020F0502020204030204" pitchFamily="34" charset="0"/>
+              </a:rPr>
+              <a:t>If lambda is set to equal zero, we are left with the OLS estimator</a:t>
+            </a:r>
+          </a:p>
+          <a:p>
+            <a:pPr lvl="2"/>
+            <a:r>
+              <a:rPr lang="en-US" sz="2600" cap="none" dirty="0" smtClean="0">
+                <a:latin typeface="Calibri" panose="020F0502020204030204" pitchFamily="34" charset="0"/>
+                <a:cs typeface="Calibri" panose="020F0502020204030204" pitchFamily="34" charset="0"/>
+              </a:rPr>
+              <a:t>As lambda approaches infinity, all coefficients are penalized towards zero.</a:t>
+            </a:r>
+          </a:p>
+          <a:p>
+            <a:pPr lvl="2"/>
+            <a:endParaRPr lang="en-US" sz="2600" cap="none" dirty="0" smtClean="0">
+              <a:latin typeface="Calibri" panose="020F0502020204030204" pitchFamily="34" charset="0"/>
+              <a:cs typeface="Calibri" panose="020F0502020204030204" pitchFamily="34" charset="0"/>
+            </a:endParaRPr>
+          </a:p>
+          <a:p>
+            <a:pPr lvl="2"/>
+            <a:endParaRPr lang="en-US" sz="2600" cap="none" dirty="0" smtClean="0">
+              <a:latin typeface="Calibri" panose="020F0502020204030204" pitchFamily="34" charset="0"/>
+              <a:cs typeface="Calibri" panose="020F0502020204030204" pitchFamily="34" charset="0"/>
+            </a:endParaRPr>
+          </a:p>
+        </p:txBody>
+      </p:sp>
+    </p:spTree>
+    <p:extLst>
+      <p:ext uri="{BB962C8B-B14F-4D97-AF65-F5344CB8AC3E}">
+        <p14:creationId xmlns:p14="http://schemas.microsoft.com/office/powerpoint/2010/main" val="2396010816"/>
+      </p:ext>
+    </p:extLst>
+  </p:cSld>
+  <p:clrMapOvr>
+    <a:masterClrMapping/>
+  </p:clrMapOvr>
+  <p:timing>
+    <p:tnLst>
+      <p:par>
+        <p:cTn id="1" dur="indefinite" restart="never" nodeType="tmRoot"/>
+      </p:par>
+    </p:tnLst>
+  </p:timing>
+</p:sld>
+</file>
+
+<file path=ppt/slides/slide82.xml><?xml version="1.0" encoding="utf-8"?>
+<p:sld xmlns:a="http://schemas.openxmlformats.org/drawingml/2006/main" xmlns:r="http://schemas.openxmlformats.org/officeDocument/2006/relationships" xmlns:p="http://schemas.openxmlformats.org/presentationml/2006/main">
+  <p:cSld>
+    <p:spTree>
+      <p:nvGrpSpPr>
+        <p:cNvPr id="1" name=""/>
+        <p:cNvGrpSpPr/>
+        <p:nvPr/>
+      </p:nvGrpSpPr>
+      <p:grpSpPr>
+        <a:xfrm>
+          <a:off x="0" y="0"/>
+          <a:ext cx="0" cy="0"/>
+          <a:chOff x="0" y="0"/>
+          <a:chExt cx="0" cy="0"/>
+        </a:xfrm>
+      </p:grpSpPr>
+      <p:sp>
+        <p:nvSpPr>
+          <p:cNvPr id="2" name="Title 1"/>
+          <p:cNvSpPr>
+            <a:spLocks noGrp="1"/>
+          </p:cNvSpPr>
+          <p:nvPr>
+            <p:ph type="title"/>
+          </p:nvPr>
+        </p:nvSpPr>
+        <p:spPr>
+          <a:xfrm>
+            <a:off x="913775" y="618517"/>
+            <a:ext cx="10364451" cy="624129"/>
+          </a:xfrm>
+        </p:spPr>
+        <p:txBody>
+          <a:bodyPr>
+            <a:normAutofit/>
+          </a:bodyPr>
+          <a:lstStyle/>
+          <a:p>
+            <a:r>
+              <a:rPr lang="en-US" b="1" dirty="0" smtClean="0"/>
+              <a:t>Ridge regression</a:t>
+            </a:r>
+            <a:endParaRPr lang="en-US" b="1" dirty="0">
+              <a:latin typeface="Gill Sans MT" panose="020B0502020104020203" pitchFamily="34" charset="0"/>
+            </a:endParaRPr>
+          </a:p>
+        </p:txBody>
+      </p:sp>
+      <p:sp>
+        <p:nvSpPr>
+          <p:cNvPr id="6" name="Content Placeholder 2"/>
+          <p:cNvSpPr txBox="1">
+            <a:spLocks/>
+          </p:cNvSpPr>
+          <p:nvPr/>
+        </p:nvSpPr>
+        <p:spPr>
+          <a:xfrm>
+            <a:off x="913775" y="1639461"/>
+            <a:ext cx="10364451" cy="4830350"/>
+          </a:xfrm>
+          <a:prstGeom prst="rect">
+            <a:avLst/>
+          </a:prstGeom>
+        </p:spPr>
+        <p:txBody>
+          <a:bodyPr vert="horz" lIns="91440" tIns="45720" rIns="91440" bIns="45720" rtlCol="0">
+            <a:normAutofit/>
+          </a:bodyPr>
+          <a:lstStyle>
+            <a:lvl1pPr marL="228600" indent="-228600" algn="l" defTabSz="914400" rtl="0" eaLnBrk="1" latinLnBrk="0" hangingPunct="1">
+              <a:lnSpc>
+                <a:spcPct val="120000"/>
+              </a:lnSpc>
+              <a:spcBef>
+                <a:spcPts val="1000"/>
+              </a:spcBef>
+              <a:buClr>
+                <a:schemeClr val="tx1"/>
+              </a:buClr>
+              <a:buFont typeface="Arial" panose="020B0604020202020204" pitchFamily="34" charset="0"/>
+              <a:buChar char="•"/>
+              <a:defRPr sz="2000" kern="1200" cap="all" baseline="0">
+                <a:solidFill>
+                  <a:schemeClr val="tx1"/>
+                </a:solidFill>
+                <a:effectLst/>
+                <a:latin typeface="+mn-lt"/>
+                <a:ea typeface="+mn-ea"/>
+                <a:cs typeface="+mn-cs"/>
+              </a:defRPr>
+            </a:lvl1pPr>
+            <a:lvl2pPr marL="685800" indent="-228600" algn="l" defTabSz="914400" rtl="0" eaLnBrk="1" latinLnBrk="0" hangingPunct="1">
+              <a:lnSpc>
+                <a:spcPct val="120000"/>
+              </a:lnSpc>
+              <a:spcBef>
+                <a:spcPts val="500"/>
+              </a:spcBef>
+              <a:buClr>
+                <a:schemeClr val="tx1"/>
+              </a:buClr>
+              <a:buFont typeface="Arial" panose="020B0604020202020204" pitchFamily="34" charset="0"/>
+              <a:buChar char="•"/>
+              <a:defRPr sz="1800" kern="1200" cap="all" baseline="0">
+                <a:solidFill>
+                  <a:schemeClr val="tx1"/>
+                </a:solidFill>
+                <a:effectLst/>
+                <a:latin typeface="+mn-lt"/>
+                <a:ea typeface="+mn-ea"/>
+                <a:cs typeface="+mn-cs"/>
+              </a:defRPr>
+            </a:lvl2pPr>
+            <a:lvl3pPr marL="1143000" indent="-228600" algn="l" defTabSz="914400" rtl="0" eaLnBrk="1" latinLnBrk="0" hangingPunct="1">
+              <a:lnSpc>
+                <a:spcPct val="120000"/>
+              </a:lnSpc>
+              <a:spcBef>
+                <a:spcPts val="500"/>
+              </a:spcBef>
+              <a:buClr>
+                <a:schemeClr val="tx1"/>
+              </a:buClr>
+              <a:buFont typeface="Arial" panose="020B0604020202020204" pitchFamily="34" charset="0"/>
+              <a:buChar char="•"/>
+              <a:defRPr sz="1600" kern="1200" cap="all" baseline="0">
+                <a:solidFill>
+                  <a:schemeClr val="tx1"/>
+                </a:solidFill>
+                <a:effectLst/>
+                <a:latin typeface="+mn-lt"/>
+                <a:ea typeface="+mn-ea"/>
+                <a:cs typeface="+mn-cs"/>
+              </a:defRPr>
+            </a:lvl3pPr>
+            <a:lvl4pPr marL="1600200" indent="-228600" algn="l" defTabSz="914400" rtl="0" eaLnBrk="1" latinLnBrk="0" hangingPunct="1">
+              <a:lnSpc>
+                <a:spcPct val="120000"/>
+              </a:lnSpc>
+              <a:spcBef>
+                <a:spcPts val="500"/>
+              </a:spcBef>
+              <a:buClr>
+                <a:schemeClr val="tx1"/>
+              </a:buClr>
+              <a:buFont typeface="Arial" panose="020B0604020202020204" pitchFamily="34" charset="0"/>
+              <a:buChar char="•"/>
+              <a:defRPr sz="1400" kern="1200" cap="all" baseline="0">
+                <a:solidFill>
+                  <a:schemeClr val="tx1"/>
+                </a:solidFill>
+                <a:effectLst/>
+                <a:latin typeface="+mn-lt"/>
+                <a:ea typeface="+mn-ea"/>
+                <a:cs typeface="+mn-cs"/>
+              </a:defRPr>
+            </a:lvl4pPr>
+            <a:lvl5pPr marL="2057400" indent="-228600" algn="l" defTabSz="914400" rtl="0" eaLnBrk="1" latinLnBrk="0" hangingPunct="1">
+              <a:lnSpc>
+                <a:spcPct val="120000"/>
+              </a:lnSpc>
+              <a:spcBef>
+                <a:spcPts val="500"/>
+              </a:spcBef>
+              <a:buClr>
+                <a:schemeClr val="tx1"/>
+              </a:buClr>
+              <a:buFont typeface="Arial" panose="020B0604020202020204" pitchFamily="34" charset="0"/>
+              <a:buChar char="•"/>
+              <a:defRPr sz="1400" kern="1200" cap="all" baseline="0">
+                <a:solidFill>
+                  <a:schemeClr val="tx1"/>
+                </a:solidFill>
+                <a:effectLst/>
+                <a:latin typeface="+mn-lt"/>
+                <a:ea typeface="+mn-ea"/>
+                <a:cs typeface="+mn-cs"/>
+              </a:defRPr>
+            </a:lvl5pPr>
+            <a:lvl6pPr marL="2514600" indent="-228600" algn="l" defTabSz="914400" rtl="0" eaLnBrk="1" latinLnBrk="0" hangingPunct="1">
+              <a:lnSpc>
+                <a:spcPct val="120000"/>
+              </a:lnSpc>
+              <a:spcBef>
+                <a:spcPts val="500"/>
+              </a:spcBef>
+              <a:buClr>
+                <a:schemeClr val="tx1"/>
+              </a:buClr>
+              <a:buFont typeface="Arial" panose="020B0604020202020204" pitchFamily="34" charset="0"/>
+              <a:buChar char="•"/>
+              <a:defRPr sz="1400" kern="1200" cap="all" baseline="0">
+                <a:solidFill>
+                  <a:schemeClr val="tx1"/>
+                </a:solidFill>
+                <a:effectLst/>
+                <a:latin typeface="+mn-lt"/>
+                <a:ea typeface="+mn-ea"/>
+                <a:cs typeface="+mn-cs"/>
+              </a:defRPr>
+            </a:lvl6pPr>
+            <a:lvl7pPr marL="2971800" indent="-228600" algn="l" defTabSz="914400" rtl="0" eaLnBrk="1" latinLnBrk="0" hangingPunct="1">
+              <a:lnSpc>
+                <a:spcPct val="120000"/>
+              </a:lnSpc>
+              <a:spcBef>
+                <a:spcPts val="500"/>
+              </a:spcBef>
+              <a:buClr>
+                <a:schemeClr val="tx1"/>
+              </a:buClr>
+              <a:buFont typeface="Arial" panose="020B0604020202020204" pitchFamily="34" charset="0"/>
+              <a:buChar char="•"/>
+              <a:defRPr sz="1400" kern="1200" cap="all" baseline="0">
+                <a:solidFill>
+                  <a:schemeClr val="tx1"/>
+                </a:solidFill>
+                <a:effectLst/>
+                <a:latin typeface="+mn-lt"/>
+                <a:ea typeface="+mn-ea"/>
+                <a:cs typeface="+mn-cs"/>
+              </a:defRPr>
+            </a:lvl7pPr>
+            <a:lvl8pPr marL="3429000" indent="-228600" algn="l" defTabSz="914400" rtl="0" eaLnBrk="1" latinLnBrk="0" hangingPunct="1">
+              <a:lnSpc>
+                <a:spcPct val="120000"/>
+              </a:lnSpc>
+              <a:spcBef>
+                <a:spcPts val="500"/>
+              </a:spcBef>
+              <a:buClr>
+                <a:schemeClr val="tx1"/>
+              </a:buClr>
+              <a:buFont typeface="Arial" panose="020B0604020202020204" pitchFamily="34" charset="0"/>
+              <a:buChar char="•"/>
+              <a:defRPr sz="1400" kern="1200" cap="all" baseline="0">
+                <a:solidFill>
+                  <a:schemeClr val="tx1"/>
+                </a:solidFill>
+                <a:effectLst/>
+                <a:latin typeface="+mn-lt"/>
+                <a:ea typeface="+mn-ea"/>
+                <a:cs typeface="+mn-cs"/>
+              </a:defRPr>
+            </a:lvl8pPr>
+            <a:lvl9pPr marL="3886200" indent="-228600" algn="l" defTabSz="914400" rtl="0" eaLnBrk="1" latinLnBrk="0" hangingPunct="1">
+              <a:lnSpc>
+                <a:spcPct val="120000"/>
+              </a:lnSpc>
+              <a:spcBef>
+                <a:spcPts val="500"/>
+              </a:spcBef>
+              <a:buClr>
+                <a:schemeClr val="tx1"/>
+              </a:buClr>
+              <a:buFont typeface="Arial" panose="020B0604020202020204" pitchFamily="34" charset="0"/>
+              <a:buChar char="•"/>
+              <a:defRPr sz="1400" kern="1200" cap="all" baseline="0">
+                <a:solidFill>
+                  <a:schemeClr val="tx1"/>
+                </a:solidFill>
+                <a:effectLst/>
+                <a:latin typeface="+mn-lt"/>
+                <a:ea typeface="+mn-ea"/>
+                <a:cs typeface="+mn-cs"/>
+              </a:defRPr>
+            </a:lvl9pPr>
+          </a:lstStyle>
+          <a:p>
+            <a:pPr lvl="2"/>
+            <a:endParaRPr lang="en-US" sz="2600" cap="none" dirty="0" smtClean="0">
+              <a:latin typeface="Calibri" panose="020F0502020204030204" pitchFamily="34" charset="0"/>
+              <a:cs typeface="Calibri" panose="020F0502020204030204" pitchFamily="34" charset="0"/>
+            </a:endParaRPr>
+          </a:p>
+          <a:p>
+            <a:pPr lvl="2"/>
+            <a:endParaRPr lang="en-US" sz="2600" cap="none" dirty="0" smtClean="0">
+              <a:latin typeface="Calibri" panose="020F0502020204030204" pitchFamily="34" charset="0"/>
+              <a:cs typeface="Calibri" panose="020F0502020204030204" pitchFamily="34" charset="0"/>
+            </a:endParaRPr>
+          </a:p>
+          <a:p>
+            <a:pPr lvl="2"/>
+            <a:endParaRPr lang="en-US" sz="2800" cap="none" dirty="0" smtClean="0">
+              <a:latin typeface="Calibri" panose="020F0502020204030204" pitchFamily="34" charset="0"/>
+              <a:cs typeface="Calibri" panose="020F0502020204030204" pitchFamily="34" charset="0"/>
+            </a:endParaRPr>
+          </a:p>
+          <a:p>
+            <a:pPr lvl="2"/>
+            <a:endParaRPr lang="en-US" sz="2800" cap="none" dirty="0" smtClean="0">
+              <a:latin typeface="Calibri" panose="020F0502020204030204" pitchFamily="34" charset="0"/>
+              <a:cs typeface="Calibri" panose="020F0502020204030204" pitchFamily="34" charset="0"/>
+            </a:endParaRPr>
+          </a:p>
+        </p:txBody>
+      </p:sp>
+      <p:sp>
+        <p:nvSpPr>
+          <p:cNvPr id="4" name="Content Placeholder 2"/>
+          <p:cNvSpPr txBox="1">
+            <a:spLocks/>
+          </p:cNvSpPr>
+          <p:nvPr/>
+        </p:nvSpPr>
+        <p:spPr>
+          <a:xfrm>
+            <a:off x="408214" y="1639461"/>
+            <a:ext cx="11348357" cy="3929443"/>
+          </a:xfrm>
+          <a:prstGeom prst="rect">
+            <a:avLst/>
+          </a:prstGeom>
+        </p:spPr>
+        <p:txBody>
+          <a:bodyPr vert="horz" lIns="91440" tIns="45720" rIns="91440" bIns="45720" rtlCol="0">
+            <a:normAutofit/>
+          </a:bodyPr>
+          <a:lstStyle>
+            <a:lvl1pPr marL="228600" indent="-228600" algn="l" defTabSz="914400" rtl="0" eaLnBrk="1" latinLnBrk="0" hangingPunct="1">
+              <a:lnSpc>
+                <a:spcPct val="120000"/>
+              </a:lnSpc>
+              <a:spcBef>
+                <a:spcPts val="1000"/>
+              </a:spcBef>
+              <a:buClr>
+                <a:schemeClr val="tx1"/>
+              </a:buClr>
+              <a:buFont typeface="Arial" panose="020B0604020202020204" pitchFamily="34" charset="0"/>
+              <a:buChar char="•"/>
+              <a:defRPr sz="2000" kern="1200" cap="all" baseline="0">
+                <a:solidFill>
+                  <a:schemeClr val="tx1"/>
+                </a:solidFill>
+                <a:effectLst/>
+                <a:latin typeface="+mn-lt"/>
+                <a:ea typeface="+mn-ea"/>
+                <a:cs typeface="+mn-cs"/>
+              </a:defRPr>
+            </a:lvl1pPr>
+            <a:lvl2pPr marL="685800" indent="-228600" algn="l" defTabSz="914400" rtl="0" eaLnBrk="1" latinLnBrk="0" hangingPunct="1">
+              <a:lnSpc>
+                <a:spcPct val="120000"/>
+              </a:lnSpc>
+              <a:spcBef>
+                <a:spcPts val="500"/>
+              </a:spcBef>
+              <a:buClr>
+                <a:schemeClr val="tx1"/>
+              </a:buClr>
+              <a:buFont typeface="Arial" panose="020B0604020202020204" pitchFamily="34" charset="0"/>
+              <a:buChar char="•"/>
+              <a:defRPr sz="1800" kern="1200" cap="all" baseline="0">
+                <a:solidFill>
+                  <a:schemeClr val="tx1"/>
+                </a:solidFill>
+                <a:effectLst/>
+                <a:latin typeface="+mn-lt"/>
+                <a:ea typeface="+mn-ea"/>
+                <a:cs typeface="+mn-cs"/>
+              </a:defRPr>
+            </a:lvl2pPr>
+            <a:lvl3pPr marL="1143000" indent="-228600" algn="l" defTabSz="914400" rtl="0" eaLnBrk="1" latinLnBrk="0" hangingPunct="1">
+              <a:lnSpc>
+                <a:spcPct val="120000"/>
+              </a:lnSpc>
+              <a:spcBef>
+                <a:spcPts val="500"/>
+              </a:spcBef>
+              <a:buClr>
+                <a:schemeClr val="tx1"/>
+              </a:buClr>
+              <a:buFont typeface="Arial" panose="020B0604020202020204" pitchFamily="34" charset="0"/>
+              <a:buChar char="•"/>
+              <a:defRPr sz="1600" kern="1200" cap="all" baseline="0">
+                <a:solidFill>
+                  <a:schemeClr val="tx1"/>
+                </a:solidFill>
+                <a:effectLst/>
+                <a:latin typeface="+mn-lt"/>
+                <a:ea typeface="+mn-ea"/>
+                <a:cs typeface="+mn-cs"/>
+              </a:defRPr>
+            </a:lvl3pPr>
+            <a:lvl4pPr marL="1600200" indent="-228600" algn="l" defTabSz="914400" rtl="0" eaLnBrk="1" latinLnBrk="0" hangingPunct="1">
+              <a:lnSpc>
+                <a:spcPct val="120000"/>
+              </a:lnSpc>
+              <a:spcBef>
+                <a:spcPts val="500"/>
+              </a:spcBef>
+              <a:buClr>
+                <a:schemeClr val="tx1"/>
+              </a:buClr>
+              <a:buFont typeface="Arial" panose="020B0604020202020204" pitchFamily="34" charset="0"/>
+              <a:buChar char="•"/>
+              <a:defRPr sz="1400" kern="1200" cap="all" baseline="0">
+                <a:solidFill>
+                  <a:schemeClr val="tx1"/>
+                </a:solidFill>
+                <a:effectLst/>
+                <a:latin typeface="+mn-lt"/>
+                <a:ea typeface="+mn-ea"/>
+                <a:cs typeface="+mn-cs"/>
+              </a:defRPr>
+            </a:lvl4pPr>
+            <a:lvl5pPr marL="2057400" indent="-228600" algn="l" defTabSz="914400" rtl="0" eaLnBrk="1" latinLnBrk="0" hangingPunct="1">
+              <a:lnSpc>
+                <a:spcPct val="120000"/>
+              </a:lnSpc>
+              <a:spcBef>
+                <a:spcPts val="500"/>
+              </a:spcBef>
+              <a:buClr>
+                <a:schemeClr val="tx1"/>
+              </a:buClr>
+              <a:buFont typeface="Arial" panose="020B0604020202020204" pitchFamily="34" charset="0"/>
+              <a:buChar char="•"/>
+              <a:defRPr sz="1400" kern="1200" cap="all" baseline="0">
+                <a:solidFill>
+                  <a:schemeClr val="tx1"/>
+                </a:solidFill>
+                <a:effectLst/>
+                <a:latin typeface="+mn-lt"/>
+                <a:ea typeface="+mn-ea"/>
+                <a:cs typeface="+mn-cs"/>
+              </a:defRPr>
+            </a:lvl5pPr>
+            <a:lvl6pPr marL="2514600" indent="-228600" algn="l" defTabSz="914400" rtl="0" eaLnBrk="1" latinLnBrk="0" hangingPunct="1">
+              <a:lnSpc>
+                <a:spcPct val="120000"/>
+              </a:lnSpc>
+              <a:spcBef>
+                <a:spcPts val="500"/>
+              </a:spcBef>
+              <a:buClr>
+                <a:schemeClr val="tx1"/>
+              </a:buClr>
+              <a:buFont typeface="Arial" panose="020B0604020202020204" pitchFamily="34" charset="0"/>
+              <a:buChar char="•"/>
+              <a:defRPr sz="1400" kern="1200" cap="all" baseline="0">
+                <a:solidFill>
+                  <a:schemeClr val="tx1"/>
+                </a:solidFill>
+                <a:effectLst/>
+                <a:latin typeface="+mn-lt"/>
+                <a:ea typeface="+mn-ea"/>
+                <a:cs typeface="+mn-cs"/>
+              </a:defRPr>
+            </a:lvl6pPr>
+            <a:lvl7pPr marL="2971800" indent="-228600" algn="l" defTabSz="914400" rtl="0" eaLnBrk="1" latinLnBrk="0" hangingPunct="1">
+              <a:lnSpc>
+                <a:spcPct val="120000"/>
+              </a:lnSpc>
+              <a:spcBef>
+                <a:spcPts val="500"/>
+              </a:spcBef>
+              <a:buClr>
+                <a:schemeClr val="tx1"/>
+              </a:buClr>
+              <a:buFont typeface="Arial" panose="020B0604020202020204" pitchFamily="34" charset="0"/>
+              <a:buChar char="•"/>
+              <a:defRPr sz="1400" kern="1200" cap="all" baseline="0">
+                <a:solidFill>
+                  <a:schemeClr val="tx1"/>
+                </a:solidFill>
+                <a:effectLst/>
+                <a:latin typeface="+mn-lt"/>
+                <a:ea typeface="+mn-ea"/>
+                <a:cs typeface="+mn-cs"/>
+              </a:defRPr>
+            </a:lvl7pPr>
+            <a:lvl8pPr marL="3429000" indent="-228600" algn="l" defTabSz="914400" rtl="0" eaLnBrk="1" latinLnBrk="0" hangingPunct="1">
+              <a:lnSpc>
+                <a:spcPct val="120000"/>
+              </a:lnSpc>
+              <a:spcBef>
+                <a:spcPts val="500"/>
+              </a:spcBef>
+              <a:buClr>
+                <a:schemeClr val="tx1"/>
+              </a:buClr>
+              <a:buFont typeface="Arial" panose="020B0604020202020204" pitchFamily="34" charset="0"/>
+              <a:buChar char="•"/>
+              <a:defRPr sz="1400" kern="1200" cap="all" baseline="0">
+                <a:solidFill>
+                  <a:schemeClr val="tx1"/>
+                </a:solidFill>
+                <a:effectLst/>
+                <a:latin typeface="+mn-lt"/>
+                <a:ea typeface="+mn-ea"/>
+                <a:cs typeface="+mn-cs"/>
+              </a:defRPr>
+            </a:lvl8pPr>
+            <a:lvl9pPr marL="3886200" indent="-228600" algn="l" defTabSz="914400" rtl="0" eaLnBrk="1" latinLnBrk="0" hangingPunct="1">
+              <a:lnSpc>
+                <a:spcPct val="120000"/>
+              </a:lnSpc>
+              <a:spcBef>
+                <a:spcPts val="500"/>
+              </a:spcBef>
+              <a:buClr>
+                <a:schemeClr val="tx1"/>
+              </a:buClr>
+              <a:buFont typeface="Arial" panose="020B0604020202020204" pitchFamily="34" charset="0"/>
+              <a:buChar char="•"/>
+              <a:defRPr sz="1400" kern="1200" cap="all" baseline="0">
+                <a:solidFill>
+                  <a:schemeClr val="tx1"/>
+                </a:solidFill>
+                <a:effectLst/>
+                <a:latin typeface="+mn-lt"/>
+                <a:ea typeface="+mn-ea"/>
+                <a:cs typeface="+mn-cs"/>
+              </a:defRPr>
+            </a:lvl9pPr>
+          </a:lstStyle>
+          <a:p>
+            <a:pPr lvl="2"/>
+            <a:r>
+              <a:rPr lang="en-US" sz="2600" cap="none" dirty="0" smtClean="0">
+                <a:latin typeface="Calibri" panose="020F0502020204030204" pitchFamily="34" charset="0"/>
+                <a:cs typeface="Calibri" panose="020F0502020204030204" pitchFamily="34" charset="0"/>
+              </a:rPr>
+              <a:t>Very similar to linear, except it contains a shrinkage penalty for coefficients based on a tuning parameter, lambda. </a:t>
+            </a:r>
+          </a:p>
+          <a:p>
+            <a:pPr lvl="2"/>
+            <a:r>
+              <a:rPr lang="en-US" sz="2600" cap="none" dirty="0" smtClean="0">
+                <a:latin typeface="Calibri" panose="020F0502020204030204" pitchFamily="34" charset="0"/>
+                <a:cs typeface="Calibri" panose="020F0502020204030204" pitchFamily="34" charset="0"/>
+              </a:rPr>
+              <a:t>If lambda is set to equal zero, we are left with the OLS estimator</a:t>
+            </a:r>
+          </a:p>
+          <a:p>
+            <a:pPr lvl="2"/>
+            <a:r>
+              <a:rPr lang="en-US" sz="2600" cap="none" dirty="0" smtClean="0">
+                <a:latin typeface="Calibri" panose="020F0502020204030204" pitchFamily="34" charset="0"/>
+                <a:cs typeface="Calibri" panose="020F0502020204030204" pitchFamily="34" charset="0"/>
+              </a:rPr>
+              <a:t>As lambda approaches infinity, all coefficients are penalized towards zero.</a:t>
+            </a:r>
+          </a:p>
+          <a:p>
+            <a:pPr lvl="2"/>
+            <a:r>
+              <a:rPr lang="en-US" sz="2600" cap="none" dirty="0" smtClean="0">
+                <a:latin typeface="Calibri" panose="020F0502020204030204" pitchFamily="34" charset="0"/>
+                <a:cs typeface="Calibri" panose="020F0502020204030204" pitchFamily="34" charset="0"/>
+              </a:rPr>
+              <a:t>Picking the right lambda can be done using cross-validation  </a:t>
+            </a:r>
+          </a:p>
+          <a:p>
+            <a:pPr lvl="2"/>
+            <a:endParaRPr lang="en-US" sz="2800" cap="none" dirty="0" smtClean="0">
+              <a:latin typeface="Calibri" panose="020F0502020204030204" pitchFamily="34" charset="0"/>
+              <a:cs typeface="Calibri" panose="020F0502020204030204" pitchFamily="34" charset="0"/>
+            </a:endParaRPr>
+          </a:p>
+          <a:p>
+            <a:pPr lvl="2"/>
+            <a:endParaRPr lang="en-US" sz="2800" cap="none" dirty="0" smtClean="0">
+              <a:latin typeface="Calibri" panose="020F0502020204030204" pitchFamily="34" charset="0"/>
+              <a:cs typeface="Calibri" panose="020F0502020204030204" pitchFamily="34" charset="0"/>
+            </a:endParaRPr>
+          </a:p>
+        </p:txBody>
+      </p:sp>
+    </p:spTree>
+    <p:extLst>
+      <p:ext uri="{BB962C8B-B14F-4D97-AF65-F5344CB8AC3E}">
+        <p14:creationId xmlns:p14="http://schemas.microsoft.com/office/powerpoint/2010/main" val="2299900455"/>
+      </p:ext>
+    </p:extLst>
+  </p:cSld>
+  <p:clrMapOvr>
+    <a:masterClrMapping/>
+  </p:clrMapOvr>
+  <p:timing>
+    <p:tnLst>
+      <p:par>
+        <p:cTn id="1" dur="indefinite" restart="never" nodeType="tmRoot"/>
+      </p:par>
+    </p:tnLst>
+  </p:timing>
+</p:sld>
+</file>
+
+<file path=ppt/slides/slide83.xml><?xml version="1.0" encoding="utf-8"?>
+<p:sld xmlns:a="http://schemas.openxmlformats.org/drawingml/2006/main" xmlns:r="http://schemas.openxmlformats.org/officeDocument/2006/relationships" xmlns:p="http://schemas.openxmlformats.org/presentationml/2006/main">
+  <p:cSld>
+    <p:spTree>
+      <p:nvGrpSpPr>
+        <p:cNvPr id="1" name=""/>
+        <p:cNvGrpSpPr/>
+        <p:nvPr/>
+      </p:nvGrpSpPr>
+      <p:grpSpPr>
+        <a:xfrm>
+          <a:off x="0" y="0"/>
+          <a:ext cx="0" cy="0"/>
+          <a:chOff x="0" y="0"/>
+          <a:chExt cx="0" cy="0"/>
+        </a:xfrm>
+      </p:grpSpPr>
+      <p:sp>
+        <p:nvSpPr>
+          <p:cNvPr id="2" name="Title 1"/>
+          <p:cNvSpPr>
+            <a:spLocks noGrp="1"/>
+          </p:cNvSpPr>
+          <p:nvPr>
+            <p:ph type="title"/>
+          </p:nvPr>
+        </p:nvSpPr>
+        <p:spPr>
+          <a:xfrm>
+            <a:off x="913775" y="618517"/>
+            <a:ext cx="10364451" cy="624129"/>
+          </a:xfrm>
+        </p:spPr>
+        <p:txBody>
+          <a:bodyPr>
+            <a:normAutofit/>
+          </a:bodyPr>
+          <a:lstStyle/>
+          <a:p>
+            <a:r>
+              <a:rPr lang="en-US" b="1" dirty="0" smtClean="0"/>
+              <a:t>Ridge regression</a:t>
+            </a:r>
+            <a:endParaRPr lang="en-US" b="1" dirty="0">
+              <a:latin typeface="Gill Sans MT" panose="020B0502020104020203" pitchFamily="34" charset="0"/>
+            </a:endParaRPr>
+          </a:p>
+        </p:txBody>
+      </p:sp>
+      <p:sp>
+        <p:nvSpPr>
+          <p:cNvPr id="6" name="Content Placeholder 2"/>
+          <p:cNvSpPr txBox="1">
+            <a:spLocks/>
+          </p:cNvSpPr>
+          <p:nvPr/>
+        </p:nvSpPr>
+        <p:spPr>
+          <a:xfrm>
+            <a:off x="913775" y="1639461"/>
+            <a:ext cx="10364451" cy="4830350"/>
+          </a:xfrm>
+          <a:prstGeom prst="rect">
+            <a:avLst/>
+          </a:prstGeom>
+        </p:spPr>
+        <p:txBody>
+          <a:bodyPr vert="horz" lIns="91440" tIns="45720" rIns="91440" bIns="45720" rtlCol="0">
+            <a:normAutofit/>
+          </a:bodyPr>
+          <a:lstStyle>
+            <a:lvl1pPr marL="228600" indent="-228600" algn="l" defTabSz="914400" rtl="0" eaLnBrk="1" latinLnBrk="0" hangingPunct="1">
+              <a:lnSpc>
+                <a:spcPct val="120000"/>
+              </a:lnSpc>
+              <a:spcBef>
+                <a:spcPts val="1000"/>
+              </a:spcBef>
+              <a:buClr>
+                <a:schemeClr val="tx1"/>
+              </a:buClr>
+              <a:buFont typeface="Arial" panose="020B0604020202020204" pitchFamily="34" charset="0"/>
+              <a:buChar char="•"/>
+              <a:defRPr sz="2000" kern="1200" cap="all" baseline="0">
+                <a:solidFill>
+                  <a:schemeClr val="tx1"/>
+                </a:solidFill>
+                <a:effectLst/>
+                <a:latin typeface="+mn-lt"/>
+                <a:ea typeface="+mn-ea"/>
+                <a:cs typeface="+mn-cs"/>
+              </a:defRPr>
+            </a:lvl1pPr>
+            <a:lvl2pPr marL="685800" indent="-228600" algn="l" defTabSz="914400" rtl="0" eaLnBrk="1" latinLnBrk="0" hangingPunct="1">
+              <a:lnSpc>
+                <a:spcPct val="120000"/>
+              </a:lnSpc>
+              <a:spcBef>
+                <a:spcPts val="500"/>
+              </a:spcBef>
+              <a:buClr>
+                <a:schemeClr val="tx1"/>
+              </a:buClr>
+              <a:buFont typeface="Arial" panose="020B0604020202020204" pitchFamily="34" charset="0"/>
+              <a:buChar char="•"/>
+              <a:defRPr sz="1800" kern="1200" cap="all" baseline="0">
+                <a:solidFill>
+                  <a:schemeClr val="tx1"/>
+                </a:solidFill>
+                <a:effectLst/>
+                <a:latin typeface="+mn-lt"/>
+                <a:ea typeface="+mn-ea"/>
+                <a:cs typeface="+mn-cs"/>
+              </a:defRPr>
+            </a:lvl2pPr>
+            <a:lvl3pPr marL="1143000" indent="-228600" algn="l" defTabSz="914400" rtl="0" eaLnBrk="1" latinLnBrk="0" hangingPunct="1">
+              <a:lnSpc>
+                <a:spcPct val="120000"/>
+              </a:lnSpc>
+              <a:spcBef>
+                <a:spcPts val="500"/>
+              </a:spcBef>
+              <a:buClr>
+                <a:schemeClr val="tx1"/>
+              </a:buClr>
+              <a:buFont typeface="Arial" panose="020B0604020202020204" pitchFamily="34" charset="0"/>
+              <a:buChar char="•"/>
+              <a:defRPr sz="1600" kern="1200" cap="all" baseline="0">
+                <a:solidFill>
+                  <a:schemeClr val="tx1"/>
+                </a:solidFill>
+                <a:effectLst/>
+                <a:latin typeface="+mn-lt"/>
+                <a:ea typeface="+mn-ea"/>
+                <a:cs typeface="+mn-cs"/>
+              </a:defRPr>
+            </a:lvl3pPr>
+            <a:lvl4pPr marL="1600200" indent="-228600" algn="l" defTabSz="914400" rtl="0" eaLnBrk="1" latinLnBrk="0" hangingPunct="1">
+              <a:lnSpc>
+                <a:spcPct val="120000"/>
+              </a:lnSpc>
+              <a:spcBef>
+                <a:spcPts val="500"/>
+              </a:spcBef>
+              <a:buClr>
+                <a:schemeClr val="tx1"/>
+              </a:buClr>
+              <a:buFont typeface="Arial" panose="020B0604020202020204" pitchFamily="34" charset="0"/>
+              <a:buChar char="•"/>
+              <a:defRPr sz="1400" kern="1200" cap="all" baseline="0">
+                <a:solidFill>
+                  <a:schemeClr val="tx1"/>
+                </a:solidFill>
+                <a:effectLst/>
+                <a:latin typeface="+mn-lt"/>
+                <a:ea typeface="+mn-ea"/>
+                <a:cs typeface="+mn-cs"/>
+              </a:defRPr>
+            </a:lvl4pPr>
+            <a:lvl5pPr marL="2057400" indent="-228600" algn="l" defTabSz="914400" rtl="0" eaLnBrk="1" latinLnBrk="0" hangingPunct="1">
+              <a:lnSpc>
+                <a:spcPct val="120000"/>
+              </a:lnSpc>
+              <a:spcBef>
+                <a:spcPts val="500"/>
+              </a:spcBef>
+              <a:buClr>
+                <a:schemeClr val="tx1"/>
+              </a:buClr>
+              <a:buFont typeface="Arial" panose="020B0604020202020204" pitchFamily="34" charset="0"/>
+              <a:buChar char="•"/>
+              <a:defRPr sz="1400" kern="1200" cap="all" baseline="0">
+                <a:solidFill>
+                  <a:schemeClr val="tx1"/>
+                </a:solidFill>
+                <a:effectLst/>
+                <a:latin typeface="+mn-lt"/>
+                <a:ea typeface="+mn-ea"/>
+                <a:cs typeface="+mn-cs"/>
+              </a:defRPr>
+            </a:lvl5pPr>
+            <a:lvl6pPr marL="2514600" indent="-228600" algn="l" defTabSz="914400" rtl="0" eaLnBrk="1" latinLnBrk="0" hangingPunct="1">
+              <a:lnSpc>
+                <a:spcPct val="120000"/>
+              </a:lnSpc>
+              <a:spcBef>
+                <a:spcPts val="500"/>
+              </a:spcBef>
+              <a:buClr>
+                <a:schemeClr val="tx1"/>
+              </a:buClr>
+              <a:buFont typeface="Arial" panose="020B0604020202020204" pitchFamily="34" charset="0"/>
+              <a:buChar char="•"/>
+              <a:defRPr sz="1400" kern="1200" cap="all" baseline="0">
+                <a:solidFill>
+                  <a:schemeClr val="tx1"/>
+                </a:solidFill>
+                <a:effectLst/>
+                <a:latin typeface="+mn-lt"/>
+                <a:ea typeface="+mn-ea"/>
+                <a:cs typeface="+mn-cs"/>
+              </a:defRPr>
+            </a:lvl6pPr>
+            <a:lvl7pPr marL="2971800" indent="-228600" algn="l" defTabSz="914400" rtl="0" eaLnBrk="1" latinLnBrk="0" hangingPunct="1">
+              <a:lnSpc>
+                <a:spcPct val="120000"/>
+              </a:lnSpc>
+              <a:spcBef>
+                <a:spcPts val="500"/>
+              </a:spcBef>
+              <a:buClr>
+                <a:schemeClr val="tx1"/>
+              </a:buClr>
+              <a:buFont typeface="Arial" panose="020B0604020202020204" pitchFamily="34" charset="0"/>
+              <a:buChar char="•"/>
+              <a:defRPr sz="1400" kern="1200" cap="all" baseline="0">
+                <a:solidFill>
+                  <a:schemeClr val="tx1"/>
+                </a:solidFill>
+                <a:effectLst/>
+                <a:latin typeface="+mn-lt"/>
+                <a:ea typeface="+mn-ea"/>
+                <a:cs typeface="+mn-cs"/>
+              </a:defRPr>
+            </a:lvl7pPr>
+            <a:lvl8pPr marL="3429000" indent="-228600" algn="l" defTabSz="914400" rtl="0" eaLnBrk="1" latinLnBrk="0" hangingPunct="1">
+              <a:lnSpc>
+                <a:spcPct val="120000"/>
+              </a:lnSpc>
+              <a:spcBef>
+                <a:spcPts val="500"/>
+              </a:spcBef>
+              <a:buClr>
+                <a:schemeClr val="tx1"/>
+              </a:buClr>
+              <a:buFont typeface="Arial" panose="020B0604020202020204" pitchFamily="34" charset="0"/>
+              <a:buChar char="•"/>
+              <a:defRPr sz="1400" kern="1200" cap="all" baseline="0">
+                <a:solidFill>
+                  <a:schemeClr val="tx1"/>
+                </a:solidFill>
+                <a:effectLst/>
+                <a:latin typeface="+mn-lt"/>
+                <a:ea typeface="+mn-ea"/>
+                <a:cs typeface="+mn-cs"/>
+              </a:defRPr>
+            </a:lvl8pPr>
+            <a:lvl9pPr marL="3886200" indent="-228600" algn="l" defTabSz="914400" rtl="0" eaLnBrk="1" latinLnBrk="0" hangingPunct="1">
+              <a:lnSpc>
+                <a:spcPct val="120000"/>
+              </a:lnSpc>
+              <a:spcBef>
+                <a:spcPts val="500"/>
+              </a:spcBef>
+              <a:buClr>
+                <a:schemeClr val="tx1"/>
+              </a:buClr>
+              <a:buFont typeface="Arial" panose="020B0604020202020204" pitchFamily="34" charset="0"/>
+              <a:buChar char="•"/>
+              <a:defRPr sz="1400" kern="1200" cap="all" baseline="0">
+                <a:solidFill>
+                  <a:schemeClr val="tx1"/>
+                </a:solidFill>
+                <a:effectLst/>
+                <a:latin typeface="+mn-lt"/>
+                <a:ea typeface="+mn-ea"/>
+                <a:cs typeface="+mn-cs"/>
+              </a:defRPr>
+            </a:lvl9pPr>
+          </a:lstStyle>
+          <a:p>
+            <a:pPr lvl="2"/>
+            <a:endParaRPr lang="en-US" sz="2600" cap="none" dirty="0" smtClean="0">
+              <a:latin typeface="Calibri" panose="020F0502020204030204" pitchFamily="34" charset="0"/>
+              <a:cs typeface="Calibri" panose="020F0502020204030204" pitchFamily="34" charset="0"/>
+            </a:endParaRPr>
+          </a:p>
+          <a:p>
+            <a:pPr lvl="2"/>
+            <a:endParaRPr lang="en-US" sz="2600" cap="none" dirty="0" smtClean="0">
+              <a:latin typeface="Calibri" panose="020F0502020204030204" pitchFamily="34" charset="0"/>
+              <a:cs typeface="Calibri" panose="020F0502020204030204" pitchFamily="34" charset="0"/>
+            </a:endParaRPr>
+          </a:p>
+          <a:p>
+            <a:pPr lvl="2"/>
+            <a:endParaRPr lang="en-US" sz="2800" cap="none" dirty="0" smtClean="0">
+              <a:latin typeface="Calibri" panose="020F0502020204030204" pitchFamily="34" charset="0"/>
+              <a:cs typeface="Calibri" panose="020F0502020204030204" pitchFamily="34" charset="0"/>
+            </a:endParaRPr>
+          </a:p>
+          <a:p>
+            <a:pPr lvl="2"/>
+            <a:endParaRPr lang="en-US" sz="2800" cap="none" dirty="0" smtClean="0">
+              <a:latin typeface="Calibri" panose="020F0502020204030204" pitchFamily="34" charset="0"/>
+              <a:cs typeface="Calibri" panose="020F0502020204030204" pitchFamily="34" charset="0"/>
+            </a:endParaRPr>
+          </a:p>
+        </p:txBody>
+      </p:sp>
+      <p:sp>
+        <p:nvSpPr>
+          <p:cNvPr id="4" name="Content Placeholder 2"/>
+          <p:cNvSpPr txBox="1">
+            <a:spLocks/>
+          </p:cNvSpPr>
+          <p:nvPr/>
+        </p:nvSpPr>
+        <p:spPr>
+          <a:xfrm>
+            <a:off x="408214" y="1639461"/>
+            <a:ext cx="11348357" cy="5822696"/>
+          </a:xfrm>
+          <a:prstGeom prst="rect">
+            <a:avLst/>
+          </a:prstGeom>
+        </p:spPr>
+        <p:txBody>
+          <a:bodyPr vert="horz" lIns="91440" tIns="45720" rIns="91440" bIns="45720" rtlCol="0">
+            <a:normAutofit/>
+          </a:bodyPr>
+          <a:lstStyle>
+            <a:lvl1pPr marL="228600" indent="-228600" algn="l" defTabSz="914400" rtl="0" eaLnBrk="1" latinLnBrk="0" hangingPunct="1">
+              <a:lnSpc>
+                <a:spcPct val="120000"/>
+              </a:lnSpc>
+              <a:spcBef>
+                <a:spcPts val="1000"/>
+              </a:spcBef>
+              <a:buClr>
+                <a:schemeClr val="tx1"/>
+              </a:buClr>
+              <a:buFont typeface="Arial" panose="020B0604020202020204" pitchFamily="34" charset="0"/>
+              <a:buChar char="•"/>
+              <a:defRPr sz="2000" kern="1200" cap="all" baseline="0">
+                <a:solidFill>
+                  <a:schemeClr val="tx1"/>
+                </a:solidFill>
+                <a:effectLst/>
+                <a:latin typeface="+mn-lt"/>
+                <a:ea typeface="+mn-ea"/>
+                <a:cs typeface="+mn-cs"/>
+              </a:defRPr>
+            </a:lvl1pPr>
+            <a:lvl2pPr marL="685800" indent="-228600" algn="l" defTabSz="914400" rtl="0" eaLnBrk="1" latinLnBrk="0" hangingPunct="1">
+              <a:lnSpc>
+                <a:spcPct val="120000"/>
+              </a:lnSpc>
+              <a:spcBef>
+                <a:spcPts val="500"/>
+              </a:spcBef>
+              <a:buClr>
+                <a:schemeClr val="tx1"/>
+              </a:buClr>
+              <a:buFont typeface="Arial" panose="020B0604020202020204" pitchFamily="34" charset="0"/>
+              <a:buChar char="•"/>
+              <a:defRPr sz="1800" kern="1200" cap="all" baseline="0">
+                <a:solidFill>
+                  <a:schemeClr val="tx1"/>
+                </a:solidFill>
+                <a:effectLst/>
+                <a:latin typeface="+mn-lt"/>
+                <a:ea typeface="+mn-ea"/>
+                <a:cs typeface="+mn-cs"/>
+              </a:defRPr>
+            </a:lvl2pPr>
+            <a:lvl3pPr marL="1143000" indent="-228600" algn="l" defTabSz="914400" rtl="0" eaLnBrk="1" latinLnBrk="0" hangingPunct="1">
+              <a:lnSpc>
+                <a:spcPct val="120000"/>
+              </a:lnSpc>
+              <a:spcBef>
+                <a:spcPts val="500"/>
+              </a:spcBef>
+              <a:buClr>
+                <a:schemeClr val="tx1"/>
+              </a:buClr>
+              <a:buFont typeface="Arial" panose="020B0604020202020204" pitchFamily="34" charset="0"/>
+              <a:buChar char="•"/>
+              <a:defRPr sz="1600" kern="1200" cap="all" baseline="0">
+                <a:solidFill>
+                  <a:schemeClr val="tx1"/>
+                </a:solidFill>
+                <a:effectLst/>
+                <a:latin typeface="+mn-lt"/>
+                <a:ea typeface="+mn-ea"/>
+                <a:cs typeface="+mn-cs"/>
+              </a:defRPr>
+            </a:lvl3pPr>
+            <a:lvl4pPr marL="1600200" indent="-228600" algn="l" defTabSz="914400" rtl="0" eaLnBrk="1" latinLnBrk="0" hangingPunct="1">
+              <a:lnSpc>
+                <a:spcPct val="120000"/>
+              </a:lnSpc>
+              <a:spcBef>
+                <a:spcPts val="500"/>
+              </a:spcBef>
+              <a:buClr>
+                <a:schemeClr val="tx1"/>
+              </a:buClr>
+              <a:buFont typeface="Arial" panose="020B0604020202020204" pitchFamily="34" charset="0"/>
+              <a:buChar char="•"/>
+              <a:defRPr sz="1400" kern="1200" cap="all" baseline="0">
+                <a:solidFill>
+                  <a:schemeClr val="tx1"/>
+                </a:solidFill>
+                <a:effectLst/>
+                <a:latin typeface="+mn-lt"/>
+                <a:ea typeface="+mn-ea"/>
+                <a:cs typeface="+mn-cs"/>
+              </a:defRPr>
+            </a:lvl4pPr>
+            <a:lvl5pPr marL="2057400" indent="-228600" algn="l" defTabSz="914400" rtl="0" eaLnBrk="1" latinLnBrk="0" hangingPunct="1">
+              <a:lnSpc>
+                <a:spcPct val="120000"/>
+              </a:lnSpc>
+              <a:spcBef>
+                <a:spcPts val="500"/>
+              </a:spcBef>
+              <a:buClr>
+                <a:schemeClr val="tx1"/>
+              </a:buClr>
+              <a:buFont typeface="Arial" panose="020B0604020202020204" pitchFamily="34" charset="0"/>
+              <a:buChar char="•"/>
+              <a:defRPr sz="1400" kern="1200" cap="all" baseline="0">
+                <a:solidFill>
+                  <a:schemeClr val="tx1"/>
+                </a:solidFill>
+                <a:effectLst/>
+                <a:latin typeface="+mn-lt"/>
+                <a:ea typeface="+mn-ea"/>
+                <a:cs typeface="+mn-cs"/>
+              </a:defRPr>
+            </a:lvl5pPr>
+            <a:lvl6pPr marL="2514600" indent="-228600" algn="l" defTabSz="914400" rtl="0" eaLnBrk="1" latinLnBrk="0" hangingPunct="1">
+              <a:lnSpc>
+                <a:spcPct val="120000"/>
+              </a:lnSpc>
+              <a:spcBef>
+                <a:spcPts val="500"/>
+              </a:spcBef>
+              <a:buClr>
+                <a:schemeClr val="tx1"/>
+              </a:buClr>
+              <a:buFont typeface="Arial" panose="020B0604020202020204" pitchFamily="34" charset="0"/>
+              <a:buChar char="•"/>
+              <a:defRPr sz="1400" kern="1200" cap="all" baseline="0">
+                <a:solidFill>
+                  <a:schemeClr val="tx1"/>
+                </a:solidFill>
+                <a:effectLst/>
+                <a:latin typeface="+mn-lt"/>
+                <a:ea typeface="+mn-ea"/>
+                <a:cs typeface="+mn-cs"/>
+              </a:defRPr>
+            </a:lvl6pPr>
+            <a:lvl7pPr marL="2971800" indent="-228600" algn="l" defTabSz="914400" rtl="0" eaLnBrk="1" latinLnBrk="0" hangingPunct="1">
+              <a:lnSpc>
+                <a:spcPct val="120000"/>
+              </a:lnSpc>
+              <a:spcBef>
+                <a:spcPts val="500"/>
+              </a:spcBef>
+              <a:buClr>
+                <a:schemeClr val="tx1"/>
+              </a:buClr>
+              <a:buFont typeface="Arial" panose="020B0604020202020204" pitchFamily="34" charset="0"/>
+              <a:buChar char="•"/>
+              <a:defRPr sz="1400" kern="1200" cap="all" baseline="0">
+                <a:solidFill>
+                  <a:schemeClr val="tx1"/>
+                </a:solidFill>
+                <a:effectLst/>
+                <a:latin typeface="+mn-lt"/>
+                <a:ea typeface="+mn-ea"/>
+                <a:cs typeface="+mn-cs"/>
+              </a:defRPr>
+            </a:lvl7pPr>
+            <a:lvl8pPr marL="3429000" indent="-228600" algn="l" defTabSz="914400" rtl="0" eaLnBrk="1" latinLnBrk="0" hangingPunct="1">
+              <a:lnSpc>
+                <a:spcPct val="120000"/>
+              </a:lnSpc>
+              <a:spcBef>
+                <a:spcPts val="500"/>
+              </a:spcBef>
+              <a:buClr>
+                <a:schemeClr val="tx1"/>
+              </a:buClr>
+              <a:buFont typeface="Arial" panose="020B0604020202020204" pitchFamily="34" charset="0"/>
+              <a:buChar char="•"/>
+              <a:defRPr sz="1400" kern="1200" cap="all" baseline="0">
+                <a:solidFill>
+                  <a:schemeClr val="tx1"/>
+                </a:solidFill>
+                <a:effectLst/>
+                <a:latin typeface="+mn-lt"/>
+                <a:ea typeface="+mn-ea"/>
+                <a:cs typeface="+mn-cs"/>
+              </a:defRPr>
+            </a:lvl8pPr>
+            <a:lvl9pPr marL="3886200" indent="-228600" algn="l" defTabSz="914400" rtl="0" eaLnBrk="1" latinLnBrk="0" hangingPunct="1">
+              <a:lnSpc>
+                <a:spcPct val="120000"/>
+              </a:lnSpc>
+              <a:spcBef>
+                <a:spcPts val="500"/>
+              </a:spcBef>
+              <a:buClr>
+                <a:schemeClr val="tx1"/>
+              </a:buClr>
+              <a:buFont typeface="Arial" panose="020B0604020202020204" pitchFamily="34" charset="0"/>
+              <a:buChar char="•"/>
+              <a:defRPr sz="1400" kern="1200" cap="all" baseline="0">
+                <a:solidFill>
+                  <a:schemeClr val="tx1"/>
+                </a:solidFill>
+                <a:effectLst/>
+                <a:latin typeface="+mn-lt"/>
+                <a:ea typeface="+mn-ea"/>
+                <a:cs typeface="+mn-cs"/>
+              </a:defRPr>
+            </a:lvl9pPr>
+          </a:lstStyle>
+          <a:p>
+            <a:pPr lvl="2"/>
+            <a:r>
+              <a:rPr lang="en-US" sz="2600" cap="none" dirty="0" smtClean="0">
+                <a:latin typeface="Calibri" panose="020F0502020204030204" pitchFamily="34" charset="0"/>
+                <a:cs typeface="Calibri" panose="020F0502020204030204" pitchFamily="34" charset="0"/>
+              </a:rPr>
+              <a:t>Very similar to linear, except it contains a shrinkage penalty for coefficients based on a tuning parameter, lambda. </a:t>
+            </a:r>
+          </a:p>
+          <a:p>
+            <a:pPr lvl="2"/>
+            <a:r>
+              <a:rPr lang="en-US" sz="2600" cap="none" dirty="0" smtClean="0">
+                <a:latin typeface="Calibri" panose="020F0502020204030204" pitchFamily="34" charset="0"/>
+                <a:cs typeface="Calibri" panose="020F0502020204030204" pitchFamily="34" charset="0"/>
+              </a:rPr>
+              <a:t>If lambda is set to equal zero, we are left with the OLS estimator</a:t>
+            </a:r>
+          </a:p>
+          <a:p>
+            <a:pPr lvl="2"/>
+            <a:r>
+              <a:rPr lang="en-US" sz="2600" cap="none" dirty="0" smtClean="0">
+                <a:latin typeface="Calibri" panose="020F0502020204030204" pitchFamily="34" charset="0"/>
+                <a:cs typeface="Calibri" panose="020F0502020204030204" pitchFamily="34" charset="0"/>
+              </a:rPr>
+              <a:t>As lambda approaches infinity, all coefficients are penalized towards zero.</a:t>
+            </a:r>
+          </a:p>
+          <a:p>
+            <a:pPr lvl="2"/>
+            <a:r>
+              <a:rPr lang="en-US" sz="2600" cap="none" dirty="0" smtClean="0">
+                <a:latin typeface="Calibri" panose="020F0502020204030204" pitchFamily="34" charset="0"/>
+                <a:cs typeface="Calibri" panose="020F0502020204030204" pitchFamily="34" charset="0"/>
+              </a:rPr>
+              <a:t>Picking the right lambda can be done using cross-validation  </a:t>
+            </a:r>
+          </a:p>
+          <a:p>
+            <a:pPr lvl="2"/>
+            <a:r>
+              <a:rPr lang="en-US" sz="2600" cap="none" dirty="0" smtClean="0">
+                <a:latin typeface="Calibri" panose="020F0502020204030204" pitchFamily="34" charset="0"/>
+                <a:cs typeface="Calibri" panose="020F0502020204030204" pitchFamily="34" charset="0"/>
+              </a:rPr>
+              <a:t>This method can find a set of coefficients which has much less variance at the cost of slightly higher bias. </a:t>
+            </a:r>
+          </a:p>
+          <a:p>
+            <a:pPr lvl="2"/>
+            <a:r>
+              <a:rPr lang="en-US" sz="2600" cap="none" dirty="0" smtClean="0">
+                <a:latin typeface="Calibri" panose="020F0502020204030204" pitchFamily="34" charset="0"/>
+                <a:cs typeface="Calibri" panose="020F0502020204030204" pitchFamily="34" charset="0"/>
+              </a:rPr>
+              <a:t>Takes advantage of the bias-variance trade off</a:t>
+            </a:r>
+            <a:endParaRPr lang="en-US" sz="2600" cap="none" dirty="0" smtClean="0">
+              <a:latin typeface="Calibri" panose="020F0502020204030204" pitchFamily="34" charset="0"/>
+              <a:cs typeface="Calibri" panose="020F0502020204030204" pitchFamily="34" charset="0"/>
+            </a:endParaRPr>
+          </a:p>
+          <a:p>
+            <a:pPr lvl="2"/>
+            <a:r>
+              <a:rPr lang="en-US" sz="2600" cap="none" dirty="0" smtClean="0">
+                <a:latin typeface="Calibri" panose="020F0502020204030204" pitchFamily="34" charset="0"/>
+                <a:cs typeface="Calibri" panose="020F0502020204030204" pitchFamily="34" charset="0"/>
+              </a:rPr>
+              <a:t>Works best when OLS estimates have high variance</a:t>
+            </a:r>
+            <a:endParaRPr lang="en-US" sz="2600" cap="none" dirty="0" smtClean="0">
+              <a:latin typeface="Calibri" panose="020F0502020204030204" pitchFamily="34" charset="0"/>
+              <a:cs typeface="Calibri" panose="020F0502020204030204" pitchFamily="34" charset="0"/>
+            </a:endParaRPr>
+          </a:p>
+          <a:p>
+            <a:pPr lvl="2"/>
+            <a:endParaRPr lang="en-US" sz="2600" cap="none" dirty="0" smtClean="0">
+              <a:latin typeface="Calibri" panose="020F0502020204030204" pitchFamily="34" charset="0"/>
+              <a:cs typeface="Calibri" panose="020F0502020204030204" pitchFamily="34" charset="0"/>
+            </a:endParaRPr>
+          </a:p>
+          <a:p>
+            <a:pPr lvl="2"/>
+            <a:endParaRPr lang="en-US" sz="2600" cap="none" dirty="0" smtClean="0">
+              <a:latin typeface="Calibri" panose="020F0502020204030204" pitchFamily="34" charset="0"/>
+              <a:cs typeface="Calibri" panose="020F0502020204030204" pitchFamily="34" charset="0"/>
+            </a:endParaRPr>
+          </a:p>
+        </p:txBody>
+      </p:sp>
+    </p:spTree>
+    <p:extLst>
+      <p:ext uri="{BB962C8B-B14F-4D97-AF65-F5344CB8AC3E}">
+        <p14:creationId xmlns:p14="http://schemas.microsoft.com/office/powerpoint/2010/main" val="1026046378"/>
+      </p:ext>
+    </p:extLst>
+  </p:cSld>
+  <p:clrMapOvr>
+    <a:masterClrMapping/>
+  </p:clrMapOvr>
+  <p:timing>
+    <p:tnLst>
+      <p:par>
+        <p:cTn id="1" dur="indefinite" restart="never" nodeType="tmRoot"/>
+      </p:par>
+    </p:tnLst>
+  </p:timing>
+</p:sld>
+</file>
+
+<file path=ppt/slides/slide84.xml><?xml version="1.0" encoding="utf-8"?>
+<p:sld xmlns:a="http://schemas.openxmlformats.org/drawingml/2006/main" xmlns:r="http://schemas.openxmlformats.org/officeDocument/2006/relationships" xmlns:p="http://schemas.openxmlformats.org/presentationml/2006/main">
+  <p:cSld>
+    <p:spTree>
+      <p:nvGrpSpPr>
+        <p:cNvPr id="1" name=""/>
+        <p:cNvGrpSpPr/>
+        <p:nvPr/>
+      </p:nvGrpSpPr>
+      <p:grpSpPr>
+        <a:xfrm>
+          <a:off x="0" y="0"/>
+          <a:ext cx="0" cy="0"/>
+          <a:chOff x="0" y="0"/>
+          <a:chExt cx="0" cy="0"/>
+        </a:xfrm>
+      </p:grpSpPr>
+      <p:sp>
+        <p:nvSpPr>
+          <p:cNvPr id="2" name="Title 1"/>
+          <p:cNvSpPr>
+            <a:spLocks noGrp="1"/>
+          </p:cNvSpPr>
+          <p:nvPr>
+            <p:ph type="title"/>
+          </p:nvPr>
+        </p:nvSpPr>
+        <p:spPr>
+          <a:xfrm>
+            <a:off x="913775" y="618517"/>
+            <a:ext cx="10364451" cy="624129"/>
+          </a:xfrm>
+        </p:spPr>
+        <p:txBody>
+          <a:bodyPr>
+            <a:normAutofit/>
+          </a:bodyPr>
+          <a:lstStyle/>
+          <a:p>
+            <a:r>
+              <a:rPr lang="en-US" b="1" dirty="0" smtClean="0"/>
+              <a:t>Ridge regression</a:t>
+            </a:r>
+            <a:endParaRPr lang="en-US" b="1" dirty="0">
+              <a:latin typeface="Gill Sans MT" panose="020B0502020104020203" pitchFamily="34" charset="0"/>
+            </a:endParaRPr>
+          </a:p>
+        </p:txBody>
+      </p:sp>
+      <p:sp>
+        <p:nvSpPr>
+          <p:cNvPr id="6" name="Content Placeholder 2"/>
+          <p:cNvSpPr txBox="1">
+            <a:spLocks/>
+          </p:cNvSpPr>
+          <p:nvPr/>
+        </p:nvSpPr>
+        <p:spPr>
+          <a:xfrm>
+            <a:off x="913775" y="1639461"/>
+            <a:ext cx="10364451" cy="4830350"/>
+          </a:xfrm>
+          <a:prstGeom prst="rect">
+            <a:avLst/>
+          </a:prstGeom>
+        </p:spPr>
+        <p:txBody>
+          <a:bodyPr vert="horz" lIns="91440" tIns="45720" rIns="91440" bIns="45720" rtlCol="0">
+            <a:normAutofit/>
+          </a:bodyPr>
+          <a:lstStyle>
+            <a:lvl1pPr marL="228600" indent="-228600" algn="l" defTabSz="914400" rtl="0" eaLnBrk="1" latinLnBrk="0" hangingPunct="1">
+              <a:lnSpc>
+                <a:spcPct val="120000"/>
+              </a:lnSpc>
+              <a:spcBef>
+                <a:spcPts val="1000"/>
+              </a:spcBef>
+              <a:buClr>
+                <a:schemeClr val="tx1"/>
+              </a:buClr>
+              <a:buFont typeface="Arial" panose="020B0604020202020204" pitchFamily="34" charset="0"/>
+              <a:buChar char="•"/>
+              <a:defRPr sz="2000" kern="1200" cap="all" baseline="0">
+                <a:solidFill>
+                  <a:schemeClr val="tx1"/>
+                </a:solidFill>
+                <a:effectLst/>
+                <a:latin typeface="+mn-lt"/>
+                <a:ea typeface="+mn-ea"/>
+                <a:cs typeface="+mn-cs"/>
+              </a:defRPr>
+            </a:lvl1pPr>
+            <a:lvl2pPr marL="685800" indent="-228600" algn="l" defTabSz="914400" rtl="0" eaLnBrk="1" latinLnBrk="0" hangingPunct="1">
+              <a:lnSpc>
+                <a:spcPct val="120000"/>
+              </a:lnSpc>
+              <a:spcBef>
+                <a:spcPts val="500"/>
+              </a:spcBef>
+              <a:buClr>
+                <a:schemeClr val="tx1"/>
+              </a:buClr>
+              <a:buFont typeface="Arial" panose="020B0604020202020204" pitchFamily="34" charset="0"/>
+              <a:buChar char="•"/>
+              <a:defRPr sz="1800" kern="1200" cap="all" baseline="0">
+                <a:solidFill>
+                  <a:schemeClr val="tx1"/>
+                </a:solidFill>
+                <a:effectLst/>
+                <a:latin typeface="+mn-lt"/>
+                <a:ea typeface="+mn-ea"/>
+                <a:cs typeface="+mn-cs"/>
+              </a:defRPr>
+            </a:lvl2pPr>
+            <a:lvl3pPr marL="1143000" indent="-228600" algn="l" defTabSz="914400" rtl="0" eaLnBrk="1" latinLnBrk="0" hangingPunct="1">
+              <a:lnSpc>
+                <a:spcPct val="120000"/>
+              </a:lnSpc>
+              <a:spcBef>
+                <a:spcPts val="500"/>
+              </a:spcBef>
+              <a:buClr>
+                <a:schemeClr val="tx1"/>
+              </a:buClr>
+              <a:buFont typeface="Arial" panose="020B0604020202020204" pitchFamily="34" charset="0"/>
+              <a:buChar char="•"/>
+              <a:defRPr sz="1600" kern="1200" cap="all" baseline="0">
+                <a:solidFill>
+                  <a:schemeClr val="tx1"/>
+                </a:solidFill>
+                <a:effectLst/>
+                <a:latin typeface="+mn-lt"/>
+                <a:ea typeface="+mn-ea"/>
+                <a:cs typeface="+mn-cs"/>
+              </a:defRPr>
+            </a:lvl3pPr>
+            <a:lvl4pPr marL="1600200" indent="-228600" algn="l" defTabSz="914400" rtl="0" eaLnBrk="1" latinLnBrk="0" hangingPunct="1">
+              <a:lnSpc>
+                <a:spcPct val="120000"/>
+              </a:lnSpc>
+              <a:spcBef>
+                <a:spcPts val="500"/>
+              </a:spcBef>
+              <a:buClr>
+                <a:schemeClr val="tx1"/>
+              </a:buClr>
+              <a:buFont typeface="Arial" panose="020B0604020202020204" pitchFamily="34" charset="0"/>
+              <a:buChar char="•"/>
+              <a:defRPr sz="1400" kern="1200" cap="all" baseline="0">
+                <a:solidFill>
+                  <a:schemeClr val="tx1"/>
+                </a:solidFill>
+                <a:effectLst/>
+                <a:latin typeface="+mn-lt"/>
+                <a:ea typeface="+mn-ea"/>
+                <a:cs typeface="+mn-cs"/>
+              </a:defRPr>
+            </a:lvl4pPr>
+            <a:lvl5pPr marL="2057400" indent="-228600" algn="l" defTabSz="914400" rtl="0" eaLnBrk="1" latinLnBrk="0" hangingPunct="1">
+              <a:lnSpc>
+                <a:spcPct val="120000"/>
+              </a:lnSpc>
+              <a:spcBef>
+                <a:spcPts val="500"/>
+              </a:spcBef>
+              <a:buClr>
+                <a:schemeClr val="tx1"/>
+              </a:buClr>
+              <a:buFont typeface="Arial" panose="020B0604020202020204" pitchFamily="34" charset="0"/>
+              <a:buChar char="•"/>
+              <a:defRPr sz="1400" kern="1200" cap="all" baseline="0">
+                <a:solidFill>
+                  <a:schemeClr val="tx1"/>
+                </a:solidFill>
+                <a:effectLst/>
+                <a:latin typeface="+mn-lt"/>
+                <a:ea typeface="+mn-ea"/>
+                <a:cs typeface="+mn-cs"/>
+              </a:defRPr>
+            </a:lvl5pPr>
+            <a:lvl6pPr marL="2514600" indent="-228600" algn="l" defTabSz="914400" rtl="0" eaLnBrk="1" latinLnBrk="0" hangingPunct="1">
+              <a:lnSpc>
+                <a:spcPct val="120000"/>
+              </a:lnSpc>
+              <a:spcBef>
+                <a:spcPts val="500"/>
+              </a:spcBef>
+              <a:buClr>
+                <a:schemeClr val="tx1"/>
+              </a:buClr>
+              <a:buFont typeface="Arial" panose="020B0604020202020204" pitchFamily="34" charset="0"/>
+              <a:buChar char="•"/>
+              <a:defRPr sz="1400" kern="1200" cap="all" baseline="0">
+                <a:solidFill>
+                  <a:schemeClr val="tx1"/>
+                </a:solidFill>
+                <a:effectLst/>
+                <a:latin typeface="+mn-lt"/>
+                <a:ea typeface="+mn-ea"/>
+                <a:cs typeface="+mn-cs"/>
+              </a:defRPr>
+            </a:lvl6pPr>
+            <a:lvl7pPr marL="2971800" indent="-228600" algn="l" defTabSz="914400" rtl="0" eaLnBrk="1" latinLnBrk="0" hangingPunct="1">
+              <a:lnSpc>
+                <a:spcPct val="120000"/>
+              </a:lnSpc>
+              <a:spcBef>
+                <a:spcPts val="500"/>
+              </a:spcBef>
+              <a:buClr>
+                <a:schemeClr val="tx1"/>
+              </a:buClr>
+              <a:buFont typeface="Arial" panose="020B0604020202020204" pitchFamily="34" charset="0"/>
+              <a:buChar char="•"/>
+              <a:defRPr sz="1400" kern="1200" cap="all" baseline="0">
+                <a:solidFill>
+                  <a:schemeClr val="tx1"/>
+                </a:solidFill>
+                <a:effectLst/>
+                <a:latin typeface="+mn-lt"/>
+                <a:ea typeface="+mn-ea"/>
+                <a:cs typeface="+mn-cs"/>
+              </a:defRPr>
+            </a:lvl7pPr>
+            <a:lvl8pPr marL="3429000" indent="-228600" algn="l" defTabSz="914400" rtl="0" eaLnBrk="1" latinLnBrk="0" hangingPunct="1">
+              <a:lnSpc>
+                <a:spcPct val="120000"/>
+              </a:lnSpc>
+              <a:spcBef>
+                <a:spcPts val="500"/>
+              </a:spcBef>
+              <a:buClr>
+                <a:schemeClr val="tx1"/>
+              </a:buClr>
+              <a:buFont typeface="Arial" panose="020B0604020202020204" pitchFamily="34" charset="0"/>
+              <a:buChar char="•"/>
+              <a:defRPr sz="1400" kern="1200" cap="all" baseline="0">
+                <a:solidFill>
+                  <a:schemeClr val="tx1"/>
+                </a:solidFill>
+                <a:effectLst/>
+                <a:latin typeface="+mn-lt"/>
+                <a:ea typeface="+mn-ea"/>
+                <a:cs typeface="+mn-cs"/>
+              </a:defRPr>
+            </a:lvl8pPr>
+            <a:lvl9pPr marL="3886200" indent="-228600" algn="l" defTabSz="914400" rtl="0" eaLnBrk="1" latinLnBrk="0" hangingPunct="1">
+              <a:lnSpc>
+                <a:spcPct val="120000"/>
+              </a:lnSpc>
+              <a:spcBef>
+                <a:spcPts val="500"/>
+              </a:spcBef>
+              <a:buClr>
+                <a:schemeClr val="tx1"/>
+              </a:buClr>
+              <a:buFont typeface="Arial" panose="020B0604020202020204" pitchFamily="34" charset="0"/>
+              <a:buChar char="•"/>
+              <a:defRPr sz="1400" kern="1200" cap="all" baseline="0">
+                <a:solidFill>
+                  <a:schemeClr val="tx1"/>
+                </a:solidFill>
+                <a:effectLst/>
+                <a:latin typeface="+mn-lt"/>
+                <a:ea typeface="+mn-ea"/>
+                <a:cs typeface="+mn-cs"/>
+              </a:defRPr>
+            </a:lvl9pPr>
+          </a:lstStyle>
+          <a:p>
+            <a:pPr lvl="2"/>
+            <a:endParaRPr lang="en-US" sz="2600" cap="none" dirty="0" smtClean="0">
+              <a:latin typeface="Calibri" panose="020F0502020204030204" pitchFamily="34" charset="0"/>
+              <a:cs typeface="Calibri" panose="020F0502020204030204" pitchFamily="34" charset="0"/>
+            </a:endParaRPr>
+          </a:p>
+          <a:p>
+            <a:pPr lvl="2"/>
+            <a:endParaRPr lang="en-US" sz="2600" cap="none" dirty="0" smtClean="0">
+              <a:latin typeface="Calibri" panose="020F0502020204030204" pitchFamily="34" charset="0"/>
+              <a:cs typeface="Calibri" panose="020F0502020204030204" pitchFamily="34" charset="0"/>
+            </a:endParaRPr>
+          </a:p>
+          <a:p>
+            <a:pPr lvl="2"/>
+            <a:endParaRPr lang="en-US" sz="2800" cap="none" dirty="0" smtClean="0">
+              <a:latin typeface="Calibri" panose="020F0502020204030204" pitchFamily="34" charset="0"/>
+              <a:cs typeface="Calibri" panose="020F0502020204030204" pitchFamily="34" charset="0"/>
+            </a:endParaRPr>
+          </a:p>
+          <a:p>
+            <a:pPr lvl="2"/>
+            <a:endParaRPr lang="en-US" sz="2800" cap="none" dirty="0" smtClean="0">
+              <a:latin typeface="Calibri" panose="020F0502020204030204" pitchFamily="34" charset="0"/>
+              <a:cs typeface="Calibri" panose="020F0502020204030204" pitchFamily="34" charset="0"/>
+            </a:endParaRPr>
+          </a:p>
+        </p:txBody>
+      </p:sp>
+      <p:sp>
+        <p:nvSpPr>
+          <p:cNvPr id="4" name="Content Placeholder 2"/>
+          <p:cNvSpPr txBox="1">
+            <a:spLocks/>
+          </p:cNvSpPr>
+          <p:nvPr/>
+        </p:nvSpPr>
+        <p:spPr>
+          <a:xfrm>
+            <a:off x="408214" y="1639461"/>
+            <a:ext cx="11348357" cy="3929443"/>
+          </a:xfrm>
+          <a:prstGeom prst="rect">
+            <a:avLst/>
+          </a:prstGeom>
+        </p:spPr>
+        <p:txBody>
+          <a:bodyPr vert="horz" lIns="91440" tIns="45720" rIns="91440" bIns="45720" rtlCol="0">
+            <a:normAutofit/>
+          </a:bodyPr>
+          <a:lstStyle>
+            <a:lvl1pPr marL="228600" indent="-228600" algn="l" defTabSz="914400" rtl="0" eaLnBrk="1" latinLnBrk="0" hangingPunct="1">
+              <a:lnSpc>
+                <a:spcPct val="120000"/>
+              </a:lnSpc>
+              <a:spcBef>
+                <a:spcPts val="1000"/>
+              </a:spcBef>
+              <a:buClr>
+                <a:schemeClr val="tx1"/>
+              </a:buClr>
+              <a:buFont typeface="Arial" panose="020B0604020202020204" pitchFamily="34" charset="0"/>
+              <a:buChar char="•"/>
+              <a:defRPr sz="2000" kern="1200" cap="all" baseline="0">
+                <a:solidFill>
+                  <a:schemeClr val="tx1"/>
+                </a:solidFill>
+                <a:effectLst/>
+                <a:latin typeface="+mn-lt"/>
+                <a:ea typeface="+mn-ea"/>
+                <a:cs typeface="+mn-cs"/>
+              </a:defRPr>
+            </a:lvl1pPr>
+            <a:lvl2pPr marL="685800" indent="-228600" algn="l" defTabSz="914400" rtl="0" eaLnBrk="1" latinLnBrk="0" hangingPunct="1">
+              <a:lnSpc>
+                <a:spcPct val="120000"/>
+              </a:lnSpc>
+              <a:spcBef>
+                <a:spcPts val="500"/>
+              </a:spcBef>
+              <a:buClr>
+                <a:schemeClr val="tx1"/>
+              </a:buClr>
+              <a:buFont typeface="Arial" panose="020B0604020202020204" pitchFamily="34" charset="0"/>
+              <a:buChar char="•"/>
+              <a:defRPr sz="1800" kern="1200" cap="all" baseline="0">
+                <a:solidFill>
+                  <a:schemeClr val="tx1"/>
+                </a:solidFill>
+                <a:effectLst/>
+                <a:latin typeface="+mn-lt"/>
+                <a:ea typeface="+mn-ea"/>
+                <a:cs typeface="+mn-cs"/>
+              </a:defRPr>
+            </a:lvl2pPr>
+            <a:lvl3pPr marL="1143000" indent="-228600" algn="l" defTabSz="914400" rtl="0" eaLnBrk="1" latinLnBrk="0" hangingPunct="1">
+              <a:lnSpc>
+                <a:spcPct val="120000"/>
+              </a:lnSpc>
+              <a:spcBef>
+                <a:spcPts val="500"/>
+              </a:spcBef>
+              <a:buClr>
+                <a:schemeClr val="tx1"/>
+              </a:buClr>
+              <a:buFont typeface="Arial" panose="020B0604020202020204" pitchFamily="34" charset="0"/>
+              <a:buChar char="•"/>
+              <a:defRPr sz="1600" kern="1200" cap="all" baseline="0">
+                <a:solidFill>
+                  <a:schemeClr val="tx1"/>
+                </a:solidFill>
+                <a:effectLst/>
+                <a:latin typeface="+mn-lt"/>
+                <a:ea typeface="+mn-ea"/>
+                <a:cs typeface="+mn-cs"/>
+              </a:defRPr>
+            </a:lvl3pPr>
+            <a:lvl4pPr marL="1600200" indent="-228600" algn="l" defTabSz="914400" rtl="0" eaLnBrk="1" latinLnBrk="0" hangingPunct="1">
+              <a:lnSpc>
+                <a:spcPct val="120000"/>
+              </a:lnSpc>
+              <a:spcBef>
+                <a:spcPts val="500"/>
+              </a:spcBef>
+              <a:buClr>
+                <a:schemeClr val="tx1"/>
+              </a:buClr>
+              <a:buFont typeface="Arial" panose="020B0604020202020204" pitchFamily="34" charset="0"/>
+              <a:buChar char="•"/>
+              <a:defRPr sz="1400" kern="1200" cap="all" baseline="0">
+                <a:solidFill>
+                  <a:schemeClr val="tx1"/>
+                </a:solidFill>
+                <a:effectLst/>
+                <a:latin typeface="+mn-lt"/>
+                <a:ea typeface="+mn-ea"/>
+                <a:cs typeface="+mn-cs"/>
+              </a:defRPr>
+            </a:lvl4pPr>
+            <a:lvl5pPr marL="2057400" indent="-228600" algn="l" defTabSz="914400" rtl="0" eaLnBrk="1" latinLnBrk="0" hangingPunct="1">
+              <a:lnSpc>
+                <a:spcPct val="120000"/>
+              </a:lnSpc>
+              <a:spcBef>
+                <a:spcPts val="500"/>
+              </a:spcBef>
+              <a:buClr>
+                <a:schemeClr val="tx1"/>
+              </a:buClr>
+              <a:buFont typeface="Arial" panose="020B0604020202020204" pitchFamily="34" charset="0"/>
+              <a:buChar char="•"/>
+              <a:defRPr sz="1400" kern="1200" cap="all" baseline="0">
+                <a:solidFill>
+                  <a:schemeClr val="tx1"/>
+                </a:solidFill>
+                <a:effectLst/>
+                <a:latin typeface="+mn-lt"/>
+                <a:ea typeface="+mn-ea"/>
+                <a:cs typeface="+mn-cs"/>
+              </a:defRPr>
+            </a:lvl5pPr>
+            <a:lvl6pPr marL="2514600" indent="-228600" algn="l" defTabSz="914400" rtl="0" eaLnBrk="1" latinLnBrk="0" hangingPunct="1">
+              <a:lnSpc>
+                <a:spcPct val="120000"/>
+              </a:lnSpc>
+              <a:spcBef>
+                <a:spcPts val="500"/>
+              </a:spcBef>
+              <a:buClr>
+                <a:schemeClr val="tx1"/>
+              </a:buClr>
+              <a:buFont typeface="Arial" panose="020B0604020202020204" pitchFamily="34" charset="0"/>
+              <a:buChar char="•"/>
+              <a:defRPr sz="1400" kern="1200" cap="all" baseline="0">
+                <a:solidFill>
+                  <a:schemeClr val="tx1"/>
+                </a:solidFill>
+                <a:effectLst/>
+                <a:latin typeface="+mn-lt"/>
+                <a:ea typeface="+mn-ea"/>
+                <a:cs typeface="+mn-cs"/>
+              </a:defRPr>
+            </a:lvl6pPr>
+            <a:lvl7pPr marL="2971800" indent="-228600" algn="l" defTabSz="914400" rtl="0" eaLnBrk="1" latinLnBrk="0" hangingPunct="1">
+              <a:lnSpc>
+                <a:spcPct val="120000"/>
+              </a:lnSpc>
+              <a:spcBef>
+                <a:spcPts val="500"/>
+              </a:spcBef>
+              <a:buClr>
+                <a:schemeClr val="tx1"/>
+              </a:buClr>
+              <a:buFont typeface="Arial" panose="020B0604020202020204" pitchFamily="34" charset="0"/>
+              <a:buChar char="•"/>
+              <a:defRPr sz="1400" kern="1200" cap="all" baseline="0">
+                <a:solidFill>
+                  <a:schemeClr val="tx1"/>
+                </a:solidFill>
+                <a:effectLst/>
+                <a:latin typeface="+mn-lt"/>
+                <a:ea typeface="+mn-ea"/>
+                <a:cs typeface="+mn-cs"/>
+              </a:defRPr>
+            </a:lvl7pPr>
+            <a:lvl8pPr marL="3429000" indent="-228600" algn="l" defTabSz="914400" rtl="0" eaLnBrk="1" latinLnBrk="0" hangingPunct="1">
+              <a:lnSpc>
+                <a:spcPct val="120000"/>
+              </a:lnSpc>
+              <a:spcBef>
+                <a:spcPts val="500"/>
+              </a:spcBef>
+              <a:buClr>
+                <a:schemeClr val="tx1"/>
+              </a:buClr>
+              <a:buFont typeface="Arial" panose="020B0604020202020204" pitchFamily="34" charset="0"/>
+              <a:buChar char="•"/>
+              <a:defRPr sz="1400" kern="1200" cap="all" baseline="0">
+                <a:solidFill>
+                  <a:schemeClr val="tx1"/>
+                </a:solidFill>
+                <a:effectLst/>
+                <a:latin typeface="+mn-lt"/>
+                <a:ea typeface="+mn-ea"/>
+                <a:cs typeface="+mn-cs"/>
+              </a:defRPr>
+            </a:lvl8pPr>
+            <a:lvl9pPr marL="3886200" indent="-228600" algn="l" defTabSz="914400" rtl="0" eaLnBrk="1" latinLnBrk="0" hangingPunct="1">
+              <a:lnSpc>
+                <a:spcPct val="120000"/>
+              </a:lnSpc>
+              <a:spcBef>
+                <a:spcPts val="500"/>
+              </a:spcBef>
+              <a:buClr>
+                <a:schemeClr val="tx1"/>
+              </a:buClr>
+              <a:buFont typeface="Arial" panose="020B0604020202020204" pitchFamily="34" charset="0"/>
+              <a:buChar char="•"/>
+              <a:defRPr sz="1400" kern="1200" cap="all" baseline="0">
+                <a:solidFill>
+                  <a:schemeClr val="tx1"/>
+                </a:solidFill>
+                <a:effectLst/>
+                <a:latin typeface="+mn-lt"/>
+                <a:ea typeface="+mn-ea"/>
+                <a:cs typeface="+mn-cs"/>
+              </a:defRPr>
+            </a:lvl9pPr>
+          </a:lstStyle>
+          <a:p>
+            <a:pPr lvl="2"/>
+            <a:endParaRPr lang="en-US" sz="2800" cap="none" dirty="0" smtClean="0">
+              <a:latin typeface="Calibri" panose="020F0502020204030204" pitchFamily="34" charset="0"/>
+              <a:cs typeface="Calibri" panose="020F0502020204030204" pitchFamily="34" charset="0"/>
+            </a:endParaRPr>
+          </a:p>
+          <a:p>
+            <a:pPr lvl="2"/>
+            <a:endParaRPr lang="en-US" sz="2800" cap="none" dirty="0" smtClean="0">
+              <a:latin typeface="Calibri" panose="020F0502020204030204" pitchFamily="34" charset="0"/>
+              <a:cs typeface="Calibri" panose="020F0502020204030204" pitchFamily="34" charset="0"/>
+            </a:endParaRPr>
+          </a:p>
+        </p:txBody>
+      </p:sp>
+      <p:pic>
+        <p:nvPicPr>
+          <p:cNvPr id="3" name="Picture 2"/>
+          <p:cNvPicPr>
+            <a:picLocks noChangeAspect="1"/>
+          </p:cNvPicPr>
+          <p:nvPr/>
+        </p:nvPicPr>
+        <p:blipFill>
+          <a:blip r:embed="rId2"/>
+          <a:stretch>
+            <a:fillRect/>
+          </a:stretch>
+        </p:blipFill>
+        <p:spPr>
+          <a:xfrm>
+            <a:off x="435431" y="1639461"/>
+            <a:ext cx="5277138" cy="4529090"/>
+          </a:xfrm>
+          <a:prstGeom prst="rect">
+            <a:avLst/>
+          </a:prstGeom>
+        </p:spPr>
+      </p:pic>
+      <p:pic>
+        <p:nvPicPr>
+          <p:cNvPr id="5" name="Picture 4"/>
+          <p:cNvPicPr>
+            <a:picLocks noChangeAspect="1"/>
+          </p:cNvPicPr>
+          <p:nvPr/>
+        </p:nvPicPr>
+        <p:blipFill>
+          <a:blip r:embed="rId3"/>
+          <a:stretch>
+            <a:fillRect/>
+          </a:stretch>
+        </p:blipFill>
+        <p:spPr>
+          <a:xfrm>
+            <a:off x="6234146" y="1639461"/>
+            <a:ext cx="5761597" cy="4529090"/>
+          </a:xfrm>
+          <a:prstGeom prst="rect">
+            <a:avLst/>
+          </a:prstGeom>
+        </p:spPr>
+      </p:pic>
+    </p:spTree>
+    <p:extLst>
+      <p:ext uri="{BB962C8B-B14F-4D97-AF65-F5344CB8AC3E}">
+        <p14:creationId xmlns:p14="http://schemas.microsoft.com/office/powerpoint/2010/main" val="854548586"/>
+      </p:ext>
+    </p:extLst>
+  </p:cSld>
+  <p:clrMapOvr>
+    <a:masterClrMapping/>
+  </p:clrMapOvr>
+  <p:timing>
+    <p:tnLst>
+      <p:par>
+        <p:cTn id="1" dur="indefinite" restart="never" nodeType="tmRoot"/>
+      </p:par>
+    </p:tnLst>
+  </p:timing>
+</p:sld>
+</file>
+
+<file path=ppt/slides/slide85.xml><?xml version="1.0" encoding="utf-8"?>
+<p:sld xmlns:a="http://schemas.openxmlformats.org/drawingml/2006/main" xmlns:r="http://schemas.openxmlformats.org/officeDocument/2006/relationships" xmlns:p="http://schemas.openxmlformats.org/presentationml/2006/main">
+  <p:cSld>
+    <p:spTree>
+      <p:nvGrpSpPr>
+        <p:cNvPr id="1" name=""/>
+        <p:cNvGrpSpPr/>
+        <p:nvPr/>
+      </p:nvGrpSpPr>
+      <p:grpSpPr>
+        <a:xfrm>
+          <a:off x="0" y="0"/>
+          <a:ext cx="0" cy="0"/>
+          <a:chOff x="0" y="0"/>
+          <a:chExt cx="0" cy="0"/>
+        </a:xfrm>
+      </p:grpSpPr>
+      <p:sp>
+        <p:nvSpPr>
+          <p:cNvPr id="2" name="Title 1"/>
+          <p:cNvSpPr>
+            <a:spLocks noGrp="1"/>
+          </p:cNvSpPr>
+          <p:nvPr>
+            <p:ph type="title"/>
+          </p:nvPr>
+        </p:nvSpPr>
+        <p:spPr>
+          <a:xfrm>
+            <a:off x="913775" y="618517"/>
+            <a:ext cx="10364451" cy="624129"/>
+          </a:xfrm>
+        </p:spPr>
+        <p:txBody>
+          <a:bodyPr>
+            <a:normAutofit/>
+          </a:bodyPr>
+          <a:lstStyle/>
+          <a:p>
+            <a:r>
+              <a:rPr lang="en-US" b="1" dirty="0" smtClean="0"/>
+              <a:t>Ridge regression</a:t>
+            </a:r>
+            <a:endParaRPr lang="en-US" b="1" dirty="0">
+              <a:latin typeface="Gill Sans MT" panose="020B0502020104020203" pitchFamily="34" charset="0"/>
+            </a:endParaRPr>
+          </a:p>
+        </p:txBody>
+      </p:sp>
+      <p:sp>
+        <p:nvSpPr>
+          <p:cNvPr id="6" name="Content Placeholder 2"/>
+          <p:cNvSpPr txBox="1">
+            <a:spLocks/>
+          </p:cNvSpPr>
+          <p:nvPr/>
+        </p:nvSpPr>
+        <p:spPr>
+          <a:xfrm>
+            <a:off x="913775" y="1639461"/>
+            <a:ext cx="10364451" cy="4830350"/>
+          </a:xfrm>
+          <a:prstGeom prst="rect">
+            <a:avLst/>
+          </a:prstGeom>
+        </p:spPr>
+        <p:txBody>
+          <a:bodyPr vert="horz" lIns="91440" tIns="45720" rIns="91440" bIns="45720" rtlCol="0">
+            <a:normAutofit/>
+          </a:bodyPr>
+          <a:lstStyle>
+            <a:lvl1pPr marL="228600" indent="-228600" algn="l" defTabSz="914400" rtl="0" eaLnBrk="1" latinLnBrk="0" hangingPunct="1">
+              <a:lnSpc>
+                <a:spcPct val="120000"/>
+              </a:lnSpc>
+              <a:spcBef>
+                <a:spcPts val="1000"/>
+              </a:spcBef>
+              <a:buClr>
+                <a:schemeClr val="tx1"/>
+              </a:buClr>
+              <a:buFont typeface="Arial" panose="020B0604020202020204" pitchFamily="34" charset="0"/>
+              <a:buChar char="•"/>
+              <a:defRPr sz="2000" kern="1200" cap="all" baseline="0">
+                <a:solidFill>
+                  <a:schemeClr val="tx1"/>
+                </a:solidFill>
+                <a:effectLst/>
+                <a:latin typeface="+mn-lt"/>
+                <a:ea typeface="+mn-ea"/>
+                <a:cs typeface="+mn-cs"/>
+              </a:defRPr>
+            </a:lvl1pPr>
+            <a:lvl2pPr marL="685800" indent="-228600" algn="l" defTabSz="914400" rtl="0" eaLnBrk="1" latinLnBrk="0" hangingPunct="1">
+              <a:lnSpc>
+                <a:spcPct val="120000"/>
+              </a:lnSpc>
+              <a:spcBef>
+                <a:spcPts val="500"/>
+              </a:spcBef>
+              <a:buClr>
+                <a:schemeClr val="tx1"/>
+              </a:buClr>
+              <a:buFont typeface="Arial" panose="020B0604020202020204" pitchFamily="34" charset="0"/>
+              <a:buChar char="•"/>
+              <a:defRPr sz="1800" kern="1200" cap="all" baseline="0">
+                <a:solidFill>
+                  <a:schemeClr val="tx1"/>
+                </a:solidFill>
+                <a:effectLst/>
+                <a:latin typeface="+mn-lt"/>
+                <a:ea typeface="+mn-ea"/>
+                <a:cs typeface="+mn-cs"/>
+              </a:defRPr>
+            </a:lvl2pPr>
+            <a:lvl3pPr marL="1143000" indent="-228600" algn="l" defTabSz="914400" rtl="0" eaLnBrk="1" latinLnBrk="0" hangingPunct="1">
+              <a:lnSpc>
+                <a:spcPct val="120000"/>
+              </a:lnSpc>
+              <a:spcBef>
+                <a:spcPts val="500"/>
+              </a:spcBef>
+              <a:buClr>
+                <a:schemeClr val="tx1"/>
+              </a:buClr>
+              <a:buFont typeface="Arial" panose="020B0604020202020204" pitchFamily="34" charset="0"/>
+              <a:buChar char="•"/>
+              <a:defRPr sz="1600" kern="1200" cap="all" baseline="0">
+                <a:solidFill>
+                  <a:schemeClr val="tx1"/>
+                </a:solidFill>
+                <a:effectLst/>
+                <a:latin typeface="+mn-lt"/>
+                <a:ea typeface="+mn-ea"/>
+                <a:cs typeface="+mn-cs"/>
+              </a:defRPr>
+            </a:lvl3pPr>
+            <a:lvl4pPr marL="1600200" indent="-228600" algn="l" defTabSz="914400" rtl="0" eaLnBrk="1" latinLnBrk="0" hangingPunct="1">
+              <a:lnSpc>
+                <a:spcPct val="120000"/>
+              </a:lnSpc>
+              <a:spcBef>
+                <a:spcPts val="500"/>
+              </a:spcBef>
+              <a:buClr>
+                <a:schemeClr val="tx1"/>
+              </a:buClr>
+              <a:buFont typeface="Arial" panose="020B0604020202020204" pitchFamily="34" charset="0"/>
+              <a:buChar char="•"/>
+              <a:defRPr sz="1400" kern="1200" cap="all" baseline="0">
+                <a:solidFill>
+                  <a:schemeClr val="tx1"/>
+                </a:solidFill>
+                <a:effectLst/>
+                <a:latin typeface="+mn-lt"/>
+                <a:ea typeface="+mn-ea"/>
+                <a:cs typeface="+mn-cs"/>
+              </a:defRPr>
+            </a:lvl4pPr>
+            <a:lvl5pPr marL="2057400" indent="-228600" algn="l" defTabSz="914400" rtl="0" eaLnBrk="1" latinLnBrk="0" hangingPunct="1">
+              <a:lnSpc>
+                <a:spcPct val="120000"/>
+              </a:lnSpc>
+              <a:spcBef>
+                <a:spcPts val="500"/>
+              </a:spcBef>
+              <a:buClr>
+                <a:schemeClr val="tx1"/>
+              </a:buClr>
+              <a:buFont typeface="Arial" panose="020B0604020202020204" pitchFamily="34" charset="0"/>
+              <a:buChar char="•"/>
+              <a:defRPr sz="1400" kern="1200" cap="all" baseline="0">
+                <a:solidFill>
+                  <a:schemeClr val="tx1"/>
+                </a:solidFill>
+                <a:effectLst/>
+                <a:latin typeface="+mn-lt"/>
+                <a:ea typeface="+mn-ea"/>
+                <a:cs typeface="+mn-cs"/>
+              </a:defRPr>
+            </a:lvl5pPr>
+            <a:lvl6pPr marL="2514600" indent="-228600" algn="l" defTabSz="914400" rtl="0" eaLnBrk="1" latinLnBrk="0" hangingPunct="1">
+              <a:lnSpc>
+                <a:spcPct val="120000"/>
+              </a:lnSpc>
+              <a:spcBef>
+                <a:spcPts val="500"/>
+              </a:spcBef>
+              <a:buClr>
+                <a:schemeClr val="tx1"/>
+              </a:buClr>
+              <a:buFont typeface="Arial" panose="020B0604020202020204" pitchFamily="34" charset="0"/>
+              <a:buChar char="•"/>
+              <a:defRPr sz="1400" kern="1200" cap="all" baseline="0">
+                <a:solidFill>
+                  <a:schemeClr val="tx1"/>
+                </a:solidFill>
+                <a:effectLst/>
+                <a:latin typeface="+mn-lt"/>
+                <a:ea typeface="+mn-ea"/>
+                <a:cs typeface="+mn-cs"/>
+              </a:defRPr>
+            </a:lvl6pPr>
+            <a:lvl7pPr marL="2971800" indent="-228600" algn="l" defTabSz="914400" rtl="0" eaLnBrk="1" latinLnBrk="0" hangingPunct="1">
+              <a:lnSpc>
+                <a:spcPct val="120000"/>
+              </a:lnSpc>
+              <a:spcBef>
+                <a:spcPts val="500"/>
+              </a:spcBef>
+              <a:buClr>
+                <a:schemeClr val="tx1"/>
+              </a:buClr>
+              <a:buFont typeface="Arial" panose="020B0604020202020204" pitchFamily="34" charset="0"/>
+              <a:buChar char="•"/>
+              <a:defRPr sz="1400" kern="1200" cap="all" baseline="0">
+                <a:solidFill>
+                  <a:schemeClr val="tx1"/>
+                </a:solidFill>
+                <a:effectLst/>
+                <a:latin typeface="+mn-lt"/>
+                <a:ea typeface="+mn-ea"/>
+                <a:cs typeface="+mn-cs"/>
+              </a:defRPr>
+            </a:lvl7pPr>
+            <a:lvl8pPr marL="3429000" indent="-228600" algn="l" defTabSz="914400" rtl="0" eaLnBrk="1" latinLnBrk="0" hangingPunct="1">
+              <a:lnSpc>
+                <a:spcPct val="120000"/>
+              </a:lnSpc>
+              <a:spcBef>
+                <a:spcPts val="500"/>
+              </a:spcBef>
+              <a:buClr>
+                <a:schemeClr val="tx1"/>
+              </a:buClr>
+              <a:buFont typeface="Arial" panose="020B0604020202020204" pitchFamily="34" charset="0"/>
+              <a:buChar char="•"/>
+              <a:defRPr sz="1400" kern="1200" cap="all" baseline="0">
+                <a:solidFill>
+                  <a:schemeClr val="tx1"/>
+                </a:solidFill>
+                <a:effectLst/>
+                <a:latin typeface="+mn-lt"/>
+                <a:ea typeface="+mn-ea"/>
+                <a:cs typeface="+mn-cs"/>
+              </a:defRPr>
+            </a:lvl8pPr>
+            <a:lvl9pPr marL="3886200" indent="-228600" algn="l" defTabSz="914400" rtl="0" eaLnBrk="1" latinLnBrk="0" hangingPunct="1">
+              <a:lnSpc>
+                <a:spcPct val="120000"/>
+              </a:lnSpc>
+              <a:spcBef>
+                <a:spcPts val="500"/>
+              </a:spcBef>
+              <a:buClr>
+                <a:schemeClr val="tx1"/>
+              </a:buClr>
+              <a:buFont typeface="Arial" panose="020B0604020202020204" pitchFamily="34" charset="0"/>
+              <a:buChar char="•"/>
+              <a:defRPr sz="1400" kern="1200" cap="all" baseline="0">
+                <a:solidFill>
+                  <a:schemeClr val="tx1"/>
+                </a:solidFill>
+                <a:effectLst/>
+                <a:latin typeface="+mn-lt"/>
+                <a:ea typeface="+mn-ea"/>
+                <a:cs typeface="+mn-cs"/>
+              </a:defRPr>
+            </a:lvl9pPr>
+          </a:lstStyle>
+          <a:p>
+            <a:pPr lvl="2"/>
+            <a:endParaRPr lang="en-US" sz="2600" cap="none" dirty="0" smtClean="0">
+              <a:latin typeface="Calibri" panose="020F0502020204030204" pitchFamily="34" charset="0"/>
+              <a:cs typeface="Calibri" panose="020F0502020204030204" pitchFamily="34" charset="0"/>
+            </a:endParaRPr>
+          </a:p>
+          <a:p>
+            <a:pPr lvl="2"/>
+            <a:endParaRPr lang="en-US" sz="2600" cap="none" dirty="0" smtClean="0">
+              <a:latin typeface="Calibri" panose="020F0502020204030204" pitchFamily="34" charset="0"/>
+              <a:cs typeface="Calibri" panose="020F0502020204030204" pitchFamily="34" charset="0"/>
+            </a:endParaRPr>
+          </a:p>
+          <a:p>
+            <a:pPr lvl="2"/>
+            <a:endParaRPr lang="en-US" sz="2800" cap="none" dirty="0" smtClean="0">
+              <a:latin typeface="Calibri" panose="020F0502020204030204" pitchFamily="34" charset="0"/>
+              <a:cs typeface="Calibri" panose="020F0502020204030204" pitchFamily="34" charset="0"/>
+            </a:endParaRPr>
+          </a:p>
+          <a:p>
+            <a:pPr lvl="2"/>
+            <a:endParaRPr lang="en-US" sz="2800" cap="none" dirty="0" smtClean="0">
+              <a:latin typeface="Calibri" panose="020F0502020204030204" pitchFamily="34" charset="0"/>
+              <a:cs typeface="Calibri" panose="020F0502020204030204" pitchFamily="34" charset="0"/>
+            </a:endParaRPr>
+          </a:p>
+        </p:txBody>
+      </p:sp>
+      <p:sp>
+        <p:nvSpPr>
+          <p:cNvPr id="4" name="Content Placeholder 2"/>
+          <p:cNvSpPr txBox="1">
+            <a:spLocks/>
+          </p:cNvSpPr>
+          <p:nvPr/>
+        </p:nvSpPr>
+        <p:spPr>
+          <a:xfrm>
+            <a:off x="408214" y="1639461"/>
+            <a:ext cx="11348357" cy="5822696"/>
+          </a:xfrm>
+          <a:prstGeom prst="rect">
+            <a:avLst/>
+          </a:prstGeom>
+        </p:spPr>
+        <p:txBody>
+          <a:bodyPr vert="horz" lIns="91440" tIns="45720" rIns="91440" bIns="45720" rtlCol="0">
+            <a:normAutofit/>
+          </a:bodyPr>
+          <a:lstStyle>
+            <a:lvl1pPr marL="228600" indent="-228600" algn="l" defTabSz="914400" rtl="0" eaLnBrk="1" latinLnBrk="0" hangingPunct="1">
+              <a:lnSpc>
+                <a:spcPct val="120000"/>
+              </a:lnSpc>
+              <a:spcBef>
+                <a:spcPts val="1000"/>
+              </a:spcBef>
+              <a:buClr>
+                <a:schemeClr val="tx1"/>
+              </a:buClr>
+              <a:buFont typeface="Arial" panose="020B0604020202020204" pitchFamily="34" charset="0"/>
+              <a:buChar char="•"/>
+              <a:defRPr sz="2000" kern="1200" cap="all" baseline="0">
+                <a:solidFill>
+                  <a:schemeClr val="tx1"/>
+                </a:solidFill>
+                <a:effectLst/>
+                <a:latin typeface="+mn-lt"/>
+                <a:ea typeface="+mn-ea"/>
+                <a:cs typeface="+mn-cs"/>
+              </a:defRPr>
+            </a:lvl1pPr>
+            <a:lvl2pPr marL="685800" indent="-228600" algn="l" defTabSz="914400" rtl="0" eaLnBrk="1" latinLnBrk="0" hangingPunct="1">
+              <a:lnSpc>
+                <a:spcPct val="120000"/>
+              </a:lnSpc>
+              <a:spcBef>
+                <a:spcPts val="500"/>
+              </a:spcBef>
+              <a:buClr>
+                <a:schemeClr val="tx1"/>
+              </a:buClr>
+              <a:buFont typeface="Arial" panose="020B0604020202020204" pitchFamily="34" charset="0"/>
+              <a:buChar char="•"/>
+              <a:defRPr sz="1800" kern="1200" cap="all" baseline="0">
+                <a:solidFill>
+                  <a:schemeClr val="tx1"/>
+                </a:solidFill>
+                <a:effectLst/>
+                <a:latin typeface="+mn-lt"/>
+                <a:ea typeface="+mn-ea"/>
+                <a:cs typeface="+mn-cs"/>
+              </a:defRPr>
+            </a:lvl2pPr>
+            <a:lvl3pPr marL="1143000" indent="-228600" algn="l" defTabSz="914400" rtl="0" eaLnBrk="1" latinLnBrk="0" hangingPunct="1">
+              <a:lnSpc>
+                <a:spcPct val="120000"/>
+              </a:lnSpc>
+              <a:spcBef>
+                <a:spcPts val="500"/>
+              </a:spcBef>
+              <a:buClr>
+                <a:schemeClr val="tx1"/>
+              </a:buClr>
+              <a:buFont typeface="Arial" panose="020B0604020202020204" pitchFamily="34" charset="0"/>
+              <a:buChar char="•"/>
+              <a:defRPr sz="1600" kern="1200" cap="all" baseline="0">
+                <a:solidFill>
+                  <a:schemeClr val="tx1"/>
+                </a:solidFill>
+                <a:effectLst/>
+                <a:latin typeface="+mn-lt"/>
+                <a:ea typeface="+mn-ea"/>
+                <a:cs typeface="+mn-cs"/>
+              </a:defRPr>
+            </a:lvl3pPr>
+            <a:lvl4pPr marL="1600200" indent="-228600" algn="l" defTabSz="914400" rtl="0" eaLnBrk="1" latinLnBrk="0" hangingPunct="1">
+              <a:lnSpc>
+                <a:spcPct val="120000"/>
+              </a:lnSpc>
+              <a:spcBef>
+                <a:spcPts val="500"/>
+              </a:spcBef>
+              <a:buClr>
+                <a:schemeClr val="tx1"/>
+              </a:buClr>
+              <a:buFont typeface="Arial" panose="020B0604020202020204" pitchFamily="34" charset="0"/>
+              <a:buChar char="•"/>
+              <a:defRPr sz="1400" kern="1200" cap="all" baseline="0">
+                <a:solidFill>
+                  <a:schemeClr val="tx1"/>
+                </a:solidFill>
+                <a:effectLst/>
+                <a:latin typeface="+mn-lt"/>
+                <a:ea typeface="+mn-ea"/>
+                <a:cs typeface="+mn-cs"/>
+              </a:defRPr>
+            </a:lvl4pPr>
+            <a:lvl5pPr marL="2057400" indent="-228600" algn="l" defTabSz="914400" rtl="0" eaLnBrk="1" latinLnBrk="0" hangingPunct="1">
+              <a:lnSpc>
+                <a:spcPct val="120000"/>
+              </a:lnSpc>
+              <a:spcBef>
+                <a:spcPts val="500"/>
+              </a:spcBef>
+              <a:buClr>
+                <a:schemeClr val="tx1"/>
+              </a:buClr>
+              <a:buFont typeface="Arial" panose="020B0604020202020204" pitchFamily="34" charset="0"/>
+              <a:buChar char="•"/>
+              <a:defRPr sz="1400" kern="1200" cap="all" baseline="0">
+                <a:solidFill>
+                  <a:schemeClr val="tx1"/>
+                </a:solidFill>
+                <a:effectLst/>
+                <a:latin typeface="+mn-lt"/>
+                <a:ea typeface="+mn-ea"/>
+                <a:cs typeface="+mn-cs"/>
+              </a:defRPr>
+            </a:lvl5pPr>
+            <a:lvl6pPr marL="2514600" indent="-228600" algn="l" defTabSz="914400" rtl="0" eaLnBrk="1" latinLnBrk="0" hangingPunct="1">
+              <a:lnSpc>
+                <a:spcPct val="120000"/>
+              </a:lnSpc>
+              <a:spcBef>
+                <a:spcPts val="500"/>
+              </a:spcBef>
+              <a:buClr>
+                <a:schemeClr val="tx1"/>
+              </a:buClr>
+              <a:buFont typeface="Arial" panose="020B0604020202020204" pitchFamily="34" charset="0"/>
+              <a:buChar char="•"/>
+              <a:defRPr sz="1400" kern="1200" cap="all" baseline="0">
+                <a:solidFill>
+                  <a:schemeClr val="tx1"/>
+                </a:solidFill>
+                <a:effectLst/>
+                <a:latin typeface="+mn-lt"/>
+                <a:ea typeface="+mn-ea"/>
+                <a:cs typeface="+mn-cs"/>
+              </a:defRPr>
+            </a:lvl6pPr>
+            <a:lvl7pPr marL="2971800" indent="-228600" algn="l" defTabSz="914400" rtl="0" eaLnBrk="1" latinLnBrk="0" hangingPunct="1">
+              <a:lnSpc>
+                <a:spcPct val="120000"/>
+              </a:lnSpc>
+              <a:spcBef>
+                <a:spcPts val="500"/>
+              </a:spcBef>
+              <a:buClr>
+                <a:schemeClr val="tx1"/>
+              </a:buClr>
+              <a:buFont typeface="Arial" panose="020B0604020202020204" pitchFamily="34" charset="0"/>
+              <a:buChar char="•"/>
+              <a:defRPr sz="1400" kern="1200" cap="all" baseline="0">
+                <a:solidFill>
+                  <a:schemeClr val="tx1"/>
+                </a:solidFill>
+                <a:effectLst/>
+                <a:latin typeface="+mn-lt"/>
+                <a:ea typeface="+mn-ea"/>
+                <a:cs typeface="+mn-cs"/>
+              </a:defRPr>
+            </a:lvl7pPr>
+            <a:lvl8pPr marL="3429000" indent="-228600" algn="l" defTabSz="914400" rtl="0" eaLnBrk="1" latinLnBrk="0" hangingPunct="1">
+              <a:lnSpc>
+                <a:spcPct val="120000"/>
+              </a:lnSpc>
+              <a:spcBef>
+                <a:spcPts val="500"/>
+              </a:spcBef>
+              <a:buClr>
+                <a:schemeClr val="tx1"/>
+              </a:buClr>
+              <a:buFont typeface="Arial" panose="020B0604020202020204" pitchFamily="34" charset="0"/>
+              <a:buChar char="•"/>
+              <a:defRPr sz="1400" kern="1200" cap="all" baseline="0">
+                <a:solidFill>
+                  <a:schemeClr val="tx1"/>
+                </a:solidFill>
+                <a:effectLst/>
+                <a:latin typeface="+mn-lt"/>
+                <a:ea typeface="+mn-ea"/>
+                <a:cs typeface="+mn-cs"/>
+              </a:defRPr>
+            </a:lvl8pPr>
+            <a:lvl9pPr marL="3886200" indent="-228600" algn="l" defTabSz="914400" rtl="0" eaLnBrk="1" latinLnBrk="0" hangingPunct="1">
+              <a:lnSpc>
+                <a:spcPct val="120000"/>
+              </a:lnSpc>
+              <a:spcBef>
+                <a:spcPts val="500"/>
+              </a:spcBef>
+              <a:buClr>
+                <a:schemeClr val="tx1"/>
+              </a:buClr>
+              <a:buFont typeface="Arial" panose="020B0604020202020204" pitchFamily="34" charset="0"/>
+              <a:buChar char="•"/>
+              <a:defRPr sz="1400" kern="1200" cap="all" baseline="0">
+                <a:solidFill>
+                  <a:schemeClr val="tx1"/>
+                </a:solidFill>
+                <a:effectLst/>
+                <a:latin typeface="+mn-lt"/>
+                <a:ea typeface="+mn-ea"/>
+                <a:cs typeface="+mn-cs"/>
+              </a:defRPr>
+            </a:lvl9pPr>
+          </a:lstStyle>
+          <a:p>
+            <a:pPr lvl="2"/>
+            <a:r>
+              <a:rPr lang="en-US" sz="2800" cap="none" dirty="0" smtClean="0">
+                <a:latin typeface="Calibri" panose="020F0502020204030204" pitchFamily="34" charset="0"/>
+                <a:cs typeface="Calibri" panose="020F0502020204030204" pitchFamily="34" charset="0"/>
+              </a:rPr>
+              <a:t>When the response – predictor relationship is mostly linear, the OLS estimates have low bias but might have high variance</a:t>
+            </a:r>
+          </a:p>
+          <a:p>
+            <a:pPr lvl="2"/>
+            <a:r>
+              <a:rPr lang="en-US" sz="2800" cap="none" dirty="0" smtClean="0">
+                <a:latin typeface="Calibri" panose="020F0502020204030204" pitchFamily="34" charset="0"/>
+                <a:cs typeface="Calibri" panose="020F0502020204030204" pitchFamily="34" charset="0"/>
+              </a:rPr>
+              <a:t>This means a small change in the training data can have a large affect in the coefficient estimates</a:t>
+            </a:r>
+          </a:p>
+          <a:p>
+            <a:pPr lvl="2"/>
+            <a:r>
+              <a:rPr lang="en-US" sz="2800" cap="none" dirty="0" smtClean="0">
+                <a:latin typeface="Calibri" panose="020F0502020204030204" pitchFamily="34" charset="0"/>
+                <a:cs typeface="Calibri" panose="020F0502020204030204" pitchFamily="34" charset="0"/>
+              </a:rPr>
+              <a:t>Also works well when </a:t>
+            </a:r>
+            <a:r>
+              <a:rPr lang="en-US" sz="2800" b="1" cap="none" dirty="0" smtClean="0">
+                <a:latin typeface="Calibri" panose="020F0502020204030204" pitchFamily="34" charset="0"/>
+                <a:cs typeface="Calibri" panose="020F0502020204030204" pitchFamily="34" charset="0"/>
+              </a:rPr>
+              <a:t>p</a:t>
+            </a:r>
+            <a:r>
+              <a:rPr lang="en-US" sz="2800" cap="none" dirty="0" smtClean="0">
+                <a:latin typeface="Calibri" panose="020F0502020204030204" pitchFamily="34" charset="0"/>
+                <a:cs typeface="Calibri" panose="020F0502020204030204" pitchFamily="34" charset="0"/>
+              </a:rPr>
+              <a:t> &gt; </a:t>
+            </a:r>
+            <a:r>
+              <a:rPr lang="en-US" sz="2800" b="1" cap="none" dirty="0" smtClean="0">
+                <a:latin typeface="Calibri" panose="020F0502020204030204" pitchFamily="34" charset="0"/>
+                <a:cs typeface="Calibri" panose="020F0502020204030204" pitchFamily="34" charset="0"/>
+              </a:rPr>
+              <a:t>n</a:t>
+            </a:r>
+            <a:endParaRPr lang="en-US" sz="2800" b="1" cap="none" dirty="0" smtClean="0">
+              <a:latin typeface="Calibri" panose="020F0502020204030204" pitchFamily="34" charset="0"/>
+              <a:cs typeface="Calibri" panose="020F0502020204030204" pitchFamily="34" charset="0"/>
+            </a:endParaRPr>
+          </a:p>
+          <a:p>
+            <a:pPr lvl="2"/>
+            <a:r>
+              <a:rPr lang="en-US" sz="2800" cap="none" dirty="0" smtClean="0">
+                <a:latin typeface="Calibri" panose="020F0502020204030204" pitchFamily="34" charset="0"/>
+                <a:cs typeface="Calibri" panose="020F0502020204030204" pitchFamily="34" charset="0"/>
+              </a:rPr>
+              <a:t>Also works well for solving </a:t>
+            </a:r>
+            <a:r>
+              <a:rPr lang="en-US" sz="2800" cap="none" dirty="0" err="1" smtClean="0">
+                <a:latin typeface="Calibri" panose="020F0502020204030204" pitchFamily="34" charset="0"/>
+                <a:cs typeface="Calibri" panose="020F0502020204030204" pitchFamily="34" charset="0"/>
+              </a:rPr>
+              <a:t>multicollinearity</a:t>
+            </a:r>
+            <a:endParaRPr lang="en-US" sz="2800" cap="none" dirty="0" smtClean="0">
+              <a:latin typeface="Calibri" panose="020F0502020204030204" pitchFamily="34" charset="0"/>
+              <a:cs typeface="Calibri" panose="020F0502020204030204" pitchFamily="34" charset="0"/>
+            </a:endParaRPr>
+          </a:p>
+        </p:txBody>
+      </p:sp>
+    </p:spTree>
+    <p:extLst>
+      <p:ext uri="{BB962C8B-B14F-4D97-AF65-F5344CB8AC3E}">
+        <p14:creationId xmlns:p14="http://schemas.microsoft.com/office/powerpoint/2010/main" val="2395990360"/>
+      </p:ext>
+    </p:extLst>
+  </p:cSld>
+  <p:clrMapOvr>
+    <a:masterClrMapping/>
+  </p:clrMapOvr>
+  <p:timing>
+    <p:tnLst>
+      <p:par>
+        <p:cTn id="1" dur="indefinite" restart="never" nodeType="tmRoot"/>
+      </p:par>
+    </p:tnLst>
+  </p:timing>
+</p:sld>
+</file>
+
+<file path=ppt/slides/slide86.xml><?xml version="1.0" encoding="utf-8"?>
+<p:sld xmlns:a="http://schemas.openxmlformats.org/drawingml/2006/main" xmlns:r="http://schemas.openxmlformats.org/officeDocument/2006/relationships" xmlns:p="http://schemas.openxmlformats.org/presentationml/2006/main">
+  <p:cSld>
+    <p:spTree>
+      <p:nvGrpSpPr>
+        <p:cNvPr id="1" name=""/>
+        <p:cNvGrpSpPr/>
+        <p:nvPr/>
+      </p:nvGrpSpPr>
+      <p:grpSpPr>
+        <a:xfrm>
+          <a:off x="0" y="0"/>
+          <a:ext cx="0" cy="0"/>
+          <a:chOff x="0" y="0"/>
+          <a:chExt cx="0" cy="0"/>
+        </a:xfrm>
+      </p:grpSpPr>
+      <p:sp>
+        <p:nvSpPr>
+          <p:cNvPr id="2" name="Title 1"/>
+          <p:cNvSpPr>
+            <a:spLocks noGrp="1"/>
+          </p:cNvSpPr>
+          <p:nvPr>
+            <p:ph type="title"/>
+          </p:nvPr>
+        </p:nvSpPr>
+        <p:spPr>
+          <a:xfrm>
+            <a:off x="913775" y="618517"/>
+            <a:ext cx="10364451" cy="624129"/>
+          </a:xfrm>
+        </p:spPr>
+        <p:txBody>
+          <a:bodyPr>
+            <a:normAutofit/>
+          </a:bodyPr>
+          <a:lstStyle/>
+          <a:p>
+            <a:r>
+              <a:rPr lang="en-US" b="1" dirty="0" smtClean="0"/>
+              <a:t>The Lasso</a:t>
+            </a:r>
+            <a:endParaRPr lang="en-US" b="1" dirty="0">
+              <a:latin typeface="Gill Sans MT" panose="020B0502020104020203" pitchFamily="34" charset="0"/>
+            </a:endParaRPr>
+          </a:p>
+        </p:txBody>
+      </p:sp>
+      <p:sp>
+        <p:nvSpPr>
+          <p:cNvPr id="6" name="Content Placeholder 2"/>
+          <p:cNvSpPr txBox="1">
+            <a:spLocks/>
+          </p:cNvSpPr>
+          <p:nvPr/>
+        </p:nvSpPr>
+        <p:spPr>
+          <a:xfrm>
+            <a:off x="913775" y="1639461"/>
+            <a:ext cx="10364451" cy="4830350"/>
+          </a:xfrm>
+          <a:prstGeom prst="rect">
+            <a:avLst/>
+          </a:prstGeom>
+        </p:spPr>
+        <p:txBody>
+          <a:bodyPr vert="horz" lIns="91440" tIns="45720" rIns="91440" bIns="45720" rtlCol="0">
+            <a:normAutofit/>
+          </a:bodyPr>
+          <a:lstStyle>
+            <a:lvl1pPr marL="228600" indent="-228600" algn="l" defTabSz="914400" rtl="0" eaLnBrk="1" latinLnBrk="0" hangingPunct="1">
+              <a:lnSpc>
+                <a:spcPct val="120000"/>
+              </a:lnSpc>
+              <a:spcBef>
+                <a:spcPts val="1000"/>
+              </a:spcBef>
+              <a:buClr>
+                <a:schemeClr val="tx1"/>
+              </a:buClr>
+              <a:buFont typeface="Arial" panose="020B0604020202020204" pitchFamily="34" charset="0"/>
+              <a:buChar char="•"/>
+              <a:defRPr sz="2000" kern="1200" cap="all" baseline="0">
+                <a:solidFill>
+                  <a:schemeClr val="tx1"/>
+                </a:solidFill>
+                <a:effectLst/>
+                <a:latin typeface="+mn-lt"/>
+                <a:ea typeface="+mn-ea"/>
+                <a:cs typeface="+mn-cs"/>
+              </a:defRPr>
+            </a:lvl1pPr>
+            <a:lvl2pPr marL="685800" indent="-228600" algn="l" defTabSz="914400" rtl="0" eaLnBrk="1" latinLnBrk="0" hangingPunct="1">
+              <a:lnSpc>
+                <a:spcPct val="120000"/>
+              </a:lnSpc>
+              <a:spcBef>
+                <a:spcPts val="500"/>
+              </a:spcBef>
+              <a:buClr>
+                <a:schemeClr val="tx1"/>
+              </a:buClr>
+              <a:buFont typeface="Arial" panose="020B0604020202020204" pitchFamily="34" charset="0"/>
+              <a:buChar char="•"/>
+              <a:defRPr sz="1800" kern="1200" cap="all" baseline="0">
+                <a:solidFill>
+                  <a:schemeClr val="tx1"/>
+                </a:solidFill>
+                <a:effectLst/>
+                <a:latin typeface="+mn-lt"/>
+                <a:ea typeface="+mn-ea"/>
+                <a:cs typeface="+mn-cs"/>
+              </a:defRPr>
+            </a:lvl2pPr>
+            <a:lvl3pPr marL="1143000" indent="-228600" algn="l" defTabSz="914400" rtl="0" eaLnBrk="1" latinLnBrk="0" hangingPunct="1">
+              <a:lnSpc>
+                <a:spcPct val="120000"/>
+              </a:lnSpc>
+              <a:spcBef>
+                <a:spcPts val="500"/>
+              </a:spcBef>
+              <a:buClr>
+                <a:schemeClr val="tx1"/>
+              </a:buClr>
+              <a:buFont typeface="Arial" panose="020B0604020202020204" pitchFamily="34" charset="0"/>
+              <a:buChar char="•"/>
+              <a:defRPr sz="1600" kern="1200" cap="all" baseline="0">
+                <a:solidFill>
+                  <a:schemeClr val="tx1"/>
+                </a:solidFill>
+                <a:effectLst/>
+                <a:latin typeface="+mn-lt"/>
+                <a:ea typeface="+mn-ea"/>
+                <a:cs typeface="+mn-cs"/>
+              </a:defRPr>
+            </a:lvl3pPr>
+            <a:lvl4pPr marL="1600200" indent="-228600" algn="l" defTabSz="914400" rtl="0" eaLnBrk="1" latinLnBrk="0" hangingPunct="1">
+              <a:lnSpc>
+                <a:spcPct val="120000"/>
+              </a:lnSpc>
+              <a:spcBef>
+                <a:spcPts val="500"/>
+              </a:spcBef>
+              <a:buClr>
+                <a:schemeClr val="tx1"/>
+              </a:buClr>
+              <a:buFont typeface="Arial" panose="020B0604020202020204" pitchFamily="34" charset="0"/>
+              <a:buChar char="•"/>
+              <a:defRPr sz="1400" kern="1200" cap="all" baseline="0">
+                <a:solidFill>
+                  <a:schemeClr val="tx1"/>
+                </a:solidFill>
+                <a:effectLst/>
+                <a:latin typeface="+mn-lt"/>
+                <a:ea typeface="+mn-ea"/>
+                <a:cs typeface="+mn-cs"/>
+              </a:defRPr>
+            </a:lvl4pPr>
+            <a:lvl5pPr marL="2057400" indent="-228600" algn="l" defTabSz="914400" rtl="0" eaLnBrk="1" latinLnBrk="0" hangingPunct="1">
+              <a:lnSpc>
+                <a:spcPct val="120000"/>
+              </a:lnSpc>
+              <a:spcBef>
+                <a:spcPts val="500"/>
+              </a:spcBef>
+              <a:buClr>
+                <a:schemeClr val="tx1"/>
+              </a:buClr>
+              <a:buFont typeface="Arial" panose="020B0604020202020204" pitchFamily="34" charset="0"/>
+              <a:buChar char="•"/>
+              <a:defRPr sz="1400" kern="1200" cap="all" baseline="0">
+                <a:solidFill>
+                  <a:schemeClr val="tx1"/>
+                </a:solidFill>
+                <a:effectLst/>
+                <a:latin typeface="+mn-lt"/>
+                <a:ea typeface="+mn-ea"/>
+                <a:cs typeface="+mn-cs"/>
+              </a:defRPr>
+            </a:lvl5pPr>
+            <a:lvl6pPr marL="2514600" indent="-228600" algn="l" defTabSz="914400" rtl="0" eaLnBrk="1" latinLnBrk="0" hangingPunct="1">
+              <a:lnSpc>
+                <a:spcPct val="120000"/>
+              </a:lnSpc>
+              <a:spcBef>
+                <a:spcPts val="500"/>
+              </a:spcBef>
+              <a:buClr>
+                <a:schemeClr val="tx1"/>
+              </a:buClr>
+              <a:buFont typeface="Arial" panose="020B0604020202020204" pitchFamily="34" charset="0"/>
+              <a:buChar char="•"/>
+              <a:defRPr sz="1400" kern="1200" cap="all" baseline="0">
+                <a:solidFill>
+                  <a:schemeClr val="tx1"/>
+                </a:solidFill>
+                <a:effectLst/>
+                <a:latin typeface="+mn-lt"/>
+                <a:ea typeface="+mn-ea"/>
+                <a:cs typeface="+mn-cs"/>
+              </a:defRPr>
+            </a:lvl6pPr>
+            <a:lvl7pPr marL="2971800" indent="-228600" algn="l" defTabSz="914400" rtl="0" eaLnBrk="1" latinLnBrk="0" hangingPunct="1">
+              <a:lnSpc>
+                <a:spcPct val="120000"/>
+              </a:lnSpc>
+              <a:spcBef>
+                <a:spcPts val="500"/>
+              </a:spcBef>
+              <a:buClr>
+                <a:schemeClr val="tx1"/>
+              </a:buClr>
+              <a:buFont typeface="Arial" panose="020B0604020202020204" pitchFamily="34" charset="0"/>
+              <a:buChar char="•"/>
+              <a:defRPr sz="1400" kern="1200" cap="all" baseline="0">
+                <a:solidFill>
+                  <a:schemeClr val="tx1"/>
+                </a:solidFill>
+                <a:effectLst/>
+                <a:latin typeface="+mn-lt"/>
+                <a:ea typeface="+mn-ea"/>
+                <a:cs typeface="+mn-cs"/>
+              </a:defRPr>
+            </a:lvl7pPr>
+            <a:lvl8pPr marL="3429000" indent="-228600" algn="l" defTabSz="914400" rtl="0" eaLnBrk="1" latinLnBrk="0" hangingPunct="1">
+              <a:lnSpc>
+                <a:spcPct val="120000"/>
+              </a:lnSpc>
+              <a:spcBef>
+                <a:spcPts val="500"/>
+              </a:spcBef>
+              <a:buClr>
+                <a:schemeClr val="tx1"/>
+              </a:buClr>
+              <a:buFont typeface="Arial" panose="020B0604020202020204" pitchFamily="34" charset="0"/>
+              <a:buChar char="•"/>
+              <a:defRPr sz="1400" kern="1200" cap="all" baseline="0">
+                <a:solidFill>
+                  <a:schemeClr val="tx1"/>
+                </a:solidFill>
+                <a:effectLst/>
+                <a:latin typeface="+mn-lt"/>
+                <a:ea typeface="+mn-ea"/>
+                <a:cs typeface="+mn-cs"/>
+              </a:defRPr>
+            </a:lvl8pPr>
+            <a:lvl9pPr marL="3886200" indent="-228600" algn="l" defTabSz="914400" rtl="0" eaLnBrk="1" latinLnBrk="0" hangingPunct="1">
+              <a:lnSpc>
+                <a:spcPct val="120000"/>
+              </a:lnSpc>
+              <a:spcBef>
+                <a:spcPts val="500"/>
+              </a:spcBef>
+              <a:buClr>
+                <a:schemeClr val="tx1"/>
+              </a:buClr>
+              <a:buFont typeface="Arial" panose="020B0604020202020204" pitchFamily="34" charset="0"/>
+              <a:buChar char="•"/>
+              <a:defRPr sz="1400" kern="1200" cap="all" baseline="0">
+                <a:solidFill>
+                  <a:schemeClr val="tx1"/>
+                </a:solidFill>
+                <a:effectLst/>
+                <a:latin typeface="+mn-lt"/>
+                <a:ea typeface="+mn-ea"/>
+                <a:cs typeface="+mn-cs"/>
+              </a:defRPr>
+            </a:lvl9pPr>
+          </a:lstStyle>
+          <a:p>
+            <a:pPr lvl="2"/>
+            <a:endParaRPr lang="en-US" sz="2600" cap="none" dirty="0" smtClean="0">
+              <a:latin typeface="Calibri" panose="020F0502020204030204" pitchFamily="34" charset="0"/>
+              <a:cs typeface="Calibri" panose="020F0502020204030204" pitchFamily="34" charset="0"/>
+            </a:endParaRPr>
+          </a:p>
+          <a:p>
+            <a:pPr lvl="2"/>
+            <a:endParaRPr lang="en-US" sz="2600" cap="none" dirty="0" smtClean="0">
+              <a:latin typeface="Calibri" panose="020F0502020204030204" pitchFamily="34" charset="0"/>
+              <a:cs typeface="Calibri" panose="020F0502020204030204" pitchFamily="34" charset="0"/>
+            </a:endParaRPr>
+          </a:p>
+          <a:p>
+            <a:pPr lvl="2"/>
+            <a:endParaRPr lang="en-US" sz="2800" cap="none" dirty="0" smtClean="0">
+              <a:latin typeface="Calibri" panose="020F0502020204030204" pitchFamily="34" charset="0"/>
+              <a:cs typeface="Calibri" panose="020F0502020204030204" pitchFamily="34" charset="0"/>
+            </a:endParaRPr>
+          </a:p>
+          <a:p>
+            <a:pPr lvl="2"/>
+            <a:endParaRPr lang="en-US" sz="2800" cap="none" dirty="0" smtClean="0">
+              <a:latin typeface="Calibri" panose="020F0502020204030204" pitchFamily="34" charset="0"/>
+              <a:cs typeface="Calibri" panose="020F0502020204030204" pitchFamily="34" charset="0"/>
+            </a:endParaRPr>
+          </a:p>
+        </p:txBody>
+      </p:sp>
+      <p:sp>
+        <p:nvSpPr>
+          <p:cNvPr id="4" name="Content Placeholder 2"/>
+          <p:cNvSpPr txBox="1">
+            <a:spLocks/>
+          </p:cNvSpPr>
+          <p:nvPr/>
+        </p:nvSpPr>
+        <p:spPr>
+          <a:xfrm>
+            <a:off x="408214" y="1639461"/>
+            <a:ext cx="11348357" cy="5822696"/>
+          </a:xfrm>
+          <a:prstGeom prst="rect">
+            <a:avLst/>
+          </a:prstGeom>
+        </p:spPr>
+        <p:txBody>
+          <a:bodyPr vert="horz" lIns="91440" tIns="45720" rIns="91440" bIns="45720" rtlCol="0">
+            <a:normAutofit/>
+          </a:bodyPr>
+          <a:lstStyle>
+            <a:lvl1pPr marL="228600" indent="-228600" algn="l" defTabSz="914400" rtl="0" eaLnBrk="1" latinLnBrk="0" hangingPunct="1">
+              <a:lnSpc>
+                <a:spcPct val="120000"/>
+              </a:lnSpc>
+              <a:spcBef>
+                <a:spcPts val="1000"/>
+              </a:spcBef>
+              <a:buClr>
+                <a:schemeClr val="tx1"/>
+              </a:buClr>
+              <a:buFont typeface="Arial" panose="020B0604020202020204" pitchFamily="34" charset="0"/>
+              <a:buChar char="•"/>
+              <a:defRPr sz="2000" kern="1200" cap="all" baseline="0">
+                <a:solidFill>
+                  <a:schemeClr val="tx1"/>
+                </a:solidFill>
+                <a:effectLst/>
+                <a:latin typeface="+mn-lt"/>
+                <a:ea typeface="+mn-ea"/>
+                <a:cs typeface="+mn-cs"/>
+              </a:defRPr>
+            </a:lvl1pPr>
+            <a:lvl2pPr marL="685800" indent="-228600" algn="l" defTabSz="914400" rtl="0" eaLnBrk="1" latinLnBrk="0" hangingPunct="1">
+              <a:lnSpc>
+                <a:spcPct val="120000"/>
+              </a:lnSpc>
+              <a:spcBef>
+                <a:spcPts val="500"/>
+              </a:spcBef>
+              <a:buClr>
+                <a:schemeClr val="tx1"/>
+              </a:buClr>
+              <a:buFont typeface="Arial" panose="020B0604020202020204" pitchFamily="34" charset="0"/>
+              <a:buChar char="•"/>
+              <a:defRPr sz="1800" kern="1200" cap="all" baseline="0">
+                <a:solidFill>
+                  <a:schemeClr val="tx1"/>
+                </a:solidFill>
+                <a:effectLst/>
+                <a:latin typeface="+mn-lt"/>
+                <a:ea typeface="+mn-ea"/>
+                <a:cs typeface="+mn-cs"/>
+              </a:defRPr>
+            </a:lvl2pPr>
+            <a:lvl3pPr marL="1143000" indent="-228600" algn="l" defTabSz="914400" rtl="0" eaLnBrk="1" latinLnBrk="0" hangingPunct="1">
+              <a:lnSpc>
+                <a:spcPct val="120000"/>
+              </a:lnSpc>
+              <a:spcBef>
+                <a:spcPts val="500"/>
+              </a:spcBef>
+              <a:buClr>
+                <a:schemeClr val="tx1"/>
+              </a:buClr>
+              <a:buFont typeface="Arial" panose="020B0604020202020204" pitchFamily="34" charset="0"/>
+              <a:buChar char="•"/>
+              <a:defRPr sz="1600" kern="1200" cap="all" baseline="0">
+                <a:solidFill>
+                  <a:schemeClr val="tx1"/>
+                </a:solidFill>
+                <a:effectLst/>
+                <a:latin typeface="+mn-lt"/>
+                <a:ea typeface="+mn-ea"/>
+                <a:cs typeface="+mn-cs"/>
+              </a:defRPr>
+            </a:lvl3pPr>
+            <a:lvl4pPr marL="1600200" indent="-228600" algn="l" defTabSz="914400" rtl="0" eaLnBrk="1" latinLnBrk="0" hangingPunct="1">
+              <a:lnSpc>
+                <a:spcPct val="120000"/>
+              </a:lnSpc>
+              <a:spcBef>
+                <a:spcPts val="500"/>
+              </a:spcBef>
+              <a:buClr>
+                <a:schemeClr val="tx1"/>
+              </a:buClr>
+              <a:buFont typeface="Arial" panose="020B0604020202020204" pitchFamily="34" charset="0"/>
+              <a:buChar char="•"/>
+              <a:defRPr sz="1400" kern="1200" cap="all" baseline="0">
+                <a:solidFill>
+                  <a:schemeClr val="tx1"/>
+                </a:solidFill>
+                <a:effectLst/>
+                <a:latin typeface="+mn-lt"/>
+                <a:ea typeface="+mn-ea"/>
+                <a:cs typeface="+mn-cs"/>
+              </a:defRPr>
+            </a:lvl4pPr>
+            <a:lvl5pPr marL="2057400" indent="-228600" algn="l" defTabSz="914400" rtl="0" eaLnBrk="1" latinLnBrk="0" hangingPunct="1">
+              <a:lnSpc>
+                <a:spcPct val="120000"/>
+              </a:lnSpc>
+              <a:spcBef>
+                <a:spcPts val="500"/>
+              </a:spcBef>
+              <a:buClr>
+                <a:schemeClr val="tx1"/>
+              </a:buClr>
+              <a:buFont typeface="Arial" panose="020B0604020202020204" pitchFamily="34" charset="0"/>
+              <a:buChar char="•"/>
+              <a:defRPr sz="1400" kern="1200" cap="all" baseline="0">
+                <a:solidFill>
+                  <a:schemeClr val="tx1"/>
+                </a:solidFill>
+                <a:effectLst/>
+                <a:latin typeface="+mn-lt"/>
+                <a:ea typeface="+mn-ea"/>
+                <a:cs typeface="+mn-cs"/>
+              </a:defRPr>
+            </a:lvl5pPr>
+            <a:lvl6pPr marL="2514600" indent="-228600" algn="l" defTabSz="914400" rtl="0" eaLnBrk="1" latinLnBrk="0" hangingPunct="1">
+              <a:lnSpc>
+                <a:spcPct val="120000"/>
+              </a:lnSpc>
+              <a:spcBef>
+                <a:spcPts val="500"/>
+              </a:spcBef>
+              <a:buClr>
+                <a:schemeClr val="tx1"/>
+              </a:buClr>
+              <a:buFont typeface="Arial" panose="020B0604020202020204" pitchFamily="34" charset="0"/>
+              <a:buChar char="•"/>
+              <a:defRPr sz="1400" kern="1200" cap="all" baseline="0">
+                <a:solidFill>
+                  <a:schemeClr val="tx1"/>
+                </a:solidFill>
+                <a:effectLst/>
+                <a:latin typeface="+mn-lt"/>
+                <a:ea typeface="+mn-ea"/>
+                <a:cs typeface="+mn-cs"/>
+              </a:defRPr>
+            </a:lvl6pPr>
+            <a:lvl7pPr marL="2971800" indent="-228600" algn="l" defTabSz="914400" rtl="0" eaLnBrk="1" latinLnBrk="0" hangingPunct="1">
+              <a:lnSpc>
+                <a:spcPct val="120000"/>
+              </a:lnSpc>
+              <a:spcBef>
+                <a:spcPts val="500"/>
+              </a:spcBef>
+              <a:buClr>
+                <a:schemeClr val="tx1"/>
+              </a:buClr>
+              <a:buFont typeface="Arial" panose="020B0604020202020204" pitchFamily="34" charset="0"/>
+              <a:buChar char="•"/>
+              <a:defRPr sz="1400" kern="1200" cap="all" baseline="0">
+                <a:solidFill>
+                  <a:schemeClr val="tx1"/>
+                </a:solidFill>
+                <a:effectLst/>
+                <a:latin typeface="+mn-lt"/>
+                <a:ea typeface="+mn-ea"/>
+                <a:cs typeface="+mn-cs"/>
+              </a:defRPr>
+            </a:lvl7pPr>
+            <a:lvl8pPr marL="3429000" indent="-228600" algn="l" defTabSz="914400" rtl="0" eaLnBrk="1" latinLnBrk="0" hangingPunct="1">
+              <a:lnSpc>
+                <a:spcPct val="120000"/>
+              </a:lnSpc>
+              <a:spcBef>
+                <a:spcPts val="500"/>
+              </a:spcBef>
+              <a:buClr>
+                <a:schemeClr val="tx1"/>
+              </a:buClr>
+              <a:buFont typeface="Arial" panose="020B0604020202020204" pitchFamily="34" charset="0"/>
+              <a:buChar char="•"/>
+              <a:defRPr sz="1400" kern="1200" cap="all" baseline="0">
+                <a:solidFill>
+                  <a:schemeClr val="tx1"/>
+                </a:solidFill>
+                <a:effectLst/>
+                <a:latin typeface="+mn-lt"/>
+                <a:ea typeface="+mn-ea"/>
+                <a:cs typeface="+mn-cs"/>
+              </a:defRPr>
+            </a:lvl8pPr>
+            <a:lvl9pPr marL="3886200" indent="-228600" algn="l" defTabSz="914400" rtl="0" eaLnBrk="1" latinLnBrk="0" hangingPunct="1">
+              <a:lnSpc>
+                <a:spcPct val="120000"/>
+              </a:lnSpc>
+              <a:spcBef>
+                <a:spcPts val="500"/>
+              </a:spcBef>
+              <a:buClr>
+                <a:schemeClr val="tx1"/>
+              </a:buClr>
+              <a:buFont typeface="Arial" panose="020B0604020202020204" pitchFamily="34" charset="0"/>
+              <a:buChar char="•"/>
+              <a:defRPr sz="1400" kern="1200" cap="all" baseline="0">
+                <a:solidFill>
+                  <a:schemeClr val="tx1"/>
+                </a:solidFill>
+                <a:effectLst/>
+                <a:latin typeface="+mn-lt"/>
+                <a:ea typeface="+mn-ea"/>
+                <a:cs typeface="+mn-cs"/>
+              </a:defRPr>
+            </a:lvl9pPr>
+          </a:lstStyle>
+          <a:p>
+            <a:pPr lvl="2"/>
+            <a:r>
+              <a:rPr lang="en-US" sz="2800" cap="none" dirty="0" smtClean="0">
+                <a:latin typeface="Calibri" panose="020F0502020204030204" pitchFamily="34" charset="0"/>
+                <a:cs typeface="Calibri" panose="020F0502020204030204" pitchFamily="34" charset="0"/>
+              </a:rPr>
+              <a:t>Ridge Regression suffers from one disadvantage: it only shrinks unwanted coefficients, but doesn’t remove them entirely (set to zero)</a:t>
+            </a:r>
+          </a:p>
+          <a:p>
+            <a:pPr lvl="2"/>
+            <a:endParaRPr lang="en-US" sz="2600" cap="none" dirty="0" smtClean="0">
+              <a:latin typeface="Calibri" panose="020F0502020204030204" pitchFamily="34" charset="0"/>
+              <a:cs typeface="Calibri" panose="020F0502020204030204" pitchFamily="34" charset="0"/>
+            </a:endParaRPr>
+          </a:p>
+        </p:txBody>
+      </p:sp>
+    </p:spTree>
+    <p:extLst>
+      <p:ext uri="{BB962C8B-B14F-4D97-AF65-F5344CB8AC3E}">
+        <p14:creationId xmlns:p14="http://schemas.microsoft.com/office/powerpoint/2010/main" val="1870873629"/>
+      </p:ext>
+    </p:extLst>
+  </p:cSld>
+  <p:clrMapOvr>
+    <a:masterClrMapping/>
+  </p:clrMapOvr>
+  <p:timing>
+    <p:tnLst>
+      <p:par>
+        <p:cTn id="1" dur="indefinite" restart="never" nodeType="tmRoot"/>
+      </p:par>
+    </p:tnLst>
+  </p:timing>
+</p:sld>
+</file>
+
+<file path=ppt/slides/slide87.xml><?xml version="1.0" encoding="utf-8"?>
+<p:sld xmlns:a="http://schemas.openxmlformats.org/drawingml/2006/main" xmlns:r="http://schemas.openxmlformats.org/officeDocument/2006/relationships" xmlns:p="http://schemas.openxmlformats.org/presentationml/2006/main">
+  <p:cSld>
+    <p:spTree>
+      <p:nvGrpSpPr>
+        <p:cNvPr id="1" name=""/>
+        <p:cNvGrpSpPr/>
+        <p:nvPr/>
+      </p:nvGrpSpPr>
+      <p:grpSpPr>
+        <a:xfrm>
+          <a:off x="0" y="0"/>
+          <a:ext cx="0" cy="0"/>
+          <a:chOff x="0" y="0"/>
+          <a:chExt cx="0" cy="0"/>
+        </a:xfrm>
+      </p:grpSpPr>
+      <p:sp>
+        <p:nvSpPr>
+          <p:cNvPr id="2" name="Title 1"/>
+          <p:cNvSpPr>
+            <a:spLocks noGrp="1"/>
+          </p:cNvSpPr>
+          <p:nvPr>
+            <p:ph type="title"/>
+          </p:nvPr>
+        </p:nvSpPr>
+        <p:spPr>
+          <a:xfrm>
+            <a:off x="913775" y="618517"/>
+            <a:ext cx="10364451" cy="624129"/>
+          </a:xfrm>
+        </p:spPr>
+        <p:txBody>
+          <a:bodyPr>
+            <a:normAutofit/>
+          </a:bodyPr>
+          <a:lstStyle/>
+          <a:p>
+            <a:r>
+              <a:rPr lang="en-US" b="1" dirty="0" smtClean="0"/>
+              <a:t>The Lasso</a:t>
+            </a:r>
+            <a:endParaRPr lang="en-US" b="1" dirty="0">
+              <a:latin typeface="Gill Sans MT" panose="020B0502020104020203" pitchFamily="34" charset="0"/>
+            </a:endParaRPr>
+          </a:p>
+        </p:txBody>
+      </p:sp>
+      <p:sp>
+        <p:nvSpPr>
+          <p:cNvPr id="6" name="Content Placeholder 2"/>
+          <p:cNvSpPr txBox="1">
+            <a:spLocks/>
+          </p:cNvSpPr>
+          <p:nvPr/>
+        </p:nvSpPr>
+        <p:spPr>
+          <a:xfrm>
+            <a:off x="913775" y="1639461"/>
+            <a:ext cx="10364451" cy="4830350"/>
+          </a:xfrm>
+          <a:prstGeom prst="rect">
+            <a:avLst/>
+          </a:prstGeom>
+        </p:spPr>
+        <p:txBody>
+          <a:bodyPr vert="horz" lIns="91440" tIns="45720" rIns="91440" bIns="45720" rtlCol="0">
+            <a:normAutofit/>
+          </a:bodyPr>
+          <a:lstStyle>
+            <a:lvl1pPr marL="228600" indent="-228600" algn="l" defTabSz="914400" rtl="0" eaLnBrk="1" latinLnBrk="0" hangingPunct="1">
+              <a:lnSpc>
+                <a:spcPct val="120000"/>
+              </a:lnSpc>
+              <a:spcBef>
+                <a:spcPts val="1000"/>
+              </a:spcBef>
+              <a:buClr>
+                <a:schemeClr val="tx1"/>
+              </a:buClr>
+              <a:buFont typeface="Arial" panose="020B0604020202020204" pitchFamily="34" charset="0"/>
+              <a:buChar char="•"/>
+              <a:defRPr sz="2000" kern="1200" cap="all" baseline="0">
+                <a:solidFill>
+                  <a:schemeClr val="tx1"/>
+                </a:solidFill>
+                <a:effectLst/>
+                <a:latin typeface="+mn-lt"/>
+                <a:ea typeface="+mn-ea"/>
+                <a:cs typeface="+mn-cs"/>
+              </a:defRPr>
+            </a:lvl1pPr>
+            <a:lvl2pPr marL="685800" indent="-228600" algn="l" defTabSz="914400" rtl="0" eaLnBrk="1" latinLnBrk="0" hangingPunct="1">
+              <a:lnSpc>
+                <a:spcPct val="120000"/>
+              </a:lnSpc>
+              <a:spcBef>
+                <a:spcPts val="500"/>
+              </a:spcBef>
+              <a:buClr>
+                <a:schemeClr val="tx1"/>
+              </a:buClr>
+              <a:buFont typeface="Arial" panose="020B0604020202020204" pitchFamily="34" charset="0"/>
+              <a:buChar char="•"/>
+              <a:defRPr sz="1800" kern="1200" cap="all" baseline="0">
+                <a:solidFill>
+                  <a:schemeClr val="tx1"/>
+                </a:solidFill>
+                <a:effectLst/>
+                <a:latin typeface="+mn-lt"/>
+                <a:ea typeface="+mn-ea"/>
+                <a:cs typeface="+mn-cs"/>
+              </a:defRPr>
+            </a:lvl2pPr>
+            <a:lvl3pPr marL="1143000" indent="-228600" algn="l" defTabSz="914400" rtl="0" eaLnBrk="1" latinLnBrk="0" hangingPunct="1">
+              <a:lnSpc>
+                <a:spcPct val="120000"/>
+              </a:lnSpc>
+              <a:spcBef>
+                <a:spcPts val="500"/>
+              </a:spcBef>
+              <a:buClr>
+                <a:schemeClr val="tx1"/>
+              </a:buClr>
+              <a:buFont typeface="Arial" panose="020B0604020202020204" pitchFamily="34" charset="0"/>
+              <a:buChar char="•"/>
+              <a:defRPr sz="1600" kern="1200" cap="all" baseline="0">
+                <a:solidFill>
+                  <a:schemeClr val="tx1"/>
+                </a:solidFill>
+                <a:effectLst/>
+                <a:latin typeface="+mn-lt"/>
+                <a:ea typeface="+mn-ea"/>
+                <a:cs typeface="+mn-cs"/>
+              </a:defRPr>
+            </a:lvl3pPr>
+            <a:lvl4pPr marL="1600200" indent="-228600" algn="l" defTabSz="914400" rtl="0" eaLnBrk="1" latinLnBrk="0" hangingPunct="1">
+              <a:lnSpc>
+                <a:spcPct val="120000"/>
+              </a:lnSpc>
+              <a:spcBef>
+                <a:spcPts val="500"/>
+              </a:spcBef>
+              <a:buClr>
+                <a:schemeClr val="tx1"/>
+              </a:buClr>
+              <a:buFont typeface="Arial" panose="020B0604020202020204" pitchFamily="34" charset="0"/>
+              <a:buChar char="•"/>
+              <a:defRPr sz="1400" kern="1200" cap="all" baseline="0">
+                <a:solidFill>
+                  <a:schemeClr val="tx1"/>
+                </a:solidFill>
+                <a:effectLst/>
+                <a:latin typeface="+mn-lt"/>
+                <a:ea typeface="+mn-ea"/>
+                <a:cs typeface="+mn-cs"/>
+              </a:defRPr>
+            </a:lvl4pPr>
+            <a:lvl5pPr marL="2057400" indent="-228600" algn="l" defTabSz="914400" rtl="0" eaLnBrk="1" latinLnBrk="0" hangingPunct="1">
+              <a:lnSpc>
+                <a:spcPct val="120000"/>
+              </a:lnSpc>
+              <a:spcBef>
+                <a:spcPts val="500"/>
+              </a:spcBef>
+              <a:buClr>
+                <a:schemeClr val="tx1"/>
+              </a:buClr>
+              <a:buFont typeface="Arial" panose="020B0604020202020204" pitchFamily="34" charset="0"/>
+              <a:buChar char="•"/>
+              <a:defRPr sz="1400" kern="1200" cap="all" baseline="0">
+                <a:solidFill>
+                  <a:schemeClr val="tx1"/>
+                </a:solidFill>
+                <a:effectLst/>
+                <a:latin typeface="+mn-lt"/>
+                <a:ea typeface="+mn-ea"/>
+                <a:cs typeface="+mn-cs"/>
+              </a:defRPr>
+            </a:lvl5pPr>
+            <a:lvl6pPr marL="2514600" indent="-228600" algn="l" defTabSz="914400" rtl="0" eaLnBrk="1" latinLnBrk="0" hangingPunct="1">
+              <a:lnSpc>
+                <a:spcPct val="120000"/>
+              </a:lnSpc>
+              <a:spcBef>
+                <a:spcPts val="500"/>
+              </a:spcBef>
+              <a:buClr>
+                <a:schemeClr val="tx1"/>
+              </a:buClr>
+              <a:buFont typeface="Arial" panose="020B0604020202020204" pitchFamily="34" charset="0"/>
+              <a:buChar char="•"/>
+              <a:defRPr sz="1400" kern="1200" cap="all" baseline="0">
+                <a:solidFill>
+                  <a:schemeClr val="tx1"/>
+                </a:solidFill>
+                <a:effectLst/>
+                <a:latin typeface="+mn-lt"/>
+                <a:ea typeface="+mn-ea"/>
+                <a:cs typeface="+mn-cs"/>
+              </a:defRPr>
+            </a:lvl6pPr>
+            <a:lvl7pPr marL="2971800" indent="-228600" algn="l" defTabSz="914400" rtl="0" eaLnBrk="1" latinLnBrk="0" hangingPunct="1">
+              <a:lnSpc>
+                <a:spcPct val="120000"/>
+              </a:lnSpc>
+              <a:spcBef>
+                <a:spcPts val="500"/>
+              </a:spcBef>
+              <a:buClr>
+                <a:schemeClr val="tx1"/>
+              </a:buClr>
+              <a:buFont typeface="Arial" panose="020B0604020202020204" pitchFamily="34" charset="0"/>
+              <a:buChar char="•"/>
+              <a:defRPr sz="1400" kern="1200" cap="all" baseline="0">
+                <a:solidFill>
+                  <a:schemeClr val="tx1"/>
+                </a:solidFill>
+                <a:effectLst/>
+                <a:latin typeface="+mn-lt"/>
+                <a:ea typeface="+mn-ea"/>
+                <a:cs typeface="+mn-cs"/>
+              </a:defRPr>
+            </a:lvl7pPr>
+            <a:lvl8pPr marL="3429000" indent="-228600" algn="l" defTabSz="914400" rtl="0" eaLnBrk="1" latinLnBrk="0" hangingPunct="1">
+              <a:lnSpc>
+                <a:spcPct val="120000"/>
+              </a:lnSpc>
+              <a:spcBef>
+                <a:spcPts val="500"/>
+              </a:spcBef>
+              <a:buClr>
+                <a:schemeClr val="tx1"/>
+              </a:buClr>
+              <a:buFont typeface="Arial" panose="020B0604020202020204" pitchFamily="34" charset="0"/>
+              <a:buChar char="•"/>
+              <a:defRPr sz="1400" kern="1200" cap="all" baseline="0">
+                <a:solidFill>
+                  <a:schemeClr val="tx1"/>
+                </a:solidFill>
+                <a:effectLst/>
+                <a:latin typeface="+mn-lt"/>
+                <a:ea typeface="+mn-ea"/>
+                <a:cs typeface="+mn-cs"/>
+              </a:defRPr>
+            </a:lvl8pPr>
+            <a:lvl9pPr marL="3886200" indent="-228600" algn="l" defTabSz="914400" rtl="0" eaLnBrk="1" latinLnBrk="0" hangingPunct="1">
+              <a:lnSpc>
+                <a:spcPct val="120000"/>
+              </a:lnSpc>
+              <a:spcBef>
+                <a:spcPts val="500"/>
+              </a:spcBef>
+              <a:buClr>
+                <a:schemeClr val="tx1"/>
+              </a:buClr>
+              <a:buFont typeface="Arial" panose="020B0604020202020204" pitchFamily="34" charset="0"/>
+              <a:buChar char="•"/>
+              <a:defRPr sz="1400" kern="1200" cap="all" baseline="0">
+                <a:solidFill>
+                  <a:schemeClr val="tx1"/>
+                </a:solidFill>
+                <a:effectLst/>
+                <a:latin typeface="+mn-lt"/>
+                <a:ea typeface="+mn-ea"/>
+                <a:cs typeface="+mn-cs"/>
+              </a:defRPr>
+            </a:lvl9pPr>
+          </a:lstStyle>
+          <a:p>
+            <a:pPr lvl="2"/>
+            <a:endParaRPr lang="en-US" sz="2600" cap="none" dirty="0" smtClean="0">
+              <a:latin typeface="Calibri" panose="020F0502020204030204" pitchFamily="34" charset="0"/>
+              <a:cs typeface="Calibri" panose="020F0502020204030204" pitchFamily="34" charset="0"/>
+            </a:endParaRPr>
+          </a:p>
+          <a:p>
+            <a:pPr lvl="2"/>
+            <a:endParaRPr lang="en-US" sz="2600" cap="none" dirty="0" smtClean="0">
+              <a:latin typeface="Calibri" panose="020F0502020204030204" pitchFamily="34" charset="0"/>
+              <a:cs typeface="Calibri" panose="020F0502020204030204" pitchFamily="34" charset="0"/>
+            </a:endParaRPr>
+          </a:p>
+          <a:p>
+            <a:pPr lvl="2"/>
+            <a:endParaRPr lang="en-US" sz="2800" cap="none" dirty="0" smtClean="0">
+              <a:latin typeface="Calibri" panose="020F0502020204030204" pitchFamily="34" charset="0"/>
+              <a:cs typeface="Calibri" panose="020F0502020204030204" pitchFamily="34" charset="0"/>
+            </a:endParaRPr>
+          </a:p>
+          <a:p>
+            <a:pPr lvl="2"/>
+            <a:endParaRPr lang="en-US" sz="2800" cap="none" dirty="0" smtClean="0">
+              <a:latin typeface="Calibri" panose="020F0502020204030204" pitchFamily="34" charset="0"/>
+              <a:cs typeface="Calibri" panose="020F0502020204030204" pitchFamily="34" charset="0"/>
+            </a:endParaRPr>
+          </a:p>
+        </p:txBody>
+      </p:sp>
+      <p:sp>
+        <p:nvSpPr>
+          <p:cNvPr id="4" name="Content Placeholder 2"/>
+          <p:cNvSpPr txBox="1">
+            <a:spLocks/>
+          </p:cNvSpPr>
+          <p:nvPr/>
+        </p:nvSpPr>
+        <p:spPr>
+          <a:xfrm>
+            <a:off x="408214" y="1639461"/>
+            <a:ext cx="11348357" cy="5822696"/>
+          </a:xfrm>
+          <a:prstGeom prst="rect">
+            <a:avLst/>
+          </a:prstGeom>
+        </p:spPr>
+        <p:txBody>
+          <a:bodyPr vert="horz" lIns="91440" tIns="45720" rIns="91440" bIns="45720" rtlCol="0">
+            <a:normAutofit/>
+          </a:bodyPr>
+          <a:lstStyle>
+            <a:lvl1pPr marL="228600" indent="-228600" algn="l" defTabSz="914400" rtl="0" eaLnBrk="1" latinLnBrk="0" hangingPunct="1">
+              <a:lnSpc>
+                <a:spcPct val="120000"/>
+              </a:lnSpc>
+              <a:spcBef>
+                <a:spcPts val="1000"/>
+              </a:spcBef>
+              <a:buClr>
+                <a:schemeClr val="tx1"/>
+              </a:buClr>
+              <a:buFont typeface="Arial" panose="020B0604020202020204" pitchFamily="34" charset="0"/>
+              <a:buChar char="•"/>
+              <a:defRPr sz="2000" kern="1200" cap="all" baseline="0">
+                <a:solidFill>
+                  <a:schemeClr val="tx1"/>
+                </a:solidFill>
+                <a:effectLst/>
+                <a:latin typeface="+mn-lt"/>
+                <a:ea typeface="+mn-ea"/>
+                <a:cs typeface="+mn-cs"/>
+              </a:defRPr>
+            </a:lvl1pPr>
+            <a:lvl2pPr marL="685800" indent="-228600" algn="l" defTabSz="914400" rtl="0" eaLnBrk="1" latinLnBrk="0" hangingPunct="1">
+              <a:lnSpc>
+                <a:spcPct val="120000"/>
+              </a:lnSpc>
+              <a:spcBef>
+                <a:spcPts val="500"/>
+              </a:spcBef>
+              <a:buClr>
+                <a:schemeClr val="tx1"/>
+              </a:buClr>
+              <a:buFont typeface="Arial" panose="020B0604020202020204" pitchFamily="34" charset="0"/>
+              <a:buChar char="•"/>
+              <a:defRPr sz="1800" kern="1200" cap="all" baseline="0">
+                <a:solidFill>
+                  <a:schemeClr val="tx1"/>
+                </a:solidFill>
+                <a:effectLst/>
+                <a:latin typeface="+mn-lt"/>
+                <a:ea typeface="+mn-ea"/>
+                <a:cs typeface="+mn-cs"/>
+              </a:defRPr>
+            </a:lvl2pPr>
+            <a:lvl3pPr marL="1143000" indent="-228600" algn="l" defTabSz="914400" rtl="0" eaLnBrk="1" latinLnBrk="0" hangingPunct="1">
+              <a:lnSpc>
+                <a:spcPct val="120000"/>
+              </a:lnSpc>
+              <a:spcBef>
+                <a:spcPts val="500"/>
+              </a:spcBef>
+              <a:buClr>
+                <a:schemeClr val="tx1"/>
+              </a:buClr>
+              <a:buFont typeface="Arial" panose="020B0604020202020204" pitchFamily="34" charset="0"/>
+              <a:buChar char="•"/>
+              <a:defRPr sz="1600" kern="1200" cap="all" baseline="0">
+                <a:solidFill>
+                  <a:schemeClr val="tx1"/>
+                </a:solidFill>
+                <a:effectLst/>
+                <a:latin typeface="+mn-lt"/>
+                <a:ea typeface="+mn-ea"/>
+                <a:cs typeface="+mn-cs"/>
+              </a:defRPr>
+            </a:lvl3pPr>
+            <a:lvl4pPr marL="1600200" indent="-228600" algn="l" defTabSz="914400" rtl="0" eaLnBrk="1" latinLnBrk="0" hangingPunct="1">
+              <a:lnSpc>
+                <a:spcPct val="120000"/>
+              </a:lnSpc>
+              <a:spcBef>
+                <a:spcPts val="500"/>
+              </a:spcBef>
+              <a:buClr>
+                <a:schemeClr val="tx1"/>
+              </a:buClr>
+              <a:buFont typeface="Arial" panose="020B0604020202020204" pitchFamily="34" charset="0"/>
+              <a:buChar char="•"/>
+              <a:defRPr sz="1400" kern="1200" cap="all" baseline="0">
+                <a:solidFill>
+                  <a:schemeClr val="tx1"/>
+                </a:solidFill>
+                <a:effectLst/>
+                <a:latin typeface="+mn-lt"/>
+                <a:ea typeface="+mn-ea"/>
+                <a:cs typeface="+mn-cs"/>
+              </a:defRPr>
+            </a:lvl4pPr>
+            <a:lvl5pPr marL="2057400" indent="-228600" algn="l" defTabSz="914400" rtl="0" eaLnBrk="1" latinLnBrk="0" hangingPunct="1">
+              <a:lnSpc>
+                <a:spcPct val="120000"/>
+              </a:lnSpc>
+              <a:spcBef>
+                <a:spcPts val="500"/>
+              </a:spcBef>
+              <a:buClr>
+                <a:schemeClr val="tx1"/>
+              </a:buClr>
+              <a:buFont typeface="Arial" panose="020B0604020202020204" pitchFamily="34" charset="0"/>
+              <a:buChar char="•"/>
+              <a:defRPr sz="1400" kern="1200" cap="all" baseline="0">
+                <a:solidFill>
+                  <a:schemeClr val="tx1"/>
+                </a:solidFill>
+                <a:effectLst/>
+                <a:latin typeface="+mn-lt"/>
+                <a:ea typeface="+mn-ea"/>
+                <a:cs typeface="+mn-cs"/>
+              </a:defRPr>
+            </a:lvl5pPr>
+            <a:lvl6pPr marL="2514600" indent="-228600" algn="l" defTabSz="914400" rtl="0" eaLnBrk="1" latinLnBrk="0" hangingPunct="1">
+              <a:lnSpc>
+                <a:spcPct val="120000"/>
+              </a:lnSpc>
+              <a:spcBef>
+                <a:spcPts val="500"/>
+              </a:spcBef>
+              <a:buClr>
+                <a:schemeClr val="tx1"/>
+              </a:buClr>
+              <a:buFont typeface="Arial" panose="020B0604020202020204" pitchFamily="34" charset="0"/>
+              <a:buChar char="•"/>
+              <a:defRPr sz="1400" kern="1200" cap="all" baseline="0">
+                <a:solidFill>
+                  <a:schemeClr val="tx1"/>
+                </a:solidFill>
+                <a:effectLst/>
+                <a:latin typeface="+mn-lt"/>
+                <a:ea typeface="+mn-ea"/>
+                <a:cs typeface="+mn-cs"/>
+              </a:defRPr>
+            </a:lvl6pPr>
+            <a:lvl7pPr marL="2971800" indent="-228600" algn="l" defTabSz="914400" rtl="0" eaLnBrk="1" latinLnBrk="0" hangingPunct="1">
+              <a:lnSpc>
+                <a:spcPct val="120000"/>
+              </a:lnSpc>
+              <a:spcBef>
+                <a:spcPts val="500"/>
+              </a:spcBef>
+              <a:buClr>
+                <a:schemeClr val="tx1"/>
+              </a:buClr>
+              <a:buFont typeface="Arial" panose="020B0604020202020204" pitchFamily="34" charset="0"/>
+              <a:buChar char="•"/>
+              <a:defRPr sz="1400" kern="1200" cap="all" baseline="0">
+                <a:solidFill>
+                  <a:schemeClr val="tx1"/>
+                </a:solidFill>
+                <a:effectLst/>
+                <a:latin typeface="+mn-lt"/>
+                <a:ea typeface="+mn-ea"/>
+                <a:cs typeface="+mn-cs"/>
+              </a:defRPr>
+            </a:lvl7pPr>
+            <a:lvl8pPr marL="3429000" indent="-228600" algn="l" defTabSz="914400" rtl="0" eaLnBrk="1" latinLnBrk="0" hangingPunct="1">
+              <a:lnSpc>
+                <a:spcPct val="120000"/>
+              </a:lnSpc>
+              <a:spcBef>
+                <a:spcPts val="500"/>
+              </a:spcBef>
+              <a:buClr>
+                <a:schemeClr val="tx1"/>
+              </a:buClr>
+              <a:buFont typeface="Arial" panose="020B0604020202020204" pitchFamily="34" charset="0"/>
+              <a:buChar char="•"/>
+              <a:defRPr sz="1400" kern="1200" cap="all" baseline="0">
+                <a:solidFill>
+                  <a:schemeClr val="tx1"/>
+                </a:solidFill>
+                <a:effectLst/>
+                <a:latin typeface="+mn-lt"/>
+                <a:ea typeface="+mn-ea"/>
+                <a:cs typeface="+mn-cs"/>
+              </a:defRPr>
+            </a:lvl8pPr>
+            <a:lvl9pPr marL="3886200" indent="-228600" algn="l" defTabSz="914400" rtl="0" eaLnBrk="1" latinLnBrk="0" hangingPunct="1">
+              <a:lnSpc>
+                <a:spcPct val="120000"/>
+              </a:lnSpc>
+              <a:spcBef>
+                <a:spcPts val="500"/>
+              </a:spcBef>
+              <a:buClr>
+                <a:schemeClr val="tx1"/>
+              </a:buClr>
+              <a:buFont typeface="Arial" panose="020B0604020202020204" pitchFamily="34" charset="0"/>
+              <a:buChar char="•"/>
+              <a:defRPr sz="1400" kern="1200" cap="all" baseline="0">
+                <a:solidFill>
+                  <a:schemeClr val="tx1"/>
+                </a:solidFill>
+                <a:effectLst/>
+                <a:latin typeface="+mn-lt"/>
+                <a:ea typeface="+mn-ea"/>
+                <a:cs typeface="+mn-cs"/>
+              </a:defRPr>
+            </a:lvl9pPr>
+          </a:lstStyle>
+          <a:p>
+            <a:pPr lvl="2"/>
+            <a:r>
+              <a:rPr lang="en-US" sz="2800" cap="none" dirty="0" smtClean="0">
+                <a:latin typeface="Calibri" panose="020F0502020204030204" pitchFamily="34" charset="0"/>
+                <a:cs typeface="Calibri" panose="020F0502020204030204" pitchFamily="34" charset="0"/>
+              </a:rPr>
+              <a:t>Ridge Regression suffers from one disadvantage: it only shrinks unwanted coefficients, but doesn’t remove them entirely (set to zero)</a:t>
+            </a:r>
+          </a:p>
+          <a:p>
+            <a:pPr lvl="2"/>
+            <a:r>
+              <a:rPr lang="en-US" sz="2800" cap="none" dirty="0" smtClean="0">
+                <a:latin typeface="Calibri" panose="020F0502020204030204" pitchFamily="34" charset="0"/>
+                <a:cs typeface="Calibri" panose="020F0502020204030204" pitchFamily="34" charset="0"/>
+              </a:rPr>
+              <a:t>The lasso is a slight twist on ridge regression</a:t>
+            </a:r>
+          </a:p>
+          <a:p>
+            <a:pPr lvl="2"/>
+            <a:endParaRPr lang="en-US" sz="2600" cap="none" dirty="0" smtClean="0">
+              <a:latin typeface="Calibri" panose="020F0502020204030204" pitchFamily="34" charset="0"/>
+              <a:cs typeface="Calibri" panose="020F0502020204030204" pitchFamily="34" charset="0"/>
+            </a:endParaRPr>
+          </a:p>
+        </p:txBody>
+      </p:sp>
+    </p:spTree>
+    <p:extLst>
+      <p:ext uri="{BB962C8B-B14F-4D97-AF65-F5344CB8AC3E}">
+        <p14:creationId xmlns:p14="http://schemas.microsoft.com/office/powerpoint/2010/main" val="1960855719"/>
+      </p:ext>
+    </p:extLst>
+  </p:cSld>
+  <p:clrMapOvr>
+    <a:masterClrMapping/>
+  </p:clrMapOvr>
+  <p:timing>
+    <p:tnLst>
+      <p:par>
+        <p:cTn id="1" dur="indefinite" restart="never" nodeType="tmRoot"/>
+      </p:par>
+    </p:tnLst>
+  </p:timing>
+</p:sld>
+</file>
+
+<file path=ppt/slides/slide88.xml><?xml version="1.0" encoding="utf-8"?>
+<p:sld xmlns:a="http://schemas.openxmlformats.org/drawingml/2006/main" xmlns:r="http://schemas.openxmlformats.org/officeDocument/2006/relationships" xmlns:p="http://schemas.openxmlformats.org/presentationml/2006/main">
+  <p:cSld>
+    <p:spTree>
+      <p:nvGrpSpPr>
+        <p:cNvPr id="1" name=""/>
+        <p:cNvGrpSpPr/>
+        <p:nvPr/>
+      </p:nvGrpSpPr>
+      <p:grpSpPr>
+        <a:xfrm>
+          <a:off x="0" y="0"/>
+          <a:ext cx="0" cy="0"/>
+          <a:chOff x="0" y="0"/>
+          <a:chExt cx="0" cy="0"/>
+        </a:xfrm>
+      </p:grpSpPr>
+      <p:sp>
+        <p:nvSpPr>
+          <p:cNvPr id="2" name="Title 1"/>
+          <p:cNvSpPr>
+            <a:spLocks noGrp="1"/>
+          </p:cNvSpPr>
+          <p:nvPr>
+            <p:ph type="title"/>
+          </p:nvPr>
+        </p:nvSpPr>
+        <p:spPr>
+          <a:xfrm>
+            <a:off x="913775" y="618517"/>
+            <a:ext cx="10364451" cy="624129"/>
+          </a:xfrm>
+        </p:spPr>
+        <p:txBody>
+          <a:bodyPr>
+            <a:normAutofit/>
+          </a:bodyPr>
+          <a:lstStyle/>
+          <a:p>
+            <a:r>
+              <a:rPr lang="en-US" b="1" dirty="0" smtClean="0"/>
+              <a:t>The Lasso</a:t>
+            </a:r>
+            <a:endParaRPr lang="en-US" b="1" dirty="0">
+              <a:latin typeface="Gill Sans MT" panose="020B0502020104020203" pitchFamily="34" charset="0"/>
+            </a:endParaRPr>
+          </a:p>
+        </p:txBody>
+      </p:sp>
+      <p:sp>
+        <p:nvSpPr>
+          <p:cNvPr id="6" name="Content Placeholder 2"/>
+          <p:cNvSpPr txBox="1">
+            <a:spLocks/>
+          </p:cNvSpPr>
+          <p:nvPr/>
+        </p:nvSpPr>
+        <p:spPr>
+          <a:xfrm>
+            <a:off x="913775" y="1639461"/>
+            <a:ext cx="10364451" cy="4830350"/>
+          </a:xfrm>
+          <a:prstGeom prst="rect">
+            <a:avLst/>
+          </a:prstGeom>
+        </p:spPr>
+        <p:txBody>
+          <a:bodyPr vert="horz" lIns="91440" tIns="45720" rIns="91440" bIns="45720" rtlCol="0">
+            <a:normAutofit/>
+          </a:bodyPr>
+          <a:lstStyle>
+            <a:lvl1pPr marL="228600" indent="-228600" algn="l" defTabSz="914400" rtl="0" eaLnBrk="1" latinLnBrk="0" hangingPunct="1">
+              <a:lnSpc>
+                <a:spcPct val="120000"/>
+              </a:lnSpc>
+              <a:spcBef>
+                <a:spcPts val="1000"/>
+              </a:spcBef>
+              <a:buClr>
+                <a:schemeClr val="tx1"/>
+              </a:buClr>
+              <a:buFont typeface="Arial" panose="020B0604020202020204" pitchFamily="34" charset="0"/>
+              <a:buChar char="•"/>
+              <a:defRPr sz="2000" kern="1200" cap="all" baseline="0">
+                <a:solidFill>
+                  <a:schemeClr val="tx1"/>
+                </a:solidFill>
+                <a:effectLst/>
+                <a:latin typeface="+mn-lt"/>
+                <a:ea typeface="+mn-ea"/>
+                <a:cs typeface="+mn-cs"/>
+              </a:defRPr>
+            </a:lvl1pPr>
+            <a:lvl2pPr marL="685800" indent="-228600" algn="l" defTabSz="914400" rtl="0" eaLnBrk="1" latinLnBrk="0" hangingPunct="1">
+              <a:lnSpc>
+                <a:spcPct val="120000"/>
+              </a:lnSpc>
+              <a:spcBef>
+                <a:spcPts val="500"/>
+              </a:spcBef>
+              <a:buClr>
+                <a:schemeClr val="tx1"/>
+              </a:buClr>
+              <a:buFont typeface="Arial" panose="020B0604020202020204" pitchFamily="34" charset="0"/>
+              <a:buChar char="•"/>
+              <a:defRPr sz="1800" kern="1200" cap="all" baseline="0">
+                <a:solidFill>
+                  <a:schemeClr val="tx1"/>
+                </a:solidFill>
+                <a:effectLst/>
+                <a:latin typeface="+mn-lt"/>
+                <a:ea typeface="+mn-ea"/>
+                <a:cs typeface="+mn-cs"/>
+              </a:defRPr>
+            </a:lvl2pPr>
+            <a:lvl3pPr marL="1143000" indent="-228600" algn="l" defTabSz="914400" rtl="0" eaLnBrk="1" latinLnBrk="0" hangingPunct="1">
+              <a:lnSpc>
+                <a:spcPct val="120000"/>
+              </a:lnSpc>
+              <a:spcBef>
+                <a:spcPts val="500"/>
+              </a:spcBef>
+              <a:buClr>
+                <a:schemeClr val="tx1"/>
+              </a:buClr>
+              <a:buFont typeface="Arial" panose="020B0604020202020204" pitchFamily="34" charset="0"/>
+              <a:buChar char="•"/>
+              <a:defRPr sz="1600" kern="1200" cap="all" baseline="0">
+                <a:solidFill>
+                  <a:schemeClr val="tx1"/>
+                </a:solidFill>
+                <a:effectLst/>
+                <a:latin typeface="+mn-lt"/>
+                <a:ea typeface="+mn-ea"/>
+                <a:cs typeface="+mn-cs"/>
+              </a:defRPr>
+            </a:lvl3pPr>
+            <a:lvl4pPr marL="1600200" indent="-228600" algn="l" defTabSz="914400" rtl="0" eaLnBrk="1" latinLnBrk="0" hangingPunct="1">
+              <a:lnSpc>
+                <a:spcPct val="120000"/>
+              </a:lnSpc>
+              <a:spcBef>
+                <a:spcPts val="500"/>
+              </a:spcBef>
+              <a:buClr>
+                <a:schemeClr val="tx1"/>
+              </a:buClr>
+              <a:buFont typeface="Arial" panose="020B0604020202020204" pitchFamily="34" charset="0"/>
+              <a:buChar char="•"/>
+              <a:defRPr sz="1400" kern="1200" cap="all" baseline="0">
+                <a:solidFill>
+                  <a:schemeClr val="tx1"/>
+                </a:solidFill>
+                <a:effectLst/>
+                <a:latin typeface="+mn-lt"/>
+                <a:ea typeface="+mn-ea"/>
+                <a:cs typeface="+mn-cs"/>
+              </a:defRPr>
+            </a:lvl4pPr>
+            <a:lvl5pPr marL="2057400" indent="-228600" algn="l" defTabSz="914400" rtl="0" eaLnBrk="1" latinLnBrk="0" hangingPunct="1">
+              <a:lnSpc>
+                <a:spcPct val="120000"/>
+              </a:lnSpc>
+              <a:spcBef>
+                <a:spcPts val="500"/>
+              </a:spcBef>
+              <a:buClr>
+                <a:schemeClr val="tx1"/>
+              </a:buClr>
+              <a:buFont typeface="Arial" panose="020B0604020202020204" pitchFamily="34" charset="0"/>
+              <a:buChar char="•"/>
+              <a:defRPr sz="1400" kern="1200" cap="all" baseline="0">
+                <a:solidFill>
+                  <a:schemeClr val="tx1"/>
+                </a:solidFill>
+                <a:effectLst/>
+                <a:latin typeface="+mn-lt"/>
+                <a:ea typeface="+mn-ea"/>
+                <a:cs typeface="+mn-cs"/>
+              </a:defRPr>
+            </a:lvl5pPr>
+            <a:lvl6pPr marL="2514600" indent="-228600" algn="l" defTabSz="914400" rtl="0" eaLnBrk="1" latinLnBrk="0" hangingPunct="1">
+              <a:lnSpc>
+                <a:spcPct val="120000"/>
+              </a:lnSpc>
+              <a:spcBef>
+                <a:spcPts val="500"/>
+              </a:spcBef>
+              <a:buClr>
+                <a:schemeClr val="tx1"/>
+              </a:buClr>
+              <a:buFont typeface="Arial" panose="020B0604020202020204" pitchFamily="34" charset="0"/>
+              <a:buChar char="•"/>
+              <a:defRPr sz="1400" kern="1200" cap="all" baseline="0">
+                <a:solidFill>
+                  <a:schemeClr val="tx1"/>
+                </a:solidFill>
+                <a:effectLst/>
+                <a:latin typeface="+mn-lt"/>
+                <a:ea typeface="+mn-ea"/>
+                <a:cs typeface="+mn-cs"/>
+              </a:defRPr>
+            </a:lvl6pPr>
+            <a:lvl7pPr marL="2971800" indent="-228600" algn="l" defTabSz="914400" rtl="0" eaLnBrk="1" latinLnBrk="0" hangingPunct="1">
+              <a:lnSpc>
+                <a:spcPct val="120000"/>
+              </a:lnSpc>
+              <a:spcBef>
+                <a:spcPts val="500"/>
+              </a:spcBef>
+              <a:buClr>
+                <a:schemeClr val="tx1"/>
+              </a:buClr>
+              <a:buFont typeface="Arial" panose="020B0604020202020204" pitchFamily="34" charset="0"/>
+              <a:buChar char="•"/>
+              <a:defRPr sz="1400" kern="1200" cap="all" baseline="0">
+                <a:solidFill>
+                  <a:schemeClr val="tx1"/>
+                </a:solidFill>
+                <a:effectLst/>
+                <a:latin typeface="+mn-lt"/>
+                <a:ea typeface="+mn-ea"/>
+                <a:cs typeface="+mn-cs"/>
+              </a:defRPr>
+            </a:lvl7pPr>
+            <a:lvl8pPr marL="3429000" indent="-228600" algn="l" defTabSz="914400" rtl="0" eaLnBrk="1" latinLnBrk="0" hangingPunct="1">
+              <a:lnSpc>
+                <a:spcPct val="120000"/>
+              </a:lnSpc>
+              <a:spcBef>
+                <a:spcPts val="500"/>
+              </a:spcBef>
+              <a:buClr>
+                <a:schemeClr val="tx1"/>
+              </a:buClr>
+              <a:buFont typeface="Arial" panose="020B0604020202020204" pitchFamily="34" charset="0"/>
+              <a:buChar char="•"/>
+              <a:defRPr sz="1400" kern="1200" cap="all" baseline="0">
+                <a:solidFill>
+                  <a:schemeClr val="tx1"/>
+                </a:solidFill>
+                <a:effectLst/>
+                <a:latin typeface="+mn-lt"/>
+                <a:ea typeface="+mn-ea"/>
+                <a:cs typeface="+mn-cs"/>
+              </a:defRPr>
+            </a:lvl8pPr>
+            <a:lvl9pPr marL="3886200" indent="-228600" algn="l" defTabSz="914400" rtl="0" eaLnBrk="1" latinLnBrk="0" hangingPunct="1">
+              <a:lnSpc>
+                <a:spcPct val="120000"/>
+              </a:lnSpc>
+              <a:spcBef>
+                <a:spcPts val="500"/>
+              </a:spcBef>
+              <a:buClr>
+                <a:schemeClr val="tx1"/>
+              </a:buClr>
+              <a:buFont typeface="Arial" panose="020B0604020202020204" pitchFamily="34" charset="0"/>
+              <a:buChar char="•"/>
+              <a:defRPr sz="1400" kern="1200" cap="all" baseline="0">
+                <a:solidFill>
+                  <a:schemeClr val="tx1"/>
+                </a:solidFill>
+                <a:effectLst/>
+                <a:latin typeface="+mn-lt"/>
+                <a:ea typeface="+mn-ea"/>
+                <a:cs typeface="+mn-cs"/>
+              </a:defRPr>
+            </a:lvl9pPr>
+          </a:lstStyle>
+          <a:p>
+            <a:pPr lvl="2"/>
+            <a:endParaRPr lang="en-US" sz="2600" cap="none" dirty="0" smtClean="0">
+              <a:latin typeface="Calibri" panose="020F0502020204030204" pitchFamily="34" charset="0"/>
+              <a:cs typeface="Calibri" panose="020F0502020204030204" pitchFamily="34" charset="0"/>
+            </a:endParaRPr>
+          </a:p>
+          <a:p>
+            <a:pPr lvl="2"/>
+            <a:endParaRPr lang="en-US" sz="2600" cap="none" dirty="0" smtClean="0">
+              <a:latin typeface="Calibri" panose="020F0502020204030204" pitchFamily="34" charset="0"/>
+              <a:cs typeface="Calibri" panose="020F0502020204030204" pitchFamily="34" charset="0"/>
+            </a:endParaRPr>
+          </a:p>
+          <a:p>
+            <a:pPr lvl="2"/>
+            <a:endParaRPr lang="en-US" sz="2800" cap="none" dirty="0" smtClean="0">
+              <a:latin typeface="Calibri" panose="020F0502020204030204" pitchFamily="34" charset="0"/>
+              <a:cs typeface="Calibri" panose="020F0502020204030204" pitchFamily="34" charset="0"/>
+            </a:endParaRPr>
+          </a:p>
+          <a:p>
+            <a:pPr lvl="2"/>
+            <a:endParaRPr lang="en-US" sz="2800" cap="none" dirty="0" smtClean="0">
+              <a:latin typeface="Calibri" panose="020F0502020204030204" pitchFamily="34" charset="0"/>
+              <a:cs typeface="Calibri" panose="020F0502020204030204" pitchFamily="34" charset="0"/>
+            </a:endParaRPr>
+          </a:p>
+        </p:txBody>
+      </p:sp>
+      <p:sp>
+        <p:nvSpPr>
+          <p:cNvPr id="4" name="Content Placeholder 2"/>
+          <p:cNvSpPr txBox="1">
+            <a:spLocks/>
+          </p:cNvSpPr>
+          <p:nvPr/>
+        </p:nvSpPr>
+        <p:spPr>
+          <a:xfrm>
+            <a:off x="408214" y="1639461"/>
+            <a:ext cx="11348357" cy="5822696"/>
+          </a:xfrm>
+          <a:prstGeom prst="rect">
+            <a:avLst/>
+          </a:prstGeom>
+        </p:spPr>
+        <p:txBody>
+          <a:bodyPr vert="horz" lIns="91440" tIns="45720" rIns="91440" bIns="45720" rtlCol="0">
+            <a:normAutofit/>
+          </a:bodyPr>
+          <a:lstStyle>
+            <a:lvl1pPr marL="228600" indent="-228600" algn="l" defTabSz="914400" rtl="0" eaLnBrk="1" latinLnBrk="0" hangingPunct="1">
+              <a:lnSpc>
+                <a:spcPct val="120000"/>
+              </a:lnSpc>
+              <a:spcBef>
+                <a:spcPts val="1000"/>
+              </a:spcBef>
+              <a:buClr>
+                <a:schemeClr val="tx1"/>
+              </a:buClr>
+              <a:buFont typeface="Arial" panose="020B0604020202020204" pitchFamily="34" charset="0"/>
+              <a:buChar char="•"/>
+              <a:defRPr sz="2000" kern="1200" cap="all" baseline="0">
+                <a:solidFill>
+                  <a:schemeClr val="tx1"/>
+                </a:solidFill>
+                <a:effectLst/>
+                <a:latin typeface="+mn-lt"/>
+                <a:ea typeface="+mn-ea"/>
+                <a:cs typeface="+mn-cs"/>
+              </a:defRPr>
+            </a:lvl1pPr>
+            <a:lvl2pPr marL="685800" indent="-228600" algn="l" defTabSz="914400" rtl="0" eaLnBrk="1" latinLnBrk="0" hangingPunct="1">
+              <a:lnSpc>
+                <a:spcPct val="120000"/>
+              </a:lnSpc>
+              <a:spcBef>
+                <a:spcPts val="500"/>
+              </a:spcBef>
+              <a:buClr>
+                <a:schemeClr val="tx1"/>
+              </a:buClr>
+              <a:buFont typeface="Arial" panose="020B0604020202020204" pitchFamily="34" charset="0"/>
+              <a:buChar char="•"/>
+              <a:defRPr sz="1800" kern="1200" cap="all" baseline="0">
+                <a:solidFill>
+                  <a:schemeClr val="tx1"/>
+                </a:solidFill>
+                <a:effectLst/>
+                <a:latin typeface="+mn-lt"/>
+                <a:ea typeface="+mn-ea"/>
+                <a:cs typeface="+mn-cs"/>
+              </a:defRPr>
+            </a:lvl2pPr>
+            <a:lvl3pPr marL="1143000" indent="-228600" algn="l" defTabSz="914400" rtl="0" eaLnBrk="1" latinLnBrk="0" hangingPunct="1">
+              <a:lnSpc>
+                <a:spcPct val="120000"/>
+              </a:lnSpc>
+              <a:spcBef>
+                <a:spcPts val="500"/>
+              </a:spcBef>
+              <a:buClr>
+                <a:schemeClr val="tx1"/>
+              </a:buClr>
+              <a:buFont typeface="Arial" panose="020B0604020202020204" pitchFamily="34" charset="0"/>
+              <a:buChar char="•"/>
+              <a:defRPr sz="1600" kern="1200" cap="all" baseline="0">
+                <a:solidFill>
+                  <a:schemeClr val="tx1"/>
+                </a:solidFill>
+                <a:effectLst/>
+                <a:latin typeface="+mn-lt"/>
+                <a:ea typeface="+mn-ea"/>
+                <a:cs typeface="+mn-cs"/>
+              </a:defRPr>
+            </a:lvl3pPr>
+            <a:lvl4pPr marL="1600200" indent="-228600" algn="l" defTabSz="914400" rtl="0" eaLnBrk="1" latinLnBrk="0" hangingPunct="1">
+              <a:lnSpc>
+                <a:spcPct val="120000"/>
+              </a:lnSpc>
+              <a:spcBef>
+                <a:spcPts val="500"/>
+              </a:spcBef>
+              <a:buClr>
+                <a:schemeClr val="tx1"/>
+              </a:buClr>
+              <a:buFont typeface="Arial" panose="020B0604020202020204" pitchFamily="34" charset="0"/>
+              <a:buChar char="•"/>
+              <a:defRPr sz="1400" kern="1200" cap="all" baseline="0">
+                <a:solidFill>
+                  <a:schemeClr val="tx1"/>
+                </a:solidFill>
+                <a:effectLst/>
+                <a:latin typeface="+mn-lt"/>
+                <a:ea typeface="+mn-ea"/>
+                <a:cs typeface="+mn-cs"/>
+              </a:defRPr>
+            </a:lvl4pPr>
+            <a:lvl5pPr marL="2057400" indent="-228600" algn="l" defTabSz="914400" rtl="0" eaLnBrk="1" latinLnBrk="0" hangingPunct="1">
+              <a:lnSpc>
+                <a:spcPct val="120000"/>
+              </a:lnSpc>
+              <a:spcBef>
+                <a:spcPts val="500"/>
+              </a:spcBef>
+              <a:buClr>
+                <a:schemeClr val="tx1"/>
+              </a:buClr>
+              <a:buFont typeface="Arial" panose="020B0604020202020204" pitchFamily="34" charset="0"/>
+              <a:buChar char="•"/>
+              <a:defRPr sz="1400" kern="1200" cap="all" baseline="0">
+                <a:solidFill>
+                  <a:schemeClr val="tx1"/>
+                </a:solidFill>
+                <a:effectLst/>
+                <a:latin typeface="+mn-lt"/>
+                <a:ea typeface="+mn-ea"/>
+                <a:cs typeface="+mn-cs"/>
+              </a:defRPr>
+            </a:lvl5pPr>
+            <a:lvl6pPr marL="2514600" indent="-228600" algn="l" defTabSz="914400" rtl="0" eaLnBrk="1" latinLnBrk="0" hangingPunct="1">
+              <a:lnSpc>
+                <a:spcPct val="120000"/>
+              </a:lnSpc>
+              <a:spcBef>
+                <a:spcPts val="500"/>
+              </a:spcBef>
+              <a:buClr>
+                <a:schemeClr val="tx1"/>
+              </a:buClr>
+              <a:buFont typeface="Arial" panose="020B0604020202020204" pitchFamily="34" charset="0"/>
+              <a:buChar char="•"/>
+              <a:defRPr sz="1400" kern="1200" cap="all" baseline="0">
+                <a:solidFill>
+                  <a:schemeClr val="tx1"/>
+                </a:solidFill>
+                <a:effectLst/>
+                <a:latin typeface="+mn-lt"/>
+                <a:ea typeface="+mn-ea"/>
+                <a:cs typeface="+mn-cs"/>
+              </a:defRPr>
+            </a:lvl6pPr>
+            <a:lvl7pPr marL="2971800" indent="-228600" algn="l" defTabSz="914400" rtl="0" eaLnBrk="1" latinLnBrk="0" hangingPunct="1">
+              <a:lnSpc>
+                <a:spcPct val="120000"/>
+              </a:lnSpc>
+              <a:spcBef>
+                <a:spcPts val="500"/>
+              </a:spcBef>
+              <a:buClr>
+                <a:schemeClr val="tx1"/>
+              </a:buClr>
+              <a:buFont typeface="Arial" panose="020B0604020202020204" pitchFamily="34" charset="0"/>
+              <a:buChar char="•"/>
+              <a:defRPr sz="1400" kern="1200" cap="all" baseline="0">
+                <a:solidFill>
+                  <a:schemeClr val="tx1"/>
+                </a:solidFill>
+                <a:effectLst/>
+                <a:latin typeface="+mn-lt"/>
+                <a:ea typeface="+mn-ea"/>
+                <a:cs typeface="+mn-cs"/>
+              </a:defRPr>
+            </a:lvl7pPr>
+            <a:lvl8pPr marL="3429000" indent="-228600" algn="l" defTabSz="914400" rtl="0" eaLnBrk="1" latinLnBrk="0" hangingPunct="1">
+              <a:lnSpc>
+                <a:spcPct val="120000"/>
+              </a:lnSpc>
+              <a:spcBef>
+                <a:spcPts val="500"/>
+              </a:spcBef>
+              <a:buClr>
+                <a:schemeClr val="tx1"/>
+              </a:buClr>
+              <a:buFont typeface="Arial" panose="020B0604020202020204" pitchFamily="34" charset="0"/>
+              <a:buChar char="•"/>
+              <a:defRPr sz="1400" kern="1200" cap="all" baseline="0">
+                <a:solidFill>
+                  <a:schemeClr val="tx1"/>
+                </a:solidFill>
+                <a:effectLst/>
+                <a:latin typeface="+mn-lt"/>
+                <a:ea typeface="+mn-ea"/>
+                <a:cs typeface="+mn-cs"/>
+              </a:defRPr>
+            </a:lvl8pPr>
+            <a:lvl9pPr marL="3886200" indent="-228600" algn="l" defTabSz="914400" rtl="0" eaLnBrk="1" latinLnBrk="0" hangingPunct="1">
+              <a:lnSpc>
+                <a:spcPct val="120000"/>
+              </a:lnSpc>
+              <a:spcBef>
+                <a:spcPts val="500"/>
+              </a:spcBef>
+              <a:buClr>
+                <a:schemeClr val="tx1"/>
+              </a:buClr>
+              <a:buFont typeface="Arial" panose="020B0604020202020204" pitchFamily="34" charset="0"/>
+              <a:buChar char="•"/>
+              <a:defRPr sz="1400" kern="1200" cap="all" baseline="0">
+                <a:solidFill>
+                  <a:schemeClr val="tx1"/>
+                </a:solidFill>
+                <a:effectLst/>
+                <a:latin typeface="+mn-lt"/>
+                <a:ea typeface="+mn-ea"/>
+                <a:cs typeface="+mn-cs"/>
+              </a:defRPr>
+            </a:lvl9pPr>
+          </a:lstStyle>
+          <a:p>
+            <a:pPr lvl="2"/>
+            <a:r>
+              <a:rPr lang="en-US" sz="2800" cap="none" dirty="0" smtClean="0">
+                <a:latin typeface="Calibri" panose="020F0502020204030204" pitchFamily="34" charset="0"/>
+                <a:cs typeface="Calibri" panose="020F0502020204030204" pitchFamily="34" charset="0"/>
+              </a:rPr>
+              <a:t>Ridge Regression suffers from one disadvantage: it only shrinks unwanted coefficients, but doesn’t remove them entirely (set to zero)</a:t>
+            </a:r>
+          </a:p>
+          <a:p>
+            <a:pPr lvl="2"/>
+            <a:r>
+              <a:rPr lang="en-US" sz="2800" cap="none" dirty="0" smtClean="0">
+                <a:latin typeface="Calibri" panose="020F0502020204030204" pitchFamily="34" charset="0"/>
+                <a:cs typeface="Calibri" panose="020F0502020204030204" pitchFamily="34" charset="0"/>
+              </a:rPr>
+              <a:t>The lasso is a slight twist on ridge regression</a:t>
+            </a:r>
+          </a:p>
+          <a:p>
+            <a:pPr lvl="2"/>
+            <a:r>
+              <a:rPr lang="en-US" sz="2800" cap="none" dirty="0" smtClean="0">
+                <a:latin typeface="Calibri" panose="020F0502020204030204" pitchFamily="34" charset="0"/>
+                <a:cs typeface="Calibri" panose="020F0502020204030204" pitchFamily="34" charset="0"/>
+              </a:rPr>
+              <a:t>The penalty function pushes insignificant coefficients to zero much faster</a:t>
+            </a:r>
+          </a:p>
+          <a:p>
+            <a:pPr lvl="2"/>
+            <a:endParaRPr lang="en-US" sz="2600" cap="none" dirty="0" smtClean="0">
+              <a:latin typeface="Calibri" panose="020F0502020204030204" pitchFamily="34" charset="0"/>
+              <a:cs typeface="Calibri" panose="020F0502020204030204" pitchFamily="34" charset="0"/>
+            </a:endParaRPr>
+          </a:p>
+        </p:txBody>
+      </p:sp>
+    </p:spTree>
+    <p:extLst>
+      <p:ext uri="{BB962C8B-B14F-4D97-AF65-F5344CB8AC3E}">
+        <p14:creationId xmlns:p14="http://schemas.microsoft.com/office/powerpoint/2010/main" val="994939394"/>
+      </p:ext>
+    </p:extLst>
+  </p:cSld>
+  <p:clrMapOvr>
+    <a:masterClrMapping/>
+  </p:clrMapOvr>
+  <p:timing>
+    <p:tnLst>
+      <p:par>
+        <p:cTn id="1" dur="indefinite" restart="never" nodeType="tmRoot"/>
+      </p:par>
+    </p:tnLst>
+  </p:timing>
+</p:sld>
+</file>
+
+<file path=ppt/slides/slide89.xml><?xml version="1.0" encoding="utf-8"?>
+<p:sld xmlns:a="http://schemas.openxmlformats.org/drawingml/2006/main" xmlns:r="http://schemas.openxmlformats.org/officeDocument/2006/relationships" xmlns:p="http://schemas.openxmlformats.org/presentationml/2006/main">
+  <p:cSld>
+    <p:spTree>
+      <p:nvGrpSpPr>
+        <p:cNvPr id="1" name=""/>
+        <p:cNvGrpSpPr/>
+        <p:nvPr/>
+      </p:nvGrpSpPr>
+      <p:grpSpPr>
+        <a:xfrm>
+          <a:off x="0" y="0"/>
+          <a:ext cx="0" cy="0"/>
+          <a:chOff x="0" y="0"/>
+          <a:chExt cx="0" cy="0"/>
+        </a:xfrm>
+      </p:grpSpPr>
+      <p:sp>
+        <p:nvSpPr>
+          <p:cNvPr id="2" name="Title 1"/>
+          <p:cNvSpPr>
+            <a:spLocks noGrp="1"/>
+          </p:cNvSpPr>
+          <p:nvPr>
+            <p:ph type="title"/>
+          </p:nvPr>
+        </p:nvSpPr>
+        <p:spPr>
+          <a:xfrm>
+            <a:off x="913775" y="618517"/>
+            <a:ext cx="10364451" cy="624129"/>
+          </a:xfrm>
+        </p:spPr>
+        <p:txBody>
+          <a:bodyPr>
+            <a:normAutofit/>
+          </a:bodyPr>
+          <a:lstStyle/>
+          <a:p>
+            <a:r>
+              <a:rPr lang="en-US" b="1" dirty="0" smtClean="0"/>
+              <a:t>The Lasso</a:t>
+            </a:r>
+            <a:endParaRPr lang="en-US" b="1" dirty="0">
+              <a:latin typeface="Gill Sans MT" panose="020B0502020104020203" pitchFamily="34" charset="0"/>
+            </a:endParaRPr>
+          </a:p>
+        </p:txBody>
+      </p:sp>
+      <p:sp>
+        <p:nvSpPr>
+          <p:cNvPr id="6" name="Content Placeholder 2"/>
+          <p:cNvSpPr txBox="1">
+            <a:spLocks/>
+          </p:cNvSpPr>
+          <p:nvPr/>
+        </p:nvSpPr>
+        <p:spPr>
+          <a:xfrm>
+            <a:off x="913775" y="1639461"/>
+            <a:ext cx="10364451" cy="4830350"/>
+          </a:xfrm>
+          <a:prstGeom prst="rect">
+            <a:avLst/>
+          </a:prstGeom>
+        </p:spPr>
+        <p:txBody>
+          <a:bodyPr vert="horz" lIns="91440" tIns="45720" rIns="91440" bIns="45720" rtlCol="0">
+            <a:normAutofit/>
+          </a:bodyPr>
+          <a:lstStyle>
+            <a:lvl1pPr marL="228600" indent="-228600" algn="l" defTabSz="914400" rtl="0" eaLnBrk="1" latinLnBrk="0" hangingPunct="1">
+              <a:lnSpc>
+                <a:spcPct val="120000"/>
+              </a:lnSpc>
+              <a:spcBef>
+                <a:spcPts val="1000"/>
+              </a:spcBef>
+              <a:buClr>
+                <a:schemeClr val="tx1"/>
+              </a:buClr>
+              <a:buFont typeface="Arial" panose="020B0604020202020204" pitchFamily="34" charset="0"/>
+              <a:buChar char="•"/>
+              <a:defRPr sz="2000" kern="1200" cap="all" baseline="0">
+                <a:solidFill>
+                  <a:schemeClr val="tx1"/>
+                </a:solidFill>
+                <a:effectLst/>
+                <a:latin typeface="+mn-lt"/>
+                <a:ea typeface="+mn-ea"/>
+                <a:cs typeface="+mn-cs"/>
+              </a:defRPr>
+            </a:lvl1pPr>
+            <a:lvl2pPr marL="685800" indent="-228600" algn="l" defTabSz="914400" rtl="0" eaLnBrk="1" latinLnBrk="0" hangingPunct="1">
+              <a:lnSpc>
+                <a:spcPct val="120000"/>
+              </a:lnSpc>
+              <a:spcBef>
+                <a:spcPts val="500"/>
+              </a:spcBef>
+              <a:buClr>
+                <a:schemeClr val="tx1"/>
+              </a:buClr>
+              <a:buFont typeface="Arial" panose="020B0604020202020204" pitchFamily="34" charset="0"/>
+              <a:buChar char="•"/>
+              <a:defRPr sz="1800" kern="1200" cap="all" baseline="0">
+                <a:solidFill>
+                  <a:schemeClr val="tx1"/>
+                </a:solidFill>
+                <a:effectLst/>
+                <a:latin typeface="+mn-lt"/>
+                <a:ea typeface="+mn-ea"/>
+                <a:cs typeface="+mn-cs"/>
+              </a:defRPr>
+            </a:lvl2pPr>
+            <a:lvl3pPr marL="1143000" indent="-228600" algn="l" defTabSz="914400" rtl="0" eaLnBrk="1" latinLnBrk="0" hangingPunct="1">
+              <a:lnSpc>
+                <a:spcPct val="120000"/>
+              </a:lnSpc>
+              <a:spcBef>
+                <a:spcPts val="500"/>
+              </a:spcBef>
+              <a:buClr>
+                <a:schemeClr val="tx1"/>
+              </a:buClr>
+              <a:buFont typeface="Arial" panose="020B0604020202020204" pitchFamily="34" charset="0"/>
+              <a:buChar char="•"/>
+              <a:defRPr sz="1600" kern="1200" cap="all" baseline="0">
+                <a:solidFill>
+                  <a:schemeClr val="tx1"/>
+                </a:solidFill>
+                <a:effectLst/>
+                <a:latin typeface="+mn-lt"/>
+                <a:ea typeface="+mn-ea"/>
+                <a:cs typeface="+mn-cs"/>
+              </a:defRPr>
+            </a:lvl3pPr>
+            <a:lvl4pPr marL="1600200" indent="-228600" algn="l" defTabSz="914400" rtl="0" eaLnBrk="1" latinLnBrk="0" hangingPunct="1">
+              <a:lnSpc>
+                <a:spcPct val="120000"/>
+              </a:lnSpc>
+              <a:spcBef>
+                <a:spcPts val="500"/>
+              </a:spcBef>
+              <a:buClr>
+                <a:schemeClr val="tx1"/>
+              </a:buClr>
+              <a:buFont typeface="Arial" panose="020B0604020202020204" pitchFamily="34" charset="0"/>
+              <a:buChar char="•"/>
+              <a:defRPr sz="1400" kern="1200" cap="all" baseline="0">
+                <a:solidFill>
+                  <a:schemeClr val="tx1"/>
+                </a:solidFill>
+                <a:effectLst/>
+                <a:latin typeface="+mn-lt"/>
+                <a:ea typeface="+mn-ea"/>
+                <a:cs typeface="+mn-cs"/>
+              </a:defRPr>
+            </a:lvl4pPr>
+            <a:lvl5pPr marL="2057400" indent="-228600" algn="l" defTabSz="914400" rtl="0" eaLnBrk="1" latinLnBrk="0" hangingPunct="1">
+              <a:lnSpc>
+                <a:spcPct val="120000"/>
+              </a:lnSpc>
+              <a:spcBef>
+                <a:spcPts val="500"/>
+              </a:spcBef>
+              <a:buClr>
+                <a:schemeClr val="tx1"/>
+              </a:buClr>
+              <a:buFont typeface="Arial" panose="020B0604020202020204" pitchFamily="34" charset="0"/>
+              <a:buChar char="•"/>
+              <a:defRPr sz="1400" kern="1200" cap="all" baseline="0">
+                <a:solidFill>
+                  <a:schemeClr val="tx1"/>
+                </a:solidFill>
+                <a:effectLst/>
+                <a:latin typeface="+mn-lt"/>
+                <a:ea typeface="+mn-ea"/>
+                <a:cs typeface="+mn-cs"/>
+              </a:defRPr>
+            </a:lvl5pPr>
+            <a:lvl6pPr marL="2514600" indent="-228600" algn="l" defTabSz="914400" rtl="0" eaLnBrk="1" latinLnBrk="0" hangingPunct="1">
+              <a:lnSpc>
+                <a:spcPct val="120000"/>
+              </a:lnSpc>
+              <a:spcBef>
+                <a:spcPts val="500"/>
+              </a:spcBef>
+              <a:buClr>
+                <a:schemeClr val="tx1"/>
+              </a:buClr>
+              <a:buFont typeface="Arial" panose="020B0604020202020204" pitchFamily="34" charset="0"/>
+              <a:buChar char="•"/>
+              <a:defRPr sz="1400" kern="1200" cap="all" baseline="0">
+                <a:solidFill>
+                  <a:schemeClr val="tx1"/>
+                </a:solidFill>
+                <a:effectLst/>
+                <a:latin typeface="+mn-lt"/>
+                <a:ea typeface="+mn-ea"/>
+                <a:cs typeface="+mn-cs"/>
+              </a:defRPr>
+            </a:lvl6pPr>
+            <a:lvl7pPr marL="2971800" indent="-228600" algn="l" defTabSz="914400" rtl="0" eaLnBrk="1" latinLnBrk="0" hangingPunct="1">
+              <a:lnSpc>
+                <a:spcPct val="120000"/>
+              </a:lnSpc>
+              <a:spcBef>
+                <a:spcPts val="500"/>
+              </a:spcBef>
+              <a:buClr>
+                <a:schemeClr val="tx1"/>
+              </a:buClr>
+              <a:buFont typeface="Arial" panose="020B0604020202020204" pitchFamily="34" charset="0"/>
+              <a:buChar char="•"/>
+              <a:defRPr sz="1400" kern="1200" cap="all" baseline="0">
+                <a:solidFill>
+                  <a:schemeClr val="tx1"/>
+                </a:solidFill>
+                <a:effectLst/>
+                <a:latin typeface="+mn-lt"/>
+                <a:ea typeface="+mn-ea"/>
+                <a:cs typeface="+mn-cs"/>
+              </a:defRPr>
+            </a:lvl7pPr>
+            <a:lvl8pPr marL="3429000" indent="-228600" algn="l" defTabSz="914400" rtl="0" eaLnBrk="1" latinLnBrk="0" hangingPunct="1">
+              <a:lnSpc>
+                <a:spcPct val="120000"/>
+              </a:lnSpc>
+              <a:spcBef>
+                <a:spcPts val="500"/>
+              </a:spcBef>
+              <a:buClr>
+                <a:schemeClr val="tx1"/>
+              </a:buClr>
+              <a:buFont typeface="Arial" panose="020B0604020202020204" pitchFamily="34" charset="0"/>
+              <a:buChar char="•"/>
+              <a:defRPr sz="1400" kern="1200" cap="all" baseline="0">
+                <a:solidFill>
+                  <a:schemeClr val="tx1"/>
+                </a:solidFill>
+                <a:effectLst/>
+                <a:latin typeface="+mn-lt"/>
+                <a:ea typeface="+mn-ea"/>
+                <a:cs typeface="+mn-cs"/>
+              </a:defRPr>
+            </a:lvl8pPr>
+            <a:lvl9pPr marL="3886200" indent="-228600" algn="l" defTabSz="914400" rtl="0" eaLnBrk="1" latinLnBrk="0" hangingPunct="1">
+              <a:lnSpc>
+                <a:spcPct val="120000"/>
+              </a:lnSpc>
+              <a:spcBef>
+                <a:spcPts val="500"/>
+              </a:spcBef>
+              <a:buClr>
+                <a:schemeClr val="tx1"/>
+              </a:buClr>
+              <a:buFont typeface="Arial" panose="020B0604020202020204" pitchFamily="34" charset="0"/>
+              <a:buChar char="•"/>
+              <a:defRPr sz="1400" kern="1200" cap="all" baseline="0">
+                <a:solidFill>
+                  <a:schemeClr val="tx1"/>
+                </a:solidFill>
+                <a:effectLst/>
+                <a:latin typeface="+mn-lt"/>
+                <a:ea typeface="+mn-ea"/>
+                <a:cs typeface="+mn-cs"/>
+              </a:defRPr>
+            </a:lvl9pPr>
+          </a:lstStyle>
+          <a:p>
+            <a:pPr lvl="2"/>
+            <a:endParaRPr lang="en-US" sz="2600" cap="none" dirty="0" smtClean="0">
+              <a:latin typeface="Calibri" panose="020F0502020204030204" pitchFamily="34" charset="0"/>
+              <a:cs typeface="Calibri" panose="020F0502020204030204" pitchFamily="34" charset="0"/>
+            </a:endParaRPr>
+          </a:p>
+          <a:p>
+            <a:pPr lvl="2"/>
+            <a:endParaRPr lang="en-US" sz="2600" cap="none" dirty="0" smtClean="0">
+              <a:latin typeface="Calibri" panose="020F0502020204030204" pitchFamily="34" charset="0"/>
+              <a:cs typeface="Calibri" panose="020F0502020204030204" pitchFamily="34" charset="0"/>
+            </a:endParaRPr>
+          </a:p>
+          <a:p>
+            <a:pPr lvl="2"/>
+            <a:endParaRPr lang="en-US" sz="2800" cap="none" dirty="0" smtClean="0">
+              <a:latin typeface="Calibri" panose="020F0502020204030204" pitchFamily="34" charset="0"/>
+              <a:cs typeface="Calibri" panose="020F0502020204030204" pitchFamily="34" charset="0"/>
+            </a:endParaRPr>
+          </a:p>
+          <a:p>
+            <a:pPr lvl="2"/>
+            <a:endParaRPr lang="en-US" sz="2800" cap="none" dirty="0" smtClean="0">
+              <a:latin typeface="Calibri" panose="020F0502020204030204" pitchFamily="34" charset="0"/>
+              <a:cs typeface="Calibri" panose="020F0502020204030204" pitchFamily="34" charset="0"/>
+            </a:endParaRPr>
+          </a:p>
+        </p:txBody>
+      </p:sp>
+      <p:sp>
+        <p:nvSpPr>
+          <p:cNvPr id="4" name="Content Placeholder 2"/>
+          <p:cNvSpPr txBox="1">
+            <a:spLocks/>
+          </p:cNvSpPr>
+          <p:nvPr/>
+        </p:nvSpPr>
+        <p:spPr>
+          <a:xfrm>
+            <a:off x="408214" y="1639461"/>
+            <a:ext cx="11348357" cy="5822696"/>
+          </a:xfrm>
+          <a:prstGeom prst="rect">
+            <a:avLst/>
+          </a:prstGeom>
+        </p:spPr>
+        <p:txBody>
+          <a:bodyPr vert="horz" lIns="91440" tIns="45720" rIns="91440" bIns="45720" rtlCol="0">
+            <a:normAutofit/>
+          </a:bodyPr>
+          <a:lstStyle>
+            <a:lvl1pPr marL="228600" indent="-228600" algn="l" defTabSz="914400" rtl="0" eaLnBrk="1" latinLnBrk="0" hangingPunct="1">
+              <a:lnSpc>
+                <a:spcPct val="120000"/>
+              </a:lnSpc>
+              <a:spcBef>
+                <a:spcPts val="1000"/>
+              </a:spcBef>
+              <a:buClr>
+                <a:schemeClr val="tx1"/>
+              </a:buClr>
+              <a:buFont typeface="Arial" panose="020B0604020202020204" pitchFamily="34" charset="0"/>
+              <a:buChar char="•"/>
+              <a:defRPr sz="2000" kern="1200" cap="all" baseline="0">
+                <a:solidFill>
+                  <a:schemeClr val="tx1"/>
+                </a:solidFill>
+                <a:effectLst/>
+                <a:latin typeface="+mn-lt"/>
+                <a:ea typeface="+mn-ea"/>
+                <a:cs typeface="+mn-cs"/>
+              </a:defRPr>
+            </a:lvl1pPr>
+            <a:lvl2pPr marL="685800" indent="-228600" algn="l" defTabSz="914400" rtl="0" eaLnBrk="1" latinLnBrk="0" hangingPunct="1">
+              <a:lnSpc>
+                <a:spcPct val="120000"/>
+              </a:lnSpc>
+              <a:spcBef>
+                <a:spcPts val="500"/>
+              </a:spcBef>
+              <a:buClr>
+                <a:schemeClr val="tx1"/>
+              </a:buClr>
+              <a:buFont typeface="Arial" panose="020B0604020202020204" pitchFamily="34" charset="0"/>
+              <a:buChar char="•"/>
+              <a:defRPr sz="1800" kern="1200" cap="all" baseline="0">
+                <a:solidFill>
+                  <a:schemeClr val="tx1"/>
+                </a:solidFill>
+                <a:effectLst/>
+                <a:latin typeface="+mn-lt"/>
+                <a:ea typeface="+mn-ea"/>
+                <a:cs typeface="+mn-cs"/>
+              </a:defRPr>
+            </a:lvl2pPr>
+            <a:lvl3pPr marL="1143000" indent="-228600" algn="l" defTabSz="914400" rtl="0" eaLnBrk="1" latinLnBrk="0" hangingPunct="1">
+              <a:lnSpc>
+                <a:spcPct val="120000"/>
+              </a:lnSpc>
+              <a:spcBef>
+                <a:spcPts val="500"/>
+              </a:spcBef>
+              <a:buClr>
+                <a:schemeClr val="tx1"/>
+              </a:buClr>
+              <a:buFont typeface="Arial" panose="020B0604020202020204" pitchFamily="34" charset="0"/>
+              <a:buChar char="•"/>
+              <a:defRPr sz="1600" kern="1200" cap="all" baseline="0">
+                <a:solidFill>
+                  <a:schemeClr val="tx1"/>
+                </a:solidFill>
+                <a:effectLst/>
+                <a:latin typeface="+mn-lt"/>
+                <a:ea typeface="+mn-ea"/>
+                <a:cs typeface="+mn-cs"/>
+              </a:defRPr>
+            </a:lvl3pPr>
+            <a:lvl4pPr marL="1600200" indent="-228600" algn="l" defTabSz="914400" rtl="0" eaLnBrk="1" latinLnBrk="0" hangingPunct="1">
+              <a:lnSpc>
+                <a:spcPct val="120000"/>
+              </a:lnSpc>
+              <a:spcBef>
+                <a:spcPts val="500"/>
+              </a:spcBef>
+              <a:buClr>
+                <a:schemeClr val="tx1"/>
+              </a:buClr>
+              <a:buFont typeface="Arial" panose="020B0604020202020204" pitchFamily="34" charset="0"/>
+              <a:buChar char="•"/>
+              <a:defRPr sz="1400" kern="1200" cap="all" baseline="0">
+                <a:solidFill>
+                  <a:schemeClr val="tx1"/>
+                </a:solidFill>
+                <a:effectLst/>
+                <a:latin typeface="+mn-lt"/>
+                <a:ea typeface="+mn-ea"/>
+                <a:cs typeface="+mn-cs"/>
+              </a:defRPr>
+            </a:lvl4pPr>
+            <a:lvl5pPr marL="2057400" indent="-228600" algn="l" defTabSz="914400" rtl="0" eaLnBrk="1" latinLnBrk="0" hangingPunct="1">
+              <a:lnSpc>
+                <a:spcPct val="120000"/>
+              </a:lnSpc>
+              <a:spcBef>
+                <a:spcPts val="500"/>
+              </a:spcBef>
+              <a:buClr>
+                <a:schemeClr val="tx1"/>
+              </a:buClr>
+              <a:buFont typeface="Arial" panose="020B0604020202020204" pitchFamily="34" charset="0"/>
+              <a:buChar char="•"/>
+              <a:defRPr sz="1400" kern="1200" cap="all" baseline="0">
+                <a:solidFill>
+                  <a:schemeClr val="tx1"/>
+                </a:solidFill>
+                <a:effectLst/>
+                <a:latin typeface="+mn-lt"/>
+                <a:ea typeface="+mn-ea"/>
+                <a:cs typeface="+mn-cs"/>
+              </a:defRPr>
+            </a:lvl5pPr>
+            <a:lvl6pPr marL="2514600" indent="-228600" algn="l" defTabSz="914400" rtl="0" eaLnBrk="1" latinLnBrk="0" hangingPunct="1">
+              <a:lnSpc>
+                <a:spcPct val="120000"/>
+              </a:lnSpc>
+              <a:spcBef>
+                <a:spcPts val="500"/>
+              </a:spcBef>
+              <a:buClr>
+                <a:schemeClr val="tx1"/>
+              </a:buClr>
+              <a:buFont typeface="Arial" panose="020B0604020202020204" pitchFamily="34" charset="0"/>
+              <a:buChar char="•"/>
+              <a:defRPr sz="1400" kern="1200" cap="all" baseline="0">
+                <a:solidFill>
+                  <a:schemeClr val="tx1"/>
+                </a:solidFill>
+                <a:effectLst/>
+                <a:latin typeface="+mn-lt"/>
+                <a:ea typeface="+mn-ea"/>
+                <a:cs typeface="+mn-cs"/>
+              </a:defRPr>
+            </a:lvl6pPr>
+            <a:lvl7pPr marL="2971800" indent="-228600" algn="l" defTabSz="914400" rtl="0" eaLnBrk="1" latinLnBrk="0" hangingPunct="1">
+              <a:lnSpc>
+                <a:spcPct val="120000"/>
+              </a:lnSpc>
+              <a:spcBef>
+                <a:spcPts val="500"/>
+              </a:spcBef>
+              <a:buClr>
+                <a:schemeClr val="tx1"/>
+              </a:buClr>
+              <a:buFont typeface="Arial" panose="020B0604020202020204" pitchFamily="34" charset="0"/>
+              <a:buChar char="•"/>
+              <a:defRPr sz="1400" kern="1200" cap="all" baseline="0">
+                <a:solidFill>
+                  <a:schemeClr val="tx1"/>
+                </a:solidFill>
+                <a:effectLst/>
+                <a:latin typeface="+mn-lt"/>
+                <a:ea typeface="+mn-ea"/>
+                <a:cs typeface="+mn-cs"/>
+              </a:defRPr>
+            </a:lvl7pPr>
+            <a:lvl8pPr marL="3429000" indent="-228600" algn="l" defTabSz="914400" rtl="0" eaLnBrk="1" latinLnBrk="0" hangingPunct="1">
+              <a:lnSpc>
+                <a:spcPct val="120000"/>
+              </a:lnSpc>
+              <a:spcBef>
+                <a:spcPts val="500"/>
+              </a:spcBef>
+              <a:buClr>
+                <a:schemeClr val="tx1"/>
+              </a:buClr>
+              <a:buFont typeface="Arial" panose="020B0604020202020204" pitchFamily="34" charset="0"/>
+              <a:buChar char="•"/>
+              <a:defRPr sz="1400" kern="1200" cap="all" baseline="0">
+                <a:solidFill>
+                  <a:schemeClr val="tx1"/>
+                </a:solidFill>
+                <a:effectLst/>
+                <a:latin typeface="+mn-lt"/>
+                <a:ea typeface="+mn-ea"/>
+                <a:cs typeface="+mn-cs"/>
+              </a:defRPr>
+            </a:lvl8pPr>
+            <a:lvl9pPr marL="3886200" indent="-228600" algn="l" defTabSz="914400" rtl="0" eaLnBrk="1" latinLnBrk="0" hangingPunct="1">
+              <a:lnSpc>
+                <a:spcPct val="120000"/>
+              </a:lnSpc>
+              <a:spcBef>
+                <a:spcPts val="500"/>
+              </a:spcBef>
+              <a:buClr>
+                <a:schemeClr val="tx1"/>
+              </a:buClr>
+              <a:buFont typeface="Arial" panose="020B0604020202020204" pitchFamily="34" charset="0"/>
+              <a:buChar char="•"/>
+              <a:defRPr sz="1400" kern="1200" cap="all" baseline="0">
+                <a:solidFill>
+                  <a:schemeClr val="tx1"/>
+                </a:solidFill>
+                <a:effectLst/>
+                <a:latin typeface="+mn-lt"/>
+                <a:ea typeface="+mn-ea"/>
+                <a:cs typeface="+mn-cs"/>
+              </a:defRPr>
+            </a:lvl9pPr>
+          </a:lstStyle>
+          <a:p>
+            <a:pPr lvl="2"/>
+            <a:r>
+              <a:rPr lang="en-US" sz="2800" cap="none" dirty="0" smtClean="0">
+                <a:latin typeface="Calibri" panose="020F0502020204030204" pitchFamily="34" charset="0"/>
+                <a:cs typeface="Calibri" panose="020F0502020204030204" pitchFamily="34" charset="0"/>
+              </a:rPr>
+              <a:t>Ridge Regression suffers from one disadvantage: it only shrinks unwanted coefficients, but doesn’t remove them entirely (set to zero)</a:t>
+            </a:r>
+          </a:p>
+          <a:p>
+            <a:pPr lvl="2"/>
+            <a:r>
+              <a:rPr lang="en-US" sz="2800" cap="none" dirty="0" smtClean="0">
+                <a:latin typeface="Calibri" panose="020F0502020204030204" pitchFamily="34" charset="0"/>
+                <a:cs typeface="Calibri" panose="020F0502020204030204" pitchFamily="34" charset="0"/>
+              </a:rPr>
+              <a:t>The lasso is a slight twist on ridge regression</a:t>
+            </a:r>
+          </a:p>
+          <a:p>
+            <a:pPr lvl="2"/>
+            <a:r>
+              <a:rPr lang="en-US" sz="2800" cap="none" dirty="0" smtClean="0">
+                <a:latin typeface="Calibri" panose="020F0502020204030204" pitchFamily="34" charset="0"/>
+                <a:cs typeface="Calibri" panose="020F0502020204030204" pitchFamily="34" charset="0"/>
+              </a:rPr>
+              <a:t>The penalty function pushes insignificant coefficients to zero much faster</a:t>
+            </a:r>
+          </a:p>
+          <a:p>
+            <a:pPr lvl="2"/>
+            <a:r>
+              <a:rPr lang="en-US" sz="2800" cap="none" dirty="0" smtClean="0">
+                <a:latin typeface="Calibri" panose="020F0502020204030204" pitchFamily="34" charset="0"/>
+                <a:cs typeface="Calibri" panose="020F0502020204030204" pitchFamily="34" charset="0"/>
+              </a:rPr>
+              <a:t>Same tuning parameter, lambda</a:t>
+            </a:r>
+          </a:p>
+          <a:p>
+            <a:pPr lvl="2"/>
+            <a:endParaRPr lang="en-US" sz="2600" cap="none" dirty="0" smtClean="0">
+              <a:latin typeface="Calibri" panose="020F0502020204030204" pitchFamily="34" charset="0"/>
+              <a:cs typeface="Calibri" panose="020F0502020204030204" pitchFamily="34" charset="0"/>
+            </a:endParaRPr>
+          </a:p>
+        </p:txBody>
+      </p:sp>
+    </p:spTree>
+    <p:extLst>
+      <p:ext uri="{BB962C8B-B14F-4D97-AF65-F5344CB8AC3E}">
+        <p14:creationId xmlns:p14="http://schemas.microsoft.com/office/powerpoint/2010/main" val="4077070308"/>
+      </p:ext>
+    </p:extLst>
+  </p:cSld>
+  <p:clrMapOvr>
+    <a:masterClrMapping/>
+  </p:clrMapOvr>
+  <p:timing>
+    <p:tnLst>
+      <p:par>
+        <p:cTn id="1" dur="indefinite" restart="never" nodeType="tmRoot"/>
+      </p:par>
+    </p:tnLst>
+  </p:timing>
+</p:sld>
+</file>
+
 <file path=ppt/slides/slide9.xml><?xml version="1.0" encoding="utf-8"?>
 <p:sld xmlns:a="http://schemas.openxmlformats.org/drawingml/2006/main" xmlns:r="http://schemas.openxmlformats.org/officeDocument/2006/relationships" xmlns:p="http://schemas.openxmlformats.org/presentationml/2006/main">
   <p:cSld>
@@ -36372,6 +42395,329 @@
     <p:extLst>
       <p:ext uri="{BB962C8B-B14F-4D97-AF65-F5344CB8AC3E}">
         <p14:creationId xmlns:p14="http://schemas.microsoft.com/office/powerpoint/2010/main" val="901331250"/>
+      </p:ext>
+    </p:extLst>
+  </p:cSld>
+  <p:clrMapOvr>
+    <a:masterClrMapping/>
+  </p:clrMapOvr>
+  <p:timing>
+    <p:tnLst>
+      <p:par>
+        <p:cTn id="1" dur="indefinite" restart="never" nodeType="tmRoot"/>
+      </p:par>
+    </p:tnLst>
+  </p:timing>
+</p:sld>
+</file>
+
+<file path=ppt/slides/slide90.xml><?xml version="1.0" encoding="utf-8"?>
+<p:sld xmlns:a="http://schemas.openxmlformats.org/drawingml/2006/main" xmlns:r="http://schemas.openxmlformats.org/officeDocument/2006/relationships" xmlns:p="http://schemas.openxmlformats.org/presentationml/2006/main">
+  <p:cSld>
+    <p:spTree>
+      <p:nvGrpSpPr>
+        <p:cNvPr id="1" name=""/>
+        <p:cNvGrpSpPr/>
+        <p:nvPr/>
+      </p:nvGrpSpPr>
+      <p:grpSpPr>
+        <a:xfrm>
+          <a:off x="0" y="0"/>
+          <a:ext cx="0" cy="0"/>
+          <a:chOff x="0" y="0"/>
+          <a:chExt cx="0" cy="0"/>
+        </a:xfrm>
+      </p:grpSpPr>
+      <p:sp>
+        <p:nvSpPr>
+          <p:cNvPr id="2" name="Title 1"/>
+          <p:cNvSpPr>
+            <a:spLocks noGrp="1"/>
+          </p:cNvSpPr>
+          <p:nvPr>
+            <p:ph type="title"/>
+          </p:nvPr>
+        </p:nvSpPr>
+        <p:spPr>
+          <a:xfrm>
+            <a:off x="913775" y="618517"/>
+            <a:ext cx="10364451" cy="624129"/>
+          </a:xfrm>
+        </p:spPr>
+        <p:txBody>
+          <a:bodyPr>
+            <a:normAutofit/>
+          </a:bodyPr>
+          <a:lstStyle/>
+          <a:p>
+            <a:r>
+              <a:rPr lang="en-US" b="1" dirty="0" smtClean="0"/>
+              <a:t>The Lasso</a:t>
+            </a:r>
+            <a:endParaRPr lang="en-US" b="1" dirty="0">
+              <a:latin typeface="Gill Sans MT" panose="020B0502020104020203" pitchFamily="34" charset="0"/>
+            </a:endParaRPr>
+          </a:p>
+        </p:txBody>
+      </p:sp>
+      <p:sp>
+        <p:nvSpPr>
+          <p:cNvPr id="4" name="Content Placeholder 2"/>
+          <p:cNvSpPr txBox="1">
+            <a:spLocks/>
+          </p:cNvSpPr>
+          <p:nvPr/>
+        </p:nvSpPr>
+        <p:spPr>
+          <a:xfrm>
+            <a:off x="408214" y="1639461"/>
+            <a:ext cx="11348357" cy="5822696"/>
+          </a:xfrm>
+          <a:prstGeom prst="rect">
+            <a:avLst/>
+          </a:prstGeom>
+        </p:spPr>
+        <p:txBody>
+          <a:bodyPr vert="horz" lIns="91440" tIns="45720" rIns="91440" bIns="45720" rtlCol="0">
+            <a:normAutofit/>
+          </a:bodyPr>
+          <a:lstStyle>
+            <a:lvl1pPr marL="228600" indent="-228600" algn="l" defTabSz="914400" rtl="0" eaLnBrk="1" latinLnBrk="0" hangingPunct="1">
+              <a:lnSpc>
+                <a:spcPct val="120000"/>
+              </a:lnSpc>
+              <a:spcBef>
+                <a:spcPts val="1000"/>
+              </a:spcBef>
+              <a:buClr>
+                <a:schemeClr val="tx1"/>
+              </a:buClr>
+              <a:buFont typeface="Arial" panose="020B0604020202020204" pitchFamily="34" charset="0"/>
+              <a:buChar char="•"/>
+              <a:defRPr sz="2000" kern="1200" cap="all" baseline="0">
+                <a:solidFill>
+                  <a:schemeClr val="tx1"/>
+                </a:solidFill>
+                <a:effectLst/>
+                <a:latin typeface="+mn-lt"/>
+                <a:ea typeface="+mn-ea"/>
+                <a:cs typeface="+mn-cs"/>
+              </a:defRPr>
+            </a:lvl1pPr>
+            <a:lvl2pPr marL="685800" indent="-228600" algn="l" defTabSz="914400" rtl="0" eaLnBrk="1" latinLnBrk="0" hangingPunct="1">
+              <a:lnSpc>
+                <a:spcPct val="120000"/>
+              </a:lnSpc>
+              <a:spcBef>
+                <a:spcPts val="500"/>
+              </a:spcBef>
+              <a:buClr>
+                <a:schemeClr val="tx1"/>
+              </a:buClr>
+              <a:buFont typeface="Arial" panose="020B0604020202020204" pitchFamily="34" charset="0"/>
+              <a:buChar char="•"/>
+              <a:defRPr sz="1800" kern="1200" cap="all" baseline="0">
+                <a:solidFill>
+                  <a:schemeClr val="tx1"/>
+                </a:solidFill>
+                <a:effectLst/>
+                <a:latin typeface="+mn-lt"/>
+                <a:ea typeface="+mn-ea"/>
+                <a:cs typeface="+mn-cs"/>
+              </a:defRPr>
+            </a:lvl2pPr>
+            <a:lvl3pPr marL="1143000" indent="-228600" algn="l" defTabSz="914400" rtl="0" eaLnBrk="1" latinLnBrk="0" hangingPunct="1">
+              <a:lnSpc>
+                <a:spcPct val="120000"/>
+              </a:lnSpc>
+              <a:spcBef>
+                <a:spcPts val="500"/>
+              </a:spcBef>
+              <a:buClr>
+                <a:schemeClr val="tx1"/>
+              </a:buClr>
+              <a:buFont typeface="Arial" panose="020B0604020202020204" pitchFamily="34" charset="0"/>
+              <a:buChar char="•"/>
+              <a:defRPr sz="1600" kern="1200" cap="all" baseline="0">
+                <a:solidFill>
+                  <a:schemeClr val="tx1"/>
+                </a:solidFill>
+                <a:effectLst/>
+                <a:latin typeface="+mn-lt"/>
+                <a:ea typeface="+mn-ea"/>
+                <a:cs typeface="+mn-cs"/>
+              </a:defRPr>
+            </a:lvl3pPr>
+            <a:lvl4pPr marL="1600200" indent="-228600" algn="l" defTabSz="914400" rtl="0" eaLnBrk="1" latinLnBrk="0" hangingPunct="1">
+              <a:lnSpc>
+                <a:spcPct val="120000"/>
+              </a:lnSpc>
+              <a:spcBef>
+                <a:spcPts val="500"/>
+              </a:spcBef>
+              <a:buClr>
+                <a:schemeClr val="tx1"/>
+              </a:buClr>
+              <a:buFont typeface="Arial" panose="020B0604020202020204" pitchFamily="34" charset="0"/>
+              <a:buChar char="•"/>
+              <a:defRPr sz="1400" kern="1200" cap="all" baseline="0">
+                <a:solidFill>
+                  <a:schemeClr val="tx1"/>
+                </a:solidFill>
+                <a:effectLst/>
+                <a:latin typeface="+mn-lt"/>
+                <a:ea typeface="+mn-ea"/>
+                <a:cs typeface="+mn-cs"/>
+              </a:defRPr>
+            </a:lvl4pPr>
+            <a:lvl5pPr marL="2057400" indent="-228600" algn="l" defTabSz="914400" rtl="0" eaLnBrk="1" latinLnBrk="0" hangingPunct="1">
+              <a:lnSpc>
+                <a:spcPct val="120000"/>
+              </a:lnSpc>
+              <a:spcBef>
+                <a:spcPts val="500"/>
+              </a:spcBef>
+              <a:buClr>
+                <a:schemeClr val="tx1"/>
+              </a:buClr>
+              <a:buFont typeface="Arial" panose="020B0604020202020204" pitchFamily="34" charset="0"/>
+              <a:buChar char="•"/>
+              <a:defRPr sz="1400" kern="1200" cap="all" baseline="0">
+                <a:solidFill>
+                  <a:schemeClr val="tx1"/>
+                </a:solidFill>
+                <a:effectLst/>
+                <a:latin typeface="+mn-lt"/>
+                <a:ea typeface="+mn-ea"/>
+                <a:cs typeface="+mn-cs"/>
+              </a:defRPr>
+            </a:lvl5pPr>
+            <a:lvl6pPr marL="2514600" indent="-228600" algn="l" defTabSz="914400" rtl="0" eaLnBrk="1" latinLnBrk="0" hangingPunct="1">
+              <a:lnSpc>
+                <a:spcPct val="120000"/>
+              </a:lnSpc>
+              <a:spcBef>
+                <a:spcPts val="500"/>
+              </a:spcBef>
+              <a:buClr>
+                <a:schemeClr val="tx1"/>
+              </a:buClr>
+              <a:buFont typeface="Arial" panose="020B0604020202020204" pitchFamily="34" charset="0"/>
+              <a:buChar char="•"/>
+              <a:defRPr sz="1400" kern="1200" cap="all" baseline="0">
+                <a:solidFill>
+                  <a:schemeClr val="tx1"/>
+                </a:solidFill>
+                <a:effectLst/>
+                <a:latin typeface="+mn-lt"/>
+                <a:ea typeface="+mn-ea"/>
+                <a:cs typeface="+mn-cs"/>
+              </a:defRPr>
+            </a:lvl6pPr>
+            <a:lvl7pPr marL="2971800" indent="-228600" algn="l" defTabSz="914400" rtl="0" eaLnBrk="1" latinLnBrk="0" hangingPunct="1">
+              <a:lnSpc>
+                <a:spcPct val="120000"/>
+              </a:lnSpc>
+              <a:spcBef>
+                <a:spcPts val="500"/>
+              </a:spcBef>
+              <a:buClr>
+                <a:schemeClr val="tx1"/>
+              </a:buClr>
+              <a:buFont typeface="Arial" panose="020B0604020202020204" pitchFamily="34" charset="0"/>
+              <a:buChar char="•"/>
+              <a:defRPr sz="1400" kern="1200" cap="all" baseline="0">
+                <a:solidFill>
+                  <a:schemeClr val="tx1"/>
+                </a:solidFill>
+                <a:effectLst/>
+                <a:latin typeface="+mn-lt"/>
+                <a:ea typeface="+mn-ea"/>
+                <a:cs typeface="+mn-cs"/>
+              </a:defRPr>
+            </a:lvl7pPr>
+            <a:lvl8pPr marL="3429000" indent="-228600" algn="l" defTabSz="914400" rtl="0" eaLnBrk="1" latinLnBrk="0" hangingPunct="1">
+              <a:lnSpc>
+                <a:spcPct val="120000"/>
+              </a:lnSpc>
+              <a:spcBef>
+                <a:spcPts val="500"/>
+              </a:spcBef>
+              <a:buClr>
+                <a:schemeClr val="tx1"/>
+              </a:buClr>
+              <a:buFont typeface="Arial" panose="020B0604020202020204" pitchFamily="34" charset="0"/>
+              <a:buChar char="•"/>
+              <a:defRPr sz="1400" kern="1200" cap="all" baseline="0">
+                <a:solidFill>
+                  <a:schemeClr val="tx1"/>
+                </a:solidFill>
+                <a:effectLst/>
+                <a:latin typeface="+mn-lt"/>
+                <a:ea typeface="+mn-ea"/>
+                <a:cs typeface="+mn-cs"/>
+              </a:defRPr>
+            </a:lvl8pPr>
+            <a:lvl9pPr marL="3886200" indent="-228600" algn="l" defTabSz="914400" rtl="0" eaLnBrk="1" latinLnBrk="0" hangingPunct="1">
+              <a:lnSpc>
+                <a:spcPct val="120000"/>
+              </a:lnSpc>
+              <a:spcBef>
+                <a:spcPts val="500"/>
+              </a:spcBef>
+              <a:buClr>
+                <a:schemeClr val="tx1"/>
+              </a:buClr>
+              <a:buFont typeface="Arial" panose="020B0604020202020204" pitchFamily="34" charset="0"/>
+              <a:buChar char="•"/>
+              <a:defRPr sz="1400" kern="1200" cap="all" baseline="0">
+                <a:solidFill>
+                  <a:schemeClr val="tx1"/>
+                </a:solidFill>
+                <a:effectLst/>
+                <a:latin typeface="+mn-lt"/>
+                <a:ea typeface="+mn-ea"/>
+                <a:cs typeface="+mn-cs"/>
+              </a:defRPr>
+            </a:lvl9pPr>
+          </a:lstStyle>
+          <a:p>
+            <a:pPr lvl="2"/>
+            <a:endParaRPr lang="en-US" sz="2600" cap="none" dirty="0" smtClean="0">
+              <a:latin typeface="Calibri" panose="020F0502020204030204" pitchFamily="34" charset="0"/>
+              <a:cs typeface="Calibri" panose="020F0502020204030204" pitchFamily="34" charset="0"/>
+            </a:endParaRPr>
+          </a:p>
+        </p:txBody>
+      </p:sp>
+      <p:pic>
+        <p:nvPicPr>
+          <p:cNvPr id="3" name="Picture 2"/>
+          <p:cNvPicPr>
+            <a:picLocks noChangeAspect="1"/>
+          </p:cNvPicPr>
+          <p:nvPr/>
+        </p:nvPicPr>
+        <p:blipFill>
+          <a:blip r:embed="rId2"/>
+          <a:stretch>
+            <a:fillRect/>
+          </a:stretch>
+        </p:blipFill>
+        <p:spPr>
+          <a:xfrm>
+            <a:off x="2984476" y="1242646"/>
+            <a:ext cx="6223047" cy="5385936"/>
+          </a:xfrm>
+          <a:prstGeom prst="rect">
+            <a:avLst/>
+          </a:prstGeom>
+        </p:spPr>
+      </p:pic>
+    </p:spTree>
+    <p:extLst>
+      <p:ext uri="{BB962C8B-B14F-4D97-AF65-F5344CB8AC3E}">
+        <p14:creationId xmlns:p14="http://schemas.microsoft.com/office/powerpoint/2010/main" val="3970711421"/>
       </p:ext>
     </p:extLst>
   </p:cSld>

--- a/3. Regression.pptx
+++ b/3. Regression.pptx
@@ -67,34 +67,35 @@
     <p:sldId id="334" r:id="rId61"/>
     <p:sldId id="335" r:id="rId62"/>
     <p:sldId id="336" r:id="rId63"/>
-    <p:sldId id="337" r:id="rId64"/>
-    <p:sldId id="338" r:id="rId65"/>
-    <p:sldId id="339" r:id="rId66"/>
-    <p:sldId id="340" r:id="rId67"/>
-    <p:sldId id="341" r:id="rId68"/>
-    <p:sldId id="342" r:id="rId69"/>
-    <p:sldId id="343" r:id="rId70"/>
-    <p:sldId id="344" r:id="rId71"/>
-    <p:sldId id="345" r:id="rId72"/>
-    <p:sldId id="349" r:id="rId73"/>
-    <p:sldId id="350" r:id="rId74"/>
-    <p:sldId id="346" r:id="rId75"/>
-    <p:sldId id="351" r:id="rId76"/>
-    <p:sldId id="347" r:id="rId77"/>
-    <p:sldId id="352" r:id="rId78"/>
-    <p:sldId id="348" r:id="rId79"/>
-    <p:sldId id="353" r:id="rId80"/>
-    <p:sldId id="354" r:id="rId81"/>
-    <p:sldId id="355" r:id="rId82"/>
-    <p:sldId id="356" r:id="rId83"/>
-    <p:sldId id="357" r:id="rId84"/>
-    <p:sldId id="358" r:id="rId85"/>
-    <p:sldId id="359" r:id="rId86"/>
-    <p:sldId id="360" r:id="rId87"/>
-    <p:sldId id="361" r:id="rId88"/>
-    <p:sldId id="362" r:id="rId89"/>
-    <p:sldId id="363" r:id="rId90"/>
-    <p:sldId id="364" r:id="rId91"/>
+    <p:sldId id="365" r:id="rId64"/>
+    <p:sldId id="366" r:id="rId65"/>
+    <p:sldId id="338" r:id="rId66"/>
+    <p:sldId id="339" r:id="rId67"/>
+    <p:sldId id="340" r:id="rId68"/>
+    <p:sldId id="341" r:id="rId69"/>
+    <p:sldId id="342" r:id="rId70"/>
+    <p:sldId id="343" r:id="rId71"/>
+    <p:sldId id="344" r:id="rId72"/>
+    <p:sldId id="345" r:id="rId73"/>
+    <p:sldId id="349" r:id="rId74"/>
+    <p:sldId id="350" r:id="rId75"/>
+    <p:sldId id="346" r:id="rId76"/>
+    <p:sldId id="351" r:id="rId77"/>
+    <p:sldId id="347" r:id="rId78"/>
+    <p:sldId id="352" r:id="rId79"/>
+    <p:sldId id="348" r:id="rId80"/>
+    <p:sldId id="353" r:id="rId81"/>
+    <p:sldId id="354" r:id="rId82"/>
+    <p:sldId id="355" r:id="rId83"/>
+    <p:sldId id="356" r:id="rId84"/>
+    <p:sldId id="357" r:id="rId85"/>
+    <p:sldId id="358" r:id="rId86"/>
+    <p:sldId id="359" r:id="rId87"/>
+    <p:sldId id="360" r:id="rId88"/>
+    <p:sldId id="361" r:id="rId89"/>
+    <p:sldId id="362" r:id="rId90"/>
+    <p:sldId id="363" r:id="rId91"/>
+    <p:sldId id="364" r:id="rId92"/>
   </p:sldIdLst>
   <p:sldSz cx="12192000" cy="6858000"/>
   <p:notesSz cx="6858000" cy="9144000"/>
@@ -9115,13 +9116,21 @@
         </p:spPr>
         <p:txBody>
           <a:bodyPr>
-            <a:normAutofit/>
+            <a:normAutofit fontScale="90000"/>
           </a:bodyPr>
           <a:lstStyle/>
           <a:p>
             <a:r>
               <a:rPr lang="en-US" b="1" dirty="0" smtClean="0"/>
-              <a:t>Assessing the OLS coefficients</a:t>
+              <a:t>Assessing </a:t>
+            </a:r>
+            <a:r>
+              <a:rPr lang="en-US" b="1" dirty="0" smtClean="0"/>
+              <a:t>the accuracy of the </a:t>
+            </a:r>
+            <a:r>
+              <a:rPr lang="en-US" b="1" dirty="0" smtClean="0"/>
+              <a:t>OLS coefficients</a:t>
             </a:r>
             <a:endParaRPr lang="en-US" b="1" dirty="0">
               <a:latin typeface="Gill Sans MT" panose="020B0502020104020203" pitchFamily="34" charset="0"/>
@@ -9224,13 +9233,13 @@
         </p:spPr>
         <p:txBody>
           <a:bodyPr>
-            <a:normAutofit/>
+            <a:normAutofit fontScale="90000"/>
           </a:bodyPr>
           <a:lstStyle/>
           <a:p>
             <a:r>
               <a:rPr lang="en-US" b="1" dirty="0"/>
-              <a:t>Assessing the OLS coefficients</a:t>
+              <a:t>Assessing the accuracy of the OLS coefficients</a:t>
             </a:r>
             <a:endParaRPr lang="en-US" b="1" dirty="0">
               <a:latin typeface="Gill Sans MT" panose="020B0502020104020203" pitchFamily="34" charset="0"/>
@@ -9503,13 +9512,13 @@
         </p:spPr>
         <p:txBody>
           <a:bodyPr>
-            <a:normAutofit/>
+            <a:normAutofit fontScale="90000"/>
           </a:bodyPr>
           <a:lstStyle/>
           <a:p>
             <a:r>
               <a:rPr lang="en-US" b="1" dirty="0"/>
-              <a:t>Assessing the OLS coefficients</a:t>
+              <a:t>Assessing the accuracy of the OLS coefficients</a:t>
             </a:r>
             <a:endParaRPr lang="en-US" b="1" dirty="0">
               <a:latin typeface="Gill Sans MT" panose="020B0502020104020203" pitchFamily="34" charset="0"/>
@@ -9820,13 +9829,13 @@
         </p:spPr>
         <p:txBody>
           <a:bodyPr>
-            <a:normAutofit/>
+            <a:normAutofit fontScale="90000"/>
           </a:bodyPr>
           <a:lstStyle/>
           <a:p>
             <a:r>
               <a:rPr lang="en-US" b="1" dirty="0"/>
-              <a:t>Assessing the OLS coefficients</a:t>
+              <a:t>Assessing the accuracy of the OLS coefficients</a:t>
             </a:r>
             <a:endParaRPr lang="en-US" b="1" dirty="0">
               <a:latin typeface="Gill Sans MT" panose="020B0502020104020203" pitchFamily="34" charset="0"/>
@@ -10161,13 +10170,13 @@
         </p:spPr>
         <p:txBody>
           <a:bodyPr>
-            <a:normAutofit/>
+            <a:normAutofit fontScale="90000"/>
           </a:bodyPr>
           <a:lstStyle/>
           <a:p>
             <a:r>
               <a:rPr lang="en-US" b="1" dirty="0"/>
-              <a:t>Assessing the OLS coefficients</a:t>
+              <a:t>Assessing the accuracy of the OLS coefficients</a:t>
             </a:r>
             <a:endParaRPr lang="en-US" b="1" dirty="0">
               <a:latin typeface="Gill Sans MT" panose="020B0502020104020203" pitchFamily="34" charset="0"/>
@@ -10410,13 +10419,13 @@
         </p:spPr>
         <p:txBody>
           <a:bodyPr>
-            <a:normAutofit/>
+            <a:normAutofit fontScale="90000"/>
           </a:bodyPr>
           <a:lstStyle/>
           <a:p>
             <a:r>
               <a:rPr lang="en-US" b="1" dirty="0"/>
-              <a:t>Assessing the OLS coefficients</a:t>
+              <a:t>Assessing the accuracy of the OLS coefficients</a:t>
             </a:r>
             <a:endParaRPr lang="en-US" b="1" dirty="0">
               <a:latin typeface="Gill Sans MT" panose="020B0502020104020203" pitchFamily="34" charset="0"/>
@@ -10543,13 +10552,13 @@
         </p:spPr>
         <p:txBody>
           <a:bodyPr>
-            <a:normAutofit/>
+            <a:normAutofit fontScale="90000"/>
           </a:bodyPr>
           <a:lstStyle/>
           <a:p>
             <a:r>
               <a:rPr lang="en-US" b="1" dirty="0"/>
-              <a:t>Assessing the OLS coefficients</a:t>
+              <a:t>Assessing the accuracy of the OLS coefficients</a:t>
             </a:r>
             <a:endParaRPr lang="en-US" b="1" dirty="0">
               <a:latin typeface="Gill Sans MT" panose="020B0502020104020203" pitchFamily="34" charset="0"/>
@@ -10828,13 +10837,13 @@
         </p:spPr>
         <p:txBody>
           <a:bodyPr>
-            <a:normAutofit/>
+            <a:normAutofit fontScale="90000"/>
           </a:bodyPr>
           <a:lstStyle/>
           <a:p>
             <a:r>
               <a:rPr lang="en-US" b="1" dirty="0"/>
-              <a:t>Assessing the OLS coefficients</a:t>
+              <a:t>Assessing the accuracy of the OLS coefficients</a:t>
             </a:r>
             <a:endParaRPr lang="en-US" b="1" dirty="0">
               <a:latin typeface="Gill Sans MT" panose="020B0502020104020203" pitchFamily="34" charset="0"/>
@@ -11001,13 +11010,13 @@
         </p:spPr>
         <p:txBody>
           <a:bodyPr>
-            <a:normAutofit/>
+            <a:normAutofit fontScale="90000"/>
           </a:bodyPr>
           <a:lstStyle/>
           <a:p>
             <a:r>
               <a:rPr lang="en-US" b="1" dirty="0"/>
-              <a:t>Assessing the OLS coefficients</a:t>
+              <a:t>Assessing the accuracy of the OLS coefficients</a:t>
             </a:r>
             <a:endParaRPr lang="en-US" b="1" dirty="0">
               <a:latin typeface="Gill Sans MT" panose="020B0502020104020203" pitchFamily="34" charset="0"/>
@@ -11175,13 +11184,13 @@
         </p:spPr>
         <p:txBody>
           <a:bodyPr>
-            <a:normAutofit/>
+            <a:normAutofit fontScale="90000"/>
           </a:bodyPr>
           <a:lstStyle/>
           <a:p>
             <a:r>
               <a:rPr lang="en-US" b="1" dirty="0"/>
-              <a:t>Assessing the OLS coefficients</a:t>
+              <a:t>Assessing the accuracy of the OLS coefficients</a:t>
             </a:r>
             <a:endParaRPr lang="en-US" b="1" dirty="0">
               <a:latin typeface="Gill Sans MT" panose="020B0502020104020203" pitchFamily="34" charset="0"/>
@@ -11362,13 +11371,13 @@
         </p:spPr>
         <p:txBody>
           <a:bodyPr>
-            <a:normAutofit/>
+            <a:normAutofit fontScale="90000"/>
           </a:bodyPr>
           <a:lstStyle/>
           <a:p>
             <a:r>
               <a:rPr lang="en-US" b="1" dirty="0"/>
-              <a:t>Assessing the OLS coefficients</a:t>
+              <a:t>Assessing the accuracy of the OLS coefficients</a:t>
             </a:r>
             <a:endParaRPr lang="en-US" b="1" dirty="0">
               <a:latin typeface="Gill Sans MT" panose="020B0502020104020203" pitchFamily="34" charset="0"/>
@@ -11562,13 +11571,13 @@
         </p:spPr>
         <p:txBody>
           <a:bodyPr>
-            <a:normAutofit/>
+            <a:normAutofit fontScale="90000"/>
           </a:bodyPr>
           <a:lstStyle/>
           <a:p>
             <a:r>
               <a:rPr lang="en-US" b="1" dirty="0"/>
-              <a:t>Assessing the OLS coefficients</a:t>
+              <a:t>Assessing the accuracy of the OLS coefficients</a:t>
             </a:r>
             <a:endParaRPr lang="en-US" b="1" dirty="0">
               <a:latin typeface="Gill Sans MT" panose="020B0502020104020203" pitchFamily="34" charset="0"/>
@@ -11775,13 +11784,13 @@
         </p:spPr>
         <p:txBody>
           <a:bodyPr>
-            <a:normAutofit/>
+            <a:normAutofit fontScale="90000"/>
           </a:bodyPr>
           <a:lstStyle/>
           <a:p>
             <a:r>
               <a:rPr lang="en-US" b="1" dirty="0"/>
-              <a:t>Assessing the OLS coefficients</a:t>
+              <a:t>Assessing the accuracy of the OLS coefficients</a:t>
             </a:r>
             <a:endParaRPr lang="en-US" b="1" dirty="0">
               <a:latin typeface="Gill Sans MT" panose="020B0502020104020203" pitchFamily="34" charset="0"/>
@@ -11931,8 +11940,19 @@
                 <a:latin typeface="Calibri" panose="020F0502020204030204" pitchFamily="34" charset="0"/>
                 <a:cs typeface="Calibri" panose="020F0502020204030204" pitchFamily="34" charset="0"/>
               </a:rPr>
-              <a:t>In both cases, we can see that the relationship is strong enough that we can be very confident that the relationship we are capturing is real. </a:t>
-            </a:r>
+              <a:t>In both cases, we can see that the relationship is strong enough that we can be very confident that the relationship we are capturing is </a:t>
+            </a:r>
+            <a:r>
+              <a:rPr lang="en-US" sz="2800" dirty="0" smtClean="0">
+                <a:latin typeface="Calibri" panose="020F0502020204030204" pitchFamily="34" charset="0"/>
+                <a:cs typeface="Calibri" panose="020F0502020204030204" pitchFamily="34" charset="0"/>
+              </a:rPr>
+              <a:t>real (higher TV budget will increase sales). </a:t>
+            </a:r>
+            <a:endParaRPr lang="en-US" sz="2800" dirty="0" smtClean="0">
+              <a:latin typeface="Calibri" panose="020F0502020204030204" pitchFamily="34" charset="0"/>
+              <a:cs typeface="Calibri" panose="020F0502020204030204" pitchFamily="34" charset="0"/>
+            </a:endParaRPr>
           </a:p>
           <a:p>
             <a:pPr marL="342900" indent="-342900">
@@ -12019,8 +12039,8 @@
           </a:p>
         </p:txBody>
       </p:sp>
-      <mc:AlternateContent xmlns:mc="http://schemas.openxmlformats.org/markup-compatibility/2006" xmlns:a14="http://schemas.microsoft.com/office/drawing/2010/main">
-        <mc:Choice Requires="a14">
+      <mc:AlternateContent xmlns:mc="http://schemas.openxmlformats.org/markup-compatibility/2006">
+        <mc:Choice xmlns:a14="http://schemas.microsoft.com/office/drawing/2010/main" Requires="a14">
           <p:sp>
             <p:nvSpPr>
               <p:cNvPr id="6" name="Content Placeholder 2"/>
@@ -12259,7 +12279,35 @@
                     <a:latin typeface="Calibri" panose="020F0502020204030204" pitchFamily="34" charset="0"/>
                     <a:cs typeface="Calibri" panose="020F0502020204030204" pitchFamily="34" charset="0"/>
                   </a:rPr>
-                  <a:t>For linear regression, we tend to look at three different measures of how well the model  fits the data: </a:t>
+                  <a:t>For linear regression, we tend to look at three different measures of how well the </a:t>
+                </a:r>
+                <a:r>
+                  <a:rPr lang="en-US" sz="2800" cap="none" dirty="0" smtClean="0">
+                    <a:latin typeface="Calibri" panose="020F0502020204030204" pitchFamily="34" charset="0"/>
+                    <a:cs typeface="Calibri" panose="020F0502020204030204" pitchFamily="34" charset="0"/>
+                  </a:rPr>
+                  <a:t>model </a:t>
+                </a:r>
+                <a:r>
+                  <a:rPr lang="en-US" sz="2800" cap="none" dirty="0" smtClean="0">
+                    <a:latin typeface="Calibri" panose="020F0502020204030204" pitchFamily="34" charset="0"/>
+                    <a:cs typeface="Calibri" panose="020F0502020204030204" pitchFamily="34" charset="0"/>
+                  </a:rPr>
+                  <a:t>fits the </a:t>
+                </a:r>
+                <a:r>
+                  <a:rPr lang="en-US" sz="2800" cap="none" dirty="0" smtClean="0">
+                    <a:latin typeface="Calibri" panose="020F0502020204030204" pitchFamily="34" charset="0"/>
+                    <a:cs typeface="Calibri" panose="020F0502020204030204" pitchFamily="34" charset="0"/>
+                  </a:rPr>
+                  <a:t>training data</a:t>
+                </a:r>
+                <a:r>
+                  <a:rPr lang="en-US" sz="2800" cap="none" dirty="0" smtClean="0">
+                    <a:latin typeface="Calibri" panose="020F0502020204030204" pitchFamily="34" charset="0"/>
+                    <a:cs typeface="Calibri" panose="020F0502020204030204" pitchFamily="34" charset="0"/>
+                  </a:rPr>
+                  <a:t>: </a:t>
                 </a:r>
               </a:p>
               <a:p>
@@ -12336,7 +12384,7 @@
             </p:txBody>
           </p:sp>
         </mc:Choice>
-        <mc:Fallback xmlns="">
+        <mc:Fallback>
           <p:sp>
             <p:nvSpPr>
               <p:cNvPr id="6" name="Content Placeholder 2"/>
@@ -12700,8 +12748,19 @@
                 <a:latin typeface="Calibri" panose="020F0502020204030204" pitchFamily="34" charset="0"/>
                 <a:cs typeface="Calibri" panose="020F0502020204030204" pitchFamily="34" charset="0"/>
               </a:rPr>
-              <a:t>RSE is the measure of the average amount the response will deviate from the regression line.</a:t>
-            </a:r>
+              <a:t>RSE is the measure of the average amount the response will deviate from the regression </a:t>
+            </a:r>
+            <a:r>
+              <a:rPr lang="en-US" sz="2800" cap="none" dirty="0">
+                <a:latin typeface="Calibri" panose="020F0502020204030204" pitchFamily="34" charset="0"/>
+                <a:cs typeface="Calibri" panose="020F0502020204030204" pitchFamily="34" charset="0"/>
+              </a:rPr>
+              <a:t>line (standard deviation).</a:t>
+            </a:r>
+            <a:endParaRPr lang="en-US" sz="2800" cap="none" dirty="0" smtClean="0">
+              <a:latin typeface="Calibri" panose="020F0502020204030204" pitchFamily="34" charset="0"/>
+              <a:cs typeface="Calibri" panose="020F0502020204030204" pitchFamily="34" charset="0"/>
+            </a:endParaRPr>
           </a:p>
           <a:p>
             <a:pPr lvl="1"/>
@@ -12785,6 +12844,30 @@
           </a:p>
         </p:txBody>
       </p:sp>
+      <p:pic>
+        <p:nvPicPr>
+          <p:cNvPr id="8" name="Picture 7"/>
+          <p:cNvPicPr>
+            <a:picLocks noChangeAspect="1"/>
+          </p:cNvPicPr>
+          <p:nvPr/>
+        </p:nvPicPr>
+        <p:blipFill>
+          <a:blip r:embed="rId3"/>
+          <a:stretch>
+            <a:fillRect/>
+          </a:stretch>
+        </p:blipFill>
+        <p:spPr>
+          <a:xfrm>
+            <a:off x="726622" y="4657612"/>
+            <a:ext cx="4429278" cy="1278013"/>
+          </a:xfrm>
+          <a:prstGeom prst="rect">
+            <a:avLst/>
+          </a:prstGeom>
+        </p:spPr>
+      </p:pic>
     </p:spTree>
     <p:extLst>
       <p:ext uri="{BB962C8B-B14F-4D97-AF65-F5344CB8AC3E}">
@@ -13251,8 +13334,19 @@
                 <a:latin typeface="Calibri" panose="020F0502020204030204" pitchFamily="34" charset="0"/>
                 <a:cs typeface="Calibri" panose="020F0502020204030204" pitchFamily="34" charset="0"/>
               </a:rPr>
-              <a:t>RSE is the measure of the average amount the response will deviate from the regression line.</a:t>
-            </a:r>
+              <a:t>RSE is the measure of the average amount the response will deviate from the regression </a:t>
+            </a:r>
+            <a:r>
+              <a:rPr lang="en-US" sz="2800" cap="none" dirty="0" smtClean="0">
+                <a:latin typeface="Calibri" panose="020F0502020204030204" pitchFamily="34" charset="0"/>
+                <a:cs typeface="Calibri" panose="020F0502020204030204" pitchFamily="34" charset="0"/>
+              </a:rPr>
+              <a:t>line (standard deviation).</a:t>
+            </a:r>
+            <a:endParaRPr lang="en-US" sz="2800" cap="none" dirty="0" smtClean="0">
+              <a:latin typeface="Calibri" panose="020F0502020204030204" pitchFamily="34" charset="0"/>
+              <a:cs typeface="Calibri" panose="020F0502020204030204" pitchFamily="34" charset="0"/>
+            </a:endParaRPr>
           </a:p>
           <a:p>
             <a:pPr lvl="1"/>
@@ -13346,6 +13440,30 @@
           </a:p>
         </p:txBody>
       </p:sp>
+      <p:pic>
+        <p:nvPicPr>
+          <p:cNvPr id="7" name="Picture 6"/>
+          <p:cNvPicPr>
+            <a:picLocks noChangeAspect="1"/>
+          </p:cNvPicPr>
+          <p:nvPr/>
+        </p:nvPicPr>
+        <p:blipFill>
+          <a:blip r:embed="rId3"/>
+          <a:stretch>
+            <a:fillRect/>
+          </a:stretch>
+        </p:blipFill>
+        <p:spPr>
+          <a:xfrm>
+            <a:off x="726622" y="4657612"/>
+            <a:ext cx="4429278" cy="1278013"/>
+          </a:xfrm>
+          <a:prstGeom prst="rect">
+            <a:avLst/>
+          </a:prstGeom>
+        </p:spPr>
+      </p:pic>
     </p:spTree>
     <p:extLst>
       <p:ext uri="{BB962C8B-B14F-4D97-AF65-F5344CB8AC3E}">
@@ -18075,22 +18193,61 @@
                 <a:latin typeface="Calibri" panose="020F0502020204030204" pitchFamily="34" charset="0"/>
                 <a:cs typeface="Calibri" panose="020F0502020204030204" pitchFamily="34" charset="0"/>
               </a:rPr>
-              <a:t>Ridge, Lasso, Principal </a:t>
+              <a:t>Ridge, Lasso, </a:t>
+            </a:r>
+            <a:r>
+              <a:rPr lang="en-US" sz="2800" cap="none" dirty="0" smtClean="0">
+                <a:latin typeface="Calibri" panose="020F0502020204030204" pitchFamily="34" charset="0"/>
+                <a:cs typeface="Calibri" panose="020F0502020204030204" pitchFamily="34" charset="0"/>
+              </a:rPr>
+              <a:t>Elastic Net, Principal </a:t>
             </a:r>
             <a:r>
               <a:rPr lang="en-US" sz="2800" cap="none" dirty="0">
                 <a:latin typeface="Calibri" panose="020F0502020204030204" pitchFamily="34" charset="0"/>
                 <a:cs typeface="Calibri" panose="020F0502020204030204" pitchFamily="34" charset="0"/>
               </a:rPr>
-              <a:t>c</a:t>
+              <a:t>C</a:t>
             </a:r>
             <a:r>
               <a:rPr lang="en-US" sz="2800" cap="none" dirty="0" smtClean="0">
                 <a:latin typeface="Calibri" panose="020F0502020204030204" pitchFamily="34" charset="0"/>
                 <a:cs typeface="Calibri" panose="020F0502020204030204" pitchFamily="34" charset="0"/>
               </a:rPr>
-              <a:t>omponent regression, Total least squares</a:t>
-            </a:r>
+              <a:t>omponent </a:t>
+            </a:r>
+            <a:r>
+              <a:rPr lang="en-US" sz="2800" cap="none" dirty="0">
+                <a:latin typeface="Calibri" panose="020F0502020204030204" pitchFamily="34" charset="0"/>
+                <a:cs typeface="Calibri" panose="020F0502020204030204" pitchFamily="34" charset="0"/>
+              </a:rPr>
+              <a:t>R</a:t>
+            </a:r>
+            <a:r>
+              <a:rPr lang="en-US" sz="2800" cap="none" dirty="0" smtClean="0">
+                <a:latin typeface="Calibri" panose="020F0502020204030204" pitchFamily="34" charset="0"/>
+                <a:cs typeface="Calibri" panose="020F0502020204030204" pitchFamily="34" charset="0"/>
+              </a:rPr>
+              <a:t>egression</a:t>
+            </a:r>
+            <a:r>
+              <a:rPr lang="en-US" sz="2800" cap="none" dirty="0" smtClean="0">
+                <a:latin typeface="Calibri" panose="020F0502020204030204" pitchFamily="34" charset="0"/>
+                <a:cs typeface="Calibri" panose="020F0502020204030204" pitchFamily="34" charset="0"/>
+              </a:rPr>
+              <a:t>, Total </a:t>
+            </a:r>
+            <a:r>
+              <a:rPr lang="en-US" sz="2800" cap="none" dirty="0" smtClean="0">
+                <a:latin typeface="Calibri" panose="020F0502020204030204" pitchFamily="34" charset="0"/>
+                <a:cs typeface="Calibri" panose="020F0502020204030204" pitchFamily="34" charset="0"/>
+              </a:rPr>
+              <a:t>Least Squares</a:t>
+            </a:r>
+            <a:endParaRPr lang="en-US" sz="2800" cap="none" dirty="0" smtClean="0">
+              <a:latin typeface="Calibri" panose="020F0502020204030204" pitchFamily="34" charset="0"/>
+              <a:cs typeface="Calibri" panose="020F0502020204030204" pitchFamily="34" charset="0"/>
+            </a:endParaRPr>
           </a:p>
           <a:p>
             <a:pPr lvl="1"/>
@@ -20772,7 +20929,45 @@
                 <a:latin typeface="Calibri" panose="020F0502020204030204" pitchFamily="34" charset="0"/>
                 <a:cs typeface="Calibri" panose="020F0502020204030204" pitchFamily="34" charset="0"/>
               </a:rPr>
-              <a:t>At first glance, we see that TV and radio are both highly significant</a:t>
+              <a:t>At first glance, we see that </a:t>
+            </a:r>
+            <a:r>
+              <a:rPr lang="en-US" sz="2800" cap="none" dirty="0" smtClean="0">
+                <a:solidFill>
+                  <a:schemeClr val="accent4">
+                    <a:lumMod val="75000"/>
+                  </a:schemeClr>
+                </a:solidFill>
+                <a:latin typeface="Calibri" panose="020F0502020204030204" pitchFamily="34" charset="0"/>
+                <a:cs typeface="Calibri" panose="020F0502020204030204" pitchFamily="34" charset="0"/>
+              </a:rPr>
+              <a:t>TV</a:t>
+            </a:r>
+            <a:r>
+              <a:rPr lang="en-US" sz="2800" cap="none" dirty="0" smtClean="0">
+                <a:latin typeface="Calibri" panose="020F0502020204030204" pitchFamily="34" charset="0"/>
+                <a:cs typeface="Calibri" panose="020F0502020204030204" pitchFamily="34" charset="0"/>
+              </a:rPr>
+              <a:t> and </a:t>
+            </a:r>
+            <a:r>
+              <a:rPr lang="en-US" sz="2800" cap="none" dirty="0" smtClean="0">
+                <a:solidFill>
+                  <a:schemeClr val="accent4">
+                    <a:lumMod val="75000"/>
+                  </a:schemeClr>
+                </a:solidFill>
+                <a:latin typeface="Calibri" panose="020F0502020204030204" pitchFamily="34" charset="0"/>
+                <a:cs typeface="Calibri" panose="020F0502020204030204" pitchFamily="34" charset="0"/>
+              </a:rPr>
+              <a:t>radio</a:t>
+            </a:r>
+            <a:r>
+              <a:rPr lang="en-US" sz="2800" cap="none" dirty="0" smtClean="0">
+                <a:latin typeface="Calibri" panose="020F0502020204030204" pitchFamily="34" charset="0"/>
+                <a:cs typeface="Calibri" panose="020F0502020204030204" pitchFamily="34" charset="0"/>
+              </a:rPr>
+              <a:t> are both highly significant</a:t>
             </a:r>
           </a:p>
           <a:p>
@@ -21129,17 +21324,74 @@
                 <a:latin typeface="Calibri" panose="020F0502020204030204" pitchFamily="34" charset="0"/>
                 <a:cs typeface="Calibri" panose="020F0502020204030204" pitchFamily="34" charset="0"/>
               </a:rPr>
-              <a:t>At first glance, we see that TV and radio are both highly significant</a:t>
-            </a:r>
-          </a:p>
-          <a:p>
-            <a:pPr lvl="1"/>
+              <a:t>At first glance, we see that </a:t>
+            </a:r>
+            <a:r>
+              <a:rPr lang="en-US" sz="2800" cap="none" dirty="0" smtClean="0">
+                <a:solidFill>
+                  <a:schemeClr val="accent4">
+                    <a:lumMod val="75000"/>
+                  </a:schemeClr>
+                </a:solidFill>
+                <a:latin typeface="Calibri" panose="020F0502020204030204" pitchFamily="34" charset="0"/>
+                <a:cs typeface="Calibri" panose="020F0502020204030204" pitchFamily="34" charset="0"/>
+              </a:rPr>
+              <a:t>TV</a:t>
+            </a:r>
             <a:r>
               <a:rPr lang="en-US" sz="2800" cap="none" dirty="0" smtClean="0">
                 <a:latin typeface="Calibri" panose="020F0502020204030204" pitchFamily="34" charset="0"/>
                 <a:cs typeface="Calibri" panose="020F0502020204030204" pitchFamily="34" charset="0"/>
               </a:rPr>
-              <a:t>But why is newspaper spending so insignificant? </a:t>
+              <a:t> and </a:t>
+            </a:r>
+            <a:r>
+              <a:rPr lang="en-US" sz="2800" cap="none" dirty="0" smtClean="0">
+                <a:solidFill>
+                  <a:schemeClr val="accent4">
+                    <a:lumMod val="75000"/>
+                  </a:schemeClr>
+                </a:solidFill>
+                <a:latin typeface="Calibri" panose="020F0502020204030204" pitchFamily="34" charset="0"/>
+                <a:cs typeface="Calibri" panose="020F0502020204030204" pitchFamily="34" charset="0"/>
+              </a:rPr>
+              <a:t>radio</a:t>
+            </a:r>
+            <a:r>
+              <a:rPr lang="en-US" sz="2800" cap="none" dirty="0" smtClean="0">
+                <a:latin typeface="Calibri" panose="020F0502020204030204" pitchFamily="34" charset="0"/>
+                <a:cs typeface="Calibri" panose="020F0502020204030204" pitchFamily="34" charset="0"/>
+              </a:rPr>
+              <a:t> are both highly significant</a:t>
+            </a:r>
+          </a:p>
+          <a:p>
+            <a:pPr lvl="1"/>
+            <a:r>
+              <a:rPr lang="en-US" sz="2800" cap="none" dirty="0" smtClean="0">
+                <a:latin typeface="Calibri" panose="020F0502020204030204" pitchFamily="34" charset="0"/>
+                <a:cs typeface="Calibri" panose="020F0502020204030204" pitchFamily="34" charset="0"/>
+              </a:rPr>
+              <a:t>But why is </a:t>
+            </a:r>
+            <a:r>
+              <a:rPr lang="en-US" sz="2800" cap="none" dirty="0" smtClean="0">
+                <a:solidFill>
+                  <a:schemeClr val="accent4">
+                    <a:lumMod val="75000"/>
+                  </a:schemeClr>
+                </a:solidFill>
+                <a:latin typeface="Calibri" panose="020F0502020204030204" pitchFamily="34" charset="0"/>
+                <a:cs typeface="Calibri" panose="020F0502020204030204" pitchFamily="34" charset="0"/>
+              </a:rPr>
+              <a:t>newspaper</a:t>
+            </a:r>
+            <a:r>
+              <a:rPr lang="en-US" sz="2800" cap="none" dirty="0" smtClean="0">
+                <a:latin typeface="Calibri" panose="020F0502020204030204" pitchFamily="34" charset="0"/>
+                <a:cs typeface="Calibri" panose="020F0502020204030204" pitchFamily="34" charset="0"/>
+              </a:rPr>
+              <a:t> spending so insignificant? </a:t>
             </a:r>
             <a:endParaRPr lang="en-US" sz="2800" cap="none" dirty="0">
               <a:latin typeface="Calibri" panose="020F0502020204030204" pitchFamily="34" charset="0"/>
@@ -21847,7 +22099,45 @@
                 <a:latin typeface="Calibri" panose="020F0502020204030204" pitchFamily="34" charset="0"/>
                 <a:cs typeface="Calibri" panose="020F0502020204030204" pitchFamily="34" charset="0"/>
               </a:rPr>
-              <a:t>There is decently high positive correlation between newspaper and radio budget</a:t>
+              <a:t>There is decently high positive correlation between </a:t>
+            </a:r>
+            <a:r>
+              <a:rPr lang="en-US" sz="2800" cap="none" dirty="0" smtClean="0">
+                <a:solidFill>
+                  <a:schemeClr val="accent4">
+                    <a:lumMod val="75000"/>
+                  </a:schemeClr>
+                </a:solidFill>
+                <a:latin typeface="Calibri" panose="020F0502020204030204" pitchFamily="34" charset="0"/>
+                <a:cs typeface="Calibri" panose="020F0502020204030204" pitchFamily="34" charset="0"/>
+              </a:rPr>
+              <a:t>newspaper</a:t>
+            </a:r>
+            <a:r>
+              <a:rPr lang="en-US" sz="2800" cap="none" dirty="0" smtClean="0">
+                <a:latin typeface="Calibri" panose="020F0502020204030204" pitchFamily="34" charset="0"/>
+                <a:cs typeface="Calibri" panose="020F0502020204030204" pitchFamily="34" charset="0"/>
+              </a:rPr>
+              <a:t> and </a:t>
+            </a:r>
+            <a:r>
+              <a:rPr lang="en-US" sz="2800" cap="none" dirty="0" smtClean="0">
+                <a:solidFill>
+                  <a:schemeClr val="accent4">
+                    <a:lumMod val="75000"/>
+                  </a:schemeClr>
+                </a:solidFill>
+                <a:latin typeface="Calibri" panose="020F0502020204030204" pitchFamily="34" charset="0"/>
+                <a:cs typeface="Calibri" panose="020F0502020204030204" pitchFamily="34" charset="0"/>
+              </a:rPr>
+              <a:t>radio</a:t>
+            </a:r>
+            <a:r>
+              <a:rPr lang="en-US" sz="2800" cap="none" dirty="0" smtClean="0">
+                <a:latin typeface="Calibri" panose="020F0502020204030204" pitchFamily="34" charset="0"/>
+                <a:cs typeface="Calibri" panose="020F0502020204030204" pitchFamily="34" charset="0"/>
+              </a:rPr>
+              <a:t> budget</a:t>
             </a:r>
           </a:p>
           <a:p>
@@ -21897,6 +22187,46 @@
           </a:prstGeom>
         </p:spPr>
       </p:pic>
+      <p:sp>
+        <p:nvSpPr>
+          <p:cNvPr id="5" name="Rounded Rectangle 4"/>
+          <p:cNvSpPr/>
+          <p:nvPr/>
+        </p:nvSpPr>
+        <p:spPr>
+          <a:xfrm>
+            <a:off x="6890657" y="2057400"/>
+            <a:ext cx="1143000" cy="522514"/>
+          </a:xfrm>
+          <a:prstGeom prst="roundRect">
+            <a:avLst/>
+          </a:prstGeom>
+          <a:noFill/>
+          <a:ln w="76200"/>
+        </p:spPr>
+        <p:style>
+          <a:lnRef idx="2">
+            <a:schemeClr val="accent6"/>
+          </a:lnRef>
+          <a:fillRef idx="1">
+            <a:schemeClr val="lt1"/>
+          </a:fillRef>
+          <a:effectRef idx="0">
+            <a:schemeClr val="accent6"/>
+          </a:effectRef>
+          <a:fontRef idx="minor">
+            <a:schemeClr val="dk1"/>
+          </a:fontRef>
+        </p:style>
+        <p:txBody>
+          <a:bodyPr rtlCol="0" anchor="ctr"/>
+          <a:lstStyle/>
+          <a:p>
+            <a:pPr algn="ctr"/>
+            <a:endParaRPr lang="en-US"/>
+          </a:p>
+        </p:txBody>
+      </p:sp>
     </p:spTree>
     <p:extLst>
       <p:ext uri="{BB962C8B-B14F-4D97-AF65-F5344CB8AC3E}">
@@ -22204,7 +22534,45 @@
                 <a:latin typeface="Calibri" panose="020F0502020204030204" pitchFamily="34" charset="0"/>
                 <a:cs typeface="Calibri" panose="020F0502020204030204" pitchFamily="34" charset="0"/>
               </a:rPr>
-              <a:t>There is decently high positive correlation between newspaper and radio budget</a:t>
+              <a:t>There is decently high positive correlation between </a:t>
+            </a:r>
+            <a:r>
+              <a:rPr lang="en-US" sz="2800" cap="none" dirty="0" smtClean="0">
+                <a:solidFill>
+                  <a:schemeClr val="accent4">
+                    <a:lumMod val="75000"/>
+                  </a:schemeClr>
+                </a:solidFill>
+                <a:latin typeface="Calibri" panose="020F0502020204030204" pitchFamily="34" charset="0"/>
+                <a:cs typeface="Calibri" panose="020F0502020204030204" pitchFamily="34" charset="0"/>
+              </a:rPr>
+              <a:t>newspaper</a:t>
+            </a:r>
+            <a:r>
+              <a:rPr lang="en-US" sz="2800" cap="none" dirty="0" smtClean="0">
+                <a:latin typeface="Calibri" panose="020F0502020204030204" pitchFamily="34" charset="0"/>
+                <a:cs typeface="Calibri" panose="020F0502020204030204" pitchFamily="34" charset="0"/>
+              </a:rPr>
+              <a:t> and </a:t>
+            </a:r>
+            <a:r>
+              <a:rPr lang="en-US" sz="2800" cap="none" dirty="0" smtClean="0">
+                <a:solidFill>
+                  <a:schemeClr val="accent4">
+                    <a:lumMod val="75000"/>
+                  </a:schemeClr>
+                </a:solidFill>
+                <a:latin typeface="Calibri" panose="020F0502020204030204" pitchFamily="34" charset="0"/>
+                <a:cs typeface="Calibri" panose="020F0502020204030204" pitchFamily="34" charset="0"/>
+              </a:rPr>
+              <a:t>radio</a:t>
+            </a:r>
+            <a:r>
+              <a:rPr lang="en-US" sz="2800" cap="none" dirty="0" smtClean="0">
+                <a:latin typeface="Calibri" panose="020F0502020204030204" pitchFamily="34" charset="0"/>
+                <a:cs typeface="Calibri" panose="020F0502020204030204" pitchFamily="34" charset="0"/>
+              </a:rPr>
+              <a:t> budget</a:t>
             </a:r>
           </a:p>
           <a:p>
@@ -22268,6 +22636,46 @@
           </a:prstGeom>
         </p:spPr>
       </p:pic>
+      <p:sp>
+        <p:nvSpPr>
+          <p:cNvPr id="5" name="Rounded Rectangle 4"/>
+          <p:cNvSpPr/>
+          <p:nvPr/>
+        </p:nvSpPr>
+        <p:spPr>
+          <a:xfrm>
+            <a:off x="6890657" y="2057400"/>
+            <a:ext cx="1143000" cy="522514"/>
+          </a:xfrm>
+          <a:prstGeom prst="roundRect">
+            <a:avLst/>
+          </a:prstGeom>
+          <a:noFill/>
+          <a:ln w="76200"/>
+        </p:spPr>
+        <p:style>
+          <a:lnRef idx="2">
+            <a:schemeClr val="accent6"/>
+          </a:lnRef>
+          <a:fillRef idx="1">
+            <a:schemeClr val="lt1"/>
+          </a:fillRef>
+          <a:effectRef idx="0">
+            <a:schemeClr val="accent6"/>
+          </a:effectRef>
+          <a:fontRef idx="minor">
+            <a:schemeClr val="dk1"/>
+          </a:fontRef>
+        </p:style>
+        <p:txBody>
+          <a:bodyPr rtlCol="0" anchor="ctr"/>
+          <a:lstStyle/>
+          <a:p>
+            <a:pPr algn="ctr"/>
+            <a:endParaRPr lang="en-US"/>
+          </a:p>
+        </p:txBody>
+      </p:sp>
     </p:spTree>
     <p:extLst>
       <p:ext uri="{BB962C8B-B14F-4D97-AF65-F5344CB8AC3E}">
@@ -22565,7 +22973,64 @@
                 <a:latin typeface="Calibri" panose="020F0502020204030204" pitchFamily="34" charset="0"/>
                 <a:cs typeface="Calibri" panose="020F0502020204030204" pitchFamily="34" charset="0"/>
               </a:rPr>
-              <a:t>Because of the high correlation between radio and newspaper, we end up not gaining any additional explanatory power by having newspaper as part of our model</a:t>
+              <a:t>Because of the high correlation between </a:t>
+            </a:r>
+            <a:r>
+              <a:rPr lang="en-US" sz="2800" cap="none" dirty="0" smtClean="0">
+                <a:solidFill>
+                  <a:schemeClr val="accent4">
+                    <a:lumMod val="75000"/>
+                  </a:schemeClr>
+                </a:solidFill>
+                <a:latin typeface="Calibri" panose="020F0502020204030204" pitchFamily="34" charset="0"/>
+                <a:cs typeface="Calibri" panose="020F0502020204030204" pitchFamily="34" charset="0"/>
+              </a:rPr>
+              <a:t>radio</a:t>
+            </a:r>
+            <a:r>
+              <a:rPr lang="en-US" sz="2800" cap="none" dirty="0" smtClean="0">
+                <a:latin typeface="Calibri" panose="020F0502020204030204" pitchFamily="34" charset="0"/>
+                <a:cs typeface="Calibri" panose="020F0502020204030204" pitchFamily="34" charset="0"/>
+              </a:rPr>
+              <a:t> and </a:t>
+            </a:r>
+            <a:r>
+              <a:rPr lang="en-US" sz="2800" cap="none" dirty="0" smtClean="0">
+                <a:solidFill>
+                  <a:schemeClr val="accent4">
+                    <a:lumMod val="75000"/>
+                  </a:schemeClr>
+                </a:solidFill>
+                <a:latin typeface="Calibri" panose="020F0502020204030204" pitchFamily="34" charset="0"/>
+                <a:cs typeface="Calibri" panose="020F0502020204030204" pitchFamily="34" charset="0"/>
+              </a:rPr>
+              <a:t>newspaper</a:t>
+            </a:r>
+            <a:r>
+              <a:rPr lang="en-US" sz="2800" cap="none" dirty="0" smtClean="0">
+                <a:latin typeface="Calibri" panose="020F0502020204030204" pitchFamily="34" charset="0"/>
+                <a:cs typeface="Calibri" panose="020F0502020204030204" pitchFamily="34" charset="0"/>
+              </a:rPr>
+              <a:t>, we end up not gaining any additional explanatory power by having </a:t>
+            </a:r>
+            <a:r>
+              <a:rPr lang="en-US" sz="2800" cap="none" dirty="0" smtClean="0">
+                <a:solidFill>
+                  <a:schemeClr val="accent4">
+                    <a:lumMod val="75000"/>
+                  </a:schemeClr>
+                </a:solidFill>
+                <a:latin typeface="Calibri" panose="020F0502020204030204" pitchFamily="34" charset="0"/>
+                <a:cs typeface="Calibri" panose="020F0502020204030204" pitchFamily="34" charset="0"/>
+              </a:rPr>
+              <a:t>newspaper</a:t>
+            </a:r>
+            <a:r>
+              <a:rPr lang="en-US" sz="2800" cap="none" dirty="0" smtClean="0">
+                <a:latin typeface="Calibri" panose="020F0502020204030204" pitchFamily="34" charset="0"/>
+                <a:cs typeface="Calibri" panose="020F0502020204030204" pitchFamily="34" charset="0"/>
+              </a:rPr>
+              <a:t> as part of our model</a:t>
             </a:r>
           </a:p>
           <a:p>
@@ -23169,7 +23634,64 @@
                 <a:latin typeface="Calibri" panose="020F0502020204030204" pitchFamily="34" charset="0"/>
                 <a:cs typeface="Calibri" panose="020F0502020204030204" pitchFamily="34" charset="0"/>
               </a:rPr>
-              <a:t>Because of the high correlation between radio and newspaper, we end up not gaining any additional explanatory power by having newspaper as part of our model</a:t>
+              <a:t>Because of the high correlation between </a:t>
+            </a:r>
+            <a:r>
+              <a:rPr lang="en-US" sz="2800" cap="none" dirty="0" smtClean="0">
+                <a:solidFill>
+                  <a:schemeClr val="accent4">
+                    <a:lumMod val="75000"/>
+                  </a:schemeClr>
+                </a:solidFill>
+                <a:latin typeface="Calibri" panose="020F0502020204030204" pitchFamily="34" charset="0"/>
+                <a:cs typeface="Calibri" panose="020F0502020204030204" pitchFamily="34" charset="0"/>
+              </a:rPr>
+              <a:t>radio</a:t>
+            </a:r>
+            <a:r>
+              <a:rPr lang="en-US" sz="2800" cap="none" dirty="0" smtClean="0">
+                <a:latin typeface="Calibri" panose="020F0502020204030204" pitchFamily="34" charset="0"/>
+                <a:cs typeface="Calibri" panose="020F0502020204030204" pitchFamily="34" charset="0"/>
+              </a:rPr>
+              <a:t> and </a:t>
+            </a:r>
+            <a:r>
+              <a:rPr lang="en-US" sz="2800" cap="none" dirty="0" smtClean="0">
+                <a:solidFill>
+                  <a:schemeClr val="accent4">
+                    <a:lumMod val="75000"/>
+                  </a:schemeClr>
+                </a:solidFill>
+                <a:latin typeface="Calibri" panose="020F0502020204030204" pitchFamily="34" charset="0"/>
+                <a:cs typeface="Calibri" panose="020F0502020204030204" pitchFamily="34" charset="0"/>
+              </a:rPr>
+              <a:t>newspaper</a:t>
+            </a:r>
+            <a:r>
+              <a:rPr lang="en-US" sz="2800" cap="none" dirty="0" smtClean="0">
+                <a:latin typeface="Calibri" panose="020F0502020204030204" pitchFamily="34" charset="0"/>
+                <a:cs typeface="Calibri" panose="020F0502020204030204" pitchFamily="34" charset="0"/>
+              </a:rPr>
+              <a:t>, we end up not gaining any additional explanatory power by having </a:t>
+            </a:r>
+            <a:r>
+              <a:rPr lang="en-US" sz="2800" cap="none" dirty="0" smtClean="0">
+                <a:solidFill>
+                  <a:schemeClr val="accent4">
+                    <a:lumMod val="75000"/>
+                  </a:schemeClr>
+                </a:solidFill>
+                <a:latin typeface="Calibri" panose="020F0502020204030204" pitchFamily="34" charset="0"/>
+                <a:cs typeface="Calibri" panose="020F0502020204030204" pitchFamily="34" charset="0"/>
+              </a:rPr>
+              <a:t>newspaper</a:t>
+            </a:r>
+            <a:r>
+              <a:rPr lang="en-US" sz="2800" cap="none" dirty="0" smtClean="0">
+                <a:latin typeface="Calibri" panose="020F0502020204030204" pitchFamily="34" charset="0"/>
+                <a:cs typeface="Calibri" panose="020F0502020204030204" pitchFamily="34" charset="0"/>
+              </a:rPr>
+              <a:t> as part of our model</a:t>
             </a:r>
           </a:p>
           <a:p>
@@ -23315,7 +23837,7 @@
         </p:nvSpPr>
         <p:spPr>
           <a:xfrm>
-            <a:off x="913775" y="2028092"/>
+            <a:off x="913775" y="1750506"/>
             <a:ext cx="10364451" cy="4830350"/>
           </a:xfrm>
           <a:prstGeom prst="rect">
@@ -23537,43 +24059,83 @@
             </a:r>
           </a:p>
           <a:p>
-            <a:pPr lvl="2"/>
+            <a:pPr marL="1428750" lvl="2" indent="-514350">
+              <a:buFont typeface="+mj-lt"/>
+              <a:buAutoNum type="arabicPeriod"/>
+            </a:pPr>
             <a:r>
               <a:rPr lang="en-US" sz="2800" cap="none" dirty="0" smtClean="0">
                 <a:latin typeface="Calibri" panose="020F0502020204030204" pitchFamily="34" charset="0"/>
                 <a:cs typeface="Calibri" panose="020F0502020204030204" pitchFamily="34" charset="0"/>
               </a:rPr>
-              <a:t>1. Is at least one of the predictors useful in predicting the response (F-statistic)?</a:t>
-            </a:r>
-          </a:p>
-          <a:p>
-            <a:pPr lvl="2"/>
+              <a:t>Is </a:t>
+            </a:r>
             <a:r>
               <a:rPr lang="en-US" sz="2800" cap="none" dirty="0" smtClean="0">
                 <a:latin typeface="Calibri" panose="020F0502020204030204" pitchFamily="34" charset="0"/>
                 <a:cs typeface="Calibri" panose="020F0502020204030204" pitchFamily="34" charset="0"/>
               </a:rPr>
-              <a:t>2. Do all predictors help explain the response, or only a subset?</a:t>
-            </a:r>
-          </a:p>
-          <a:p>
-            <a:pPr lvl="2"/>
+              <a:t>at least one of the predictors useful in predicting the response (F-statistic)?</a:t>
+            </a:r>
+          </a:p>
+          <a:p>
+            <a:pPr marL="1428750" lvl="2" indent="-514350">
+              <a:buFont typeface="+mj-lt"/>
+              <a:buAutoNum type="arabicPeriod"/>
+            </a:pPr>
             <a:r>
               <a:rPr lang="en-US" sz="2800" cap="none" dirty="0" smtClean="0">
                 <a:latin typeface="Calibri" panose="020F0502020204030204" pitchFamily="34" charset="0"/>
                 <a:cs typeface="Calibri" panose="020F0502020204030204" pitchFamily="34" charset="0"/>
               </a:rPr>
-              <a:t>3. How well does the model fit the data?</a:t>
-            </a:r>
-          </a:p>
-          <a:p>
-            <a:pPr lvl="2"/>
+              <a:t>Do </a:t>
+            </a:r>
             <a:r>
               <a:rPr lang="en-US" sz="2800" cap="none" dirty="0" smtClean="0">
                 <a:latin typeface="Calibri" panose="020F0502020204030204" pitchFamily="34" charset="0"/>
                 <a:cs typeface="Calibri" panose="020F0502020204030204" pitchFamily="34" charset="0"/>
               </a:rPr>
-              <a:t>4. How accurate are the model predictions?</a:t>
+              <a:t>all predictors help explain the response, or only a subset?</a:t>
+            </a:r>
+          </a:p>
+          <a:p>
+            <a:pPr marL="1428750" lvl="2" indent="-514350">
+              <a:buFont typeface="+mj-lt"/>
+              <a:buAutoNum type="arabicPeriod"/>
+            </a:pPr>
+            <a:r>
+              <a:rPr lang="en-US" sz="2800" cap="none" dirty="0" smtClean="0">
+                <a:latin typeface="Calibri" panose="020F0502020204030204" pitchFamily="34" charset="0"/>
+                <a:cs typeface="Calibri" panose="020F0502020204030204" pitchFamily="34" charset="0"/>
+              </a:rPr>
+              <a:t>How </a:t>
+            </a:r>
+            <a:r>
+              <a:rPr lang="en-US" sz="2800" cap="none" dirty="0" smtClean="0">
+                <a:latin typeface="Calibri" panose="020F0502020204030204" pitchFamily="34" charset="0"/>
+                <a:cs typeface="Calibri" panose="020F0502020204030204" pitchFamily="34" charset="0"/>
+              </a:rPr>
+              <a:t>well does the model fit the data?</a:t>
+            </a:r>
+          </a:p>
+          <a:p>
+            <a:pPr marL="1428750" lvl="2" indent="-514350">
+              <a:buFont typeface="+mj-lt"/>
+              <a:buAutoNum type="arabicPeriod"/>
+            </a:pPr>
+            <a:r>
+              <a:rPr lang="en-US" sz="2800" cap="none" dirty="0" smtClean="0">
+                <a:latin typeface="Calibri" panose="020F0502020204030204" pitchFamily="34" charset="0"/>
+                <a:cs typeface="Calibri" panose="020F0502020204030204" pitchFamily="34" charset="0"/>
+              </a:rPr>
+              <a:t>Given a set of input values, what response should we predict, and how </a:t>
+            </a:r>
+            <a:r>
+              <a:rPr lang="en-US" sz="2800" cap="none" dirty="0" smtClean="0">
+                <a:latin typeface="Calibri" panose="020F0502020204030204" pitchFamily="34" charset="0"/>
+                <a:cs typeface="Calibri" panose="020F0502020204030204" pitchFamily="34" charset="0"/>
+              </a:rPr>
+              <a:t>accurate are the model predictions?</a:t>
             </a:r>
           </a:p>
           <a:p>
@@ -23682,8 +24244,8 @@
           </a:p>
         </p:txBody>
       </p:sp>
-      <mc:AlternateContent xmlns:mc="http://schemas.openxmlformats.org/markup-compatibility/2006" xmlns:a14="http://schemas.microsoft.com/office/drawing/2010/main">
-        <mc:Choice Requires="a14">
+      <mc:AlternateContent xmlns:mc="http://schemas.openxmlformats.org/markup-compatibility/2006">
+        <mc:Choice xmlns:a14="http://schemas.microsoft.com/office/drawing/2010/main" Requires="a14">
           <p:sp>
             <p:nvSpPr>
               <p:cNvPr id="6" name="Content Placeholder 2"/>
@@ -23906,7 +24468,9 @@
                 </a:lvl9pPr>
               </a:lstStyle>
               <a:p>
-                <a:pPr lvl="1"/>
+                <a:pPr marL="457200" lvl="1" indent="0">
+                  <a:buNone/>
+                </a:pPr>
                 <a:r>
                   <a:rPr lang="en-US" sz="2800" cap="none" dirty="0" smtClean="0">
                     <a:latin typeface="Calibri" panose="020F0502020204030204" pitchFamily="34" charset="0"/>
@@ -24147,7 +24711,7 @@
             </p:txBody>
           </p:sp>
         </mc:Choice>
-        <mc:Fallback xmlns="">
+        <mc:Fallback>
           <p:sp>
             <p:nvSpPr>
               <p:cNvPr id="6" name="Content Placeholder 2"/>
@@ -24477,7 +25041,9 @@
             </a:lvl9pPr>
           </a:lstStyle>
           <a:p>
-            <a:pPr lvl="1"/>
+            <a:pPr marL="457200" lvl="1" indent="0">
+              <a:buNone/>
+            </a:pPr>
             <a:r>
               <a:rPr lang="en-US" sz="2800" cap="none" dirty="0" smtClean="0">
                 <a:latin typeface="Calibri" panose="020F0502020204030204" pitchFamily="34" charset="0"/>
@@ -24848,7 +25414,9 @@
             </a:lvl9pPr>
           </a:lstStyle>
           <a:p>
-            <a:pPr lvl="1"/>
+            <a:pPr marL="457200" lvl="1" indent="0">
+              <a:buNone/>
+            </a:pPr>
             <a:r>
               <a:rPr lang="en-US" sz="2800" cap="none" dirty="0">
                 <a:latin typeface="Calibri" panose="020F0502020204030204" pitchFamily="34" charset="0"/>
@@ -25215,7 +25783,9 @@
             </a:lvl9pPr>
           </a:lstStyle>
           <a:p>
-            <a:pPr lvl="1"/>
+            <a:pPr marL="457200" lvl="1" indent="0">
+              <a:buNone/>
+            </a:pPr>
             <a:r>
               <a:rPr lang="en-US" sz="2800" cap="none" dirty="0">
                 <a:latin typeface="Calibri" panose="020F0502020204030204" pitchFamily="34" charset="0"/>
@@ -25595,7 +26165,9 @@
             </a:lvl9pPr>
           </a:lstStyle>
           <a:p>
-            <a:pPr lvl="1"/>
+            <a:pPr marL="457200" lvl="1" indent="0">
+              <a:buNone/>
+            </a:pPr>
             <a:r>
               <a:rPr lang="en-US" sz="2800" cap="none" dirty="0">
                 <a:latin typeface="Calibri" panose="020F0502020204030204" pitchFamily="34" charset="0"/>
@@ -25766,8 +26338,8 @@
           </a:p>
         </p:txBody>
       </p:sp>
-      <mc:AlternateContent xmlns:mc="http://schemas.openxmlformats.org/markup-compatibility/2006" xmlns:a14="http://schemas.microsoft.com/office/drawing/2010/main">
-        <mc:Choice Requires="a14">
+      <mc:AlternateContent xmlns:mc="http://schemas.openxmlformats.org/markup-compatibility/2006">
+        <mc:Choice xmlns:a14="http://schemas.microsoft.com/office/drawing/2010/main" Requires="a14">
           <p:sp>
             <p:nvSpPr>
               <p:cNvPr id="6" name="Content Placeholder 2"/>
@@ -25990,7 +26562,9 @@
                 </a:lvl9pPr>
               </a:lstStyle>
               <a:p>
-                <a:pPr lvl="1"/>
+                <a:pPr marL="457200" lvl="1" indent="0">
+                  <a:buNone/>
+                </a:pPr>
                 <a:r>
                   <a:rPr lang="en-US" sz="2800" cap="none" dirty="0">
                     <a:latin typeface="Calibri" panose="020F0502020204030204" pitchFamily="34" charset="0"/>
@@ -26111,8 +26685,12 @@
                     <a:latin typeface="Calibri" panose="020F0502020204030204" pitchFamily="34" charset="0"/>
                     <a:cs typeface="Calibri" panose="020F0502020204030204" pitchFamily="34" charset="0"/>
                   </a:rPr>
-                  <a:t>)</a:t>
+                  <a:t> or smallest testing data MSE)</a:t>
                 </a:r>
+                <a:endParaRPr lang="en-US" sz="2600" cap="none" dirty="0" smtClean="0">
+                  <a:latin typeface="Calibri" panose="020F0502020204030204" pitchFamily="34" charset="0"/>
+                  <a:cs typeface="Calibri" panose="020F0502020204030204" pitchFamily="34" charset="0"/>
+                </a:endParaRPr>
               </a:p>
               <a:p>
                 <a:pPr lvl="1"/>
@@ -26145,7 +26723,7 @@
             </p:txBody>
           </p:sp>
         </mc:Choice>
-        <mc:Fallback xmlns="">
+        <mc:Fallback>
           <p:sp>
             <p:nvSpPr>
               <p:cNvPr id="6" name="Content Placeholder 2"/>
@@ -26165,7 +26743,7 @@
               <a:blipFill>
                 <a:blip r:embed="rId2"/>
                 <a:stretch>
-                  <a:fillRect t="-253" r="-1235"/>
+                  <a:fillRect t="-253" r="-1235" b="-1263"/>
                 </a:stretch>
               </a:blipFill>
             </p:spPr>
@@ -26475,7 +27053,9 @@
             </a:lvl9pPr>
           </a:lstStyle>
           <a:p>
-            <a:pPr lvl="1"/>
+            <a:pPr marL="457200" lvl="1" indent="0">
+              <a:buNone/>
+            </a:pPr>
             <a:r>
               <a:rPr lang="en-US" sz="2800" cap="none" dirty="0">
                 <a:latin typeface="Calibri" panose="020F0502020204030204" pitchFamily="34" charset="0"/>
@@ -26828,7 +27408,9 @@
             </a:lvl9pPr>
           </a:lstStyle>
           <a:p>
-            <a:pPr lvl="1"/>
+            <a:pPr marL="457200" lvl="1" indent="0">
+              <a:buNone/>
+            </a:pPr>
             <a:r>
               <a:rPr lang="en-US" sz="2800" cap="none" dirty="0">
                 <a:latin typeface="Calibri" panose="020F0502020204030204" pitchFamily="34" charset="0"/>
@@ -27478,7 +28060,9 @@
             </a:lvl9pPr>
           </a:lstStyle>
           <a:p>
-            <a:pPr lvl="1"/>
+            <a:pPr marL="457200" lvl="1" indent="0">
+              <a:buNone/>
+            </a:pPr>
             <a:r>
               <a:rPr lang="en-US" sz="2800" cap="none" dirty="0">
                 <a:latin typeface="Calibri" panose="020F0502020204030204" pitchFamily="34" charset="0"/>
@@ -27870,20 +28454,15 @@
                 </a:lvl9pPr>
               </a:lstStyle>
               <a:p>
-                <a:pPr lvl="1"/>
+                <a:pPr marL="457200" lvl="1" indent="0">
+                  <a:buNone/>
+                </a:pPr>
                 <a:r>
                   <a:rPr lang="en-US" sz="2800" cap="none" dirty="0" smtClean="0">
                     <a:latin typeface="Calibri" panose="020F0502020204030204" pitchFamily="34" charset="0"/>
                     <a:cs typeface="Calibri" panose="020F0502020204030204" pitchFamily="34" charset="0"/>
                   </a:rPr>
-                  <a:t>2. </a:t>
-                </a:r>
-                <a:r>
-                  <a:rPr lang="en-US" sz="2800" cap="none" dirty="0" smtClean="0">
-                    <a:latin typeface="Calibri" panose="020F0502020204030204" pitchFamily="34" charset="0"/>
-                    <a:cs typeface="Calibri" panose="020F0502020204030204" pitchFamily="34" charset="0"/>
-                  </a:rPr>
-                  <a:t>Do </a:t>
+                  <a:t>2. Do </a:t>
                 </a:r>
                 <a:r>
                   <a:rPr lang="en-US" sz="2800" cap="none" dirty="0">
@@ -27900,14 +28479,7 @@
                     <a:latin typeface="Calibri" panose="020F0502020204030204" pitchFamily="34" charset="0"/>
                     <a:cs typeface="Calibri" panose="020F0502020204030204" pitchFamily="34" charset="0"/>
                   </a:rPr>
-                  <a:t>There is also Mixed selection, which is a combination of both forward and backward </a:t>
-                </a:r>
-                <a:r>
-                  <a:rPr lang="en-US" sz="2600" cap="none" dirty="0" smtClean="0">
-                    <a:latin typeface="Calibri" panose="020F0502020204030204" pitchFamily="34" charset="0"/>
-                    <a:cs typeface="Calibri" panose="020F0502020204030204" pitchFamily="34" charset="0"/>
-                  </a:rPr>
-                  <a:t>selection, and Best selection, which tries every possible combination. This results in </a:t>
+                  <a:t>There is also Mixed selection, which is a combination of both forward and backward selection, and Best selection, which tries every possible combination. This results in </a:t>
                 </a:r>
                 <a14:m>
                   <m:oMath xmlns:m="http://schemas.openxmlformats.org/officeDocument/2006/math">
@@ -27948,10 +28520,6 @@
                   </a:rPr>
                   <a:t> models. </a:t>
                 </a:r>
-                <a:endParaRPr lang="en-US" sz="2600" cap="none" dirty="0" smtClean="0">
-                  <a:latin typeface="Calibri" panose="020F0502020204030204" pitchFamily="34" charset="0"/>
-                  <a:cs typeface="Calibri" panose="020F0502020204030204" pitchFamily="34" charset="0"/>
-                </a:endParaRPr>
               </a:p>
               <a:p>
                 <a:pPr lvl="2"/>
@@ -28105,8 +28673,8 @@
           </a:p>
         </p:txBody>
       </p:sp>
-      <mc:AlternateContent xmlns:mc="http://schemas.openxmlformats.org/markup-compatibility/2006" xmlns:a14="http://schemas.microsoft.com/office/drawing/2010/main">
-        <mc:Choice Requires="a14">
+      <mc:AlternateContent xmlns:mc="http://schemas.openxmlformats.org/markup-compatibility/2006">
+        <mc:Choice xmlns:a14="http://schemas.microsoft.com/office/drawing/2010/main" Requires="a14">
           <p:sp>
             <p:nvSpPr>
               <p:cNvPr id="6" name="Content Placeholder 2"/>
@@ -28126,7 +28694,7 @@
             </p:spPr>
             <p:txBody>
               <a:bodyPr vert="horz" lIns="91440" tIns="45720" rIns="91440" bIns="45720" rtlCol="0">
-                <a:normAutofit/>
+                <a:normAutofit fontScale="92500"/>
               </a:bodyPr>
               <a:lstStyle>
                 <a:lvl1pPr marL="228600" indent="-228600" algn="l" defTabSz="914400" rtl="0" eaLnBrk="1" latinLnBrk="0" hangingPunct="1">
@@ -28329,7 +28897,9 @@
                 </a:lvl9pPr>
               </a:lstStyle>
               <a:p>
-                <a:pPr lvl="1"/>
+                <a:pPr marL="457200" lvl="1" indent="0">
+                  <a:buNone/>
+                </a:pPr>
                 <a:r>
                   <a:rPr lang="en-US" sz="2800" cap="none" dirty="0">
                     <a:latin typeface="Calibri" panose="020F0502020204030204" pitchFamily="34" charset="0"/>
@@ -28572,9 +29142,26 @@
                     <a:latin typeface="Calibri" panose="020F0502020204030204" pitchFamily="34" charset="0"/>
                     <a:cs typeface="Calibri" panose="020F0502020204030204" pitchFamily="34" charset="0"/>
                   </a:rPr>
-                  <a:t> penalizes the model as more predictors are added</a:t>
+                  <a:t> penalizes the model as more predictors are </a:t>
                 </a:r>
-                <a:endParaRPr lang="en-US" sz="2400" cap="none" dirty="0">
+                <a:r>
+                  <a:rPr lang="en-US" sz="2400" cap="none" dirty="0" smtClean="0">
+                    <a:latin typeface="Calibri" panose="020F0502020204030204" pitchFamily="34" charset="0"/>
+                    <a:cs typeface="Calibri" panose="020F0502020204030204" pitchFamily="34" charset="0"/>
+                  </a:rPr>
+                  <a:t>added, much like RSE does.</a:t>
+                </a:r>
+              </a:p>
+              <a:p>
+                <a:pPr lvl="2"/>
+                <a:r>
+                  <a:rPr lang="en-US" sz="2600" cap="none" dirty="0" smtClean="0">
+                    <a:latin typeface="Calibri" panose="020F0502020204030204" pitchFamily="34" charset="0"/>
+                    <a:cs typeface="Calibri" panose="020F0502020204030204" pitchFamily="34" charset="0"/>
+                  </a:rPr>
+                  <a:t>AIC, BIC are other measures that help drive model selection and help avoid overfitting with too many predictors</a:t>
+                </a:r>
+                <a:endParaRPr lang="en-US" sz="2600" cap="none" dirty="0">
                   <a:latin typeface="Calibri" panose="020F0502020204030204" pitchFamily="34" charset="0"/>
                   <a:cs typeface="Calibri" panose="020F0502020204030204" pitchFamily="34" charset="0"/>
                 </a:endParaRPr>
@@ -28596,7 +29183,7 @@
             </p:txBody>
           </p:sp>
         </mc:Choice>
-        <mc:Fallback xmlns="">
+        <mc:Fallback>
           <p:sp>
             <p:nvSpPr>
               <p:cNvPr id="6" name="Content Placeholder 2"/>
@@ -28616,7 +29203,7 @@
               <a:blipFill>
                 <a:blip r:embed="rId2"/>
                 <a:stretch>
-                  <a:fillRect t="-253"/>
+                  <a:fillRect b="-1263"/>
                 </a:stretch>
               </a:blipFill>
             </p:spPr>
@@ -28635,6 +29222,30 @@
           </p:sp>
         </mc:Fallback>
       </mc:AlternateContent>
+      <p:pic>
+        <p:nvPicPr>
+          <p:cNvPr id="4" name="Picture 3"/>
+          <p:cNvPicPr>
+            <a:picLocks noChangeAspect="1"/>
+          </p:cNvPicPr>
+          <p:nvPr/>
+        </p:nvPicPr>
+        <p:blipFill>
+          <a:blip r:embed="rId3"/>
+          <a:stretch>
+            <a:fillRect/>
+          </a:stretch>
+        </p:blipFill>
+        <p:spPr>
+          <a:xfrm>
+            <a:off x="7924106" y="2710543"/>
+            <a:ext cx="3990308" cy="1151354"/>
+          </a:xfrm>
+          <a:prstGeom prst="rect">
+            <a:avLst/>
+          </a:prstGeom>
+        </p:spPr>
+      </p:pic>
     </p:spTree>
     <p:extLst>
       <p:ext uri="{BB962C8B-B14F-4D97-AF65-F5344CB8AC3E}">
@@ -28704,356 +29315,443 @@
           </a:p>
         </p:txBody>
       </p:sp>
-      <p:sp>
-        <p:nvSpPr>
-          <p:cNvPr id="6" name="Content Placeholder 2"/>
-          <p:cNvSpPr txBox="1">
-            <a:spLocks/>
-          </p:cNvSpPr>
-          <p:nvPr/>
-        </p:nvSpPr>
-        <p:spPr>
-          <a:xfrm>
-            <a:off x="913775" y="1639461"/>
-            <a:ext cx="10364451" cy="4830350"/>
-          </a:xfrm>
-          <a:prstGeom prst="rect">
-            <a:avLst/>
-          </a:prstGeom>
-        </p:spPr>
-        <p:txBody>
-          <a:bodyPr vert="horz" lIns="91440" tIns="45720" rIns="91440" bIns="45720" rtlCol="0">
-            <a:normAutofit lnSpcReduction="10000"/>
-          </a:bodyPr>
-          <a:lstStyle>
-            <a:lvl1pPr marL="228600" indent="-228600" algn="l" defTabSz="914400" rtl="0" eaLnBrk="1" latinLnBrk="0" hangingPunct="1">
-              <a:lnSpc>
-                <a:spcPct val="120000"/>
-              </a:lnSpc>
-              <a:spcBef>
-                <a:spcPts val="1000"/>
-              </a:spcBef>
-              <a:buClr>
-                <a:schemeClr val="tx1"/>
-              </a:buClr>
-              <a:buFont typeface="Arial" panose="020B0604020202020204" pitchFamily="34" charset="0"/>
-              <a:buChar char="•"/>
-              <a:defRPr sz="2000" kern="1200" cap="all" baseline="0">
-                <a:solidFill>
-                  <a:schemeClr val="tx1"/>
-                </a:solidFill>
-                <a:effectLst/>
-                <a:latin typeface="+mn-lt"/>
-                <a:ea typeface="+mn-ea"/>
-                <a:cs typeface="+mn-cs"/>
-              </a:defRPr>
-            </a:lvl1pPr>
-            <a:lvl2pPr marL="685800" indent="-228600" algn="l" defTabSz="914400" rtl="0" eaLnBrk="1" latinLnBrk="0" hangingPunct="1">
-              <a:lnSpc>
-                <a:spcPct val="120000"/>
-              </a:lnSpc>
-              <a:spcBef>
-                <a:spcPts val="500"/>
-              </a:spcBef>
-              <a:buClr>
-                <a:schemeClr val="tx1"/>
-              </a:buClr>
-              <a:buFont typeface="Arial" panose="020B0604020202020204" pitchFamily="34" charset="0"/>
-              <a:buChar char="•"/>
-              <a:defRPr sz="1800" kern="1200" cap="all" baseline="0">
-                <a:solidFill>
-                  <a:schemeClr val="tx1"/>
-                </a:solidFill>
-                <a:effectLst/>
-                <a:latin typeface="+mn-lt"/>
-                <a:ea typeface="+mn-ea"/>
-                <a:cs typeface="+mn-cs"/>
-              </a:defRPr>
-            </a:lvl2pPr>
-            <a:lvl3pPr marL="1143000" indent="-228600" algn="l" defTabSz="914400" rtl="0" eaLnBrk="1" latinLnBrk="0" hangingPunct="1">
-              <a:lnSpc>
-                <a:spcPct val="120000"/>
-              </a:lnSpc>
-              <a:spcBef>
-                <a:spcPts val="500"/>
-              </a:spcBef>
-              <a:buClr>
-                <a:schemeClr val="tx1"/>
-              </a:buClr>
-              <a:buFont typeface="Arial" panose="020B0604020202020204" pitchFamily="34" charset="0"/>
-              <a:buChar char="•"/>
-              <a:defRPr sz="1600" kern="1200" cap="all" baseline="0">
-                <a:solidFill>
-                  <a:schemeClr val="tx1"/>
-                </a:solidFill>
-                <a:effectLst/>
-                <a:latin typeface="+mn-lt"/>
-                <a:ea typeface="+mn-ea"/>
-                <a:cs typeface="+mn-cs"/>
-              </a:defRPr>
-            </a:lvl3pPr>
-            <a:lvl4pPr marL="1600200" indent="-228600" algn="l" defTabSz="914400" rtl="0" eaLnBrk="1" latinLnBrk="0" hangingPunct="1">
-              <a:lnSpc>
-                <a:spcPct val="120000"/>
-              </a:lnSpc>
-              <a:spcBef>
-                <a:spcPts val="500"/>
-              </a:spcBef>
-              <a:buClr>
-                <a:schemeClr val="tx1"/>
-              </a:buClr>
-              <a:buFont typeface="Arial" panose="020B0604020202020204" pitchFamily="34" charset="0"/>
-              <a:buChar char="•"/>
-              <a:defRPr sz="1400" kern="1200" cap="all" baseline="0">
-                <a:solidFill>
-                  <a:schemeClr val="tx1"/>
-                </a:solidFill>
-                <a:effectLst/>
-                <a:latin typeface="+mn-lt"/>
-                <a:ea typeface="+mn-ea"/>
-                <a:cs typeface="+mn-cs"/>
-              </a:defRPr>
-            </a:lvl4pPr>
-            <a:lvl5pPr marL="2057400" indent="-228600" algn="l" defTabSz="914400" rtl="0" eaLnBrk="1" latinLnBrk="0" hangingPunct="1">
-              <a:lnSpc>
-                <a:spcPct val="120000"/>
-              </a:lnSpc>
-              <a:spcBef>
-                <a:spcPts val="500"/>
-              </a:spcBef>
-              <a:buClr>
-                <a:schemeClr val="tx1"/>
-              </a:buClr>
-              <a:buFont typeface="Arial" panose="020B0604020202020204" pitchFamily="34" charset="0"/>
-              <a:buChar char="•"/>
-              <a:defRPr sz="1400" kern="1200" cap="all" baseline="0">
-                <a:solidFill>
-                  <a:schemeClr val="tx1"/>
-                </a:solidFill>
-                <a:effectLst/>
-                <a:latin typeface="+mn-lt"/>
-                <a:ea typeface="+mn-ea"/>
-                <a:cs typeface="+mn-cs"/>
-              </a:defRPr>
-            </a:lvl5pPr>
-            <a:lvl6pPr marL="2514600" indent="-228600" algn="l" defTabSz="914400" rtl="0" eaLnBrk="1" latinLnBrk="0" hangingPunct="1">
-              <a:lnSpc>
-                <a:spcPct val="120000"/>
-              </a:lnSpc>
-              <a:spcBef>
-                <a:spcPts val="500"/>
-              </a:spcBef>
-              <a:buClr>
-                <a:schemeClr val="tx1"/>
-              </a:buClr>
-              <a:buFont typeface="Arial" panose="020B0604020202020204" pitchFamily="34" charset="0"/>
-              <a:buChar char="•"/>
-              <a:defRPr sz="1400" kern="1200" cap="all" baseline="0">
-                <a:solidFill>
-                  <a:schemeClr val="tx1"/>
-                </a:solidFill>
-                <a:effectLst/>
-                <a:latin typeface="+mn-lt"/>
-                <a:ea typeface="+mn-ea"/>
-                <a:cs typeface="+mn-cs"/>
-              </a:defRPr>
-            </a:lvl6pPr>
-            <a:lvl7pPr marL="2971800" indent="-228600" algn="l" defTabSz="914400" rtl="0" eaLnBrk="1" latinLnBrk="0" hangingPunct="1">
-              <a:lnSpc>
-                <a:spcPct val="120000"/>
-              </a:lnSpc>
-              <a:spcBef>
-                <a:spcPts val="500"/>
-              </a:spcBef>
-              <a:buClr>
-                <a:schemeClr val="tx1"/>
-              </a:buClr>
-              <a:buFont typeface="Arial" panose="020B0604020202020204" pitchFamily="34" charset="0"/>
-              <a:buChar char="•"/>
-              <a:defRPr sz="1400" kern="1200" cap="all" baseline="0">
-                <a:solidFill>
-                  <a:schemeClr val="tx1"/>
-                </a:solidFill>
-                <a:effectLst/>
-                <a:latin typeface="+mn-lt"/>
-                <a:ea typeface="+mn-ea"/>
-                <a:cs typeface="+mn-cs"/>
-              </a:defRPr>
-            </a:lvl7pPr>
-            <a:lvl8pPr marL="3429000" indent="-228600" algn="l" defTabSz="914400" rtl="0" eaLnBrk="1" latinLnBrk="0" hangingPunct="1">
-              <a:lnSpc>
-                <a:spcPct val="120000"/>
-              </a:lnSpc>
-              <a:spcBef>
-                <a:spcPts val="500"/>
-              </a:spcBef>
-              <a:buClr>
-                <a:schemeClr val="tx1"/>
-              </a:buClr>
-              <a:buFont typeface="Arial" panose="020B0604020202020204" pitchFamily="34" charset="0"/>
-              <a:buChar char="•"/>
-              <a:defRPr sz="1400" kern="1200" cap="all" baseline="0">
-                <a:solidFill>
-                  <a:schemeClr val="tx1"/>
-                </a:solidFill>
-                <a:effectLst/>
-                <a:latin typeface="+mn-lt"/>
-                <a:ea typeface="+mn-ea"/>
-                <a:cs typeface="+mn-cs"/>
-              </a:defRPr>
-            </a:lvl8pPr>
-            <a:lvl9pPr marL="3886200" indent="-228600" algn="l" defTabSz="914400" rtl="0" eaLnBrk="1" latinLnBrk="0" hangingPunct="1">
-              <a:lnSpc>
-                <a:spcPct val="120000"/>
-              </a:lnSpc>
-              <a:spcBef>
-                <a:spcPts val="500"/>
-              </a:spcBef>
-              <a:buClr>
-                <a:schemeClr val="tx1"/>
-              </a:buClr>
-              <a:buFont typeface="Arial" panose="020B0604020202020204" pitchFamily="34" charset="0"/>
-              <a:buChar char="•"/>
-              <a:defRPr sz="1400" kern="1200" cap="all" baseline="0">
-                <a:solidFill>
-                  <a:schemeClr val="tx1"/>
-                </a:solidFill>
-                <a:effectLst/>
-                <a:latin typeface="+mn-lt"/>
-                <a:ea typeface="+mn-ea"/>
-                <a:cs typeface="+mn-cs"/>
-              </a:defRPr>
-            </a:lvl9pPr>
-          </a:lstStyle>
-          <a:p>
-            <a:pPr lvl="1"/>
-            <a:r>
-              <a:rPr lang="en-US" sz="2600" cap="none" dirty="0" smtClean="0">
-                <a:latin typeface="Calibri" panose="020F0502020204030204" pitchFamily="34" charset="0"/>
-                <a:cs typeface="Calibri" panose="020F0502020204030204" pitchFamily="34" charset="0"/>
-              </a:rPr>
-              <a:t>4</a:t>
-            </a:r>
-            <a:r>
-              <a:rPr lang="en-US" sz="2600" cap="none" dirty="0">
-                <a:latin typeface="Calibri" panose="020F0502020204030204" pitchFamily="34" charset="0"/>
-                <a:cs typeface="Calibri" panose="020F0502020204030204" pitchFamily="34" charset="0"/>
-              </a:rPr>
-              <a:t>. How accurate are the model predictions?</a:t>
-            </a:r>
-          </a:p>
-          <a:p>
-            <a:pPr lvl="2"/>
-            <a:r>
-              <a:rPr lang="en-US" sz="2400" cap="none" dirty="0" smtClean="0">
-                <a:latin typeface="Calibri" panose="020F0502020204030204" pitchFamily="34" charset="0"/>
-                <a:cs typeface="Calibri" panose="020F0502020204030204" pitchFamily="34" charset="0"/>
-              </a:rPr>
-              <a:t>Once we have a model, it is easy to predict a new response based on a new set of input data</a:t>
-            </a:r>
-          </a:p>
-          <a:p>
-            <a:pPr lvl="2"/>
-            <a:r>
-              <a:rPr lang="en-US" sz="2400" cap="none" dirty="0" smtClean="0">
-                <a:latin typeface="Calibri" panose="020F0502020204030204" pitchFamily="34" charset="0"/>
-                <a:cs typeface="Calibri" panose="020F0502020204030204" pitchFamily="34" charset="0"/>
-              </a:rPr>
-              <a:t>Since the coefficients are estimates of the true coefficients, we will always have some error in our prediction (</a:t>
-            </a:r>
-            <a:r>
-              <a:rPr lang="en-US" sz="2400" b="1" cap="none" dirty="0" smtClean="0">
-                <a:latin typeface="Calibri" panose="020F0502020204030204" pitchFamily="34" charset="0"/>
-                <a:cs typeface="Calibri" panose="020F0502020204030204" pitchFamily="34" charset="0"/>
-              </a:rPr>
-              <a:t>reducible error</a:t>
-            </a:r>
-            <a:r>
-              <a:rPr lang="en-US" sz="2400" cap="none" dirty="0" smtClean="0">
-                <a:latin typeface="Calibri" panose="020F0502020204030204" pitchFamily="34" charset="0"/>
-                <a:cs typeface="Calibri" panose="020F0502020204030204" pitchFamily="34" charset="0"/>
-              </a:rPr>
-              <a:t>)</a:t>
-            </a:r>
-          </a:p>
-          <a:p>
-            <a:pPr lvl="2"/>
-            <a:r>
-              <a:rPr lang="en-US" sz="2400" cap="none" dirty="0" smtClean="0">
-                <a:latin typeface="Calibri" panose="020F0502020204030204" pitchFamily="34" charset="0"/>
-                <a:cs typeface="Calibri" panose="020F0502020204030204" pitchFamily="34" charset="0"/>
-              </a:rPr>
-              <a:t>We can construct </a:t>
-            </a:r>
-            <a:r>
-              <a:rPr lang="en-US" sz="2400" b="1" cap="none" dirty="0" smtClean="0">
-                <a:latin typeface="Calibri" panose="020F0502020204030204" pitchFamily="34" charset="0"/>
-                <a:cs typeface="Calibri" panose="020F0502020204030204" pitchFamily="34" charset="0"/>
-              </a:rPr>
-              <a:t>confidence intervals </a:t>
-            </a:r>
-            <a:r>
-              <a:rPr lang="en-US" sz="2400" cap="none" dirty="0" smtClean="0">
-                <a:latin typeface="Calibri" panose="020F0502020204030204" pitchFamily="34" charset="0"/>
-                <a:cs typeface="Calibri" panose="020F0502020204030204" pitchFamily="34" charset="0"/>
-              </a:rPr>
-              <a:t>to quantify the uncertainty surrounding the average Y over a large number of observations</a:t>
-            </a:r>
-          </a:p>
-          <a:p>
-            <a:pPr lvl="2"/>
-            <a:r>
-              <a:rPr lang="en-US" sz="2400" cap="none" dirty="0" smtClean="0">
-                <a:latin typeface="Calibri" panose="020F0502020204030204" pitchFamily="34" charset="0"/>
-                <a:cs typeface="Calibri" panose="020F0502020204030204" pitchFamily="34" charset="0"/>
-              </a:rPr>
-              <a:t>Taking a step further, we use </a:t>
-            </a:r>
-            <a:r>
-              <a:rPr lang="en-US" sz="2400" b="1" cap="none" dirty="0" smtClean="0">
-                <a:latin typeface="Calibri" panose="020F0502020204030204" pitchFamily="34" charset="0"/>
-                <a:cs typeface="Calibri" panose="020F0502020204030204" pitchFamily="34" charset="0"/>
-              </a:rPr>
-              <a:t>prediction intervals </a:t>
-            </a:r>
-            <a:r>
-              <a:rPr lang="en-US" sz="2400" cap="none" dirty="0" smtClean="0">
-                <a:latin typeface="Calibri" panose="020F0502020204030204" pitchFamily="34" charset="0"/>
-                <a:cs typeface="Calibri" panose="020F0502020204030204" pitchFamily="34" charset="0"/>
-              </a:rPr>
-              <a:t>to quantify the uncertainty of Y for a particular observation</a:t>
-            </a:r>
-          </a:p>
-          <a:p>
-            <a:pPr lvl="2"/>
-            <a:r>
-              <a:rPr lang="en-US" sz="2400" cap="none" dirty="0" smtClean="0">
-                <a:latin typeface="Calibri" panose="020F0502020204030204" pitchFamily="34" charset="0"/>
-                <a:cs typeface="Calibri" panose="020F0502020204030204" pitchFamily="34" charset="0"/>
-              </a:rPr>
-              <a:t>Pages 81-82 in the textbook for more information on these</a:t>
-            </a:r>
-          </a:p>
-          <a:p>
-            <a:pPr lvl="2"/>
-            <a:endParaRPr lang="en-US" sz="2400" cap="none" dirty="0" smtClean="0">
-              <a:latin typeface="Calibri" panose="020F0502020204030204" pitchFamily="34" charset="0"/>
-              <a:cs typeface="Calibri" panose="020F0502020204030204" pitchFamily="34" charset="0"/>
-            </a:endParaRPr>
-          </a:p>
-          <a:p>
-            <a:pPr lvl="2"/>
-            <a:endParaRPr lang="en-US" sz="2600" cap="none" dirty="0" smtClean="0">
-              <a:latin typeface="Calibri" panose="020F0502020204030204" pitchFamily="34" charset="0"/>
-              <a:cs typeface="Calibri" panose="020F0502020204030204" pitchFamily="34" charset="0"/>
-            </a:endParaRPr>
-          </a:p>
-        </p:txBody>
-      </p:sp>
+      <mc:AlternateContent xmlns:mc="http://schemas.openxmlformats.org/markup-compatibility/2006">
+        <mc:Choice xmlns:a14="http://schemas.microsoft.com/office/drawing/2010/main" Requires="a14">
+          <p:sp>
+            <p:nvSpPr>
+              <p:cNvPr id="6" name="Content Placeholder 2"/>
+              <p:cNvSpPr txBox="1">
+                <a:spLocks/>
+              </p:cNvSpPr>
+              <p:nvPr/>
+            </p:nvSpPr>
+            <p:spPr>
+              <a:xfrm>
+                <a:off x="913775" y="1639461"/>
+                <a:ext cx="10364451" cy="4830350"/>
+              </a:xfrm>
+              <a:prstGeom prst="rect">
+                <a:avLst/>
+              </a:prstGeom>
+            </p:spPr>
+            <p:txBody>
+              <a:bodyPr vert="horz" lIns="91440" tIns="45720" rIns="91440" bIns="45720" rtlCol="0">
+                <a:normAutofit/>
+              </a:bodyPr>
+              <a:lstStyle>
+                <a:lvl1pPr marL="228600" indent="-228600" algn="l" defTabSz="914400" rtl="0" eaLnBrk="1" latinLnBrk="0" hangingPunct="1">
+                  <a:lnSpc>
+                    <a:spcPct val="120000"/>
+                  </a:lnSpc>
+                  <a:spcBef>
+                    <a:spcPts val="1000"/>
+                  </a:spcBef>
+                  <a:buClr>
+                    <a:schemeClr val="tx1"/>
+                  </a:buClr>
+                  <a:buFont typeface="Arial" panose="020B0604020202020204" pitchFamily="34" charset="0"/>
+                  <a:buChar char="•"/>
+                  <a:defRPr sz="2000" kern="1200" cap="all" baseline="0">
+                    <a:solidFill>
+                      <a:schemeClr val="tx1"/>
+                    </a:solidFill>
+                    <a:effectLst/>
+                    <a:latin typeface="+mn-lt"/>
+                    <a:ea typeface="+mn-ea"/>
+                    <a:cs typeface="+mn-cs"/>
+                  </a:defRPr>
+                </a:lvl1pPr>
+                <a:lvl2pPr marL="685800" indent="-228600" algn="l" defTabSz="914400" rtl="0" eaLnBrk="1" latinLnBrk="0" hangingPunct="1">
+                  <a:lnSpc>
+                    <a:spcPct val="120000"/>
+                  </a:lnSpc>
+                  <a:spcBef>
+                    <a:spcPts val="500"/>
+                  </a:spcBef>
+                  <a:buClr>
+                    <a:schemeClr val="tx1"/>
+                  </a:buClr>
+                  <a:buFont typeface="Arial" panose="020B0604020202020204" pitchFamily="34" charset="0"/>
+                  <a:buChar char="•"/>
+                  <a:defRPr sz="1800" kern="1200" cap="all" baseline="0">
+                    <a:solidFill>
+                      <a:schemeClr val="tx1"/>
+                    </a:solidFill>
+                    <a:effectLst/>
+                    <a:latin typeface="+mn-lt"/>
+                    <a:ea typeface="+mn-ea"/>
+                    <a:cs typeface="+mn-cs"/>
+                  </a:defRPr>
+                </a:lvl2pPr>
+                <a:lvl3pPr marL="1143000" indent="-228600" algn="l" defTabSz="914400" rtl="0" eaLnBrk="1" latinLnBrk="0" hangingPunct="1">
+                  <a:lnSpc>
+                    <a:spcPct val="120000"/>
+                  </a:lnSpc>
+                  <a:spcBef>
+                    <a:spcPts val="500"/>
+                  </a:spcBef>
+                  <a:buClr>
+                    <a:schemeClr val="tx1"/>
+                  </a:buClr>
+                  <a:buFont typeface="Arial" panose="020B0604020202020204" pitchFamily="34" charset="0"/>
+                  <a:buChar char="•"/>
+                  <a:defRPr sz="1600" kern="1200" cap="all" baseline="0">
+                    <a:solidFill>
+                      <a:schemeClr val="tx1"/>
+                    </a:solidFill>
+                    <a:effectLst/>
+                    <a:latin typeface="+mn-lt"/>
+                    <a:ea typeface="+mn-ea"/>
+                    <a:cs typeface="+mn-cs"/>
+                  </a:defRPr>
+                </a:lvl3pPr>
+                <a:lvl4pPr marL="1600200" indent="-228600" algn="l" defTabSz="914400" rtl="0" eaLnBrk="1" latinLnBrk="0" hangingPunct="1">
+                  <a:lnSpc>
+                    <a:spcPct val="120000"/>
+                  </a:lnSpc>
+                  <a:spcBef>
+                    <a:spcPts val="500"/>
+                  </a:spcBef>
+                  <a:buClr>
+                    <a:schemeClr val="tx1"/>
+                  </a:buClr>
+                  <a:buFont typeface="Arial" panose="020B0604020202020204" pitchFamily="34" charset="0"/>
+                  <a:buChar char="•"/>
+                  <a:defRPr sz="1400" kern="1200" cap="all" baseline="0">
+                    <a:solidFill>
+                      <a:schemeClr val="tx1"/>
+                    </a:solidFill>
+                    <a:effectLst/>
+                    <a:latin typeface="+mn-lt"/>
+                    <a:ea typeface="+mn-ea"/>
+                    <a:cs typeface="+mn-cs"/>
+                  </a:defRPr>
+                </a:lvl4pPr>
+                <a:lvl5pPr marL="2057400" indent="-228600" algn="l" defTabSz="914400" rtl="0" eaLnBrk="1" latinLnBrk="0" hangingPunct="1">
+                  <a:lnSpc>
+                    <a:spcPct val="120000"/>
+                  </a:lnSpc>
+                  <a:spcBef>
+                    <a:spcPts val="500"/>
+                  </a:spcBef>
+                  <a:buClr>
+                    <a:schemeClr val="tx1"/>
+                  </a:buClr>
+                  <a:buFont typeface="Arial" panose="020B0604020202020204" pitchFamily="34" charset="0"/>
+                  <a:buChar char="•"/>
+                  <a:defRPr sz="1400" kern="1200" cap="all" baseline="0">
+                    <a:solidFill>
+                      <a:schemeClr val="tx1"/>
+                    </a:solidFill>
+                    <a:effectLst/>
+                    <a:latin typeface="+mn-lt"/>
+                    <a:ea typeface="+mn-ea"/>
+                    <a:cs typeface="+mn-cs"/>
+                  </a:defRPr>
+                </a:lvl5pPr>
+                <a:lvl6pPr marL="2514600" indent="-228600" algn="l" defTabSz="914400" rtl="0" eaLnBrk="1" latinLnBrk="0" hangingPunct="1">
+                  <a:lnSpc>
+                    <a:spcPct val="120000"/>
+                  </a:lnSpc>
+                  <a:spcBef>
+                    <a:spcPts val="500"/>
+                  </a:spcBef>
+                  <a:buClr>
+                    <a:schemeClr val="tx1"/>
+                  </a:buClr>
+                  <a:buFont typeface="Arial" panose="020B0604020202020204" pitchFamily="34" charset="0"/>
+                  <a:buChar char="•"/>
+                  <a:defRPr sz="1400" kern="1200" cap="all" baseline="0">
+                    <a:solidFill>
+                      <a:schemeClr val="tx1"/>
+                    </a:solidFill>
+                    <a:effectLst/>
+                    <a:latin typeface="+mn-lt"/>
+                    <a:ea typeface="+mn-ea"/>
+                    <a:cs typeface="+mn-cs"/>
+                  </a:defRPr>
+                </a:lvl6pPr>
+                <a:lvl7pPr marL="2971800" indent="-228600" algn="l" defTabSz="914400" rtl="0" eaLnBrk="1" latinLnBrk="0" hangingPunct="1">
+                  <a:lnSpc>
+                    <a:spcPct val="120000"/>
+                  </a:lnSpc>
+                  <a:spcBef>
+                    <a:spcPts val="500"/>
+                  </a:spcBef>
+                  <a:buClr>
+                    <a:schemeClr val="tx1"/>
+                  </a:buClr>
+                  <a:buFont typeface="Arial" panose="020B0604020202020204" pitchFamily="34" charset="0"/>
+                  <a:buChar char="•"/>
+                  <a:defRPr sz="1400" kern="1200" cap="all" baseline="0">
+                    <a:solidFill>
+                      <a:schemeClr val="tx1"/>
+                    </a:solidFill>
+                    <a:effectLst/>
+                    <a:latin typeface="+mn-lt"/>
+                    <a:ea typeface="+mn-ea"/>
+                    <a:cs typeface="+mn-cs"/>
+                  </a:defRPr>
+                </a:lvl7pPr>
+                <a:lvl8pPr marL="3429000" indent="-228600" algn="l" defTabSz="914400" rtl="0" eaLnBrk="1" latinLnBrk="0" hangingPunct="1">
+                  <a:lnSpc>
+                    <a:spcPct val="120000"/>
+                  </a:lnSpc>
+                  <a:spcBef>
+                    <a:spcPts val="500"/>
+                  </a:spcBef>
+                  <a:buClr>
+                    <a:schemeClr val="tx1"/>
+                  </a:buClr>
+                  <a:buFont typeface="Arial" panose="020B0604020202020204" pitchFamily="34" charset="0"/>
+                  <a:buChar char="•"/>
+                  <a:defRPr sz="1400" kern="1200" cap="all" baseline="0">
+                    <a:solidFill>
+                      <a:schemeClr val="tx1"/>
+                    </a:solidFill>
+                    <a:effectLst/>
+                    <a:latin typeface="+mn-lt"/>
+                    <a:ea typeface="+mn-ea"/>
+                    <a:cs typeface="+mn-cs"/>
+                  </a:defRPr>
+                </a:lvl8pPr>
+                <a:lvl9pPr marL="3886200" indent="-228600" algn="l" defTabSz="914400" rtl="0" eaLnBrk="1" latinLnBrk="0" hangingPunct="1">
+                  <a:lnSpc>
+                    <a:spcPct val="120000"/>
+                  </a:lnSpc>
+                  <a:spcBef>
+                    <a:spcPts val="500"/>
+                  </a:spcBef>
+                  <a:buClr>
+                    <a:schemeClr val="tx1"/>
+                  </a:buClr>
+                  <a:buFont typeface="Arial" panose="020B0604020202020204" pitchFamily="34" charset="0"/>
+                  <a:buChar char="•"/>
+                  <a:defRPr sz="1400" kern="1200" cap="all" baseline="0">
+                    <a:solidFill>
+                      <a:schemeClr val="tx1"/>
+                    </a:solidFill>
+                    <a:effectLst/>
+                    <a:latin typeface="+mn-lt"/>
+                    <a:ea typeface="+mn-ea"/>
+                    <a:cs typeface="+mn-cs"/>
+                  </a:defRPr>
+                </a:lvl9pPr>
+              </a:lstStyle>
+              <a:p>
+                <a:pPr marL="457200" lvl="1" indent="0">
+                  <a:buNone/>
+                </a:pPr>
+                <a:r>
+                  <a:rPr lang="en-US" sz="2600" cap="none" dirty="0" smtClean="0">
+                    <a:latin typeface="Calibri" panose="020F0502020204030204" pitchFamily="34" charset="0"/>
+                    <a:cs typeface="Calibri" panose="020F0502020204030204" pitchFamily="34" charset="0"/>
+                  </a:rPr>
+                  <a:t>4</a:t>
+                </a:r>
+                <a:r>
+                  <a:rPr lang="en-US" sz="2600" cap="none" dirty="0">
+                    <a:latin typeface="Calibri" panose="020F0502020204030204" pitchFamily="34" charset="0"/>
+                    <a:cs typeface="Calibri" panose="020F0502020204030204" pitchFamily="34" charset="0"/>
+                  </a:rPr>
+                  <a:t>. How accurate are the model predictions?</a:t>
+                </a:r>
+              </a:p>
+              <a:p>
+                <a:pPr lvl="2"/>
+                <a:r>
+                  <a:rPr lang="en-US" sz="2400" cap="none" dirty="0" smtClean="0">
+                    <a:latin typeface="Calibri" panose="020F0502020204030204" pitchFamily="34" charset="0"/>
+                    <a:cs typeface="Calibri" panose="020F0502020204030204" pitchFamily="34" charset="0"/>
+                  </a:rPr>
+                  <a:t>Once we have a model, it is easy to predict a new response based on a new set of input </a:t>
+                </a:r>
+                <a:r>
+                  <a:rPr lang="en-US" sz="2400" cap="none" dirty="0" smtClean="0">
+                    <a:latin typeface="Calibri" panose="020F0502020204030204" pitchFamily="34" charset="0"/>
+                    <a:cs typeface="Calibri" panose="020F0502020204030204" pitchFamily="34" charset="0"/>
+                  </a:rPr>
+                  <a:t>data. Prediction errors come from two places. </a:t>
+                </a:r>
+                <a:endParaRPr lang="en-US" sz="2400" cap="none" dirty="0" smtClean="0">
+                  <a:latin typeface="Calibri" panose="020F0502020204030204" pitchFamily="34" charset="0"/>
+                  <a:cs typeface="Calibri" panose="020F0502020204030204" pitchFamily="34" charset="0"/>
+                </a:endParaRPr>
+              </a:p>
+              <a:p>
+                <a:pPr lvl="2"/>
+                <a:r>
+                  <a:rPr lang="en-US" sz="2400" cap="none" dirty="0" smtClean="0">
+                    <a:latin typeface="Calibri" panose="020F0502020204030204" pitchFamily="34" charset="0"/>
+                    <a:cs typeface="Calibri" panose="020F0502020204030204" pitchFamily="34" charset="0"/>
+                  </a:rPr>
+                  <a:t>Since the coefficients are estimates of the true coefficients, we will always have some error in our coefficient estimates </a:t>
+                </a:r>
+                <a:r>
+                  <a:rPr lang="en-US" sz="2400" cap="none" dirty="0" smtClean="0">
+                    <a:latin typeface="Calibri" panose="020F0502020204030204" pitchFamily="34" charset="0"/>
+                    <a:cs typeface="Calibri" panose="020F0502020204030204" pitchFamily="34" charset="0"/>
+                  </a:rPr>
+                  <a:t>(</a:t>
+                </a:r>
+                <a:r>
+                  <a:rPr lang="en-US" sz="2400" b="1" cap="none" dirty="0" smtClean="0">
+                    <a:latin typeface="Calibri" panose="020F0502020204030204" pitchFamily="34" charset="0"/>
+                    <a:cs typeface="Calibri" panose="020F0502020204030204" pitchFamily="34" charset="0"/>
+                  </a:rPr>
+                  <a:t>reducible error</a:t>
+                </a:r>
+                <a:r>
+                  <a:rPr lang="en-US" sz="2400" cap="none" dirty="0" smtClean="0">
+                    <a:latin typeface="Calibri" panose="020F0502020204030204" pitchFamily="34" charset="0"/>
+                    <a:cs typeface="Calibri" panose="020F0502020204030204" pitchFamily="34" charset="0"/>
+                  </a:rPr>
+                  <a:t>)</a:t>
+                </a:r>
+              </a:p>
+              <a:p>
+                <a:pPr lvl="2"/>
+                <a:r>
+                  <a:rPr lang="en-US" sz="2400" cap="none" dirty="0" smtClean="0">
+                    <a:latin typeface="Calibri" panose="020F0502020204030204" pitchFamily="34" charset="0"/>
+                    <a:cs typeface="Calibri" panose="020F0502020204030204" pitchFamily="34" charset="0"/>
+                  </a:rPr>
+                  <a:t>We can construct </a:t>
+                </a:r>
+                <a:r>
+                  <a:rPr lang="en-US" sz="2400" b="1" cap="none" dirty="0" smtClean="0">
+                    <a:latin typeface="Calibri" panose="020F0502020204030204" pitchFamily="34" charset="0"/>
+                    <a:cs typeface="Calibri" panose="020F0502020204030204" pitchFamily="34" charset="0"/>
+                  </a:rPr>
+                  <a:t>confidence intervals </a:t>
+                </a:r>
+                <a:r>
+                  <a:rPr lang="en-US" sz="2400" cap="none" dirty="0" smtClean="0">
+                    <a:latin typeface="Calibri" panose="020F0502020204030204" pitchFamily="34" charset="0"/>
+                    <a:cs typeface="Calibri" panose="020F0502020204030204" pitchFamily="34" charset="0"/>
+                  </a:rPr>
+                  <a:t>to </a:t>
+                </a:r>
+                <a:r>
+                  <a:rPr lang="en-US" sz="2400" cap="none" dirty="0" smtClean="0">
+                    <a:latin typeface="Calibri" panose="020F0502020204030204" pitchFamily="34" charset="0"/>
+                    <a:cs typeface="Calibri" panose="020F0502020204030204" pitchFamily="34" charset="0"/>
+                  </a:rPr>
+                  <a:t>determine how close our estimate, </a:t>
+                </a:r>
+                <a14:m>
+                  <m:oMath xmlns:m="http://schemas.openxmlformats.org/officeDocument/2006/math">
+                    <m:acc>
+                      <m:accPr>
+                        <m:chr m:val="̂"/>
+                        <m:ctrlPr>
+                          <a:rPr lang="en-US" sz="2400" b="1" i="1" cap="none" smtClean="0">
+                            <a:latin typeface="Cambria Math" panose="02040503050406030204" pitchFamily="18" charset="0"/>
+                            <a:cs typeface="Calibri" panose="020F0502020204030204" pitchFamily="34" charset="0"/>
+                          </a:rPr>
+                        </m:ctrlPr>
+                      </m:accPr>
+                      <m:e>
+                        <m:r>
+                          <a:rPr lang="en-US" sz="2400" b="1" i="1" cap="none" smtClean="0">
+                            <a:latin typeface="Cambria Math" panose="02040503050406030204" pitchFamily="18" charset="0"/>
+                            <a:cs typeface="Calibri" panose="020F0502020204030204" pitchFamily="34" charset="0"/>
+                          </a:rPr>
+                          <m:t>𝒀</m:t>
+                        </m:r>
+                      </m:e>
+                    </m:acc>
+                  </m:oMath>
+                </a14:m>
+                <a:r>
+                  <a:rPr lang="en-US" sz="2400" cap="none" dirty="0" smtClean="0">
+                    <a:latin typeface="Calibri" panose="020F0502020204030204" pitchFamily="34" charset="0"/>
+                    <a:cs typeface="Calibri" panose="020F0502020204030204" pitchFamily="34" charset="0"/>
+                  </a:rPr>
+                  <a:t>, will be to </a:t>
+                </a:r>
+                <a:r>
+                  <a:rPr lang="en-US" sz="2400" b="1" i="1" cap="none" dirty="0" smtClean="0">
+                    <a:latin typeface="Calibri" panose="020F0502020204030204" pitchFamily="34" charset="0"/>
+                    <a:cs typeface="Calibri" panose="020F0502020204030204" pitchFamily="34" charset="0"/>
+                  </a:rPr>
+                  <a:t>f(X) </a:t>
+                </a:r>
+                <a:r>
+                  <a:rPr lang="en-US" sz="2400" cap="none" dirty="0" smtClean="0">
+                    <a:latin typeface="Calibri" panose="020F0502020204030204" pitchFamily="34" charset="0"/>
+                    <a:cs typeface="Calibri" panose="020F0502020204030204" pitchFamily="34" charset="0"/>
+                  </a:rPr>
+                  <a:t>(the true population function) based on our coefficient estimates</a:t>
+                </a:r>
+              </a:p>
+              <a:p>
+                <a:pPr lvl="2"/>
+                <a:endParaRPr lang="en-US" sz="2400" b="1" i="1" cap="none" dirty="0" smtClean="0">
+                  <a:latin typeface="Calibri" panose="020F0502020204030204" pitchFamily="34" charset="0"/>
+                  <a:cs typeface="Calibri" panose="020F0502020204030204" pitchFamily="34" charset="0"/>
+                </a:endParaRPr>
+              </a:p>
+              <a:p>
+                <a:pPr lvl="2"/>
+                <a:endParaRPr lang="en-US" sz="2400" cap="none" dirty="0" smtClean="0">
+                  <a:latin typeface="Calibri" panose="020F0502020204030204" pitchFamily="34" charset="0"/>
+                  <a:cs typeface="Calibri" panose="020F0502020204030204" pitchFamily="34" charset="0"/>
+                </a:endParaRPr>
+              </a:p>
+              <a:p>
+                <a:pPr lvl="2"/>
+                <a:endParaRPr lang="en-US" sz="2600" cap="none" dirty="0" smtClean="0">
+                  <a:latin typeface="Calibri" panose="020F0502020204030204" pitchFamily="34" charset="0"/>
+                  <a:cs typeface="Calibri" panose="020F0502020204030204" pitchFamily="34" charset="0"/>
+                </a:endParaRPr>
+              </a:p>
+            </p:txBody>
+          </p:sp>
+        </mc:Choice>
+        <mc:Fallback>
+          <p:sp>
+            <p:nvSpPr>
+              <p:cNvPr id="6" name="Content Placeholder 2"/>
+              <p:cNvSpPr txBox="1">
+                <a:spLocks noRot="1" noChangeAspect="1" noMove="1" noResize="1" noEditPoints="1" noAdjustHandles="1" noChangeArrowheads="1" noChangeShapeType="1" noTextEdit="1"/>
+              </p:cNvSpPr>
+              <p:nvPr/>
+            </p:nvSpPr>
+            <p:spPr>
+              <a:xfrm>
+                <a:off x="913775" y="1639461"/>
+                <a:ext cx="10364451" cy="4830350"/>
+              </a:xfrm>
+              <a:prstGeom prst="rect">
+                <a:avLst/>
+              </a:prstGeom>
+              <a:blipFill>
+                <a:blip r:embed="rId2"/>
+                <a:stretch>
+                  <a:fillRect/>
+                </a:stretch>
+              </a:blipFill>
+            </p:spPr>
+            <p:txBody>
+              <a:bodyPr/>
+              <a:lstStyle/>
+              <a:p>
+                <a:r>
+                  <a:rPr lang="en-US">
+                    <a:noFill/>
+                  </a:rPr>
+                  <a:t> </a:t>
+                </a:r>
+              </a:p>
+            </p:txBody>
+          </p:sp>
+        </mc:Fallback>
+      </mc:AlternateContent>
     </p:spTree>
     <p:extLst>
       <p:ext uri="{BB962C8B-B14F-4D97-AF65-F5344CB8AC3E}">
-        <p14:creationId xmlns:p14="http://schemas.microsoft.com/office/powerpoint/2010/main" val="1230352310"/>
+        <p14:creationId xmlns:p14="http://schemas.microsoft.com/office/powerpoint/2010/main" val="3223908813"/>
       </p:ext>
     </p:extLst>
   </p:cSld>
@@ -29071,6 +29769,470 @@
 </file>
 
 <file path=ppt/slides/slide64.xml><?xml version="1.0" encoding="utf-8"?>
+<p:sld xmlns:a="http://schemas.openxmlformats.org/drawingml/2006/main" xmlns:r="http://schemas.openxmlformats.org/officeDocument/2006/relationships" xmlns:p="http://schemas.openxmlformats.org/presentationml/2006/main">
+  <p:cSld>
+    <p:spTree>
+      <p:nvGrpSpPr>
+        <p:cNvPr id="1" name=""/>
+        <p:cNvGrpSpPr/>
+        <p:nvPr/>
+      </p:nvGrpSpPr>
+      <p:grpSpPr>
+        <a:xfrm>
+          <a:off x="0" y="0"/>
+          <a:ext cx="0" cy="0"/>
+          <a:chOff x="0" y="0"/>
+          <a:chExt cx="0" cy="0"/>
+        </a:xfrm>
+      </p:grpSpPr>
+      <p:sp>
+        <p:nvSpPr>
+          <p:cNvPr id="2" name="Title 1"/>
+          <p:cNvSpPr>
+            <a:spLocks noGrp="1"/>
+          </p:cNvSpPr>
+          <p:nvPr>
+            <p:ph type="title"/>
+          </p:nvPr>
+        </p:nvSpPr>
+        <p:spPr>
+          <a:xfrm>
+            <a:off x="913775" y="618517"/>
+            <a:ext cx="10364451" cy="624129"/>
+          </a:xfrm>
+        </p:spPr>
+        <p:txBody>
+          <a:bodyPr>
+            <a:normAutofit/>
+          </a:bodyPr>
+          <a:lstStyle/>
+          <a:p>
+            <a:r>
+              <a:rPr lang="en-US" b="1" dirty="0" smtClean="0"/>
+              <a:t>MUILTIPLE linear regression</a:t>
+            </a:r>
+            <a:endParaRPr lang="en-US" b="1" dirty="0">
+              <a:latin typeface="Gill Sans MT" panose="020B0502020104020203" pitchFamily="34" charset="0"/>
+            </a:endParaRPr>
+          </a:p>
+        </p:txBody>
+      </p:sp>
+      <mc:AlternateContent xmlns:mc="http://schemas.openxmlformats.org/markup-compatibility/2006">
+        <mc:Choice xmlns:a14="http://schemas.microsoft.com/office/drawing/2010/main" Requires="a14">
+          <p:sp>
+            <p:nvSpPr>
+              <p:cNvPr id="6" name="Content Placeholder 2"/>
+              <p:cNvSpPr txBox="1">
+                <a:spLocks/>
+              </p:cNvSpPr>
+              <p:nvPr/>
+            </p:nvSpPr>
+            <p:spPr>
+              <a:xfrm>
+                <a:off x="913775" y="1639461"/>
+                <a:ext cx="10364451" cy="4830350"/>
+              </a:xfrm>
+              <a:prstGeom prst="rect">
+                <a:avLst/>
+              </a:prstGeom>
+            </p:spPr>
+            <p:txBody>
+              <a:bodyPr vert="horz" lIns="91440" tIns="45720" rIns="91440" bIns="45720" rtlCol="0">
+                <a:normAutofit/>
+              </a:bodyPr>
+              <a:lstStyle>
+                <a:lvl1pPr marL="228600" indent="-228600" algn="l" defTabSz="914400" rtl="0" eaLnBrk="1" latinLnBrk="0" hangingPunct="1">
+                  <a:lnSpc>
+                    <a:spcPct val="120000"/>
+                  </a:lnSpc>
+                  <a:spcBef>
+                    <a:spcPts val="1000"/>
+                  </a:spcBef>
+                  <a:buClr>
+                    <a:schemeClr val="tx1"/>
+                  </a:buClr>
+                  <a:buFont typeface="Arial" panose="020B0604020202020204" pitchFamily="34" charset="0"/>
+                  <a:buChar char="•"/>
+                  <a:defRPr sz="2000" kern="1200" cap="all" baseline="0">
+                    <a:solidFill>
+                      <a:schemeClr val="tx1"/>
+                    </a:solidFill>
+                    <a:effectLst/>
+                    <a:latin typeface="+mn-lt"/>
+                    <a:ea typeface="+mn-ea"/>
+                    <a:cs typeface="+mn-cs"/>
+                  </a:defRPr>
+                </a:lvl1pPr>
+                <a:lvl2pPr marL="685800" indent="-228600" algn="l" defTabSz="914400" rtl="0" eaLnBrk="1" latinLnBrk="0" hangingPunct="1">
+                  <a:lnSpc>
+                    <a:spcPct val="120000"/>
+                  </a:lnSpc>
+                  <a:spcBef>
+                    <a:spcPts val="500"/>
+                  </a:spcBef>
+                  <a:buClr>
+                    <a:schemeClr val="tx1"/>
+                  </a:buClr>
+                  <a:buFont typeface="Arial" panose="020B0604020202020204" pitchFamily="34" charset="0"/>
+                  <a:buChar char="•"/>
+                  <a:defRPr sz="1800" kern="1200" cap="all" baseline="0">
+                    <a:solidFill>
+                      <a:schemeClr val="tx1"/>
+                    </a:solidFill>
+                    <a:effectLst/>
+                    <a:latin typeface="+mn-lt"/>
+                    <a:ea typeface="+mn-ea"/>
+                    <a:cs typeface="+mn-cs"/>
+                  </a:defRPr>
+                </a:lvl2pPr>
+                <a:lvl3pPr marL="1143000" indent="-228600" algn="l" defTabSz="914400" rtl="0" eaLnBrk="1" latinLnBrk="0" hangingPunct="1">
+                  <a:lnSpc>
+                    <a:spcPct val="120000"/>
+                  </a:lnSpc>
+                  <a:spcBef>
+                    <a:spcPts val="500"/>
+                  </a:spcBef>
+                  <a:buClr>
+                    <a:schemeClr val="tx1"/>
+                  </a:buClr>
+                  <a:buFont typeface="Arial" panose="020B0604020202020204" pitchFamily="34" charset="0"/>
+                  <a:buChar char="•"/>
+                  <a:defRPr sz="1600" kern="1200" cap="all" baseline="0">
+                    <a:solidFill>
+                      <a:schemeClr val="tx1"/>
+                    </a:solidFill>
+                    <a:effectLst/>
+                    <a:latin typeface="+mn-lt"/>
+                    <a:ea typeface="+mn-ea"/>
+                    <a:cs typeface="+mn-cs"/>
+                  </a:defRPr>
+                </a:lvl3pPr>
+                <a:lvl4pPr marL="1600200" indent="-228600" algn="l" defTabSz="914400" rtl="0" eaLnBrk="1" latinLnBrk="0" hangingPunct="1">
+                  <a:lnSpc>
+                    <a:spcPct val="120000"/>
+                  </a:lnSpc>
+                  <a:spcBef>
+                    <a:spcPts val="500"/>
+                  </a:spcBef>
+                  <a:buClr>
+                    <a:schemeClr val="tx1"/>
+                  </a:buClr>
+                  <a:buFont typeface="Arial" panose="020B0604020202020204" pitchFamily="34" charset="0"/>
+                  <a:buChar char="•"/>
+                  <a:defRPr sz="1400" kern="1200" cap="all" baseline="0">
+                    <a:solidFill>
+                      <a:schemeClr val="tx1"/>
+                    </a:solidFill>
+                    <a:effectLst/>
+                    <a:latin typeface="+mn-lt"/>
+                    <a:ea typeface="+mn-ea"/>
+                    <a:cs typeface="+mn-cs"/>
+                  </a:defRPr>
+                </a:lvl4pPr>
+                <a:lvl5pPr marL="2057400" indent="-228600" algn="l" defTabSz="914400" rtl="0" eaLnBrk="1" latinLnBrk="0" hangingPunct="1">
+                  <a:lnSpc>
+                    <a:spcPct val="120000"/>
+                  </a:lnSpc>
+                  <a:spcBef>
+                    <a:spcPts val="500"/>
+                  </a:spcBef>
+                  <a:buClr>
+                    <a:schemeClr val="tx1"/>
+                  </a:buClr>
+                  <a:buFont typeface="Arial" panose="020B0604020202020204" pitchFamily="34" charset="0"/>
+                  <a:buChar char="•"/>
+                  <a:defRPr sz="1400" kern="1200" cap="all" baseline="0">
+                    <a:solidFill>
+                      <a:schemeClr val="tx1"/>
+                    </a:solidFill>
+                    <a:effectLst/>
+                    <a:latin typeface="+mn-lt"/>
+                    <a:ea typeface="+mn-ea"/>
+                    <a:cs typeface="+mn-cs"/>
+                  </a:defRPr>
+                </a:lvl5pPr>
+                <a:lvl6pPr marL="2514600" indent="-228600" algn="l" defTabSz="914400" rtl="0" eaLnBrk="1" latinLnBrk="0" hangingPunct="1">
+                  <a:lnSpc>
+                    <a:spcPct val="120000"/>
+                  </a:lnSpc>
+                  <a:spcBef>
+                    <a:spcPts val="500"/>
+                  </a:spcBef>
+                  <a:buClr>
+                    <a:schemeClr val="tx1"/>
+                  </a:buClr>
+                  <a:buFont typeface="Arial" panose="020B0604020202020204" pitchFamily="34" charset="0"/>
+                  <a:buChar char="•"/>
+                  <a:defRPr sz="1400" kern="1200" cap="all" baseline="0">
+                    <a:solidFill>
+                      <a:schemeClr val="tx1"/>
+                    </a:solidFill>
+                    <a:effectLst/>
+                    <a:latin typeface="+mn-lt"/>
+                    <a:ea typeface="+mn-ea"/>
+                    <a:cs typeface="+mn-cs"/>
+                  </a:defRPr>
+                </a:lvl6pPr>
+                <a:lvl7pPr marL="2971800" indent="-228600" algn="l" defTabSz="914400" rtl="0" eaLnBrk="1" latinLnBrk="0" hangingPunct="1">
+                  <a:lnSpc>
+                    <a:spcPct val="120000"/>
+                  </a:lnSpc>
+                  <a:spcBef>
+                    <a:spcPts val="500"/>
+                  </a:spcBef>
+                  <a:buClr>
+                    <a:schemeClr val="tx1"/>
+                  </a:buClr>
+                  <a:buFont typeface="Arial" panose="020B0604020202020204" pitchFamily="34" charset="0"/>
+                  <a:buChar char="•"/>
+                  <a:defRPr sz="1400" kern="1200" cap="all" baseline="0">
+                    <a:solidFill>
+                      <a:schemeClr val="tx1"/>
+                    </a:solidFill>
+                    <a:effectLst/>
+                    <a:latin typeface="+mn-lt"/>
+                    <a:ea typeface="+mn-ea"/>
+                    <a:cs typeface="+mn-cs"/>
+                  </a:defRPr>
+                </a:lvl7pPr>
+                <a:lvl8pPr marL="3429000" indent="-228600" algn="l" defTabSz="914400" rtl="0" eaLnBrk="1" latinLnBrk="0" hangingPunct="1">
+                  <a:lnSpc>
+                    <a:spcPct val="120000"/>
+                  </a:lnSpc>
+                  <a:spcBef>
+                    <a:spcPts val="500"/>
+                  </a:spcBef>
+                  <a:buClr>
+                    <a:schemeClr val="tx1"/>
+                  </a:buClr>
+                  <a:buFont typeface="Arial" panose="020B0604020202020204" pitchFamily="34" charset="0"/>
+                  <a:buChar char="•"/>
+                  <a:defRPr sz="1400" kern="1200" cap="all" baseline="0">
+                    <a:solidFill>
+                      <a:schemeClr val="tx1"/>
+                    </a:solidFill>
+                    <a:effectLst/>
+                    <a:latin typeface="+mn-lt"/>
+                    <a:ea typeface="+mn-ea"/>
+                    <a:cs typeface="+mn-cs"/>
+                  </a:defRPr>
+                </a:lvl8pPr>
+                <a:lvl9pPr marL="3886200" indent="-228600" algn="l" defTabSz="914400" rtl="0" eaLnBrk="1" latinLnBrk="0" hangingPunct="1">
+                  <a:lnSpc>
+                    <a:spcPct val="120000"/>
+                  </a:lnSpc>
+                  <a:spcBef>
+                    <a:spcPts val="500"/>
+                  </a:spcBef>
+                  <a:buClr>
+                    <a:schemeClr val="tx1"/>
+                  </a:buClr>
+                  <a:buFont typeface="Arial" panose="020B0604020202020204" pitchFamily="34" charset="0"/>
+                  <a:buChar char="•"/>
+                  <a:defRPr sz="1400" kern="1200" cap="all" baseline="0">
+                    <a:solidFill>
+                      <a:schemeClr val="tx1"/>
+                    </a:solidFill>
+                    <a:effectLst/>
+                    <a:latin typeface="+mn-lt"/>
+                    <a:ea typeface="+mn-ea"/>
+                    <a:cs typeface="+mn-cs"/>
+                  </a:defRPr>
+                </a:lvl9pPr>
+              </a:lstStyle>
+              <a:p>
+                <a:pPr marL="457200" lvl="1" indent="0">
+                  <a:buNone/>
+                </a:pPr>
+                <a:r>
+                  <a:rPr lang="en-US" sz="2600" cap="none" dirty="0" smtClean="0">
+                    <a:latin typeface="Calibri" panose="020F0502020204030204" pitchFamily="34" charset="0"/>
+                    <a:cs typeface="Calibri" panose="020F0502020204030204" pitchFamily="34" charset="0"/>
+                  </a:rPr>
+                  <a:t>4</a:t>
+                </a:r>
+                <a:r>
+                  <a:rPr lang="en-US" sz="2600" cap="none" dirty="0">
+                    <a:latin typeface="Calibri" panose="020F0502020204030204" pitchFamily="34" charset="0"/>
+                    <a:cs typeface="Calibri" panose="020F0502020204030204" pitchFamily="34" charset="0"/>
+                  </a:rPr>
+                  <a:t>. How accurate are the model predictions?</a:t>
+                </a:r>
+              </a:p>
+              <a:p>
+                <a:pPr lvl="2"/>
+                <a:r>
+                  <a:rPr lang="en-US" sz="2400" cap="none" dirty="0">
+                    <a:latin typeface="Calibri" panose="020F0502020204030204" pitchFamily="34" charset="0"/>
+                    <a:cs typeface="Calibri" panose="020F0502020204030204" pitchFamily="34" charset="0"/>
+                  </a:rPr>
+                  <a:t>Similarly, since the function itself is an estimate of a real world function, we will always have some random error </a:t>
+                </a:r>
+                <a14:m>
+                  <m:oMath xmlns:m="http://schemas.openxmlformats.org/officeDocument/2006/math">
+                    <m:r>
+                      <a:rPr lang="en-US" sz="2600" b="1" i="1" cap="none">
+                        <a:latin typeface="Cambria Math" panose="02040503050406030204" pitchFamily="18" charset="0"/>
+                        <a:cs typeface="Calibri" panose="020F0502020204030204" pitchFamily="34" charset="0"/>
+                      </a:rPr>
+                      <m:t>𝒆</m:t>
+                    </m:r>
+                  </m:oMath>
+                </a14:m>
+                <a:r>
+                  <a:rPr lang="en-US" sz="2600" cap="none" dirty="0">
+                    <a:latin typeface="Calibri" panose="020F0502020204030204" pitchFamily="34" charset="0"/>
+                    <a:cs typeface="Calibri" panose="020F0502020204030204" pitchFamily="34" charset="0"/>
+                  </a:rPr>
+                  <a:t> </a:t>
+                </a:r>
+                <a:r>
+                  <a:rPr lang="en-US" sz="2400" cap="none" dirty="0">
+                    <a:latin typeface="Calibri" panose="020F0502020204030204" pitchFamily="34" charset="0"/>
+                    <a:cs typeface="Calibri" panose="020F0502020204030204" pitchFamily="34" charset="0"/>
+                  </a:rPr>
+                  <a:t>(</a:t>
+                </a:r>
+                <a:r>
+                  <a:rPr lang="en-US" sz="2400" b="1" cap="none" dirty="0">
+                    <a:latin typeface="Calibri" panose="020F0502020204030204" pitchFamily="34" charset="0"/>
+                    <a:cs typeface="Calibri" panose="020F0502020204030204" pitchFamily="34" charset="0"/>
+                  </a:rPr>
+                  <a:t>irreducible error</a:t>
+                </a:r>
+                <a:r>
+                  <a:rPr lang="en-US" sz="2400" cap="none" dirty="0" smtClean="0">
+                    <a:latin typeface="Calibri" panose="020F0502020204030204" pitchFamily="34" charset="0"/>
+                    <a:cs typeface="Calibri" panose="020F0502020204030204" pitchFamily="34" charset="0"/>
+                  </a:rPr>
+                  <a:t>)</a:t>
+                </a:r>
+              </a:p>
+              <a:p>
+                <a:pPr lvl="2"/>
+                <a:r>
+                  <a:rPr lang="en-US" sz="2400" cap="none" dirty="0" smtClean="0">
+                    <a:latin typeface="Calibri" panose="020F0502020204030204" pitchFamily="34" charset="0"/>
+                    <a:cs typeface="Calibri" panose="020F0502020204030204" pitchFamily="34" charset="0"/>
+                  </a:rPr>
+                  <a:t>Specifically, it’s asking how much will one target value, Y, differ from the estimate of Y?</a:t>
+                </a:r>
+                <a:endParaRPr lang="en-US" sz="2400" cap="none" dirty="0">
+                  <a:latin typeface="Calibri" panose="020F0502020204030204" pitchFamily="34" charset="0"/>
+                  <a:cs typeface="Calibri" panose="020F0502020204030204" pitchFamily="34" charset="0"/>
+                </a:endParaRPr>
+              </a:p>
+              <a:p>
+                <a:pPr lvl="2"/>
+                <a:r>
+                  <a:rPr lang="en-US" sz="2400" cap="none" dirty="0">
+                    <a:latin typeface="Calibri" panose="020F0502020204030204" pitchFamily="34" charset="0"/>
+                    <a:cs typeface="Calibri" panose="020F0502020204030204" pitchFamily="34" charset="0"/>
+                  </a:rPr>
+                  <a:t>We use </a:t>
+                </a:r>
+                <a:r>
+                  <a:rPr lang="en-US" sz="2400" b="1" cap="none" dirty="0">
+                    <a:latin typeface="Calibri" panose="020F0502020204030204" pitchFamily="34" charset="0"/>
+                    <a:cs typeface="Calibri" panose="020F0502020204030204" pitchFamily="34" charset="0"/>
+                  </a:rPr>
+                  <a:t>prediction intervals </a:t>
+                </a:r>
+                <a:r>
+                  <a:rPr lang="en-US" sz="2400" cap="none" dirty="0">
+                    <a:latin typeface="Calibri" panose="020F0502020204030204" pitchFamily="34" charset="0"/>
+                    <a:cs typeface="Calibri" panose="020F0502020204030204" pitchFamily="34" charset="0"/>
+                  </a:rPr>
+                  <a:t>to quantify this irreducible error, which are wider than confidence intervals as they incorporate both types of errors. </a:t>
+                </a:r>
+              </a:p>
+              <a:p>
+                <a:pPr lvl="2"/>
+                <a:r>
+                  <a:rPr lang="en-US" sz="2400" cap="none" dirty="0">
+                    <a:latin typeface="Calibri" panose="020F0502020204030204" pitchFamily="34" charset="0"/>
+                    <a:cs typeface="Calibri" panose="020F0502020204030204" pitchFamily="34" charset="0"/>
+                  </a:rPr>
+                  <a:t>Pages 81-82 in the textbook for more information on these</a:t>
+                </a:r>
+              </a:p>
+              <a:p>
+                <a:pPr lvl="2"/>
+                <a:endParaRPr lang="en-US" sz="2400" cap="none" dirty="0" smtClean="0">
+                  <a:latin typeface="Calibri" panose="020F0502020204030204" pitchFamily="34" charset="0"/>
+                  <a:cs typeface="Calibri" panose="020F0502020204030204" pitchFamily="34" charset="0"/>
+                </a:endParaRPr>
+              </a:p>
+              <a:p>
+                <a:pPr lvl="2"/>
+                <a:endParaRPr lang="en-US" sz="2600" cap="none" dirty="0" smtClean="0">
+                  <a:latin typeface="Calibri" panose="020F0502020204030204" pitchFamily="34" charset="0"/>
+                  <a:cs typeface="Calibri" panose="020F0502020204030204" pitchFamily="34" charset="0"/>
+                </a:endParaRPr>
+              </a:p>
+            </p:txBody>
+          </p:sp>
+        </mc:Choice>
+        <mc:Fallback>
+          <p:sp>
+            <p:nvSpPr>
+              <p:cNvPr id="6" name="Content Placeholder 2"/>
+              <p:cNvSpPr txBox="1">
+                <a:spLocks noRot="1" noChangeAspect="1" noMove="1" noResize="1" noEditPoints="1" noAdjustHandles="1" noChangeArrowheads="1" noChangeShapeType="1" noTextEdit="1"/>
+              </p:cNvSpPr>
+              <p:nvPr/>
+            </p:nvSpPr>
+            <p:spPr>
+              <a:xfrm>
+                <a:off x="913775" y="1639461"/>
+                <a:ext cx="10364451" cy="4830350"/>
+              </a:xfrm>
+              <a:prstGeom prst="rect">
+                <a:avLst/>
+              </a:prstGeom>
+              <a:blipFill>
+                <a:blip r:embed="rId2"/>
+                <a:stretch>
+                  <a:fillRect r="-765"/>
+                </a:stretch>
+              </a:blipFill>
+            </p:spPr>
+            <p:txBody>
+              <a:bodyPr/>
+              <a:lstStyle/>
+              <a:p>
+                <a:r>
+                  <a:rPr lang="en-US">
+                    <a:noFill/>
+                  </a:rPr>
+                  <a:t> </a:t>
+                </a:r>
+              </a:p>
+            </p:txBody>
+          </p:sp>
+        </mc:Fallback>
+      </mc:AlternateContent>
+    </p:spTree>
+    <p:extLst>
+      <p:ext uri="{BB962C8B-B14F-4D97-AF65-F5344CB8AC3E}">
+        <p14:creationId xmlns:p14="http://schemas.microsoft.com/office/powerpoint/2010/main" val="136168705"/>
+      </p:ext>
+    </p:extLst>
+  </p:cSld>
+  <p:clrMapOvr>
+    <a:masterClrMapping/>
+  </p:clrMapOvr>
+  <p:timing>
+    <p:tnLst>
+      <p:par>
+        <p:cTn id="1" dur="indefinite" restart="never" nodeType="tmRoot"/>
+      </p:par>
+    </p:tnLst>
+  </p:timing>
+</p:sld>
+</file>
+
+<file path=ppt/slides/slide65.xml><?xml version="1.0" encoding="utf-8"?>
 <p:sld xmlns:a="http://schemas.openxmlformats.org/drawingml/2006/main" xmlns:r="http://schemas.openxmlformats.org/officeDocument/2006/relationships" xmlns:p="http://schemas.openxmlformats.org/presentationml/2006/main">
   <p:cSld>
     <p:spTree>
@@ -29468,7 +30630,7 @@
 </p:sld>
 </file>
 
-<file path=ppt/slides/slide65.xml><?xml version="1.0" encoding="utf-8"?>
+<file path=ppt/slides/slide66.xml><?xml version="1.0" encoding="utf-8"?>
 <p:sld xmlns:a="http://schemas.openxmlformats.org/drawingml/2006/main" xmlns:r="http://schemas.openxmlformats.org/officeDocument/2006/relationships" xmlns:p="http://schemas.openxmlformats.org/presentationml/2006/main">
   <p:cSld>
     <p:spTree>
@@ -29842,7 +31004,7 @@
 </p:sld>
 </file>
 
-<file path=ppt/slides/slide66.xml><?xml version="1.0" encoding="utf-8"?>
+<file path=ppt/slides/slide67.xml><?xml version="1.0" encoding="utf-8"?>
 <p:sld xmlns:a="http://schemas.openxmlformats.org/drawingml/2006/main" xmlns:r="http://schemas.openxmlformats.org/officeDocument/2006/relationships" xmlns:p="http://schemas.openxmlformats.org/presentationml/2006/main">
   <p:cSld>
     <p:spTree>
@@ -30226,7 +31388,7 @@
 </p:sld>
 </file>
 
-<file path=ppt/slides/slide67.xml><?xml version="1.0" encoding="utf-8"?>
+<file path=ppt/slides/slide68.xml><?xml version="1.0" encoding="utf-8"?>
 <p:sld xmlns:a="http://schemas.openxmlformats.org/drawingml/2006/main" xmlns:r="http://schemas.openxmlformats.org/officeDocument/2006/relationships" xmlns:p="http://schemas.openxmlformats.org/presentationml/2006/main">
   <p:cSld>
     <p:spTree>
@@ -30620,7 +31782,7 @@
 </p:sld>
 </file>
 
-<file path=ppt/slides/slide68.xml><?xml version="1.0" encoding="utf-8"?>
+<file path=ppt/slides/slide69.xml><?xml version="1.0" encoding="utf-8"?>
 <p:sld xmlns:a="http://schemas.openxmlformats.org/drawingml/2006/main" xmlns:r="http://schemas.openxmlformats.org/officeDocument/2006/relationships" xmlns:p="http://schemas.openxmlformats.org/presentationml/2006/main">
   <p:cSld>
     <p:spTree>
@@ -31008,424 +32170,6 @@
     <p:extLst>
       <p:ext uri="{BB962C8B-B14F-4D97-AF65-F5344CB8AC3E}">
         <p14:creationId xmlns:p14="http://schemas.microsoft.com/office/powerpoint/2010/main" val="1837173374"/>
-      </p:ext>
-    </p:extLst>
-  </p:cSld>
-  <p:clrMapOvr>
-    <a:masterClrMapping/>
-  </p:clrMapOvr>
-  <p:timing>
-    <p:tnLst>
-      <p:par>
-        <p:cTn id="1" dur="indefinite" restart="never" nodeType="tmRoot"/>
-      </p:par>
-    </p:tnLst>
-  </p:timing>
-</p:sld>
-</file>
-
-<file path=ppt/slides/slide69.xml><?xml version="1.0" encoding="utf-8"?>
-<p:sld xmlns:a="http://schemas.openxmlformats.org/drawingml/2006/main" xmlns:r="http://schemas.openxmlformats.org/officeDocument/2006/relationships" xmlns:p="http://schemas.openxmlformats.org/presentationml/2006/main">
-  <p:cSld>
-    <p:spTree>
-      <p:nvGrpSpPr>
-        <p:cNvPr id="1" name=""/>
-        <p:cNvGrpSpPr/>
-        <p:nvPr/>
-      </p:nvGrpSpPr>
-      <p:grpSpPr>
-        <a:xfrm>
-          <a:off x="0" y="0"/>
-          <a:ext cx="0" cy="0"/>
-          <a:chOff x="0" y="0"/>
-          <a:chExt cx="0" cy="0"/>
-        </a:xfrm>
-      </p:grpSpPr>
-      <p:sp>
-        <p:nvSpPr>
-          <p:cNvPr id="2" name="Title 1"/>
-          <p:cNvSpPr>
-            <a:spLocks noGrp="1"/>
-          </p:cNvSpPr>
-          <p:nvPr>
-            <p:ph type="title"/>
-          </p:nvPr>
-        </p:nvSpPr>
-        <p:spPr>
-          <a:xfrm>
-            <a:off x="913775" y="618517"/>
-            <a:ext cx="10364451" cy="624129"/>
-          </a:xfrm>
-        </p:spPr>
-        <p:txBody>
-          <a:bodyPr>
-            <a:normAutofit/>
-          </a:bodyPr>
-          <a:lstStyle/>
-          <a:p>
-            <a:r>
-              <a:rPr lang="en-US" b="1" dirty="0" smtClean="0"/>
-              <a:t>MUILTIPLE linear regression</a:t>
-            </a:r>
-            <a:endParaRPr lang="en-US" b="1" dirty="0">
-              <a:latin typeface="Gill Sans MT" panose="020B0502020104020203" pitchFamily="34" charset="0"/>
-            </a:endParaRPr>
-          </a:p>
-        </p:txBody>
-      </p:sp>
-      <p:sp>
-        <p:nvSpPr>
-          <p:cNvPr id="6" name="Content Placeholder 2"/>
-          <p:cNvSpPr txBox="1">
-            <a:spLocks/>
-          </p:cNvSpPr>
-          <p:nvPr/>
-        </p:nvSpPr>
-        <p:spPr>
-          <a:xfrm>
-            <a:off x="172528" y="1242646"/>
-            <a:ext cx="5967141" cy="4830350"/>
-          </a:xfrm>
-          <a:prstGeom prst="rect">
-            <a:avLst/>
-          </a:prstGeom>
-        </p:spPr>
-        <p:txBody>
-          <a:bodyPr vert="horz" lIns="91440" tIns="45720" rIns="91440" bIns="45720" rtlCol="0">
-            <a:normAutofit/>
-          </a:bodyPr>
-          <a:lstStyle>
-            <a:lvl1pPr marL="228600" indent="-228600" algn="l" defTabSz="914400" rtl="0" eaLnBrk="1" latinLnBrk="0" hangingPunct="1">
-              <a:lnSpc>
-                <a:spcPct val="120000"/>
-              </a:lnSpc>
-              <a:spcBef>
-                <a:spcPts val="1000"/>
-              </a:spcBef>
-              <a:buClr>
-                <a:schemeClr val="tx1"/>
-              </a:buClr>
-              <a:buFont typeface="Arial" panose="020B0604020202020204" pitchFamily="34" charset="0"/>
-              <a:buChar char="•"/>
-              <a:defRPr sz="2000" kern="1200" cap="all" baseline="0">
-                <a:solidFill>
-                  <a:schemeClr val="tx1"/>
-                </a:solidFill>
-                <a:effectLst/>
-                <a:latin typeface="+mn-lt"/>
-                <a:ea typeface="+mn-ea"/>
-                <a:cs typeface="+mn-cs"/>
-              </a:defRPr>
-            </a:lvl1pPr>
-            <a:lvl2pPr marL="685800" indent="-228600" algn="l" defTabSz="914400" rtl="0" eaLnBrk="1" latinLnBrk="0" hangingPunct="1">
-              <a:lnSpc>
-                <a:spcPct val="120000"/>
-              </a:lnSpc>
-              <a:spcBef>
-                <a:spcPts val="500"/>
-              </a:spcBef>
-              <a:buClr>
-                <a:schemeClr val="tx1"/>
-              </a:buClr>
-              <a:buFont typeface="Arial" panose="020B0604020202020204" pitchFamily="34" charset="0"/>
-              <a:buChar char="•"/>
-              <a:defRPr sz="1800" kern="1200" cap="all" baseline="0">
-                <a:solidFill>
-                  <a:schemeClr val="tx1"/>
-                </a:solidFill>
-                <a:effectLst/>
-                <a:latin typeface="+mn-lt"/>
-                <a:ea typeface="+mn-ea"/>
-                <a:cs typeface="+mn-cs"/>
-              </a:defRPr>
-            </a:lvl2pPr>
-            <a:lvl3pPr marL="1143000" indent="-228600" algn="l" defTabSz="914400" rtl="0" eaLnBrk="1" latinLnBrk="0" hangingPunct="1">
-              <a:lnSpc>
-                <a:spcPct val="120000"/>
-              </a:lnSpc>
-              <a:spcBef>
-                <a:spcPts val="500"/>
-              </a:spcBef>
-              <a:buClr>
-                <a:schemeClr val="tx1"/>
-              </a:buClr>
-              <a:buFont typeface="Arial" panose="020B0604020202020204" pitchFamily="34" charset="0"/>
-              <a:buChar char="•"/>
-              <a:defRPr sz="1600" kern="1200" cap="all" baseline="0">
-                <a:solidFill>
-                  <a:schemeClr val="tx1"/>
-                </a:solidFill>
-                <a:effectLst/>
-                <a:latin typeface="+mn-lt"/>
-                <a:ea typeface="+mn-ea"/>
-                <a:cs typeface="+mn-cs"/>
-              </a:defRPr>
-            </a:lvl3pPr>
-            <a:lvl4pPr marL="1600200" indent="-228600" algn="l" defTabSz="914400" rtl="0" eaLnBrk="1" latinLnBrk="0" hangingPunct="1">
-              <a:lnSpc>
-                <a:spcPct val="120000"/>
-              </a:lnSpc>
-              <a:spcBef>
-                <a:spcPts val="500"/>
-              </a:spcBef>
-              <a:buClr>
-                <a:schemeClr val="tx1"/>
-              </a:buClr>
-              <a:buFont typeface="Arial" panose="020B0604020202020204" pitchFamily="34" charset="0"/>
-              <a:buChar char="•"/>
-              <a:defRPr sz="1400" kern="1200" cap="all" baseline="0">
-                <a:solidFill>
-                  <a:schemeClr val="tx1"/>
-                </a:solidFill>
-                <a:effectLst/>
-                <a:latin typeface="+mn-lt"/>
-                <a:ea typeface="+mn-ea"/>
-                <a:cs typeface="+mn-cs"/>
-              </a:defRPr>
-            </a:lvl4pPr>
-            <a:lvl5pPr marL="2057400" indent="-228600" algn="l" defTabSz="914400" rtl="0" eaLnBrk="1" latinLnBrk="0" hangingPunct="1">
-              <a:lnSpc>
-                <a:spcPct val="120000"/>
-              </a:lnSpc>
-              <a:spcBef>
-                <a:spcPts val="500"/>
-              </a:spcBef>
-              <a:buClr>
-                <a:schemeClr val="tx1"/>
-              </a:buClr>
-              <a:buFont typeface="Arial" panose="020B0604020202020204" pitchFamily="34" charset="0"/>
-              <a:buChar char="•"/>
-              <a:defRPr sz="1400" kern="1200" cap="all" baseline="0">
-                <a:solidFill>
-                  <a:schemeClr val="tx1"/>
-                </a:solidFill>
-                <a:effectLst/>
-                <a:latin typeface="+mn-lt"/>
-                <a:ea typeface="+mn-ea"/>
-                <a:cs typeface="+mn-cs"/>
-              </a:defRPr>
-            </a:lvl5pPr>
-            <a:lvl6pPr marL="2514600" indent="-228600" algn="l" defTabSz="914400" rtl="0" eaLnBrk="1" latinLnBrk="0" hangingPunct="1">
-              <a:lnSpc>
-                <a:spcPct val="120000"/>
-              </a:lnSpc>
-              <a:spcBef>
-                <a:spcPts val="500"/>
-              </a:spcBef>
-              <a:buClr>
-                <a:schemeClr val="tx1"/>
-              </a:buClr>
-              <a:buFont typeface="Arial" panose="020B0604020202020204" pitchFamily="34" charset="0"/>
-              <a:buChar char="•"/>
-              <a:defRPr sz="1400" kern="1200" cap="all" baseline="0">
-                <a:solidFill>
-                  <a:schemeClr val="tx1"/>
-                </a:solidFill>
-                <a:effectLst/>
-                <a:latin typeface="+mn-lt"/>
-                <a:ea typeface="+mn-ea"/>
-                <a:cs typeface="+mn-cs"/>
-              </a:defRPr>
-            </a:lvl6pPr>
-            <a:lvl7pPr marL="2971800" indent="-228600" algn="l" defTabSz="914400" rtl="0" eaLnBrk="1" latinLnBrk="0" hangingPunct="1">
-              <a:lnSpc>
-                <a:spcPct val="120000"/>
-              </a:lnSpc>
-              <a:spcBef>
-                <a:spcPts val="500"/>
-              </a:spcBef>
-              <a:buClr>
-                <a:schemeClr val="tx1"/>
-              </a:buClr>
-              <a:buFont typeface="Arial" panose="020B0604020202020204" pitchFamily="34" charset="0"/>
-              <a:buChar char="•"/>
-              <a:defRPr sz="1400" kern="1200" cap="all" baseline="0">
-                <a:solidFill>
-                  <a:schemeClr val="tx1"/>
-                </a:solidFill>
-                <a:effectLst/>
-                <a:latin typeface="+mn-lt"/>
-                <a:ea typeface="+mn-ea"/>
-                <a:cs typeface="+mn-cs"/>
-              </a:defRPr>
-            </a:lvl7pPr>
-            <a:lvl8pPr marL="3429000" indent="-228600" algn="l" defTabSz="914400" rtl="0" eaLnBrk="1" latinLnBrk="0" hangingPunct="1">
-              <a:lnSpc>
-                <a:spcPct val="120000"/>
-              </a:lnSpc>
-              <a:spcBef>
-                <a:spcPts val="500"/>
-              </a:spcBef>
-              <a:buClr>
-                <a:schemeClr val="tx1"/>
-              </a:buClr>
-              <a:buFont typeface="Arial" panose="020B0604020202020204" pitchFamily="34" charset="0"/>
-              <a:buChar char="•"/>
-              <a:defRPr sz="1400" kern="1200" cap="all" baseline="0">
-                <a:solidFill>
-                  <a:schemeClr val="tx1"/>
-                </a:solidFill>
-                <a:effectLst/>
-                <a:latin typeface="+mn-lt"/>
-                <a:ea typeface="+mn-ea"/>
-                <a:cs typeface="+mn-cs"/>
-              </a:defRPr>
-            </a:lvl8pPr>
-            <a:lvl9pPr marL="3886200" indent="-228600" algn="l" defTabSz="914400" rtl="0" eaLnBrk="1" latinLnBrk="0" hangingPunct="1">
-              <a:lnSpc>
-                <a:spcPct val="120000"/>
-              </a:lnSpc>
-              <a:spcBef>
-                <a:spcPts val="500"/>
-              </a:spcBef>
-              <a:buClr>
-                <a:schemeClr val="tx1"/>
-              </a:buClr>
-              <a:buFont typeface="Arial" panose="020B0604020202020204" pitchFamily="34" charset="0"/>
-              <a:buChar char="•"/>
-              <a:defRPr sz="1400" kern="1200" cap="all" baseline="0">
-                <a:solidFill>
-                  <a:schemeClr val="tx1"/>
-                </a:solidFill>
-                <a:effectLst/>
-                <a:latin typeface="+mn-lt"/>
-                <a:ea typeface="+mn-ea"/>
-                <a:cs typeface="+mn-cs"/>
-              </a:defRPr>
-            </a:lvl9pPr>
-          </a:lstStyle>
-          <a:p>
-            <a:pPr lvl="1"/>
-            <a:r>
-              <a:rPr lang="en-US" sz="2800" cap="none" dirty="0" smtClean="0">
-                <a:latin typeface="Calibri" panose="020F0502020204030204" pitchFamily="34" charset="0"/>
-                <a:cs typeface="Calibri" panose="020F0502020204030204" pitchFamily="34" charset="0"/>
-              </a:rPr>
-              <a:t>Other considerations:</a:t>
-            </a:r>
-          </a:p>
-          <a:p>
-            <a:pPr lvl="2"/>
-            <a:r>
-              <a:rPr lang="en-US" sz="2400" cap="none" dirty="0" smtClean="0">
-                <a:latin typeface="Calibri" panose="020F0502020204030204" pitchFamily="34" charset="0"/>
-                <a:cs typeface="Calibri" panose="020F0502020204030204" pitchFamily="34" charset="0"/>
-              </a:rPr>
-              <a:t>Polynomial predictors</a:t>
-            </a:r>
-          </a:p>
-          <a:p>
-            <a:pPr lvl="2"/>
-            <a:r>
-              <a:rPr lang="en-US" sz="2400" cap="none" dirty="0" smtClean="0">
-                <a:latin typeface="Calibri" panose="020F0502020204030204" pitchFamily="34" charset="0"/>
-                <a:cs typeface="Calibri" panose="020F0502020204030204" pitchFamily="34" charset="0"/>
-              </a:rPr>
-              <a:t>Can be used in a linear regression model for non-linear relationships</a:t>
-            </a:r>
-          </a:p>
-          <a:p>
-            <a:pPr lvl="2"/>
-            <a:r>
-              <a:rPr lang="en-US" sz="2400" cap="none" dirty="0" smtClean="0">
-                <a:latin typeface="Calibri" panose="020F0502020204030204" pitchFamily="34" charset="0"/>
-                <a:cs typeface="Calibri" panose="020F0502020204030204" pitchFamily="34" charset="0"/>
-              </a:rPr>
-              <a:t>This is still a linear model!</a:t>
-            </a:r>
-          </a:p>
-          <a:p>
-            <a:pPr lvl="2"/>
-            <a:r>
-              <a:rPr lang="en-US" sz="2400" cap="none" dirty="0" smtClean="0">
-                <a:latin typeface="Calibri" panose="020F0502020204030204" pitchFamily="34" charset="0"/>
-                <a:cs typeface="Calibri" panose="020F0502020204030204" pitchFamily="34" charset="0"/>
-              </a:rPr>
-              <a:t>We simply create a new variable which is an exponential transformation</a:t>
-            </a:r>
-          </a:p>
-          <a:p>
-            <a:pPr lvl="2"/>
-            <a:r>
-              <a:rPr lang="en-US" sz="2400" cap="none" dirty="0" smtClean="0">
-                <a:latin typeface="Calibri" panose="020F0502020204030204" pitchFamily="34" charset="0"/>
-                <a:cs typeface="Calibri" panose="020F0502020204030204" pitchFamily="34" charset="0"/>
-              </a:rPr>
-              <a:t>Known as polynomial regression</a:t>
-            </a:r>
-            <a:endParaRPr lang="en-US" sz="2800" cap="none" dirty="0" smtClean="0">
-              <a:latin typeface="Calibri" panose="020F0502020204030204" pitchFamily="34" charset="0"/>
-              <a:cs typeface="Calibri" panose="020F0502020204030204" pitchFamily="34" charset="0"/>
-            </a:endParaRPr>
-          </a:p>
-          <a:p>
-            <a:pPr lvl="2"/>
-            <a:endParaRPr lang="en-US" sz="2800" cap="none" dirty="0" smtClean="0">
-              <a:latin typeface="Calibri" panose="020F0502020204030204" pitchFamily="34" charset="0"/>
-              <a:cs typeface="Calibri" panose="020F0502020204030204" pitchFamily="34" charset="0"/>
-            </a:endParaRPr>
-          </a:p>
-          <a:p>
-            <a:pPr lvl="2"/>
-            <a:endParaRPr lang="en-US" sz="2800" cap="none" dirty="0" smtClean="0">
-              <a:latin typeface="Calibri" panose="020F0502020204030204" pitchFamily="34" charset="0"/>
-              <a:cs typeface="Calibri" panose="020F0502020204030204" pitchFamily="34" charset="0"/>
-            </a:endParaRPr>
-          </a:p>
-        </p:txBody>
-      </p:sp>
-      <p:pic>
-        <p:nvPicPr>
-          <p:cNvPr id="5" name="Picture 4"/>
-          <p:cNvPicPr>
-            <a:picLocks noChangeAspect="1"/>
-          </p:cNvPicPr>
-          <p:nvPr/>
-        </p:nvPicPr>
-        <p:blipFill>
-          <a:blip r:embed="rId2"/>
-          <a:stretch>
-            <a:fillRect/>
-          </a:stretch>
-        </p:blipFill>
-        <p:spPr>
-          <a:xfrm>
-            <a:off x="6139669" y="2070904"/>
-            <a:ext cx="6052331" cy="3818456"/>
-          </a:xfrm>
-          <a:prstGeom prst="rect">
-            <a:avLst/>
-          </a:prstGeom>
-        </p:spPr>
-      </p:pic>
-      <p:pic>
-        <p:nvPicPr>
-          <p:cNvPr id="7" name="Picture 6"/>
-          <p:cNvPicPr>
-            <a:picLocks noChangeAspect="1"/>
-          </p:cNvPicPr>
-          <p:nvPr/>
-        </p:nvPicPr>
-        <p:blipFill>
-          <a:blip r:embed="rId3"/>
-          <a:stretch>
-            <a:fillRect/>
-          </a:stretch>
-        </p:blipFill>
-        <p:spPr>
-          <a:xfrm>
-            <a:off x="6139669" y="1459116"/>
-            <a:ext cx="6052331" cy="611788"/>
-          </a:xfrm>
-          <a:prstGeom prst="rect">
-            <a:avLst/>
-          </a:prstGeom>
-        </p:spPr>
-      </p:pic>
-    </p:spTree>
-    <p:extLst>
-      <p:ext uri="{BB962C8B-B14F-4D97-AF65-F5344CB8AC3E}">
-        <p14:creationId xmlns:p14="http://schemas.microsoft.com/office/powerpoint/2010/main" val="2288291999"/>
       </p:ext>
     </p:extLst>
   </p:cSld>
@@ -31788,6 +32532,424 @@
         </p:nvSpPr>
         <p:spPr>
           <a:xfrm>
+            <a:off x="172528" y="1242646"/>
+            <a:ext cx="5967141" cy="4830350"/>
+          </a:xfrm>
+          <a:prstGeom prst="rect">
+            <a:avLst/>
+          </a:prstGeom>
+        </p:spPr>
+        <p:txBody>
+          <a:bodyPr vert="horz" lIns="91440" tIns="45720" rIns="91440" bIns="45720" rtlCol="0">
+            <a:normAutofit/>
+          </a:bodyPr>
+          <a:lstStyle>
+            <a:lvl1pPr marL="228600" indent="-228600" algn="l" defTabSz="914400" rtl="0" eaLnBrk="1" latinLnBrk="0" hangingPunct="1">
+              <a:lnSpc>
+                <a:spcPct val="120000"/>
+              </a:lnSpc>
+              <a:spcBef>
+                <a:spcPts val="1000"/>
+              </a:spcBef>
+              <a:buClr>
+                <a:schemeClr val="tx1"/>
+              </a:buClr>
+              <a:buFont typeface="Arial" panose="020B0604020202020204" pitchFamily="34" charset="0"/>
+              <a:buChar char="•"/>
+              <a:defRPr sz="2000" kern="1200" cap="all" baseline="0">
+                <a:solidFill>
+                  <a:schemeClr val="tx1"/>
+                </a:solidFill>
+                <a:effectLst/>
+                <a:latin typeface="+mn-lt"/>
+                <a:ea typeface="+mn-ea"/>
+                <a:cs typeface="+mn-cs"/>
+              </a:defRPr>
+            </a:lvl1pPr>
+            <a:lvl2pPr marL="685800" indent="-228600" algn="l" defTabSz="914400" rtl="0" eaLnBrk="1" latinLnBrk="0" hangingPunct="1">
+              <a:lnSpc>
+                <a:spcPct val="120000"/>
+              </a:lnSpc>
+              <a:spcBef>
+                <a:spcPts val="500"/>
+              </a:spcBef>
+              <a:buClr>
+                <a:schemeClr val="tx1"/>
+              </a:buClr>
+              <a:buFont typeface="Arial" panose="020B0604020202020204" pitchFamily="34" charset="0"/>
+              <a:buChar char="•"/>
+              <a:defRPr sz="1800" kern="1200" cap="all" baseline="0">
+                <a:solidFill>
+                  <a:schemeClr val="tx1"/>
+                </a:solidFill>
+                <a:effectLst/>
+                <a:latin typeface="+mn-lt"/>
+                <a:ea typeface="+mn-ea"/>
+                <a:cs typeface="+mn-cs"/>
+              </a:defRPr>
+            </a:lvl2pPr>
+            <a:lvl3pPr marL="1143000" indent="-228600" algn="l" defTabSz="914400" rtl="0" eaLnBrk="1" latinLnBrk="0" hangingPunct="1">
+              <a:lnSpc>
+                <a:spcPct val="120000"/>
+              </a:lnSpc>
+              <a:spcBef>
+                <a:spcPts val="500"/>
+              </a:spcBef>
+              <a:buClr>
+                <a:schemeClr val="tx1"/>
+              </a:buClr>
+              <a:buFont typeface="Arial" panose="020B0604020202020204" pitchFamily="34" charset="0"/>
+              <a:buChar char="•"/>
+              <a:defRPr sz="1600" kern="1200" cap="all" baseline="0">
+                <a:solidFill>
+                  <a:schemeClr val="tx1"/>
+                </a:solidFill>
+                <a:effectLst/>
+                <a:latin typeface="+mn-lt"/>
+                <a:ea typeface="+mn-ea"/>
+                <a:cs typeface="+mn-cs"/>
+              </a:defRPr>
+            </a:lvl3pPr>
+            <a:lvl4pPr marL="1600200" indent="-228600" algn="l" defTabSz="914400" rtl="0" eaLnBrk="1" latinLnBrk="0" hangingPunct="1">
+              <a:lnSpc>
+                <a:spcPct val="120000"/>
+              </a:lnSpc>
+              <a:spcBef>
+                <a:spcPts val="500"/>
+              </a:spcBef>
+              <a:buClr>
+                <a:schemeClr val="tx1"/>
+              </a:buClr>
+              <a:buFont typeface="Arial" panose="020B0604020202020204" pitchFamily="34" charset="0"/>
+              <a:buChar char="•"/>
+              <a:defRPr sz="1400" kern="1200" cap="all" baseline="0">
+                <a:solidFill>
+                  <a:schemeClr val="tx1"/>
+                </a:solidFill>
+                <a:effectLst/>
+                <a:latin typeface="+mn-lt"/>
+                <a:ea typeface="+mn-ea"/>
+                <a:cs typeface="+mn-cs"/>
+              </a:defRPr>
+            </a:lvl4pPr>
+            <a:lvl5pPr marL="2057400" indent="-228600" algn="l" defTabSz="914400" rtl="0" eaLnBrk="1" latinLnBrk="0" hangingPunct="1">
+              <a:lnSpc>
+                <a:spcPct val="120000"/>
+              </a:lnSpc>
+              <a:spcBef>
+                <a:spcPts val="500"/>
+              </a:spcBef>
+              <a:buClr>
+                <a:schemeClr val="tx1"/>
+              </a:buClr>
+              <a:buFont typeface="Arial" panose="020B0604020202020204" pitchFamily="34" charset="0"/>
+              <a:buChar char="•"/>
+              <a:defRPr sz="1400" kern="1200" cap="all" baseline="0">
+                <a:solidFill>
+                  <a:schemeClr val="tx1"/>
+                </a:solidFill>
+                <a:effectLst/>
+                <a:latin typeface="+mn-lt"/>
+                <a:ea typeface="+mn-ea"/>
+                <a:cs typeface="+mn-cs"/>
+              </a:defRPr>
+            </a:lvl5pPr>
+            <a:lvl6pPr marL="2514600" indent="-228600" algn="l" defTabSz="914400" rtl="0" eaLnBrk="1" latinLnBrk="0" hangingPunct="1">
+              <a:lnSpc>
+                <a:spcPct val="120000"/>
+              </a:lnSpc>
+              <a:spcBef>
+                <a:spcPts val="500"/>
+              </a:spcBef>
+              <a:buClr>
+                <a:schemeClr val="tx1"/>
+              </a:buClr>
+              <a:buFont typeface="Arial" panose="020B0604020202020204" pitchFamily="34" charset="0"/>
+              <a:buChar char="•"/>
+              <a:defRPr sz="1400" kern="1200" cap="all" baseline="0">
+                <a:solidFill>
+                  <a:schemeClr val="tx1"/>
+                </a:solidFill>
+                <a:effectLst/>
+                <a:latin typeface="+mn-lt"/>
+                <a:ea typeface="+mn-ea"/>
+                <a:cs typeface="+mn-cs"/>
+              </a:defRPr>
+            </a:lvl6pPr>
+            <a:lvl7pPr marL="2971800" indent="-228600" algn="l" defTabSz="914400" rtl="0" eaLnBrk="1" latinLnBrk="0" hangingPunct="1">
+              <a:lnSpc>
+                <a:spcPct val="120000"/>
+              </a:lnSpc>
+              <a:spcBef>
+                <a:spcPts val="500"/>
+              </a:spcBef>
+              <a:buClr>
+                <a:schemeClr val="tx1"/>
+              </a:buClr>
+              <a:buFont typeface="Arial" panose="020B0604020202020204" pitchFamily="34" charset="0"/>
+              <a:buChar char="•"/>
+              <a:defRPr sz="1400" kern="1200" cap="all" baseline="0">
+                <a:solidFill>
+                  <a:schemeClr val="tx1"/>
+                </a:solidFill>
+                <a:effectLst/>
+                <a:latin typeface="+mn-lt"/>
+                <a:ea typeface="+mn-ea"/>
+                <a:cs typeface="+mn-cs"/>
+              </a:defRPr>
+            </a:lvl7pPr>
+            <a:lvl8pPr marL="3429000" indent="-228600" algn="l" defTabSz="914400" rtl="0" eaLnBrk="1" latinLnBrk="0" hangingPunct="1">
+              <a:lnSpc>
+                <a:spcPct val="120000"/>
+              </a:lnSpc>
+              <a:spcBef>
+                <a:spcPts val="500"/>
+              </a:spcBef>
+              <a:buClr>
+                <a:schemeClr val="tx1"/>
+              </a:buClr>
+              <a:buFont typeface="Arial" panose="020B0604020202020204" pitchFamily="34" charset="0"/>
+              <a:buChar char="•"/>
+              <a:defRPr sz="1400" kern="1200" cap="all" baseline="0">
+                <a:solidFill>
+                  <a:schemeClr val="tx1"/>
+                </a:solidFill>
+                <a:effectLst/>
+                <a:latin typeface="+mn-lt"/>
+                <a:ea typeface="+mn-ea"/>
+                <a:cs typeface="+mn-cs"/>
+              </a:defRPr>
+            </a:lvl8pPr>
+            <a:lvl9pPr marL="3886200" indent="-228600" algn="l" defTabSz="914400" rtl="0" eaLnBrk="1" latinLnBrk="0" hangingPunct="1">
+              <a:lnSpc>
+                <a:spcPct val="120000"/>
+              </a:lnSpc>
+              <a:spcBef>
+                <a:spcPts val="500"/>
+              </a:spcBef>
+              <a:buClr>
+                <a:schemeClr val="tx1"/>
+              </a:buClr>
+              <a:buFont typeface="Arial" panose="020B0604020202020204" pitchFamily="34" charset="0"/>
+              <a:buChar char="•"/>
+              <a:defRPr sz="1400" kern="1200" cap="all" baseline="0">
+                <a:solidFill>
+                  <a:schemeClr val="tx1"/>
+                </a:solidFill>
+                <a:effectLst/>
+                <a:latin typeface="+mn-lt"/>
+                <a:ea typeface="+mn-ea"/>
+                <a:cs typeface="+mn-cs"/>
+              </a:defRPr>
+            </a:lvl9pPr>
+          </a:lstStyle>
+          <a:p>
+            <a:pPr lvl="1"/>
+            <a:r>
+              <a:rPr lang="en-US" sz="2800" cap="none" dirty="0" smtClean="0">
+                <a:latin typeface="Calibri" panose="020F0502020204030204" pitchFamily="34" charset="0"/>
+                <a:cs typeface="Calibri" panose="020F0502020204030204" pitchFamily="34" charset="0"/>
+              </a:rPr>
+              <a:t>Other considerations:</a:t>
+            </a:r>
+          </a:p>
+          <a:p>
+            <a:pPr lvl="2"/>
+            <a:r>
+              <a:rPr lang="en-US" sz="2400" cap="none" dirty="0" smtClean="0">
+                <a:latin typeface="Calibri" panose="020F0502020204030204" pitchFamily="34" charset="0"/>
+                <a:cs typeface="Calibri" panose="020F0502020204030204" pitchFamily="34" charset="0"/>
+              </a:rPr>
+              <a:t>Polynomial predictors</a:t>
+            </a:r>
+          </a:p>
+          <a:p>
+            <a:pPr lvl="2"/>
+            <a:r>
+              <a:rPr lang="en-US" sz="2400" cap="none" dirty="0" smtClean="0">
+                <a:latin typeface="Calibri" panose="020F0502020204030204" pitchFamily="34" charset="0"/>
+                <a:cs typeface="Calibri" panose="020F0502020204030204" pitchFamily="34" charset="0"/>
+              </a:rPr>
+              <a:t>Can be used in a linear regression model for non-linear relationships</a:t>
+            </a:r>
+          </a:p>
+          <a:p>
+            <a:pPr lvl="2"/>
+            <a:r>
+              <a:rPr lang="en-US" sz="2400" cap="none" dirty="0" smtClean="0">
+                <a:latin typeface="Calibri" panose="020F0502020204030204" pitchFamily="34" charset="0"/>
+                <a:cs typeface="Calibri" panose="020F0502020204030204" pitchFamily="34" charset="0"/>
+              </a:rPr>
+              <a:t>This is still a linear model!</a:t>
+            </a:r>
+          </a:p>
+          <a:p>
+            <a:pPr lvl="2"/>
+            <a:r>
+              <a:rPr lang="en-US" sz="2400" cap="none" dirty="0" smtClean="0">
+                <a:latin typeface="Calibri" panose="020F0502020204030204" pitchFamily="34" charset="0"/>
+                <a:cs typeface="Calibri" panose="020F0502020204030204" pitchFamily="34" charset="0"/>
+              </a:rPr>
+              <a:t>We simply create a new variable which is an exponential transformation</a:t>
+            </a:r>
+          </a:p>
+          <a:p>
+            <a:pPr lvl="2"/>
+            <a:r>
+              <a:rPr lang="en-US" sz="2400" cap="none" dirty="0" smtClean="0">
+                <a:latin typeface="Calibri" panose="020F0502020204030204" pitchFamily="34" charset="0"/>
+                <a:cs typeface="Calibri" panose="020F0502020204030204" pitchFamily="34" charset="0"/>
+              </a:rPr>
+              <a:t>Known as polynomial regression</a:t>
+            </a:r>
+            <a:endParaRPr lang="en-US" sz="2800" cap="none" dirty="0" smtClean="0">
+              <a:latin typeface="Calibri" panose="020F0502020204030204" pitchFamily="34" charset="0"/>
+              <a:cs typeface="Calibri" panose="020F0502020204030204" pitchFamily="34" charset="0"/>
+            </a:endParaRPr>
+          </a:p>
+          <a:p>
+            <a:pPr lvl="2"/>
+            <a:endParaRPr lang="en-US" sz="2800" cap="none" dirty="0" smtClean="0">
+              <a:latin typeface="Calibri" panose="020F0502020204030204" pitchFamily="34" charset="0"/>
+              <a:cs typeface="Calibri" panose="020F0502020204030204" pitchFamily="34" charset="0"/>
+            </a:endParaRPr>
+          </a:p>
+          <a:p>
+            <a:pPr lvl="2"/>
+            <a:endParaRPr lang="en-US" sz="2800" cap="none" dirty="0" smtClean="0">
+              <a:latin typeface="Calibri" panose="020F0502020204030204" pitchFamily="34" charset="0"/>
+              <a:cs typeface="Calibri" panose="020F0502020204030204" pitchFamily="34" charset="0"/>
+            </a:endParaRPr>
+          </a:p>
+        </p:txBody>
+      </p:sp>
+      <p:pic>
+        <p:nvPicPr>
+          <p:cNvPr id="5" name="Picture 4"/>
+          <p:cNvPicPr>
+            <a:picLocks noChangeAspect="1"/>
+          </p:cNvPicPr>
+          <p:nvPr/>
+        </p:nvPicPr>
+        <p:blipFill>
+          <a:blip r:embed="rId2"/>
+          <a:stretch>
+            <a:fillRect/>
+          </a:stretch>
+        </p:blipFill>
+        <p:spPr>
+          <a:xfrm>
+            <a:off x="6139669" y="2070904"/>
+            <a:ext cx="6052331" cy="3818456"/>
+          </a:xfrm>
+          <a:prstGeom prst="rect">
+            <a:avLst/>
+          </a:prstGeom>
+        </p:spPr>
+      </p:pic>
+      <p:pic>
+        <p:nvPicPr>
+          <p:cNvPr id="7" name="Picture 6"/>
+          <p:cNvPicPr>
+            <a:picLocks noChangeAspect="1"/>
+          </p:cNvPicPr>
+          <p:nvPr/>
+        </p:nvPicPr>
+        <p:blipFill>
+          <a:blip r:embed="rId3"/>
+          <a:stretch>
+            <a:fillRect/>
+          </a:stretch>
+        </p:blipFill>
+        <p:spPr>
+          <a:xfrm>
+            <a:off x="6139669" y="1459116"/>
+            <a:ext cx="6052331" cy="611788"/>
+          </a:xfrm>
+          <a:prstGeom prst="rect">
+            <a:avLst/>
+          </a:prstGeom>
+        </p:spPr>
+      </p:pic>
+    </p:spTree>
+    <p:extLst>
+      <p:ext uri="{BB962C8B-B14F-4D97-AF65-F5344CB8AC3E}">
+        <p14:creationId xmlns:p14="http://schemas.microsoft.com/office/powerpoint/2010/main" val="2288291999"/>
+      </p:ext>
+    </p:extLst>
+  </p:cSld>
+  <p:clrMapOvr>
+    <a:masterClrMapping/>
+  </p:clrMapOvr>
+  <p:timing>
+    <p:tnLst>
+      <p:par>
+        <p:cTn id="1" dur="indefinite" restart="never" nodeType="tmRoot"/>
+      </p:par>
+    </p:tnLst>
+  </p:timing>
+</p:sld>
+</file>
+
+<file path=ppt/slides/slide71.xml><?xml version="1.0" encoding="utf-8"?>
+<p:sld xmlns:a="http://schemas.openxmlformats.org/drawingml/2006/main" xmlns:r="http://schemas.openxmlformats.org/officeDocument/2006/relationships" xmlns:p="http://schemas.openxmlformats.org/presentationml/2006/main">
+  <p:cSld>
+    <p:spTree>
+      <p:nvGrpSpPr>
+        <p:cNvPr id="1" name=""/>
+        <p:cNvGrpSpPr/>
+        <p:nvPr/>
+      </p:nvGrpSpPr>
+      <p:grpSpPr>
+        <a:xfrm>
+          <a:off x="0" y="0"/>
+          <a:ext cx="0" cy="0"/>
+          <a:chOff x="0" y="0"/>
+          <a:chExt cx="0" cy="0"/>
+        </a:xfrm>
+      </p:grpSpPr>
+      <p:sp>
+        <p:nvSpPr>
+          <p:cNvPr id="2" name="Title 1"/>
+          <p:cNvSpPr>
+            <a:spLocks noGrp="1"/>
+          </p:cNvSpPr>
+          <p:nvPr>
+            <p:ph type="title"/>
+          </p:nvPr>
+        </p:nvSpPr>
+        <p:spPr>
+          <a:xfrm>
+            <a:off x="913775" y="618517"/>
+            <a:ext cx="10364451" cy="624129"/>
+          </a:xfrm>
+        </p:spPr>
+        <p:txBody>
+          <a:bodyPr>
+            <a:normAutofit/>
+          </a:bodyPr>
+          <a:lstStyle/>
+          <a:p>
+            <a:r>
+              <a:rPr lang="en-US" b="1" dirty="0" smtClean="0"/>
+              <a:t>MUILTIPLE linear regression</a:t>
+            </a:r>
+            <a:endParaRPr lang="en-US" b="1" dirty="0">
+              <a:latin typeface="Gill Sans MT" panose="020B0502020104020203" pitchFamily="34" charset="0"/>
+            </a:endParaRPr>
+          </a:p>
+        </p:txBody>
+      </p:sp>
+      <p:sp>
+        <p:nvSpPr>
+          <p:cNvPr id="6" name="Content Placeholder 2"/>
+          <p:cNvSpPr txBox="1">
+            <a:spLocks/>
+          </p:cNvSpPr>
+          <p:nvPr/>
+        </p:nvSpPr>
+        <p:spPr>
+          <a:xfrm>
             <a:off x="913775" y="1639461"/>
             <a:ext cx="10364451" cy="4830350"/>
           </a:xfrm>
@@ -32127,7 +33289,7 @@
 </p:sld>
 </file>
 
-<file path=ppt/slides/slide71.xml><?xml version="1.0" encoding="utf-8"?>
+<file path=ppt/slides/slide72.xml><?xml version="1.0" encoding="utf-8"?>
 <p:sld xmlns:a="http://schemas.openxmlformats.org/drawingml/2006/main" xmlns:r="http://schemas.openxmlformats.org/officeDocument/2006/relationships" xmlns:p="http://schemas.openxmlformats.org/presentationml/2006/main">
   <p:cSld>
     <p:spTree>
@@ -32672,7 +33834,7 @@
 </p:sld>
 </file>
 
-<file path=ppt/slides/slide72.xml><?xml version="1.0" encoding="utf-8"?>
+<file path=ppt/slides/slide73.xml><?xml version="1.0" encoding="utf-8"?>
 <p:sld xmlns:a="http://schemas.openxmlformats.org/drawingml/2006/main" xmlns:r="http://schemas.openxmlformats.org/officeDocument/2006/relationships" xmlns:p="http://schemas.openxmlformats.org/presentationml/2006/main">
   <p:cSld>
     <p:spTree>
@@ -33171,346 +34333,6 @@
 </p:sld>
 </file>
 
-<file path=ppt/slides/slide73.xml><?xml version="1.0" encoding="utf-8"?>
-<p:sld xmlns:a="http://schemas.openxmlformats.org/drawingml/2006/main" xmlns:r="http://schemas.openxmlformats.org/officeDocument/2006/relationships" xmlns:p="http://schemas.openxmlformats.org/presentationml/2006/main">
-  <p:cSld>
-    <p:spTree>
-      <p:nvGrpSpPr>
-        <p:cNvPr id="1" name=""/>
-        <p:cNvGrpSpPr/>
-        <p:nvPr/>
-      </p:nvGrpSpPr>
-      <p:grpSpPr>
-        <a:xfrm>
-          <a:off x="0" y="0"/>
-          <a:ext cx="0" cy="0"/>
-          <a:chOff x="0" y="0"/>
-          <a:chExt cx="0" cy="0"/>
-        </a:xfrm>
-      </p:grpSpPr>
-      <p:sp>
-        <p:nvSpPr>
-          <p:cNvPr id="2" name="Title 1"/>
-          <p:cNvSpPr>
-            <a:spLocks noGrp="1"/>
-          </p:cNvSpPr>
-          <p:nvPr>
-            <p:ph type="title"/>
-          </p:nvPr>
-        </p:nvSpPr>
-        <p:spPr>
-          <a:xfrm>
-            <a:off x="913775" y="618517"/>
-            <a:ext cx="10364451" cy="624129"/>
-          </a:xfrm>
-        </p:spPr>
-        <p:txBody>
-          <a:bodyPr>
-            <a:normAutofit/>
-          </a:bodyPr>
-          <a:lstStyle/>
-          <a:p>
-            <a:r>
-              <a:rPr lang="en-US" b="1" dirty="0" smtClean="0"/>
-              <a:t>MUILTIPLE linear regression</a:t>
-            </a:r>
-            <a:endParaRPr lang="en-US" b="1" dirty="0">
-              <a:latin typeface="Gill Sans MT" panose="020B0502020104020203" pitchFamily="34" charset="0"/>
-            </a:endParaRPr>
-          </a:p>
-        </p:txBody>
-      </p:sp>
-      <p:sp>
-        <p:nvSpPr>
-          <p:cNvPr id="6" name="Content Placeholder 2"/>
-          <p:cNvSpPr txBox="1">
-            <a:spLocks/>
-          </p:cNvSpPr>
-          <p:nvPr/>
-        </p:nvSpPr>
-        <p:spPr>
-          <a:xfrm>
-            <a:off x="913775" y="1242646"/>
-            <a:ext cx="10364451" cy="4830350"/>
-          </a:xfrm>
-          <a:prstGeom prst="rect">
-            <a:avLst/>
-          </a:prstGeom>
-        </p:spPr>
-        <p:txBody>
-          <a:bodyPr vert="horz" lIns="91440" tIns="45720" rIns="91440" bIns="45720" rtlCol="0">
-            <a:normAutofit/>
-          </a:bodyPr>
-          <a:lstStyle>
-            <a:lvl1pPr marL="228600" indent="-228600" algn="l" defTabSz="914400" rtl="0" eaLnBrk="1" latinLnBrk="0" hangingPunct="1">
-              <a:lnSpc>
-                <a:spcPct val="120000"/>
-              </a:lnSpc>
-              <a:spcBef>
-                <a:spcPts val="1000"/>
-              </a:spcBef>
-              <a:buClr>
-                <a:schemeClr val="tx1"/>
-              </a:buClr>
-              <a:buFont typeface="Arial" panose="020B0604020202020204" pitchFamily="34" charset="0"/>
-              <a:buChar char="•"/>
-              <a:defRPr sz="2000" kern="1200" cap="all" baseline="0">
-                <a:solidFill>
-                  <a:schemeClr val="tx1"/>
-                </a:solidFill>
-                <a:effectLst/>
-                <a:latin typeface="+mn-lt"/>
-                <a:ea typeface="+mn-ea"/>
-                <a:cs typeface="+mn-cs"/>
-              </a:defRPr>
-            </a:lvl1pPr>
-            <a:lvl2pPr marL="685800" indent="-228600" algn="l" defTabSz="914400" rtl="0" eaLnBrk="1" latinLnBrk="0" hangingPunct="1">
-              <a:lnSpc>
-                <a:spcPct val="120000"/>
-              </a:lnSpc>
-              <a:spcBef>
-                <a:spcPts val="500"/>
-              </a:spcBef>
-              <a:buClr>
-                <a:schemeClr val="tx1"/>
-              </a:buClr>
-              <a:buFont typeface="Arial" panose="020B0604020202020204" pitchFamily="34" charset="0"/>
-              <a:buChar char="•"/>
-              <a:defRPr sz="1800" kern="1200" cap="all" baseline="0">
-                <a:solidFill>
-                  <a:schemeClr val="tx1"/>
-                </a:solidFill>
-                <a:effectLst/>
-                <a:latin typeface="+mn-lt"/>
-                <a:ea typeface="+mn-ea"/>
-                <a:cs typeface="+mn-cs"/>
-              </a:defRPr>
-            </a:lvl2pPr>
-            <a:lvl3pPr marL="1143000" indent="-228600" algn="l" defTabSz="914400" rtl="0" eaLnBrk="1" latinLnBrk="0" hangingPunct="1">
-              <a:lnSpc>
-                <a:spcPct val="120000"/>
-              </a:lnSpc>
-              <a:spcBef>
-                <a:spcPts val="500"/>
-              </a:spcBef>
-              <a:buClr>
-                <a:schemeClr val="tx1"/>
-              </a:buClr>
-              <a:buFont typeface="Arial" panose="020B0604020202020204" pitchFamily="34" charset="0"/>
-              <a:buChar char="•"/>
-              <a:defRPr sz="1600" kern="1200" cap="all" baseline="0">
-                <a:solidFill>
-                  <a:schemeClr val="tx1"/>
-                </a:solidFill>
-                <a:effectLst/>
-                <a:latin typeface="+mn-lt"/>
-                <a:ea typeface="+mn-ea"/>
-                <a:cs typeface="+mn-cs"/>
-              </a:defRPr>
-            </a:lvl3pPr>
-            <a:lvl4pPr marL="1600200" indent="-228600" algn="l" defTabSz="914400" rtl="0" eaLnBrk="1" latinLnBrk="0" hangingPunct="1">
-              <a:lnSpc>
-                <a:spcPct val="120000"/>
-              </a:lnSpc>
-              <a:spcBef>
-                <a:spcPts val="500"/>
-              </a:spcBef>
-              <a:buClr>
-                <a:schemeClr val="tx1"/>
-              </a:buClr>
-              <a:buFont typeface="Arial" panose="020B0604020202020204" pitchFamily="34" charset="0"/>
-              <a:buChar char="•"/>
-              <a:defRPr sz="1400" kern="1200" cap="all" baseline="0">
-                <a:solidFill>
-                  <a:schemeClr val="tx1"/>
-                </a:solidFill>
-                <a:effectLst/>
-                <a:latin typeface="+mn-lt"/>
-                <a:ea typeface="+mn-ea"/>
-                <a:cs typeface="+mn-cs"/>
-              </a:defRPr>
-            </a:lvl4pPr>
-            <a:lvl5pPr marL="2057400" indent="-228600" algn="l" defTabSz="914400" rtl="0" eaLnBrk="1" latinLnBrk="0" hangingPunct="1">
-              <a:lnSpc>
-                <a:spcPct val="120000"/>
-              </a:lnSpc>
-              <a:spcBef>
-                <a:spcPts val="500"/>
-              </a:spcBef>
-              <a:buClr>
-                <a:schemeClr val="tx1"/>
-              </a:buClr>
-              <a:buFont typeface="Arial" panose="020B0604020202020204" pitchFamily="34" charset="0"/>
-              <a:buChar char="•"/>
-              <a:defRPr sz="1400" kern="1200" cap="all" baseline="0">
-                <a:solidFill>
-                  <a:schemeClr val="tx1"/>
-                </a:solidFill>
-                <a:effectLst/>
-                <a:latin typeface="+mn-lt"/>
-                <a:ea typeface="+mn-ea"/>
-                <a:cs typeface="+mn-cs"/>
-              </a:defRPr>
-            </a:lvl5pPr>
-            <a:lvl6pPr marL="2514600" indent="-228600" algn="l" defTabSz="914400" rtl="0" eaLnBrk="1" latinLnBrk="0" hangingPunct="1">
-              <a:lnSpc>
-                <a:spcPct val="120000"/>
-              </a:lnSpc>
-              <a:spcBef>
-                <a:spcPts val="500"/>
-              </a:spcBef>
-              <a:buClr>
-                <a:schemeClr val="tx1"/>
-              </a:buClr>
-              <a:buFont typeface="Arial" panose="020B0604020202020204" pitchFamily="34" charset="0"/>
-              <a:buChar char="•"/>
-              <a:defRPr sz="1400" kern="1200" cap="all" baseline="0">
-                <a:solidFill>
-                  <a:schemeClr val="tx1"/>
-                </a:solidFill>
-                <a:effectLst/>
-                <a:latin typeface="+mn-lt"/>
-                <a:ea typeface="+mn-ea"/>
-                <a:cs typeface="+mn-cs"/>
-              </a:defRPr>
-            </a:lvl6pPr>
-            <a:lvl7pPr marL="2971800" indent="-228600" algn="l" defTabSz="914400" rtl="0" eaLnBrk="1" latinLnBrk="0" hangingPunct="1">
-              <a:lnSpc>
-                <a:spcPct val="120000"/>
-              </a:lnSpc>
-              <a:spcBef>
-                <a:spcPts val="500"/>
-              </a:spcBef>
-              <a:buClr>
-                <a:schemeClr val="tx1"/>
-              </a:buClr>
-              <a:buFont typeface="Arial" panose="020B0604020202020204" pitchFamily="34" charset="0"/>
-              <a:buChar char="•"/>
-              <a:defRPr sz="1400" kern="1200" cap="all" baseline="0">
-                <a:solidFill>
-                  <a:schemeClr val="tx1"/>
-                </a:solidFill>
-                <a:effectLst/>
-                <a:latin typeface="+mn-lt"/>
-                <a:ea typeface="+mn-ea"/>
-                <a:cs typeface="+mn-cs"/>
-              </a:defRPr>
-            </a:lvl7pPr>
-            <a:lvl8pPr marL="3429000" indent="-228600" algn="l" defTabSz="914400" rtl="0" eaLnBrk="1" latinLnBrk="0" hangingPunct="1">
-              <a:lnSpc>
-                <a:spcPct val="120000"/>
-              </a:lnSpc>
-              <a:spcBef>
-                <a:spcPts val="500"/>
-              </a:spcBef>
-              <a:buClr>
-                <a:schemeClr val="tx1"/>
-              </a:buClr>
-              <a:buFont typeface="Arial" panose="020B0604020202020204" pitchFamily="34" charset="0"/>
-              <a:buChar char="•"/>
-              <a:defRPr sz="1400" kern="1200" cap="all" baseline="0">
-                <a:solidFill>
-                  <a:schemeClr val="tx1"/>
-                </a:solidFill>
-                <a:effectLst/>
-                <a:latin typeface="+mn-lt"/>
-                <a:ea typeface="+mn-ea"/>
-                <a:cs typeface="+mn-cs"/>
-              </a:defRPr>
-            </a:lvl8pPr>
-            <a:lvl9pPr marL="3886200" indent="-228600" algn="l" defTabSz="914400" rtl="0" eaLnBrk="1" latinLnBrk="0" hangingPunct="1">
-              <a:lnSpc>
-                <a:spcPct val="120000"/>
-              </a:lnSpc>
-              <a:spcBef>
-                <a:spcPts val="500"/>
-              </a:spcBef>
-              <a:buClr>
-                <a:schemeClr val="tx1"/>
-              </a:buClr>
-              <a:buFont typeface="Arial" panose="020B0604020202020204" pitchFamily="34" charset="0"/>
-              <a:buChar char="•"/>
-              <a:defRPr sz="1400" kern="1200" cap="all" baseline="0">
-                <a:solidFill>
-                  <a:schemeClr val="tx1"/>
-                </a:solidFill>
-                <a:effectLst/>
-                <a:latin typeface="+mn-lt"/>
-                <a:ea typeface="+mn-ea"/>
-                <a:cs typeface="+mn-cs"/>
-              </a:defRPr>
-            </a:lvl9pPr>
-          </a:lstStyle>
-          <a:p>
-            <a:pPr lvl="1"/>
-            <a:r>
-              <a:rPr lang="en-US" sz="2800" cap="none" dirty="0" smtClean="0">
-                <a:latin typeface="Calibri" panose="020F0502020204030204" pitchFamily="34" charset="0"/>
-                <a:cs typeface="Calibri" panose="020F0502020204030204" pitchFamily="34" charset="0"/>
-              </a:rPr>
-              <a:t>Potential Problems - </a:t>
-            </a:r>
-            <a:r>
-              <a:rPr lang="en-US" sz="2800" cap="none" dirty="0">
-                <a:latin typeface="Calibri" panose="020F0502020204030204" pitchFamily="34" charset="0"/>
-                <a:cs typeface="Calibri" panose="020F0502020204030204" pitchFamily="34" charset="0"/>
-              </a:rPr>
-              <a:t>Correlation of error </a:t>
-            </a:r>
-            <a:r>
-              <a:rPr lang="en-US" sz="2800" cap="none" dirty="0" smtClean="0">
-                <a:latin typeface="Calibri" panose="020F0502020204030204" pitchFamily="34" charset="0"/>
-                <a:cs typeface="Calibri" panose="020F0502020204030204" pitchFamily="34" charset="0"/>
-              </a:rPr>
-              <a:t>terms</a:t>
-            </a:r>
-          </a:p>
-        </p:txBody>
-      </p:sp>
-      <p:pic>
-        <p:nvPicPr>
-          <p:cNvPr id="4" name="Picture 3"/>
-          <p:cNvPicPr>
-            <a:picLocks noChangeAspect="1"/>
-          </p:cNvPicPr>
-          <p:nvPr/>
-        </p:nvPicPr>
-        <p:blipFill>
-          <a:blip r:embed="rId2"/>
-          <a:stretch>
-            <a:fillRect/>
-          </a:stretch>
-        </p:blipFill>
-        <p:spPr>
-          <a:xfrm>
-            <a:off x="1176906" y="1866775"/>
-            <a:ext cx="9838188" cy="5087428"/>
-          </a:xfrm>
-          <a:prstGeom prst="rect">
-            <a:avLst/>
-          </a:prstGeom>
-        </p:spPr>
-      </p:pic>
-    </p:spTree>
-    <p:extLst>
-      <p:ext uri="{BB962C8B-B14F-4D97-AF65-F5344CB8AC3E}">
-        <p14:creationId xmlns:p14="http://schemas.microsoft.com/office/powerpoint/2010/main" val="62590140"/>
-      </p:ext>
-    </p:extLst>
-  </p:cSld>
-  <p:clrMapOvr>
-    <a:masterClrMapping/>
-  </p:clrMapOvr>
-  <p:timing>
-    <p:tnLst>
-      <p:par>
-        <p:cTn id="1" dur="indefinite" restart="never" nodeType="tmRoot"/>
-      </p:par>
-    </p:tnLst>
-  </p:timing>
-</p:sld>
-</file>
-
 <file path=ppt/slides/slide74.xml><?xml version="1.0" encoding="utf-8"?>
 <p:sld xmlns:a="http://schemas.openxmlformats.org/drawingml/2006/main" xmlns:r="http://schemas.openxmlformats.org/officeDocument/2006/relationships" xmlns:p="http://schemas.openxmlformats.org/presentationml/2006/main">
   <p:cSld>
@@ -33570,7 +34392,7 @@
         </p:nvSpPr>
         <p:spPr>
           <a:xfrm>
-            <a:off x="913775" y="1639461"/>
+            <a:off x="913775" y="1242646"/>
             <a:ext cx="10364451" cy="4830350"/>
           </a:xfrm>
           <a:prstGeom prst="rect">
@@ -33795,7 +34617,7 @@
                 <a:latin typeface="Calibri" panose="020F0502020204030204" pitchFamily="34" charset="0"/>
                 <a:cs typeface="Calibri" panose="020F0502020204030204" pitchFamily="34" charset="0"/>
               </a:rPr>
-              <a:t>Non-constant variance of error </a:t>
+              <a:t>Correlation of error </a:t>
             </a:r>
             <a:r>
               <a:rPr lang="en-US" sz="2800" cap="none" dirty="0" smtClean="0">
@@ -33805,94 +34627,36 @@
               <a:t>terms</a:t>
             </a:r>
           </a:p>
-          <a:p>
-            <a:pPr lvl="2"/>
-            <a:r>
-              <a:rPr lang="en-US" sz="2400" cap="none" dirty="0" err="1" smtClean="0">
-                <a:latin typeface="Calibri" panose="020F0502020204030204" pitchFamily="34" charset="0"/>
-                <a:cs typeface="Calibri" panose="020F0502020204030204" pitchFamily="34" charset="0"/>
-              </a:rPr>
-              <a:t>Heteroskedasticity</a:t>
-            </a:r>
-            <a:endParaRPr lang="en-US" sz="2400" cap="none" dirty="0">
-              <a:latin typeface="Calibri" panose="020F0502020204030204" pitchFamily="34" charset="0"/>
-              <a:cs typeface="Calibri" panose="020F0502020204030204" pitchFamily="34" charset="0"/>
-            </a:endParaRPr>
-          </a:p>
-          <a:p>
-            <a:pPr lvl="2"/>
-            <a:r>
-              <a:rPr lang="en-US" sz="2400" cap="none" dirty="0" smtClean="0">
-                <a:latin typeface="Calibri" panose="020F0502020204030204" pitchFamily="34" charset="0"/>
-                <a:cs typeface="Calibri" panose="020F0502020204030204" pitchFamily="34" charset="0"/>
-              </a:rPr>
-              <a:t>Another assumption of linear regression is that the error terms have constant variance across observations</a:t>
-            </a:r>
-          </a:p>
-          <a:p>
-            <a:pPr lvl="2"/>
-            <a:r>
-              <a:rPr lang="en-US" sz="2400" cap="none" dirty="0" smtClean="0">
-                <a:latin typeface="Calibri" panose="020F0502020204030204" pitchFamily="34" charset="0"/>
-                <a:cs typeface="Calibri" panose="020F0502020204030204" pitchFamily="34" charset="0"/>
-              </a:rPr>
-              <a:t>It is easy to identify by looking for a funnel shape in the residual plot</a:t>
-            </a:r>
-          </a:p>
-          <a:p>
-            <a:pPr lvl="2"/>
-            <a:r>
-              <a:rPr lang="en-US" sz="2400" cap="none" dirty="0" smtClean="0">
-                <a:latin typeface="Calibri" panose="020F0502020204030204" pitchFamily="34" charset="0"/>
-                <a:cs typeface="Calibri" panose="020F0502020204030204" pitchFamily="34" charset="0"/>
-              </a:rPr>
-              <a:t>One possible solution is to transform the response variable </a:t>
-            </a:r>
-          </a:p>
-          <a:p>
-            <a:pPr lvl="2"/>
-            <a:r>
-              <a:rPr lang="en-US" sz="2400" cap="none" dirty="0" smtClean="0">
-                <a:latin typeface="Calibri" panose="020F0502020204030204" pitchFamily="34" charset="0"/>
-                <a:cs typeface="Calibri" panose="020F0502020204030204" pitchFamily="34" charset="0"/>
-              </a:rPr>
-              <a:t>E.g. transform Y to log(Y) or </a:t>
-            </a:r>
-            <a:r>
-              <a:rPr lang="en-US" sz="2400" cap="none" dirty="0" err="1" smtClean="0">
-                <a:latin typeface="Calibri" panose="020F0502020204030204" pitchFamily="34" charset="0"/>
-                <a:cs typeface="Calibri" panose="020F0502020204030204" pitchFamily="34" charset="0"/>
-              </a:rPr>
-              <a:t>sqrt</a:t>
-            </a:r>
-            <a:r>
-              <a:rPr lang="en-US" sz="2400" cap="none" dirty="0" smtClean="0">
-                <a:latin typeface="Calibri" panose="020F0502020204030204" pitchFamily="34" charset="0"/>
-                <a:cs typeface="Calibri" panose="020F0502020204030204" pitchFamily="34" charset="0"/>
-              </a:rPr>
-              <a:t>(Y)</a:t>
-            </a:r>
-          </a:p>
-          <a:p>
-            <a:pPr lvl="2"/>
-            <a:endParaRPr lang="en-US" sz="2800" cap="none" dirty="0" smtClean="0">
-              <a:latin typeface="Calibri" panose="020F0502020204030204" pitchFamily="34" charset="0"/>
-              <a:cs typeface="Calibri" panose="020F0502020204030204" pitchFamily="34" charset="0"/>
-            </a:endParaRPr>
-          </a:p>
-          <a:p>
-            <a:pPr lvl="2"/>
-            <a:endParaRPr lang="en-US" sz="2800" cap="none" dirty="0" smtClean="0">
-              <a:latin typeface="Calibri" panose="020F0502020204030204" pitchFamily="34" charset="0"/>
-              <a:cs typeface="Calibri" panose="020F0502020204030204" pitchFamily="34" charset="0"/>
-            </a:endParaRPr>
-          </a:p>
         </p:txBody>
       </p:sp>
+      <p:pic>
+        <p:nvPicPr>
+          <p:cNvPr id="4" name="Picture 3"/>
+          <p:cNvPicPr>
+            <a:picLocks noChangeAspect="1"/>
+          </p:cNvPicPr>
+          <p:nvPr/>
+        </p:nvPicPr>
+        <p:blipFill>
+          <a:blip r:embed="rId2"/>
+          <a:stretch>
+            <a:fillRect/>
+          </a:stretch>
+        </p:blipFill>
+        <p:spPr>
+          <a:xfrm>
+            <a:off x="1176906" y="1866775"/>
+            <a:ext cx="9838188" cy="5087428"/>
+          </a:xfrm>
+          <a:prstGeom prst="rect">
+            <a:avLst/>
+          </a:prstGeom>
+        </p:spPr>
+      </p:pic>
     </p:spTree>
     <p:extLst>
       <p:ext uri="{BB962C8B-B14F-4D97-AF65-F5344CB8AC3E}">
-        <p14:creationId xmlns:p14="http://schemas.microsoft.com/office/powerpoint/2010/main" val="4074299063"/>
+        <p14:creationId xmlns:p14="http://schemas.microsoft.com/office/powerpoint/2010/main" val="62590140"/>
       </p:ext>
     </p:extLst>
   </p:cSld>
@@ -34205,41 +34969,106 @@
           </a:p>
           <a:p>
             <a:pPr lvl="2"/>
+            <a:r>
+              <a:rPr lang="en-US" sz="2400" cap="none" dirty="0" err="1" smtClean="0">
+                <a:latin typeface="Calibri" panose="020F0502020204030204" pitchFamily="34" charset="0"/>
+                <a:cs typeface="Calibri" panose="020F0502020204030204" pitchFamily="34" charset="0"/>
+              </a:rPr>
+              <a:t>Heteroskedasticity</a:t>
+            </a:r>
+            <a:endParaRPr lang="en-US" sz="2400" cap="none" dirty="0" smtClean="0">
+              <a:latin typeface="Calibri" panose="020F0502020204030204" pitchFamily="34" charset="0"/>
+              <a:cs typeface="Calibri" panose="020F0502020204030204" pitchFamily="34" charset="0"/>
+            </a:endParaRPr>
+          </a:p>
+          <a:p>
+            <a:pPr lvl="2"/>
+            <a:r>
+              <a:rPr lang="en-US" sz="2400" cap="none" dirty="0" smtClean="0">
+                <a:latin typeface="Calibri" panose="020F0502020204030204" pitchFamily="34" charset="0"/>
+                <a:cs typeface="Calibri" panose="020F0502020204030204" pitchFamily="34" charset="0"/>
+              </a:rPr>
+              <a:t>Usually occurs when there is a wide disparity between the largest and smallest observed values</a:t>
+            </a:r>
+            <a:endParaRPr lang="en-US" sz="2400" cap="none" dirty="0">
+              <a:latin typeface="Calibri" panose="020F0502020204030204" pitchFamily="34" charset="0"/>
+              <a:cs typeface="Calibri" panose="020F0502020204030204" pitchFamily="34" charset="0"/>
+            </a:endParaRPr>
+          </a:p>
+          <a:p>
+            <a:pPr lvl="2"/>
+            <a:r>
+              <a:rPr lang="en-US" sz="2400" cap="none" dirty="0" smtClean="0">
+                <a:latin typeface="Calibri" panose="020F0502020204030204" pitchFamily="34" charset="0"/>
+                <a:cs typeface="Calibri" panose="020F0502020204030204" pitchFamily="34" charset="0"/>
+              </a:rPr>
+              <a:t>Another assumption of linear regression is that the error terms have constant variance across observations</a:t>
+            </a:r>
+          </a:p>
+          <a:p>
+            <a:pPr lvl="2"/>
+            <a:r>
+              <a:rPr lang="en-US" sz="2400" cap="none" dirty="0" smtClean="0">
+                <a:latin typeface="Calibri" panose="020F0502020204030204" pitchFamily="34" charset="0"/>
+                <a:cs typeface="Calibri" panose="020F0502020204030204" pitchFamily="34" charset="0"/>
+              </a:rPr>
+              <a:t>It is easy to identify by looking for a funnel shape in the residual plot</a:t>
+            </a:r>
+          </a:p>
+          <a:p>
+            <a:pPr lvl="2"/>
+            <a:r>
+              <a:rPr lang="en-US" sz="2400" cap="none" dirty="0" smtClean="0">
+                <a:latin typeface="Calibri" panose="020F0502020204030204" pitchFamily="34" charset="0"/>
+                <a:cs typeface="Calibri" panose="020F0502020204030204" pitchFamily="34" charset="0"/>
+              </a:rPr>
+              <a:t>One possible solution is to transform the response variable </a:t>
+            </a:r>
+          </a:p>
+          <a:p>
+            <a:pPr lvl="2"/>
+            <a:r>
+              <a:rPr lang="en-US" sz="2400" cap="none" dirty="0" smtClean="0">
+                <a:latin typeface="Calibri" panose="020F0502020204030204" pitchFamily="34" charset="0"/>
+                <a:cs typeface="Calibri" panose="020F0502020204030204" pitchFamily="34" charset="0"/>
+              </a:rPr>
+              <a:t>E.g. transform Y to log(Y) or </a:t>
+            </a:r>
+            <a:r>
+              <a:rPr lang="en-US" sz="2400" cap="none" dirty="0" err="1" smtClean="0">
+                <a:latin typeface="Calibri" panose="020F0502020204030204" pitchFamily="34" charset="0"/>
+                <a:cs typeface="Calibri" panose="020F0502020204030204" pitchFamily="34" charset="0"/>
+              </a:rPr>
+              <a:t>sqrt</a:t>
+            </a:r>
+            <a:r>
+              <a:rPr lang="en-US" sz="2400" cap="none" dirty="0" smtClean="0">
+                <a:latin typeface="Calibri" panose="020F0502020204030204" pitchFamily="34" charset="0"/>
+                <a:cs typeface="Calibri" panose="020F0502020204030204" pitchFamily="34" charset="0"/>
+              </a:rPr>
+              <a:t>(Y)</a:t>
+            </a:r>
+          </a:p>
+          <a:p>
+            <a:pPr lvl="2"/>
             <a:endParaRPr lang="en-US" sz="2800" cap="none" dirty="0" smtClean="0">
               <a:latin typeface="Calibri" panose="020F0502020204030204" pitchFamily="34" charset="0"/>
               <a:cs typeface="Calibri" panose="020F0502020204030204" pitchFamily="34" charset="0"/>
             </a:endParaRPr>
           </a:p>
+          <a:p>
+            <a:pPr lvl="2"/>
+            <a:endParaRPr lang="en-US" sz="2800" cap="none" dirty="0" smtClean="0">
+              <a:latin typeface="Calibri" panose="020F0502020204030204" pitchFamily="34" charset="0"/>
+              <a:cs typeface="Calibri" panose="020F0502020204030204" pitchFamily="34" charset="0"/>
+            </a:endParaRPr>
+          </a:p>
         </p:txBody>
       </p:sp>
-      <p:pic>
-        <p:nvPicPr>
-          <p:cNvPr id="3" name="Picture 2"/>
-          <p:cNvPicPr>
-            <a:picLocks noChangeAspect="1"/>
-          </p:cNvPicPr>
-          <p:nvPr/>
-        </p:nvPicPr>
-        <p:blipFill>
-          <a:blip r:embed="rId2"/>
-          <a:stretch>
-            <a:fillRect/>
-          </a:stretch>
-        </p:blipFill>
-        <p:spPr>
-          <a:xfrm>
-            <a:off x="1740649" y="2284149"/>
-            <a:ext cx="8710702" cy="4185662"/>
-          </a:xfrm>
-          <a:prstGeom prst="rect">
-            <a:avLst/>
-          </a:prstGeom>
-        </p:spPr>
-      </p:pic>
     </p:spTree>
     <p:extLst>
       <p:ext uri="{BB962C8B-B14F-4D97-AF65-F5344CB8AC3E}">
-        <p14:creationId xmlns:p14="http://schemas.microsoft.com/office/powerpoint/2010/main" val="1915204145"/>
+        <p14:creationId xmlns:p14="http://schemas.microsoft.com/office/powerpoint/2010/main" val="4074299063"/>
       </p:ext>
     </p:extLst>
   </p:cSld>
@@ -34536,95 +35365,57 @@
               <a:t>Potential Problems - </a:t>
             </a:r>
             <a:r>
-              <a:rPr lang="en-US" sz="2800" cap="none" dirty="0" err="1" smtClean="0">
+              <a:rPr lang="en-US" sz="2800" cap="none" dirty="0">
                 <a:latin typeface="Calibri" panose="020F0502020204030204" pitchFamily="34" charset="0"/>
                 <a:cs typeface="Calibri" panose="020F0502020204030204" pitchFamily="34" charset="0"/>
               </a:rPr>
-              <a:t>Outliars</a:t>
-            </a:r>
+              <a:t>Non-constant variance of error </a:t>
+            </a:r>
+            <a:r>
+              <a:rPr lang="en-US" sz="2800" cap="none" dirty="0" smtClean="0">
+                <a:latin typeface="Calibri" panose="020F0502020204030204" pitchFamily="34" charset="0"/>
+                <a:cs typeface="Calibri" panose="020F0502020204030204" pitchFamily="34" charset="0"/>
+              </a:rPr>
+              <a:t>terms</a:t>
+            </a:r>
+          </a:p>
+          <a:p>
+            <a:pPr lvl="2"/>
             <a:endParaRPr lang="en-US" sz="2800" cap="none" dirty="0" smtClean="0">
               <a:latin typeface="Calibri" panose="020F0502020204030204" pitchFamily="34" charset="0"/>
               <a:cs typeface="Calibri" panose="020F0502020204030204" pitchFamily="34" charset="0"/>
             </a:endParaRPr>
           </a:p>
-          <a:p>
-            <a:pPr lvl="2"/>
-            <a:r>
-              <a:rPr lang="en-US" sz="2600" cap="none" dirty="0" smtClean="0">
-                <a:latin typeface="Calibri" panose="020F0502020204030204" pitchFamily="34" charset="0"/>
-                <a:cs typeface="Calibri" panose="020F0502020204030204" pitchFamily="34" charset="0"/>
-              </a:rPr>
-              <a:t>An observation where the response is far outside the predicted value of the model</a:t>
-            </a:r>
-          </a:p>
-          <a:p>
-            <a:pPr lvl="2"/>
-            <a:r>
-              <a:rPr lang="en-US" sz="2600" cap="none" dirty="0" smtClean="0">
-                <a:latin typeface="Calibri" panose="020F0502020204030204" pitchFamily="34" charset="0"/>
-                <a:cs typeface="Calibri" panose="020F0502020204030204" pitchFamily="34" charset="0"/>
-              </a:rPr>
-              <a:t>Can happen for a variety of reasons, including erroneous data</a:t>
-            </a:r>
-          </a:p>
-          <a:p>
-            <a:pPr lvl="2"/>
-            <a:r>
-              <a:rPr lang="en-US" sz="2600" cap="none" dirty="0" smtClean="0">
-                <a:latin typeface="Calibri" panose="020F0502020204030204" pitchFamily="34" charset="0"/>
-                <a:cs typeface="Calibri" panose="020F0502020204030204" pitchFamily="34" charset="0"/>
-              </a:rPr>
-              <a:t>In practice, it can be difficult to know what to do with an </a:t>
-            </a:r>
-            <a:r>
-              <a:rPr lang="en-US" sz="2600" cap="none" dirty="0" err="1" smtClean="0">
-                <a:latin typeface="Calibri" panose="020F0502020204030204" pitchFamily="34" charset="0"/>
-                <a:cs typeface="Calibri" panose="020F0502020204030204" pitchFamily="34" charset="0"/>
-              </a:rPr>
-              <a:t>outliar</a:t>
-            </a:r>
-            <a:endParaRPr lang="en-US" sz="2600" cap="none" dirty="0" smtClean="0">
-              <a:latin typeface="Calibri" panose="020F0502020204030204" pitchFamily="34" charset="0"/>
-              <a:cs typeface="Calibri" panose="020F0502020204030204" pitchFamily="34" charset="0"/>
-            </a:endParaRPr>
-          </a:p>
-          <a:p>
-            <a:pPr lvl="3"/>
-            <a:r>
-              <a:rPr lang="en-US" sz="2600" cap="none" dirty="0" smtClean="0">
-                <a:latin typeface="Calibri" panose="020F0502020204030204" pitchFamily="34" charset="0"/>
-                <a:cs typeface="Calibri" panose="020F0502020204030204" pitchFamily="34" charset="0"/>
-              </a:rPr>
-              <a:t>Manually review residual plot and remove observations</a:t>
-            </a:r>
-          </a:p>
-          <a:p>
-            <a:pPr lvl="3"/>
-            <a:r>
-              <a:rPr lang="en-US" sz="2600" cap="none" dirty="0" smtClean="0">
-                <a:latin typeface="Calibri" panose="020F0502020204030204" pitchFamily="34" charset="0"/>
-                <a:cs typeface="Calibri" panose="020F0502020204030204" pitchFamily="34" charset="0"/>
-              </a:rPr>
-              <a:t>Use sigma-clipping to automatically remove any extreme values. Might result in removal of non-</a:t>
-            </a:r>
-            <a:r>
-              <a:rPr lang="en-US" sz="2600" cap="none" dirty="0" err="1" smtClean="0">
-                <a:latin typeface="Calibri" panose="020F0502020204030204" pitchFamily="34" charset="0"/>
-                <a:cs typeface="Calibri" panose="020F0502020204030204" pitchFamily="34" charset="0"/>
-              </a:rPr>
-              <a:t>outliars</a:t>
-            </a:r>
-            <a:endParaRPr lang="en-US" sz="2600" cap="none" dirty="0" smtClean="0">
-              <a:latin typeface="Calibri" panose="020F0502020204030204" pitchFamily="34" charset="0"/>
-              <a:cs typeface="Calibri" panose="020F0502020204030204" pitchFamily="34" charset="0"/>
-            </a:endParaRPr>
-          </a:p>
         </p:txBody>
       </p:sp>
+      <p:pic>
+        <p:nvPicPr>
+          <p:cNvPr id="3" name="Picture 2"/>
+          <p:cNvPicPr>
+            <a:picLocks noChangeAspect="1"/>
+          </p:cNvPicPr>
+          <p:nvPr/>
+        </p:nvPicPr>
+        <p:blipFill>
+          <a:blip r:embed="rId2"/>
+          <a:stretch>
+            <a:fillRect/>
+          </a:stretch>
+        </p:blipFill>
+        <p:spPr>
+          <a:xfrm>
+            <a:off x="1740649" y="2284149"/>
+            <a:ext cx="8710702" cy="4185662"/>
+          </a:xfrm>
+          <a:prstGeom prst="rect">
+            <a:avLst/>
+          </a:prstGeom>
+        </p:spPr>
+      </p:pic>
     </p:spTree>
     <p:extLst>
       <p:ext uri="{BB962C8B-B14F-4D97-AF65-F5344CB8AC3E}">
-        <p14:creationId xmlns:p14="http://schemas.microsoft.com/office/powerpoint/2010/main" val="2148107612"/>
+        <p14:creationId xmlns:p14="http://schemas.microsoft.com/office/powerpoint/2010/main" val="1915204145"/>
       </p:ext>
     </p:extLst>
   </p:cSld>
@@ -34932,36 +35723,84 @@
               <a:cs typeface="Calibri" panose="020F0502020204030204" pitchFamily="34" charset="0"/>
             </a:endParaRPr>
           </a:p>
+          <a:p>
+            <a:pPr lvl="2"/>
+            <a:r>
+              <a:rPr lang="en-US" sz="2600" cap="none" dirty="0" smtClean="0">
+                <a:latin typeface="Calibri" panose="020F0502020204030204" pitchFamily="34" charset="0"/>
+                <a:cs typeface="Calibri" panose="020F0502020204030204" pitchFamily="34" charset="0"/>
+              </a:rPr>
+              <a:t>An observation where the response is far outside the predicted value of the model</a:t>
+            </a:r>
+          </a:p>
+          <a:p>
+            <a:pPr lvl="2"/>
+            <a:r>
+              <a:rPr lang="en-US" sz="2600" cap="none" dirty="0" smtClean="0">
+                <a:latin typeface="Calibri" panose="020F0502020204030204" pitchFamily="34" charset="0"/>
+                <a:cs typeface="Calibri" panose="020F0502020204030204" pitchFamily="34" charset="0"/>
+              </a:rPr>
+              <a:t>Can happen for a variety of reasons, including erroneous data</a:t>
+            </a:r>
+          </a:p>
+          <a:p>
+            <a:pPr lvl="2"/>
+            <a:r>
+              <a:rPr lang="en-US" sz="2600" cap="none" dirty="0" smtClean="0">
+                <a:latin typeface="Calibri" panose="020F0502020204030204" pitchFamily="34" charset="0"/>
+                <a:cs typeface="Calibri" panose="020F0502020204030204" pitchFamily="34" charset="0"/>
+              </a:rPr>
+              <a:t>In practice, it can be difficult to know what to do with an </a:t>
+            </a:r>
+            <a:r>
+              <a:rPr lang="en-US" sz="2600" cap="none" dirty="0" err="1" smtClean="0">
+                <a:latin typeface="Calibri" panose="020F0502020204030204" pitchFamily="34" charset="0"/>
+                <a:cs typeface="Calibri" panose="020F0502020204030204" pitchFamily="34" charset="0"/>
+              </a:rPr>
+              <a:t>outliar</a:t>
+            </a:r>
+            <a:endParaRPr lang="en-US" sz="2600" cap="none" dirty="0" smtClean="0">
+              <a:latin typeface="Calibri" panose="020F0502020204030204" pitchFamily="34" charset="0"/>
+              <a:cs typeface="Calibri" panose="020F0502020204030204" pitchFamily="34" charset="0"/>
+            </a:endParaRPr>
+          </a:p>
+          <a:p>
+            <a:pPr lvl="3"/>
+            <a:r>
+              <a:rPr lang="en-US" sz="2600" cap="none" dirty="0" smtClean="0">
+                <a:latin typeface="Calibri" panose="020F0502020204030204" pitchFamily="34" charset="0"/>
+                <a:cs typeface="Calibri" panose="020F0502020204030204" pitchFamily="34" charset="0"/>
+              </a:rPr>
+              <a:t>Manually review residual plot and remove observations</a:t>
+            </a:r>
+          </a:p>
+          <a:p>
+            <a:pPr lvl="3"/>
+            <a:r>
+              <a:rPr lang="en-US" sz="2600" cap="none" dirty="0" smtClean="0">
+                <a:latin typeface="Calibri" panose="020F0502020204030204" pitchFamily="34" charset="0"/>
+                <a:cs typeface="Calibri" panose="020F0502020204030204" pitchFamily="34" charset="0"/>
+              </a:rPr>
+              <a:t>Use sigma-clipping to automatically remove any extreme values. Might result in removal of non-</a:t>
+            </a:r>
+            <a:r>
+              <a:rPr lang="en-US" sz="2600" cap="none" dirty="0" err="1" smtClean="0">
+                <a:latin typeface="Calibri" panose="020F0502020204030204" pitchFamily="34" charset="0"/>
+                <a:cs typeface="Calibri" panose="020F0502020204030204" pitchFamily="34" charset="0"/>
+              </a:rPr>
+              <a:t>outliars</a:t>
+            </a:r>
+            <a:endParaRPr lang="en-US" sz="2600" cap="none" dirty="0" smtClean="0">
+              <a:latin typeface="Calibri" panose="020F0502020204030204" pitchFamily="34" charset="0"/>
+              <a:cs typeface="Calibri" panose="020F0502020204030204" pitchFamily="34" charset="0"/>
+            </a:endParaRPr>
+          </a:p>
         </p:txBody>
       </p:sp>
-      <p:pic>
-        <p:nvPicPr>
-          <p:cNvPr id="3" name="Picture 2"/>
-          <p:cNvPicPr>
-            <a:picLocks noChangeAspect="1"/>
-          </p:cNvPicPr>
-          <p:nvPr/>
-        </p:nvPicPr>
-        <p:blipFill>
-          <a:blip r:embed="rId2"/>
-          <a:stretch>
-            <a:fillRect/>
-          </a:stretch>
-        </p:blipFill>
-        <p:spPr>
-          <a:xfrm>
-            <a:off x="120881" y="2652444"/>
-            <a:ext cx="11950237" cy="3679260"/>
-          </a:xfrm>
-          <a:prstGeom prst="rect">
-            <a:avLst/>
-          </a:prstGeom>
-        </p:spPr>
-      </p:pic>
     </p:spTree>
     <p:extLst>
       <p:ext uri="{BB962C8B-B14F-4D97-AF65-F5344CB8AC3E}">
-        <p14:creationId xmlns:p14="http://schemas.microsoft.com/office/powerpoint/2010/main" val="3142302902"/>
+        <p14:creationId xmlns:p14="http://schemas.microsoft.com/office/powerpoint/2010/main" val="2148107612"/>
       </p:ext>
     </p:extLst>
   </p:cSld>
@@ -35258,81 +36097,47 @@
               <a:t>Potential Problems - </a:t>
             </a:r>
             <a:r>
-              <a:rPr lang="en-US" sz="2800" cap="none" dirty="0">
+              <a:rPr lang="en-US" sz="2800" cap="none" dirty="0" err="1" smtClean="0">
                 <a:latin typeface="Calibri" panose="020F0502020204030204" pitchFamily="34" charset="0"/>
                 <a:cs typeface="Calibri" panose="020F0502020204030204" pitchFamily="34" charset="0"/>
               </a:rPr>
-              <a:t>Collinearity</a:t>
+              <a:t>Outliars</a:t>
             </a:r>
             <a:endParaRPr lang="en-US" sz="2800" cap="none" dirty="0" smtClean="0">
               <a:latin typeface="Calibri" panose="020F0502020204030204" pitchFamily="34" charset="0"/>
               <a:cs typeface="Calibri" panose="020F0502020204030204" pitchFamily="34" charset="0"/>
             </a:endParaRPr>
           </a:p>
-          <a:p>
-            <a:pPr lvl="2"/>
-            <a:r>
-              <a:rPr lang="en-US" sz="2600" cap="none" dirty="0" smtClean="0">
-                <a:latin typeface="Calibri" panose="020F0502020204030204" pitchFamily="34" charset="0"/>
-                <a:cs typeface="Calibri" panose="020F0502020204030204" pitchFamily="34" charset="0"/>
-              </a:rPr>
-              <a:t>Happens when two or more predictors are very highly correlated</a:t>
-            </a:r>
-          </a:p>
-          <a:p>
-            <a:pPr lvl="2"/>
-            <a:r>
-              <a:rPr lang="en-US" sz="2600" cap="none" dirty="0" smtClean="0">
-                <a:latin typeface="Calibri" panose="020F0502020204030204" pitchFamily="34" charset="0"/>
-                <a:cs typeface="Calibri" panose="020F0502020204030204" pitchFamily="34" charset="0"/>
-              </a:rPr>
-              <a:t>If you can predict one predictor based on another, we have collinearity</a:t>
-            </a:r>
-          </a:p>
-          <a:p>
-            <a:pPr lvl="2"/>
-            <a:r>
-              <a:rPr lang="en-US" sz="2600" cap="none" dirty="0" smtClean="0">
-                <a:latin typeface="Calibri" panose="020F0502020204030204" pitchFamily="34" charset="0"/>
-                <a:cs typeface="Calibri" panose="020F0502020204030204" pitchFamily="34" charset="0"/>
-              </a:rPr>
-              <a:t>As seen previously, variable selection is the best way to deal with this</a:t>
-            </a:r>
-          </a:p>
-          <a:p>
-            <a:pPr lvl="2"/>
-            <a:endParaRPr lang="en-US" sz="2600" cap="none" dirty="0" smtClean="0">
-              <a:latin typeface="Calibri" panose="020F0502020204030204" pitchFamily="34" charset="0"/>
-              <a:cs typeface="Calibri" panose="020F0502020204030204" pitchFamily="34" charset="0"/>
-            </a:endParaRPr>
-          </a:p>
-          <a:p>
-            <a:pPr lvl="2"/>
-            <a:endParaRPr lang="en-US" sz="2600" cap="none" dirty="0" smtClean="0">
-              <a:latin typeface="Calibri" panose="020F0502020204030204" pitchFamily="34" charset="0"/>
-              <a:cs typeface="Calibri" panose="020F0502020204030204" pitchFamily="34" charset="0"/>
-            </a:endParaRPr>
-          </a:p>
-          <a:p>
-            <a:pPr lvl="2"/>
-            <a:endParaRPr lang="en-US" sz="2800" cap="none" dirty="0" smtClean="0">
-              <a:latin typeface="Calibri" panose="020F0502020204030204" pitchFamily="34" charset="0"/>
-              <a:cs typeface="Calibri" panose="020F0502020204030204" pitchFamily="34" charset="0"/>
-            </a:endParaRPr>
-          </a:p>
-          <a:p>
-            <a:pPr lvl="2"/>
-            <a:endParaRPr lang="en-US" sz="2800" cap="none" dirty="0" smtClean="0">
-              <a:latin typeface="Calibri" panose="020F0502020204030204" pitchFamily="34" charset="0"/>
-              <a:cs typeface="Calibri" panose="020F0502020204030204" pitchFamily="34" charset="0"/>
-            </a:endParaRPr>
-          </a:p>
         </p:txBody>
       </p:sp>
+      <p:pic>
+        <p:nvPicPr>
+          <p:cNvPr id="3" name="Picture 2"/>
+          <p:cNvPicPr>
+            <a:picLocks noChangeAspect="1"/>
+          </p:cNvPicPr>
+          <p:nvPr/>
+        </p:nvPicPr>
+        <p:blipFill>
+          <a:blip r:embed="rId2"/>
+          <a:stretch>
+            <a:fillRect/>
+          </a:stretch>
+        </p:blipFill>
+        <p:spPr>
+          <a:xfrm>
+            <a:off x="120881" y="2652444"/>
+            <a:ext cx="11950237" cy="3679260"/>
+          </a:xfrm>
+          <a:prstGeom prst="rect">
+            <a:avLst/>
+          </a:prstGeom>
+        </p:spPr>
+      </p:pic>
     </p:spTree>
     <p:extLst>
       <p:ext uri="{BB962C8B-B14F-4D97-AF65-F5344CB8AC3E}">
-        <p14:creationId xmlns:p14="http://schemas.microsoft.com/office/powerpoint/2010/main" val="2033572739"/>
+        <p14:creationId xmlns:p14="http://schemas.microsoft.com/office/powerpoint/2010/main" val="3142302902"/>
       </p:ext>
     </p:extLst>
   </p:cSld>
@@ -35390,7 +36195,7 @@
           <a:p>
             <a:r>
               <a:rPr lang="en-US" b="1" dirty="0" smtClean="0"/>
-              <a:t>OTHER REGRESSION TECHNIQUES</a:t>
+              <a:t>MUILTIPLE linear regression</a:t>
             </a:r>
             <a:endParaRPr lang="en-US" b="1" dirty="0">
               <a:latin typeface="Gill Sans MT" panose="020B0502020104020203" pitchFamily="34" charset="0"/>
@@ -35620,6 +36425,57 @@
             </a:lvl9pPr>
           </a:lstStyle>
           <a:p>
+            <a:pPr lvl="1"/>
+            <a:r>
+              <a:rPr lang="en-US" sz="2800" cap="none" dirty="0" smtClean="0">
+                <a:latin typeface="Calibri" panose="020F0502020204030204" pitchFamily="34" charset="0"/>
+                <a:cs typeface="Calibri" panose="020F0502020204030204" pitchFamily="34" charset="0"/>
+              </a:rPr>
+              <a:t>Potential Problems - </a:t>
+            </a:r>
+            <a:r>
+              <a:rPr lang="en-US" sz="2800" cap="none" dirty="0">
+                <a:latin typeface="Calibri" panose="020F0502020204030204" pitchFamily="34" charset="0"/>
+                <a:cs typeface="Calibri" panose="020F0502020204030204" pitchFamily="34" charset="0"/>
+              </a:rPr>
+              <a:t>Collinearity</a:t>
+            </a:r>
+            <a:endParaRPr lang="en-US" sz="2800" cap="none" dirty="0" smtClean="0">
+              <a:latin typeface="Calibri" panose="020F0502020204030204" pitchFamily="34" charset="0"/>
+              <a:cs typeface="Calibri" panose="020F0502020204030204" pitchFamily="34" charset="0"/>
+            </a:endParaRPr>
+          </a:p>
+          <a:p>
+            <a:pPr lvl="2"/>
+            <a:r>
+              <a:rPr lang="en-US" sz="2600" cap="none" dirty="0" smtClean="0">
+                <a:latin typeface="Calibri" panose="020F0502020204030204" pitchFamily="34" charset="0"/>
+                <a:cs typeface="Calibri" panose="020F0502020204030204" pitchFamily="34" charset="0"/>
+              </a:rPr>
+              <a:t>Happens when two or more predictors are very highly correlated</a:t>
+            </a:r>
+          </a:p>
+          <a:p>
+            <a:pPr lvl="2"/>
+            <a:r>
+              <a:rPr lang="en-US" sz="2600" cap="none" dirty="0" smtClean="0">
+                <a:latin typeface="Calibri" panose="020F0502020204030204" pitchFamily="34" charset="0"/>
+                <a:cs typeface="Calibri" panose="020F0502020204030204" pitchFamily="34" charset="0"/>
+              </a:rPr>
+              <a:t>If you can predict one predictor based on another, we have collinearity</a:t>
+            </a:r>
+          </a:p>
+          <a:p>
+            <a:pPr lvl="2"/>
+            <a:r>
+              <a:rPr lang="en-US" sz="2600" cap="none" dirty="0" smtClean="0">
+                <a:latin typeface="Calibri" panose="020F0502020204030204" pitchFamily="34" charset="0"/>
+                <a:cs typeface="Calibri" panose="020F0502020204030204" pitchFamily="34" charset="0"/>
+              </a:rPr>
+              <a:t>As seen previously, variable selection is the best way to deal with this</a:t>
+            </a:r>
+          </a:p>
+          <a:p>
             <a:pPr lvl="2"/>
             <a:endParaRPr lang="en-US" sz="2600" cap="none" dirty="0" smtClean="0">
               <a:latin typeface="Calibri" panose="020F0502020204030204" pitchFamily="34" charset="0"/>
@@ -35649,325 +36505,10 @@
           </a:p>
         </p:txBody>
       </p:sp>
-      <p:sp>
-        <p:nvSpPr>
-          <p:cNvPr id="4" name="Content Placeholder 2"/>
-          <p:cNvSpPr txBox="1">
-            <a:spLocks/>
-          </p:cNvSpPr>
-          <p:nvPr/>
-        </p:nvSpPr>
-        <p:spPr>
-          <a:xfrm>
-            <a:off x="913774" y="1639461"/>
-            <a:ext cx="10364451" cy="3929443"/>
-          </a:xfrm>
-          <a:prstGeom prst="rect">
-            <a:avLst/>
-          </a:prstGeom>
-        </p:spPr>
-        <p:txBody>
-          <a:bodyPr vert="horz" lIns="91440" tIns="45720" rIns="91440" bIns="45720" rtlCol="0">
-            <a:normAutofit/>
-          </a:bodyPr>
-          <a:lstStyle>
-            <a:lvl1pPr marL="228600" indent="-228600" algn="l" defTabSz="914400" rtl="0" eaLnBrk="1" latinLnBrk="0" hangingPunct="1">
-              <a:lnSpc>
-                <a:spcPct val="120000"/>
-              </a:lnSpc>
-              <a:spcBef>
-                <a:spcPts val="1000"/>
-              </a:spcBef>
-              <a:buClr>
-                <a:schemeClr val="tx1"/>
-              </a:buClr>
-              <a:buFont typeface="Arial" panose="020B0604020202020204" pitchFamily="34" charset="0"/>
-              <a:buChar char="•"/>
-              <a:defRPr sz="2000" kern="1200" cap="all" baseline="0">
-                <a:solidFill>
-                  <a:schemeClr val="tx1"/>
-                </a:solidFill>
-                <a:effectLst/>
-                <a:latin typeface="+mn-lt"/>
-                <a:ea typeface="+mn-ea"/>
-                <a:cs typeface="+mn-cs"/>
-              </a:defRPr>
-            </a:lvl1pPr>
-            <a:lvl2pPr marL="685800" indent="-228600" algn="l" defTabSz="914400" rtl="0" eaLnBrk="1" latinLnBrk="0" hangingPunct="1">
-              <a:lnSpc>
-                <a:spcPct val="120000"/>
-              </a:lnSpc>
-              <a:spcBef>
-                <a:spcPts val="500"/>
-              </a:spcBef>
-              <a:buClr>
-                <a:schemeClr val="tx1"/>
-              </a:buClr>
-              <a:buFont typeface="Arial" panose="020B0604020202020204" pitchFamily="34" charset="0"/>
-              <a:buChar char="•"/>
-              <a:defRPr sz="1800" kern="1200" cap="all" baseline="0">
-                <a:solidFill>
-                  <a:schemeClr val="tx1"/>
-                </a:solidFill>
-                <a:effectLst/>
-                <a:latin typeface="+mn-lt"/>
-                <a:ea typeface="+mn-ea"/>
-                <a:cs typeface="+mn-cs"/>
-              </a:defRPr>
-            </a:lvl2pPr>
-            <a:lvl3pPr marL="1143000" indent="-228600" algn="l" defTabSz="914400" rtl="0" eaLnBrk="1" latinLnBrk="0" hangingPunct="1">
-              <a:lnSpc>
-                <a:spcPct val="120000"/>
-              </a:lnSpc>
-              <a:spcBef>
-                <a:spcPts val="500"/>
-              </a:spcBef>
-              <a:buClr>
-                <a:schemeClr val="tx1"/>
-              </a:buClr>
-              <a:buFont typeface="Arial" panose="020B0604020202020204" pitchFamily="34" charset="0"/>
-              <a:buChar char="•"/>
-              <a:defRPr sz="1600" kern="1200" cap="all" baseline="0">
-                <a:solidFill>
-                  <a:schemeClr val="tx1"/>
-                </a:solidFill>
-                <a:effectLst/>
-                <a:latin typeface="+mn-lt"/>
-                <a:ea typeface="+mn-ea"/>
-                <a:cs typeface="+mn-cs"/>
-              </a:defRPr>
-            </a:lvl3pPr>
-            <a:lvl4pPr marL="1600200" indent="-228600" algn="l" defTabSz="914400" rtl="0" eaLnBrk="1" latinLnBrk="0" hangingPunct="1">
-              <a:lnSpc>
-                <a:spcPct val="120000"/>
-              </a:lnSpc>
-              <a:spcBef>
-                <a:spcPts val="500"/>
-              </a:spcBef>
-              <a:buClr>
-                <a:schemeClr val="tx1"/>
-              </a:buClr>
-              <a:buFont typeface="Arial" panose="020B0604020202020204" pitchFamily="34" charset="0"/>
-              <a:buChar char="•"/>
-              <a:defRPr sz="1400" kern="1200" cap="all" baseline="0">
-                <a:solidFill>
-                  <a:schemeClr val="tx1"/>
-                </a:solidFill>
-                <a:effectLst/>
-                <a:latin typeface="+mn-lt"/>
-                <a:ea typeface="+mn-ea"/>
-                <a:cs typeface="+mn-cs"/>
-              </a:defRPr>
-            </a:lvl4pPr>
-            <a:lvl5pPr marL="2057400" indent="-228600" algn="l" defTabSz="914400" rtl="0" eaLnBrk="1" latinLnBrk="0" hangingPunct="1">
-              <a:lnSpc>
-                <a:spcPct val="120000"/>
-              </a:lnSpc>
-              <a:spcBef>
-                <a:spcPts val="500"/>
-              </a:spcBef>
-              <a:buClr>
-                <a:schemeClr val="tx1"/>
-              </a:buClr>
-              <a:buFont typeface="Arial" panose="020B0604020202020204" pitchFamily="34" charset="0"/>
-              <a:buChar char="•"/>
-              <a:defRPr sz="1400" kern="1200" cap="all" baseline="0">
-                <a:solidFill>
-                  <a:schemeClr val="tx1"/>
-                </a:solidFill>
-                <a:effectLst/>
-                <a:latin typeface="+mn-lt"/>
-                <a:ea typeface="+mn-ea"/>
-                <a:cs typeface="+mn-cs"/>
-              </a:defRPr>
-            </a:lvl5pPr>
-            <a:lvl6pPr marL="2514600" indent="-228600" algn="l" defTabSz="914400" rtl="0" eaLnBrk="1" latinLnBrk="0" hangingPunct="1">
-              <a:lnSpc>
-                <a:spcPct val="120000"/>
-              </a:lnSpc>
-              <a:spcBef>
-                <a:spcPts val="500"/>
-              </a:spcBef>
-              <a:buClr>
-                <a:schemeClr val="tx1"/>
-              </a:buClr>
-              <a:buFont typeface="Arial" panose="020B0604020202020204" pitchFamily="34" charset="0"/>
-              <a:buChar char="•"/>
-              <a:defRPr sz="1400" kern="1200" cap="all" baseline="0">
-                <a:solidFill>
-                  <a:schemeClr val="tx1"/>
-                </a:solidFill>
-                <a:effectLst/>
-                <a:latin typeface="+mn-lt"/>
-                <a:ea typeface="+mn-ea"/>
-                <a:cs typeface="+mn-cs"/>
-              </a:defRPr>
-            </a:lvl6pPr>
-            <a:lvl7pPr marL="2971800" indent="-228600" algn="l" defTabSz="914400" rtl="0" eaLnBrk="1" latinLnBrk="0" hangingPunct="1">
-              <a:lnSpc>
-                <a:spcPct val="120000"/>
-              </a:lnSpc>
-              <a:spcBef>
-                <a:spcPts val="500"/>
-              </a:spcBef>
-              <a:buClr>
-                <a:schemeClr val="tx1"/>
-              </a:buClr>
-              <a:buFont typeface="Arial" panose="020B0604020202020204" pitchFamily="34" charset="0"/>
-              <a:buChar char="•"/>
-              <a:defRPr sz="1400" kern="1200" cap="all" baseline="0">
-                <a:solidFill>
-                  <a:schemeClr val="tx1"/>
-                </a:solidFill>
-                <a:effectLst/>
-                <a:latin typeface="+mn-lt"/>
-                <a:ea typeface="+mn-ea"/>
-                <a:cs typeface="+mn-cs"/>
-              </a:defRPr>
-            </a:lvl7pPr>
-            <a:lvl8pPr marL="3429000" indent="-228600" algn="l" defTabSz="914400" rtl="0" eaLnBrk="1" latinLnBrk="0" hangingPunct="1">
-              <a:lnSpc>
-                <a:spcPct val="120000"/>
-              </a:lnSpc>
-              <a:spcBef>
-                <a:spcPts val="500"/>
-              </a:spcBef>
-              <a:buClr>
-                <a:schemeClr val="tx1"/>
-              </a:buClr>
-              <a:buFont typeface="Arial" panose="020B0604020202020204" pitchFamily="34" charset="0"/>
-              <a:buChar char="•"/>
-              <a:defRPr sz="1400" kern="1200" cap="all" baseline="0">
-                <a:solidFill>
-                  <a:schemeClr val="tx1"/>
-                </a:solidFill>
-                <a:effectLst/>
-                <a:latin typeface="+mn-lt"/>
-                <a:ea typeface="+mn-ea"/>
-                <a:cs typeface="+mn-cs"/>
-              </a:defRPr>
-            </a:lvl8pPr>
-            <a:lvl9pPr marL="3886200" indent="-228600" algn="l" defTabSz="914400" rtl="0" eaLnBrk="1" latinLnBrk="0" hangingPunct="1">
-              <a:lnSpc>
-                <a:spcPct val="120000"/>
-              </a:lnSpc>
-              <a:spcBef>
-                <a:spcPts val="500"/>
-              </a:spcBef>
-              <a:buClr>
-                <a:schemeClr val="tx1"/>
-              </a:buClr>
-              <a:buFont typeface="Arial" panose="020B0604020202020204" pitchFamily="34" charset="0"/>
-              <a:buChar char="•"/>
-              <a:defRPr sz="1400" kern="1200" cap="all" baseline="0">
-                <a:solidFill>
-                  <a:schemeClr val="tx1"/>
-                </a:solidFill>
-                <a:effectLst/>
-                <a:latin typeface="+mn-lt"/>
-                <a:ea typeface="+mn-ea"/>
-                <a:cs typeface="+mn-cs"/>
-              </a:defRPr>
-            </a:lvl9pPr>
-          </a:lstStyle>
-          <a:p>
-            <a:pPr lvl="2"/>
-            <a:r>
-              <a:rPr lang="en-US" sz="3200" cap="none" dirty="0" smtClean="0">
-                <a:latin typeface="Calibri" panose="020F0502020204030204" pitchFamily="34" charset="0"/>
-                <a:cs typeface="Calibri" panose="020F0502020204030204" pitchFamily="34" charset="0"/>
-              </a:rPr>
-              <a:t>Ridge Regression</a:t>
-            </a:r>
-          </a:p>
-          <a:p>
-            <a:pPr lvl="2"/>
-            <a:r>
-              <a:rPr lang="en-US" sz="3200" cap="none" dirty="0" smtClean="0">
-                <a:latin typeface="Calibri" panose="020F0502020204030204" pitchFamily="34" charset="0"/>
-                <a:cs typeface="Calibri" panose="020F0502020204030204" pitchFamily="34" charset="0"/>
-              </a:rPr>
-              <a:t>The Lasso</a:t>
-            </a:r>
-          </a:p>
-          <a:p>
-            <a:pPr lvl="2"/>
-            <a:r>
-              <a:rPr lang="en-US" sz="3200" cap="none" dirty="0" smtClean="0">
-                <a:latin typeface="Calibri" panose="020F0502020204030204" pitchFamily="34" charset="0"/>
-                <a:cs typeface="Calibri" panose="020F0502020204030204" pitchFamily="34" charset="0"/>
-              </a:rPr>
-              <a:t>Principal Component Regression</a:t>
-            </a:r>
-          </a:p>
-          <a:p>
-            <a:pPr lvl="2"/>
-            <a:r>
-              <a:rPr lang="en-US" sz="3200" cap="none" dirty="0" smtClean="0">
-                <a:latin typeface="Calibri" panose="020F0502020204030204" pitchFamily="34" charset="0"/>
-                <a:cs typeface="Calibri" panose="020F0502020204030204" pitchFamily="34" charset="0"/>
-              </a:rPr>
-              <a:t>Partial Least Squares</a:t>
-            </a:r>
-          </a:p>
-          <a:p>
-            <a:pPr lvl="2"/>
-            <a:r>
-              <a:rPr lang="en-US" sz="3200" cap="none" dirty="0" smtClean="0">
-                <a:latin typeface="Calibri" panose="020F0502020204030204" pitchFamily="34" charset="0"/>
-                <a:cs typeface="Calibri" panose="020F0502020204030204" pitchFamily="34" charset="0"/>
-              </a:rPr>
-              <a:t>Total Least </a:t>
-            </a:r>
-            <a:r>
-              <a:rPr lang="en-US" sz="3200" cap="none" dirty="0" smtClean="0">
-                <a:latin typeface="Calibri" panose="020F0502020204030204" pitchFamily="34" charset="0"/>
-                <a:cs typeface="Calibri" panose="020F0502020204030204" pitchFamily="34" charset="0"/>
-              </a:rPr>
-              <a:t>Squares</a:t>
-            </a:r>
-          </a:p>
-          <a:p>
-            <a:pPr lvl="2"/>
-            <a:r>
-              <a:rPr lang="en-US" sz="3200" cap="none" dirty="0" smtClean="0">
-                <a:latin typeface="Calibri" panose="020F0502020204030204" pitchFamily="34" charset="0"/>
-                <a:cs typeface="Calibri" panose="020F0502020204030204" pitchFamily="34" charset="0"/>
-              </a:rPr>
-              <a:t>Smoothing Splines</a:t>
-            </a:r>
-            <a:endParaRPr lang="en-US" sz="3200" cap="none" dirty="0" smtClean="0">
-              <a:latin typeface="Calibri" panose="020F0502020204030204" pitchFamily="34" charset="0"/>
-              <a:cs typeface="Calibri" panose="020F0502020204030204" pitchFamily="34" charset="0"/>
-            </a:endParaRPr>
-          </a:p>
-          <a:p>
-            <a:pPr lvl="2"/>
-            <a:endParaRPr lang="en-US" sz="2600" cap="none" dirty="0" smtClean="0">
-              <a:latin typeface="Calibri" panose="020F0502020204030204" pitchFamily="34" charset="0"/>
-              <a:cs typeface="Calibri" panose="020F0502020204030204" pitchFamily="34" charset="0"/>
-            </a:endParaRPr>
-          </a:p>
-          <a:p>
-            <a:pPr lvl="2"/>
-            <a:endParaRPr lang="en-US" sz="2800" cap="none" dirty="0" smtClean="0">
-              <a:latin typeface="Calibri" panose="020F0502020204030204" pitchFamily="34" charset="0"/>
-              <a:cs typeface="Calibri" panose="020F0502020204030204" pitchFamily="34" charset="0"/>
-            </a:endParaRPr>
-          </a:p>
-          <a:p>
-            <a:pPr lvl="2"/>
-            <a:endParaRPr lang="en-US" sz="2800" cap="none" dirty="0" smtClean="0">
-              <a:latin typeface="Calibri" panose="020F0502020204030204" pitchFamily="34" charset="0"/>
-              <a:cs typeface="Calibri" panose="020F0502020204030204" pitchFamily="34" charset="0"/>
-            </a:endParaRPr>
-          </a:p>
-        </p:txBody>
-      </p:sp>
     </p:spTree>
     <p:extLst>
       <p:ext uri="{BB962C8B-B14F-4D97-AF65-F5344CB8AC3E}">
-        <p14:creationId xmlns:p14="http://schemas.microsoft.com/office/powerpoint/2010/main" val="1674585942"/>
+        <p14:creationId xmlns:p14="http://schemas.microsoft.com/office/powerpoint/2010/main" val="2033572739"/>
       </p:ext>
     </p:extLst>
   </p:cSld>
@@ -36033,8 +36574,8 @@
           </a:p>
         </p:txBody>
       </p:sp>
-      <mc:AlternateContent xmlns:mc="http://schemas.openxmlformats.org/markup-compatibility/2006" xmlns:a14="http://schemas.microsoft.com/office/drawing/2010/main">
-        <mc:Choice Requires="a14">
+      <mc:AlternateContent xmlns:mc="http://schemas.openxmlformats.org/markup-compatibility/2006">
+        <mc:Choice xmlns:a14="http://schemas.microsoft.com/office/drawing/2010/main" Requires="a14">
           <p:sp>
             <p:nvSpPr>
               <p:cNvPr id="3" name="Content Placeholder 2"/>
@@ -36071,13 +36612,13 @@
                 <a14:m>
                   <m:oMath xmlns:m="http://schemas.openxmlformats.org/officeDocument/2006/math">
                     <m:r>
-                      <a:rPr lang="en-US" sz="2800" b="0" i="1" cap="none" smtClean="0">
+                      <a:rPr lang="en-US" sz="2800" b="1" i="1" cap="none" smtClean="0">
                         <a:latin typeface="Cambria Math" panose="02040503050406030204" pitchFamily="18" charset="0"/>
                       </a:rPr>
-                      <m:t>𝑌</m:t>
+                      <m:t>𝒀</m:t>
                     </m:r>
                     <m:r>
-                      <a:rPr lang="en-US" sz="2800" b="0" i="1" cap="none" smtClean="0">
+                      <a:rPr lang="en-US" sz="2800" b="1" i="1" cap="none" smtClean="0">
                         <a:latin typeface="Cambria Math" panose="02040503050406030204" pitchFamily="18" charset="0"/>
                       </a:rPr>
                       <m:t>= </m:t>
@@ -36085,31 +36626,31 @@
                     <m:sSub>
                       <m:sSubPr>
                         <m:ctrlPr>
-                          <a:rPr lang="en-US" sz="2800" b="0" i="1" cap="none" smtClean="0">
+                          <a:rPr lang="en-US" sz="2800" b="1" i="1" cap="none" smtClean="0">
                             <a:latin typeface="Cambria Math" panose="02040503050406030204" pitchFamily="18" charset="0"/>
                           </a:rPr>
                         </m:ctrlPr>
                       </m:sSubPr>
                       <m:e>
                         <m:r>
-                          <a:rPr lang="en-US" sz="2800" b="0" i="1" cap="none" smtClean="0">
+                          <a:rPr lang="en-US" sz="2800" b="1" i="1" cap="none" smtClean="0">
                             <a:latin typeface="Cambria Math" panose="02040503050406030204" pitchFamily="18" charset="0"/>
                             <a:ea typeface="Cambria Math" panose="02040503050406030204" pitchFamily="18" charset="0"/>
                           </a:rPr>
-                          <m:t>𝛽</m:t>
+                          <m:t>𝜷</m:t>
                         </m:r>
                       </m:e>
                       <m:sub>
                         <m:r>
-                          <a:rPr lang="en-US" sz="2800" b="0" i="1" cap="none" smtClean="0">
+                          <a:rPr lang="en-US" sz="2800" b="1" i="1" cap="none" smtClean="0">
                             <a:latin typeface="Cambria Math" panose="02040503050406030204" pitchFamily="18" charset="0"/>
                           </a:rPr>
-                          <m:t>0</m:t>
+                          <m:t>𝟎</m:t>
                         </m:r>
                       </m:sub>
                     </m:sSub>
                     <m:r>
-                      <a:rPr lang="en-US" sz="2800" b="0" i="1" cap="none" smtClean="0">
+                      <a:rPr lang="en-US" sz="2800" b="1" i="1" cap="none" smtClean="0">
                         <a:latin typeface="Cambria Math" panose="02040503050406030204" pitchFamily="18" charset="0"/>
                       </a:rPr>
                       <m:t>+ </m:t>
@@ -36117,44 +36658,44 @@
                     <m:sSub>
                       <m:sSubPr>
                         <m:ctrlPr>
-                          <a:rPr lang="en-US" sz="2800" b="0" i="1" cap="none" smtClean="0">
+                          <a:rPr lang="en-US" sz="2800" b="1" i="1" cap="none" smtClean="0">
                             <a:latin typeface="Cambria Math" panose="02040503050406030204" pitchFamily="18" charset="0"/>
                           </a:rPr>
                         </m:ctrlPr>
                       </m:sSubPr>
                       <m:e>
                         <m:r>
-                          <a:rPr lang="en-US" sz="2800" b="0" i="1" cap="none" smtClean="0">
+                          <a:rPr lang="en-US" sz="2800" b="1" i="1" cap="none" smtClean="0">
                             <a:latin typeface="Cambria Math" panose="02040503050406030204" pitchFamily="18" charset="0"/>
                             <a:ea typeface="Cambria Math" panose="02040503050406030204" pitchFamily="18" charset="0"/>
                           </a:rPr>
-                          <m:t>𝛽</m:t>
+                          <m:t>𝜷</m:t>
                         </m:r>
                       </m:e>
                       <m:sub>
                         <m:r>
-                          <a:rPr lang="en-US" sz="2800" b="0" i="1" cap="none" smtClean="0">
+                          <a:rPr lang="en-US" sz="2800" b="1" i="1" cap="none" smtClean="0">
                             <a:latin typeface="Cambria Math" panose="02040503050406030204" pitchFamily="18" charset="0"/>
                           </a:rPr>
-                          <m:t>1</m:t>
+                          <m:t>𝟏</m:t>
                         </m:r>
                       </m:sub>
                     </m:sSub>
                     <m:r>
-                      <a:rPr lang="en-US" sz="2800" b="0" i="1" cap="none" smtClean="0">
+                      <a:rPr lang="en-US" sz="2800" b="1" i="1" cap="none" smtClean="0">
                         <a:latin typeface="Cambria Math" panose="02040503050406030204" pitchFamily="18" charset="0"/>
                       </a:rPr>
                       <m:t>∗</m:t>
                     </m:r>
                     <m:r>
-                      <a:rPr lang="en-US" sz="2800" b="0" i="1" cap="none" smtClean="0">
+                      <a:rPr lang="en-US" sz="2800" b="1" i="1" cap="none" smtClean="0">
                         <a:latin typeface="Cambria Math" panose="02040503050406030204" pitchFamily="18" charset="0"/>
                       </a:rPr>
-                      <m:t>𝑋</m:t>
+                      <m:t>𝑿</m:t>
                     </m:r>
                   </m:oMath>
                 </a14:m>
-                <a:endParaRPr lang="en-US" sz="2800" cap="none" dirty="0" smtClean="0">
+                <a:endParaRPr lang="en-US" sz="2800" b="1" cap="none" dirty="0" smtClean="0">
                   <a:latin typeface="Calibri" panose="020F0502020204030204" pitchFamily="34" charset="0"/>
                   <a:cs typeface="Calibri" panose="020F0502020204030204" pitchFamily="34" charset="0"/>
                 </a:endParaRPr>
@@ -36196,7 +36737,7 @@
                     <m:sSub>
                       <m:sSubPr>
                         <m:ctrlPr>
-                          <a:rPr lang="en-US" sz="2800" i="1" cap="none" smtClean="0">
+                          <a:rPr lang="en-US" sz="2800" b="1" i="1" cap="none" smtClean="0">
                             <a:latin typeface="Cambria Math" panose="02040503050406030204" pitchFamily="18" charset="0"/>
                             <a:cs typeface="Calibri" panose="020F0502020204030204" pitchFamily="34" charset="0"/>
                           </a:rPr>
@@ -36204,21 +36745,21 @@
                       </m:sSubPr>
                       <m:e>
                         <m:r>
-                          <a:rPr lang="en-US" sz="2800" i="1" cap="none" smtClean="0">
+                          <a:rPr lang="en-US" sz="2800" b="1" i="1" cap="none" smtClean="0">
                             <a:latin typeface="Cambria Math" panose="02040503050406030204" pitchFamily="18" charset="0"/>
                             <a:ea typeface="Cambria Math" panose="02040503050406030204" pitchFamily="18" charset="0"/>
                             <a:cs typeface="Calibri" panose="020F0502020204030204" pitchFamily="34" charset="0"/>
                           </a:rPr>
-                          <m:t>𝛽</m:t>
+                          <m:t>𝜷</m:t>
                         </m:r>
                       </m:e>
                       <m:sub>
                         <m:r>
-                          <a:rPr lang="en-US" sz="2800" b="0" i="1" cap="none" smtClean="0">
+                          <a:rPr lang="en-US" sz="2800" b="1" i="1" cap="none" smtClean="0">
                             <a:latin typeface="Cambria Math" panose="02040503050406030204" pitchFamily="18" charset="0"/>
                             <a:cs typeface="Calibri" panose="020F0502020204030204" pitchFamily="34" charset="0"/>
                           </a:rPr>
-                          <m:t>0</m:t>
+                          <m:t>𝟎</m:t>
                         </m:r>
                       </m:sub>
                     </m:sSub>
@@ -36239,7 +36780,7 @@
                     <m:sSub>
                       <m:sSubPr>
                         <m:ctrlPr>
-                          <a:rPr lang="en-US" sz="2800" i="1" cap="none">
+                          <a:rPr lang="en-US" sz="2800" b="1" i="1" cap="none">
                             <a:latin typeface="Cambria Math" panose="02040503050406030204" pitchFamily="18" charset="0"/>
                             <a:cs typeface="Calibri" panose="020F0502020204030204" pitchFamily="34" charset="0"/>
                           </a:rPr>
@@ -36247,21 +36788,21 @@
                       </m:sSubPr>
                       <m:e>
                         <m:r>
-                          <a:rPr lang="en-US" sz="2800" i="1" cap="none">
+                          <a:rPr lang="en-US" sz="2800" b="1" i="1" cap="none">
                             <a:latin typeface="Cambria Math" panose="02040503050406030204" pitchFamily="18" charset="0"/>
                             <a:ea typeface="Cambria Math" panose="02040503050406030204" pitchFamily="18" charset="0"/>
                             <a:cs typeface="Calibri" panose="020F0502020204030204" pitchFamily="34" charset="0"/>
                           </a:rPr>
-                          <m:t>𝛽</m:t>
+                          <m:t>𝜷</m:t>
                         </m:r>
                       </m:e>
                       <m:sub>
                         <m:r>
-                          <a:rPr lang="en-US" sz="2800" b="0" i="1" cap="none" smtClean="0">
+                          <a:rPr lang="en-US" sz="2800" b="1" i="1" cap="none" smtClean="0">
                             <a:latin typeface="Cambria Math" panose="02040503050406030204" pitchFamily="18" charset="0"/>
                             <a:cs typeface="Calibri" panose="020F0502020204030204" pitchFamily="34" charset="0"/>
                           </a:rPr>
-                          <m:t>1</m:t>
+                          <m:t>𝟏</m:t>
                         </m:r>
                       </m:sub>
                     </m:sSub>
@@ -36306,7 +36847,7 @@
             </p:txBody>
           </p:sp>
         </mc:Choice>
-        <mc:Fallback xmlns="">
+        <mc:Fallback>
           <p:sp>
             <p:nvSpPr>
               <p:cNvPr id="3" name="Content Placeholder 2"/>
@@ -36405,7 +36946,7 @@
           <a:p>
             <a:r>
               <a:rPr lang="en-US" b="1" dirty="0" smtClean="0"/>
-              <a:t>Ridge regression</a:t>
+              <a:t>OTHER REGRESSION TECHNIQUES</a:t>
             </a:r>
             <a:endParaRPr lang="en-US" b="1" dirty="0">
               <a:latin typeface="Gill Sans MT" panose="020B0502020104020203" pitchFamily="34" charset="0"/>
@@ -36674,8 +37215,8 @@
         </p:nvSpPr>
         <p:spPr>
           <a:xfrm>
-            <a:off x="408214" y="1639461"/>
-            <a:ext cx="11348357" cy="3929443"/>
+            <a:off x="913774" y="1639461"/>
+            <a:ext cx="10364451" cy="3929443"/>
           </a:xfrm>
           <a:prstGeom prst="rect">
             <a:avLst/>
@@ -36683,7 +37224,7 @@
         </p:spPr>
         <p:txBody>
           <a:bodyPr vert="horz" lIns="91440" tIns="45720" rIns="91440" bIns="45720" rtlCol="0">
-            <a:normAutofit/>
+            <a:normAutofit fontScale="92500" lnSpcReduction="20000"/>
           </a:bodyPr>
           <a:lstStyle>
             <a:lvl1pPr marL="228600" indent="-228600" algn="l" defTabSz="914400" rtl="0" eaLnBrk="1" latinLnBrk="0" hangingPunct="1">
@@ -36888,12 +37429,90 @@
           <a:p>
             <a:pPr lvl="2"/>
             <a:r>
-              <a:rPr lang="en-US" sz="2600" cap="none" dirty="0" smtClean="0">
+              <a:rPr lang="en-US" sz="3200" cap="none" dirty="0" smtClean="0">
                 <a:latin typeface="Calibri" panose="020F0502020204030204" pitchFamily="34" charset="0"/>
                 <a:cs typeface="Calibri" panose="020F0502020204030204" pitchFamily="34" charset="0"/>
               </a:rPr>
-              <a:t>Very similar to linear, except it contains a shrinkage penalty for coefficients based on a tuning parameter, lambda. </a:t>
-            </a:r>
+              <a:t>Ridge Regression</a:t>
+            </a:r>
+          </a:p>
+          <a:p>
+            <a:pPr lvl="2"/>
+            <a:r>
+              <a:rPr lang="en-US" sz="3200" cap="none" dirty="0" smtClean="0">
+                <a:latin typeface="Calibri" panose="020F0502020204030204" pitchFamily="34" charset="0"/>
+                <a:cs typeface="Calibri" panose="020F0502020204030204" pitchFamily="34" charset="0"/>
+              </a:rPr>
+              <a:t>The </a:t>
+            </a:r>
+            <a:r>
+              <a:rPr lang="en-US" sz="3200" cap="none" dirty="0" smtClean="0">
+                <a:latin typeface="Calibri" panose="020F0502020204030204" pitchFamily="34" charset="0"/>
+                <a:cs typeface="Calibri" panose="020F0502020204030204" pitchFamily="34" charset="0"/>
+              </a:rPr>
+              <a:t>Lasso</a:t>
+            </a:r>
+          </a:p>
+          <a:p>
+            <a:pPr lvl="2"/>
+            <a:r>
+              <a:rPr lang="en-US" sz="3200" cap="none" dirty="0" smtClean="0">
+                <a:latin typeface="Calibri" panose="020F0502020204030204" pitchFamily="34" charset="0"/>
+                <a:cs typeface="Calibri" panose="020F0502020204030204" pitchFamily="34" charset="0"/>
+              </a:rPr>
+              <a:t>Elastic Net Regularization</a:t>
+            </a:r>
+            <a:endParaRPr lang="en-US" sz="3200" cap="none" dirty="0" smtClean="0">
+              <a:latin typeface="Calibri" panose="020F0502020204030204" pitchFamily="34" charset="0"/>
+              <a:cs typeface="Calibri" panose="020F0502020204030204" pitchFamily="34" charset="0"/>
+            </a:endParaRPr>
+          </a:p>
+          <a:p>
+            <a:pPr lvl="2"/>
+            <a:r>
+              <a:rPr lang="en-US" sz="3200" cap="none" dirty="0" smtClean="0">
+                <a:latin typeface="Calibri" panose="020F0502020204030204" pitchFamily="34" charset="0"/>
+                <a:cs typeface="Calibri" panose="020F0502020204030204" pitchFamily="34" charset="0"/>
+              </a:rPr>
+              <a:t>Principal Component Regression</a:t>
+            </a:r>
+          </a:p>
+          <a:p>
+            <a:pPr lvl="2"/>
+            <a:r>
+              <a:rPr lang="en-US" sz="3200" cap="none" dirty="0" smtClean="0">
+                <a:latin typeface="Calibri" panose="020F0502020204030204" pitchFamily="34" charset="0"/>
+                <a:cs typeface="Calibri" panose="020F0502020204030204" pitchFamily="34" charset="0"/>
+              </a:rPr>
+              <a:t>Partial Least Squares</a:t>
+            </a:r>
+          </a:p>
+          <a:p>
+            <a:pPr lvl="2"/>
+            <a:r>
+              <a:rPr lang="en-US" sz="3200" cap="none" dirty="0" smtClean="0">
+                <a:latin typeface="Calibri" panose="020F0502020204030204" pitchFamily="34" charset="0"/>
+                <a:cs typeface="Calibri" panose="020F0502020204030204" pitchFamily="34" charset="0"/>
+              </a:rPr>
+              <a:t>Total Least Squares</a:t>
+            </a:r>
+          </a:p>
+          <a:p>
+            <a:pPr lvl="2"/>
+            <a:r>
+              <a:rPr lang="en-US" sz="3200" cap="none" dirty="0" smtClean="0">
+                <a:latin typeface="Calibri" panose="020F0502020204030204" pitchFamily="34" charset="0"/>
+                <a:cs typeface="Calibri" panose="020F0502020204030204" pitchFamily="34" charset="0"/>
+              </a:rPr>
+              <a:t>Smoothing Splines</a:t>
+            </a:r>
+          </a:p>
+          <a:p>
+            <a:pPr lvl="2"/>
+            <a:endParaRPr lang="en-US" sz="2600" cap="none" dirty="0" smtClean="0">
+              <a:latin typeface="Calibri" panose="020F0502020204030204" pitchFamily="34" charset="0"/>
+              <a:cs typeface="Calibri" panose="020F0502020204030204" pitchFamily="34" charset="0"/>
+            </a:endParaRPr>
           </a:p>
           <a:p>
             <a:pPr lvl="2"/>
@@ -36914,7 +37533,7 @@
     </p:spTree>
     <p:extLst>
       <p:ext uri="{BB962C8B-B14F-4D97-AF65-F5344CB8AC3E}">
-        <p14:creationId xmlns:p14="http://schemas.microsoft.com/office/powerpoint/2010/main" val="2322605603"/>
+        <p14:creationId xmlns:p14="http://schemas.microsoft.com/office/powerpoint/2010/main" val="1674585942"/>
       </p:ext>
     </p:extLst>
   </p:cSld>
@@ -37464,34 +38083,14 @@
           </a:p>
           <a:p>
             <a:pPr lvl="2"/>
-            <a:r>
-              <a:rPr lang="en-US" sz="2600" cap="none" dirty="0" smtClean="0">
-                <a:latin typeface="Calibri" panose="020F0502020204030204" pitchFamily="34" charset="0"/>
-                <a:cs typeface="Calibri" panose="020F0502020204030204" pitchFamily="34" charset="0"/>
-              </a:rPr>
-              <a:t>If lambda is set to equal zero, we are left with the OLS estimator</a:t>
-            </a:r>
-          </a:p>
-          <a:p>
-            <a:pPr lvl="2"/>
-            <a:r>
-              <a:rPr lang="en-US" sz="2600" cap="none" dirty="0" smtClean="0">
-                <a:latin typeface="Calibri" panose="020F0502020204030204" pitchFamily="34" charset="0"/>
-                <a:cs typeface="Calibri" panose="020F0502020204030204" pitchFamily="34" charset="0"/>
-              </a:rPr>
-              <a:t>As lambda approaches infinity, all coefficients are penalized towards zero.</a:t>
-            </a:r>
-          </a:p>
-          <a:p>
-            <a:pPr lvl="2"/>
-            <a:endParaRPr lang="en-US" sz="2600" cap="none" dirty="0" smtClean="0">
+            <a:endParaRPr lang="en-US" sz="2800" cap="none" dirty="0" smtClean="0">
               <a:latin typeface="Calibri" panose="020F0502020204030204" pitchFamily="34" charset="0"/>
               <a:cs typeface="Calibri" panose="020F0502020204030204" pitchFamily="34" charset="0"/>
             </a:endParaRPr>
           </a:p>
           <a:p>
             <a:pPr lvl="2"/>
-            <a:endParaRPr lang="en-US" sz="2600" cap="none" dirty="0" smtClean="0">
+            <a:endParaRPr lang="en-US" sz="2800" cap="none" dirty="0" smtClean="0">
               <a:latin typeface="Calibri" panose="020F0502020204030204" pitchFamily="34" charset="0"/>
               <a:cs typeface="Calibri" panose="020F0502020204030204" pitchFamily="34" charset="0"/>
             </a:endParaRPr>
@@ -37501,7 +38100,7 @@
     </p:spTree>
     <p:extLst>
       <p:ext uri="{BB962C8B-B14F-4D97-AF65-F5344CB8AC3E}">
-        <p14:creationId xmlns:p14="http://schemas.microsoft.com/office/powerpoint/2010/main" val="2396010816"/>
+        <p14:creationId xmlns:p14="http://schemas.microsoft.com/office/powerpoint/2010/main" val="2322605603"/>
       </p:ext>
     </p:extLst>
   </p:cSld>
@@ -38071,24 +38670,14 @@
           </a:p>
           <a:p>
             <a:pPr lvl="2"/>
-            <a:r>
-              <a:rPr lang="en-US" sz="2600" cap="none" dirty="0" smtClean="0">
-                <a:latin typeface="Calibri" panose="020F0502020204030204" pitchFamily="34" charset="0"/>
-                <a:cs typeface="Calibri" panose="020F0502020204030204" pitchFamily="34" charset="0"/>
-              </a:rPr>
-              <a:t>Picking the right lambda can be done using cross-validation  </a:t>
-            </a:r>
-          </a:p>
-          <a:p>
-            <a:pPr lvl="2"/>
-            <a:endParaRPr lang="en-US" sz="2800" cap="none" dirty="0" smtClean="0">
+            <a:endParaRPr lang="en-US" sz="2600" cap="none" dirty="0" smtClean="0">
               <a:latin typeface="Calibri" panose="020F0502020204030204" pitchFamily="34" charset="0"/>
               <a:cs typeface="Calibri" panose="020F0502020204030204" pitchFamily="34" charset="0"/>
             </a:endParaRPr>
           </a:p>
           <a:p>
             <a:pPr lvl="2"/>
-            <a:endParaRPr lang="en-US" sz="2800" cap="none" dirty="0" smtClean="0">
+            <a:endParaRPr lang="en-US" sz="2600" cap="none" dirty="0" smtClean="0">
               <a:latin typeface="Calibri" panose="020F0502020204030204" pitchFamily="34" charset="0"/>
               <a:cs typeface="Calibri" panose="020F0502020204030204" pitchFamily="34" charset="0"/>
             </a:endParaRPr>
@@ -38098,7 +38687,7 @@
     </p:spTree>
     <p:extLst>
       <p:ext uri="{BB962C8B-B14F-4D97-AF65-F5344CB8AC3E}">
-        <p14:creationId xmlns:p14="http://schemas.microsoft.com/office/powerpoint/2010/main" val="2299900455"/>
+        <p14:creationId xmlns:p14="http://schemas.microsoft.com/office/powerpoint/2010/main" val="2396010816"/>
       </p:ext>
     </p:extLst>
   </p:cSld>
@@ -38426,6 +39015,603 @@
         <p:spPr>
           <a:xfrm>
             <a:off x="408214" y="1639461"/>
+            <a:ext cx="11348357" cy="3929443"/>
+          </a:xfrm>
+          <a:prstGeom prst="rect">
+            <a:avLst/>
+          </a:prstGeom>
+        </p:spPr>
+        <p:txBody>
+          <a:bodyPr vert="horz" lIns="91440" tIns="45720" rIns="91440" bIns="45720" rtlCol="0">
+            <a:normAutofit/>
+          </a:bodyPr>
+          <a:lstStyle>
+            <a:lvl1pPr marL="228600" indent="-228600" algn="l" defTabSz="914400" rtl="0" eaLnBrk="1" latinLnBrk="0" hangingPunct="1">
+              <a:lnSpc>
+                <a:spcPct val="120000"/>
+              </a:lnSpc>
+              <a:spcBef>
+                <a:spcPts val="1000"/>
+              </a:spcBef>
+              <a:buClr>
+                <a:schemeClr val="tx1"/>
+              </a:buClr>
+              <a:buFont typeface="Arial" panose="020B0604020202020204" pitchFamily="34" charset="0"/>
+              <a:buChar char="•"/>
+              <a:defRPr sz="2000" kern="1200" cap="all" baseline="0">
+                <a:solidFill>
+                  <a:schemeClr val="tx1"/>
+                </a:solidFill>
+                <a:effectLst/>
+                <a:latin typeface="+mn-lt"/>
+                <a:ea typeface="+mn-ea"/>
+                <a:cs typeface="+mn-cs"/>
+              </a:defRPr>
+            </a:lvl1pPr>
+            <a:lvl2pPr marL="685800" indent="-228600" algn="l" defTabSz="914400" rtl="0" eaLnBrk="1" latinLnBrk="0" hangingPunct="1">
+              <a:lnSpc>
+                <a:spcPct val="120000"/>
+              </a:lnSpc>
+              <a:spcBef>
+                <a:spcPts val="500"/>
+              </a:spcBef>
+              <a:buClr>
+                <a:schemeClr val="tx1"/>
+              </a:buClr>
+              <a:buFont typeface="Arial" panose="020B0604020202020204" pitchFamily="34" charset="0"/>
+              <a:buChar char="•"/>
+              <a:defRPr sz="1800" kern="1200" cap="all" baseline="0">
+                <a:solidFill>
+                  <a:schemeClr val="tx1"/>
+                </a:solidFill>
+                <a:effectLst/>
+                <a:latin typeface="+mn-lt"/>
+                <a:ea typeface="+mn-ea"/>
+                <a:cs typeface="+mn-cs"/>
+              </a:defRPr>
+            </a:lvl2pPr>
+            <a:lvl3pPr marL="1143000" indent="-228600" algn="l" defTabSz="914400" rtl="0" eaLnBrk="1" latinLnBrk="0" hangingPunct="1">
+              <a:lnSpc>
+                <a:spcPct val="120000"/>
+              </a:lnSpc>
+              <a:spcBef>
+                <a:spcPts val="500"/>
+              </a:spcBef>
+              <a:buClr>
+                <a:schemeClr val="tx1"/>
+              </a:buClr>
+              <a:buFont typeface="Arial" panose="020B0604020202020204" pitchFamily="34" charset="0"/>
+              <a:buChar char="•"/>
+              <a:defRPr sz="1600" kern="1200" cap="all" baseline="0">
+                <a:solidFill>
+                  <a:schemeClr val="tx1"/>
+                </a:solidFill>
+                <a:effectLst/>
+                <a:latin typeface="+mn-lt"/>
+                <a:ea typeface="+mn-ea"/>
+                <a:cs typeface="+mn-cs"/>
+              </a:defRPr>
+            </a:lvl3pPr>
+            <a:lvl4pPr marL="1600200" indent="-228600" algn="l" defTabSz="914400" rtl="0" eaLnBrk="1" latinLnBrk="0" hangingPunct="1">
+              <a:lnSpc>
+                <a:spcPct val="120000"/>
+              </a:lnSpc>
+              <a:spcBef>
+                <a:spcPts val="500"/>
+              </a:spcBef>
+              <a:buClr>
+                <a:schemeClr val="tx1"/>
+              </a:buClr>
+              <a:buFont typeface="Arial" panose="020B0604020202020204" pitchFamily="34" charset="0"/>
+              <a:buChar char="•"/>
+              <a:defRPr sz="1400" kern="1200" cap="all" baseline="0">
+                <a:solidFill>
+                  <a:schemeClr val="tx1"/>
+                </a:solidFill>
+                <a:effectLst/>
+                <a:latin typeface="+mn-lt"/>
+                <a:ea typeface="+mn-ea"/>
+                <a:cs typeface="+mn-cs"/>
+              </a:defRPr>
+            </a:lvl4pPr>
+            <a:lvl5pPr marL="2057400" indent="-228600" algn="l" defTabSz="914400" rtl="0" eaLnBrk="1" latinLnBrk="0" hangingPunct="1">
+              <a:lnSpc>
+                <a:spcPct val="120000"/>
+              </a:lnSpc>
+              <a:spcBef>
+                <a:spcPts val="500"/>
+              </a:spcBef>
+              <a:buClr>
+                <a:schemeClr val="tx1"/>
+              </a:buClr>
+              <a:buFont typeface="Arial" panose="020B0604020202020204" pitchFamily="34" charset="0"/>
+              <a:buChar char="•"/>
+              <a:defRPr sz="1400" kern="1200" cap="all" baseline="0">
+                <a:solidFill>
+                  <a:schemeClr val="tx1"/>
+                </a:solidFill>
+                <a:effectLst/>
+                <a:latin typeface="+mn-lt"/>
+                <a:ea typeface="+mn-ea"/>
+                <a:cs typeface="+mn-cs"/>
+              </a:defRPr>
+            </a:lvl5pPr>
+            <a:lvl6pPr marL="2514600" indent="-228600" algn="l" defTabSz="914400" rtl="0" eaLnBrk="1" latinLnBrk="0" hangingPunct="1">
+              <a:lnSpc>
+                <a:spcPct val="120000"/>
+              </a:lnSpc>
+              <a:spcBef>
+                <a:spcPts val="500"/>
+              </a:spcBef>
+              <a:buClr>
+                <a:schemeClr val="tx1"/>
+              </a:buClr>
+              <a:buFont typeface="Arial" panose="020B0604020202020204" pitchFamily="34" charset="0"/>
+              <a:buChar char="•"/>
+              <a:defRPr sz="1400" kern="1200" cap="all" baseline="0">
+                <a:solidFill>
+                  <a:schemeClr val="tx1"/>
+                </a:solidFill>
+                <a:effectLst/>
+                <a:latin typeface="+mn-lt"/>
+                <a:ea typeface="+mn-ea"/>
+                <a:cs typeface="+mn-cs"/>
+              </a:defRPr>
+            </a:lvl6pPr>
+            <a:lvl7pPr marL="2971800" indent="-228600" algn="l" defTabSz="914400" rtl="0" eaLnBrk="1" latinLnBrk="0" hangingPunct="1">
+              <a:lnSpc>
+                <a:spcPct val="120000"/>
+              </a:lnSpc>
+              <a:spcBef>
+                <a:spcPts val="500"/>
+              </a:spcBef>
+              <a:buClr>
+                <a:schemeClr val="tx1"/>
+              </a:buClr>
+              <a:buFont typeface="Arial" panose="020B0604020202020204" pitchFamily="34" charset="0"/>
+              <a:buChar char="•"/>
+              <a:defRPr sz="1400" kern="1200" cap="all" baseline="0">
+                <a:solidFill>
+                  <a:schemeClr val="tx1"/>
+                </a:solidFill>
+                <a:effectLst/>
+                <a:latin typeface="+mn-lt"/>
+                <a:ea typeface="+mn-ea"/>
+                <a:cs typeface="+mn-cs"/>
+              </a:defRPr>
+            </a:lvl7pPr>
+            <a:lvl8pPr marL="3429000" indent="-228600" algn="l" defTabSz="914400" rtl="0" eaLnBrk="1" latinLnBrk="0" hangingPunct="1">
+              <a:lnSpc>
+                <a:spcPct val="120000"/>
+              </a:lnSpc>
+              <a:spcBef>
+                <a:spcPts val="500"/>
+              </a:spcBef>
+              <a:buClr>
+                <a:schemeClr val="tx1"/>
+              </a:buClr>
+              <a:buFont typeface="Arial" panose="020B0604020202020204" pitchFamily="34" charset="0"/>
+              <a:buChar char="•"/>
+              <a:defRPr sz="1400" kern="1200" cap="all" baseline="0">
+                <a:solidFill>
+                  <a:schemeClr val="tx1"/>
+                </a:solidFill>
+                <a:effectLst/>
+                <a:latin typeface="+mn-lt"/>
+                <a:ea typeface="+mn-ea"/>
+                <a:cs typeface="+mn-cs"/>
+              </a:defRPr>
+            </a:lvl8pPr>
+            <a:lvl9pPr marL="3886200" indent="-228600" algn="l" defTabSz="914400" rtl="0" eaLnBrk="1" latinLnBrk="0" hangingPunct="1">
+              <a:lnSpc>
+                <a:spcPct val="120000"/>
+              </a:lnSpc>
+              <a:spcBef>
+                <a:spcPts val="500"/>
+              </a:spcBef>
+              <a:buClr>
+                <a:schemeClr val="tx1"/>
+              </a:buClr>
+              <a:buFont typeface="Arial" panose="020B0604020202020204" pitchFamily="34" charset="0"/>
+              <a:buChar char="•"/>
+              <a:defRPr sz="1400" kern="1200" cap="all" baseline="0">
+                <a:solidFill>
+                  <a:schemeClr val="tx1"/>
+                </a:solidFill>
+                <a:effectLst/>
+                <a:latin typeface="+mn-lt"/>
+                <a:ea typeface="+mn-ea"/>
+                <a:cs typeface="+mn-cs"/>
+              </a:defRPr>
+            </a:lvl9pPr>
+          </a:lstStyle>
+          <a:p>
+            <a:pPr lvl="2"/>
+            <a:r>
+              <a:rPr lang="en-US" sz="2600" cap="none" dirty="0" smtClean="0">
+                <a:latin typeface="Calibri" panose="020F0502020204030204" pitchFamily="34" charset="0"/>
+                <a:cs typeface="Calibri" panose="020F0502020204030204" pitchFamily="34" charset="0"/>
+              </a:rPr>
+              <a:t>Very similar to linear, except it contains a shrinkage penalty for coefficients based on a tuning parameter, lambda. </a:t>
+            </a:r>
+          </a:p>
+          <a:p>
+            <a:pPr lvl="2"/>
+            <a:r>
+              <a:rPr lang="en-US" sz="2600" cap="none" dirty="0" smtClean="0">
+                <a:latin typeface="Calibri" panose="020F0502020204030204" pitchFamily="34" charset="0"/>
+                <a:cs typeface="Calibri" panose="020F0502020204030204" pitchFamily="34" charset="0"/>
+              </a:rPr>
+              <a:t>If lambda is set to equal zero, we are left with the OLS estimator</a:t>
+            </a:r>
+          </a:p>
+          <a:p>
+            <a:pPr lvl="2"/>
+            <a:r>
+              <a:rPr lang="en-US" sz="2600" cap="none" dirty="0" smtClean="0">
+                <a:latin typeface="Calibri" panose="020F0502020204030204" pitchFamily="34" charset="0"/>
+                <a:cs typeface="Calibri" panose="020F0502020204030204" pitchFamily="34" charset="0"/>
+              </a:rPr>
+              <a:t>As lambda approaches infinity, all coefficients are penalized towards zero.</a:t>
+            </a:r>
+          </a:p>
+          <a:p>
+            <a:pPr lvl="2"/>
+            <a:r>
+              <a:rPr lang="en-US" sz="2600" cap="none" dirty="0" smtClean="0">
+                <a:latin typeface="Calibri" panose="020F0502020204030204" pitchFamily="34" charset="0"/>
+                <a:cs typeface="Calibri" panose="020F0502020204030204" pitchFamily="34" charset="0"/>
+              </a:rPr>
+              <a:t>Picking the right lambda can be done using cross-validation  </a:t>
+            </a:r>
+          </a:p>
+          <a:p>
+            <a:pPr lvl="2"/>
+            <a:endParaRPr lang="en-US" sz="2800" cap="none" dirty="0" smtClean="0">
+              <a:latin typeface="Calibri" panose="020F0502020204030204" pitchFamily="34" charset="0"/>
+              <a:cs typeface="Calibri" panose="020F0502020204030204" pitchFamily="34" charset="0"/>
+            </a:endParaRPr>
+          </a:p>
+          <a:p>
+            <a:pPr lvl="2"/>
+            <a:endParaRPr lang="en-US" sz="2800" cap="none" dirty="0" smtClean="0">
+              <a:latin typeface="Calibri" panose="020F0502020204030204" pitchFamily="34" charset="0"/>
+              <a:cs typeface="Calibri" panose="020F0502020204030204" pitchFamily="34" charset="0"/>
+            </a:endParaRPr>
+          </a:p>
+        </p:txBody>
+      </p:sp>
+    </p:spTree>
+    <p:extLst>
+      <p:ext uri="{BB962C8B-B14F-4D97-AF65-F5344CB8AC3E}">
+        <p14:creationId xmlns:p14="http://schemas.microsoft.com/office/powerpoint/2010/main" val="2299900455"/>
+      </p:ext>
+    </p:extLst>
+  </p:cSld>
+  <p:clrMapOvr>
+    <a:masterClrMapping/>
+  </p:clrMapOvr>
+  <p:timing>
+    <p:tnLst>
+      <p:par>
+        <p:cTn id="1" dur="indefinite" restart="never" nodeType="tmRoot"/>
+      </p:par>
+    </p:tnLst>
+  </p:timing>
+</p:sld>
+</file>
+
+<file path=ppt/slides/slide84.xml><?xml version="1.0" encoding="utf-8"?>
+<p:sld xmlns:a="http://schemas.openxmlformats.org/drawingml/2006/main" xmlns:r="http://schemas.openxmlformats.org/officeDocument/2006/relationships" xmlns:p="http://schemas.openxmlformats.org/presentationml/2006/main">
+  <p:cSld>
+    <p:spTree>
+      <p:nvGrpSpPr>
+        <p:cNvPr id="1" name=""/>
+        <p:cNvGrpSpPr/>
+        <p:nvPr/>
+      </p:nvGrpSpPr>
+      <p:grpSpPr>
+        <a:xfrm>
+          <a:off x="0" y="0"/>
+          <a:ext cx="0" cy="0"/>
+          <a:chOff x="0" y="0"/>
+          <a:chExt cx="0" cy="0"/>
+        </a:xfrm>
+      </p:grpSpPr>
+      <p:sp>
+        <p:nvSpPr>
+          <p:cNvPr id="2" name="Title 1"/>
+          <p:cNvSpPr>
+            <a:spLocks noGrp="1"/>
+          </p:cNvSpPr>
+          <p:nvPr>
+            <p:ph type="title"/>
+          </p:nvPr>
+        </p:nvSpPr>
+        <p:spPr>
+          <a:xfrm>
+            <a:off x="913775" y="618517"/>
+            <a:ext cx="10364451" cy="624129"/>
+          </a:xfrm>
+        </p:spPr>
+        <p:txBody>
+          <a:bodyPr>
+            <a:normAutofit/>
+          </a:bodyPr>
+          <a:lstStyle/>
+          <a:p>
+            <a:r>
+              <a:rPr lang="en-US" b="1" dirty="0" smtClean="0"/>
+              <a:t>Ridge regression</a:t>
+            </a:r>
+            <a:endParaRPr lang="en-US" b="1" dirty="0">
+              <a:latin typeface="Gill Sans MT" panose="020B0502020104020203" pitchFamily="34" charset="0"/>
+            </a:endParaRPr>
+          </a:p>
+        </p:txBody>
+      </p:sp>
+      <p:sp>
+        <p:nvSpPr>
+          <p:cNvPr id="6" name="Content Placeholder 2"/>
+          <p:cNvSpPr txBox="1">
+            <a:spLocks/>
+          </p:cNvSpPr>
+          <p:nvPr/>
+        </p:nvSpPr>
+        <p:spPr>
+          <a:xfrm>
+            <a:off x="913775" y="1639461"/>
+            <a:ext cx="10364451" cy="4830350"/>
+          </a:xfrm>
+          <a:prstGeom prst="rect">
+            <a:avLst/>
+          </a:prstGeom>
+        </p:spPr>
+        <p:txBody>
+          <a:bodyPr vert="horz" lIns="91440" tIns="45720" rIns="91440" bIns="45720" rtlCol="0">
+            <a:normAutofit/>
+          </a:bodyPr>
+          <a:lstStyle>
+            <a:lvl1pPr marL="228600" indent="-228600" algn="l" defTabSz="914400" rtl="0" eaLnBrk="1" latinLnBrk="0" hangingPunct="1">
+              <a:lnSpc>
+                <a:spcPct val="120000"/>
+              </a:lnSpc>
+              <a:spcBef>
+                <a:spcPts val="1000"/>
+              </a:spcBef>
+              <a:buClr>
+                <a:schemeClr val="tx1"/>
+              </a:buClr>
+              <a:buFont typeface="Arial" panose="020B0604020202020204" pitchFamily="34" charset="0"/>
+              <a:buChar char="•"/>
+              <a:defRPr sz="2000" kern="1200" cap="all" baseline="0">
+                <a:solidFill>
+                  <a:schemeClr val="tx1"/>
+                </a:solidFill>
+                <a:effectLst/>
+                <a:latin typeface="+mn-lt"/>
+                <a:ea typeface="+mn-ea"/>
+                <a:cs typeface="+mn-cs"/>
+              </a:defRPr>
+            </a:lvl1pPr>
+            <a:lvl2pPr marL="685800" indent="-228600" algn="l" defTabSz="914400" rtl="0" eaLnBrk="1" latinLnBrk="0" hangingPunct="1">
+              <a:lnSpc>
+                <a:spcPct val="120000"/>
+              </a:lnSpc>
+              <a:spcBef>
+                <a:spcPts val="500"/>
+              </a:spcBef>
+              <a:buClr>
+                <a:schemeClr val="tx1"/>
+              </a:buClr>
+              <a:buFont typeface="Arial" panose="020B0604020202020204" pitchFamily="34" charset="0"/>
+              <a:buChar char="•"/>
+              <a:defRPr sz="1800" kern="1200" cap="all" baseline="0">
+                <a:solidFill>
+                  <a:schemeClr val="tx1"/>
+                </a:solidFill>
+                <a:effectLst/>
+                <a:latin typeface="+mn-lt"/>
+                <a:ea typeface="+mn-ea"/>
+                <a:cs typeface="+mn-cs"/>
+              </a:defRPr>
+            </a:lvl2pPr>
+            <a:lvl3pPr marL="1143000" indent="-228600" algn="l" defTabSz="914400" rtl="0" eaLnBrk="1" latinLnBrk="0" hangingPunct="1">
+              <a:lnSpc>
+                <a:spcPct val="120000"/>
+              </a:lnSpc>
+              <a:spcBef>
+                <a:spcPts val="500"/>
+              </a:spcBef>
+              <a:buClr>
+                <a:schemeClr val="tx1"/>
+              </a:buClr>
+              <a:buFont typeface="Arial" panose="020B0604020202020204" pitchFamily="34" charset="0"/>
+              <a:buChar char="•"/>
+              <a:defRPr sz="1600" kern="1200" cap="all" baseline="0">
+                <a:solidFill>
+                  <a:schemeClr val="tx1"/>
+                </a:solidFill>
+                <a:effectLst/>
+                <a:latin typeface="+mn-lt"/>
+                <a:ea typeface="+mn-ea"/>
+                <a:cs typeface="+mn-cs"/>
+              </a:defRPr>
+            </a:lvl3pPr>
+            <a:lvl4pPr marL="1600200" indent="-228600" algn="l" defTabSz="914400" rtl="0" eaLnBrk="1" latinLnBrk="0" hangingPunct="1">
+              <a:lnSpc>
+                <a:spcPct val="120000"/>
+              </a:lnSpc>
+              <a:spcBef>
+                <a:spcPts val="500"/>
+              </a:spcBef>
+              <a:buClr>
+                <a:schemeClr val="tx1"/>
+              </a:buClr>
+              <a:buFont typeface="Arial" panose="020B0604020202020204" pitchFamily="34" charset="0"/>
+              <a:buChar char="•"/>
+              <a:defRPr sz="1400" kern="1200" cap="all" baseline="0">
+                <a:solidFill>
+                  <a:schemeClr val="tx1"/>
+                </a:solidFill>
+                <a:effectLst/>
+                <a:latin typeface="+mn-lt"/>
+                <a:ea typeface="+mn-ea"/>
+                <a:cs typeface="+mn-cs"/>
+              </a:defRPr>
+            </a:lvl4pPr>
+            <a:lvl5pPr marL="2057400" indent="-228600" algn="l" defTabSz="914400" rtl="0" eaLnBrk="1" latinLnBrk="0" hangingPunct="1">
+              <a:lnSpc>
+                <a:spcPct val="120000"/>
+              </a:lnSpc>
+              <a:spcBef>
+                <a:spcPts val="500"/>
+              </a:spcBef>
+              <a:buClr>
+                <a:schemeClr val="tx1"/>
+              </a:buClr>
+              <a:buFont typeface="Arial" panose="020B0604020202020204" pitchFamily="34" charset="0"/>
+              <a:buChar char="•"/>
+              <a:defRPr sz="1400" kern="1200" cap="all" baseline="0">
+                <a:solidFill>
+                  <a:schemeClr val="tx1"/>
+                </a:solidFill>
+                <a:effectLst/>
+                <a:latin typeface="+mn-lt"/>
+                <a:ea typeface="+mn-ea"/>
+                <a:cs typeface="+mn-cs"/>
+              </a:defRPr>
+            </a:lvl5pPr>
+            <a:lvl6pPr marL="2514600" indent="-228600" algn="l" defTabSz="914400" rtl="0" eaLnBrk="1" latinLnBrk="0" hangingPunct="1">
+              <a:lnSpc>
+                <a:spcPct val="120000"/>
+              </a:lnSpc>
+              <a:spcBef>
+                <a:spcPts val="500"/>
+              </a:spcBef>
+              <a:buClr>
+                <a:schemeClr val="tx1"/>
+              </a:buClr>
+              <a:buFont typeface="Arial" panose="020B0604020202020204" pitchFamily="34" charset="0"/>
+              <a:buChar char="•"/>
+              <a:defRPr sz="1400" kern="1200" cap="all" baseline="0">
+                <a:solidFill>
+                  <a:schemeClr val="tx1"/>
+                </a:solidFill>
+                <a:effectLst/>
+                <a:latin typeface="+mn-lt"/>
+                <a:ea typeface="+mn-ea"/>
+                <a:cs typeface="+mn-cs"/>
+              </a:defRPr>
+            </a:lvl6pPr>
+            <a:lvl7pPr marL="2971800" indent="-228600" algn="l" defTabSz="914400" rtl="0" eaLnBrk="1" latinLnBrk="0" hangingPunct="1">
+              <a:lnSpc>
+                <a:spcPct val="120000"/>
+              </a:lnSpc>
+              <a:spcBef>
+                <a:spcPts val="500"/>
+              </a:spcBef>
+              <a:buClr>
+                <a:schemeClr val="tx1"/>
+              </a:buClr>
+              <a:buFont typeface="Arial" panose="020B0604020202020204" pitchFamily="34" charset="0"/>
+              <a:buChar char="•"/>
+              <a:defRPr sz="1400" kern="1200" cap="all" baseline="0">
+                <a:solidFill>
+                  <a:schemeClr val="tx1"/>
+                </a:solidFill>
+                <a:effectLst/>
+                <a:latin typeface="+mn-lt"/>
+                <a:ea typeface="+mn-ea"/>
+                <a:cs typeface="+mn-cs"/>
+              </a:defRPr>
+            </a:lvl7pPr>
+            <a:lvl8pPr marL="3429000" indent="-228600" algn="l" defTabSz="914400" rtl="0" eaLnBrk="1" latinLnBrk="0" hangingPunct="1">
+              <a:lnSpc>
+                <a:spcPct val="120000"/>
+              </a:lnSpc>
+              <a:spcBef>
+                <a:spcPts val="500"/>
+              </a:spcBef>
+              <a:buClr>
+                <a:schemeClr val="tx1"/>
+              </a:buClr>
+              <a:buFont typeface="Arial" panose="020B0604020202020204" pitchFamily="34" charset="0"/>
+              <a:buChar char="•"/>
+              <a:defRPr sz="1400" kern="1200" cap="all" baseline="0">
+                <a:solidFill>
+                  <a:schemeClr val="tx1"/>
+                </a:solidFill>
+                <a:effectLst/>
+                <a:latin typeface="+mn-lt"/>
+                <a:ea typeface="+mn-ea"/>
+                <a:cs typeface="+mn-cs"/>
+              </a:defRPr>
+            </a:lvl8pPr>
+            <a:lvl9pPr marL="3886200" indent="-228600" algn="l" defTabSz="914400" rtl="0" eaLnBrk="1" latinLnBrk="0" hangingPunct="1">
+              <a:lnSpc>
+                <a:spcPct val="120000"/>
+              </a:lnSpc>
+              <a:spcBef>
+                <a:spcPts val="500"/>
+              </a:spcBef>
+              <a:buClr>
+                <a:schemeClr val="tx1"/>
+              </a:buClr>
+              <a:buFont typeface="Arial" panose="020B0604020202020204" pitchFamily="34" charset="0"/>
+              <a:buChar char="•"/>
+              <a:defRPr sz="1400" kern="1200" cap="all" baseline="0">
+                <a:solidFill>
+                  <a:schemeClr val="tx1"/>
+                </a:solidFill>
+                <a:effectLst/>
+                <a:latin typeface="+mn-lt"/>
+                <a:ea typeface="+mn-ea"/>
+                <a:cs typeface="+mn-cs"/>
+              </a:defRPr>
+            </a:lvl9pPr>
+          </a:lstStyle>
+          <a:p>
+            <a:pPr lvl="2"/>
+            <a:endParaRPr lang="en-US" sz="2600" cap="none" dirty="0" smtClean="0">
+              <a:latin typeface="Calibri" panose="020F0502020204030204" pitchFamily="34" charset="0"/>
+              <a:cs typeface="Calibri" panose="020F0502020204030204" pitchFamily="34" charset="0"/>
+            </a:endParaRPr>
+          </a:p>
+          <a:p>
+            <a:pPr lvl="2"/>
+            <a:endParaRPr lang="en-US" sz="2600" cap="none" dirty="0" smtClean="0">
+              <a:latin typeface="Calibri" panose="020F0502020204030204" pitchFamily="34" charset="0"/>
+              <a:cs typeface="Calibri" panose="020F0502020204030204" pitchFamily="34" charset="0"/>
+            </a:endParaRPr>
+          </a:p>
+          <a:p>
+            <a:pPr lvl="2"/>
+            <a:endParaRPr lang="en-US" sz="2800" cap="none" dirty="0" smtClean="0">
+              <a:latin typeface="Calibri" panose="020F0502020204030204" pitchFamily="34" charset="0"/>
+              <a:cs typeface="Calibri" panose="020F0502020204030204" pitchFamily="34" charset="0"/>
+            </a:endParaRPr>
+          </a:p>
+          <a:p>
+            <a:pPr lvl="2"/>
+            <a:endParaRPr lang="en-US" sz="2800" cap="none" dirty="0" smtClean="0">
+              <a:latin typeface="Calibri" panose="020F0502020204030204" pitchFamily="34" charset="0"/>
+              <a:cs typeface="Calibri" panose="020F0502020204030204" pitchFamily="34" charset="0"/>
+            </a:endParaRPr>
+          </a:p>
+        </p:txBody>
+      </p:sp>
+      <p:sp>
+        <p:nvSpPr>
+          <p:cNvPr id="4" name="Content Placeholder 2"/>
+          <p:cNvSpPr txBox="1">
+            <a:spLocks/>
+          </p:cNvSpPr>
+          <p:nvPr/>
+        </p:nvSpPr>
+        <p:spPr>
+          <a:xfrm>
+            <a:off x="408214" y="1639461"/>
             <a:ext cx="11348357" cy="5822696"/>
           </a:xfrm>
           <a:prstGeom prst="rect">
@@ -38695,10 +39881,6 @@
               </a:rPr>
               <a:t>Takes advantage of the bias-variance trade off</a:t>
             </a:r>
-            <a:endParaRPr lang="en-US" sz="2600" cap="none" dirty="0" smtClean="0">
-              <a:latin typeface="Calibri" panose="020F0502020204030204" pitchFamily="34" charset="0"/>
-              <a:cs typeface="Calibri" panose="020F0502020204030204" pitchFamily="34" charset="0"/>
-            </a:endParaRPr>
           </a:p>
           <a:p>
             <a:pPr lvl="2"/>
@@ -38709,10 +39891,6 @@
               </a:rPr>
               <a:t>Works best when OLS estimates have high variance</a:t>
             </a:r>
-            <a:endParaRPr lang="en-US" sz="2600" cap="none" dirty="0" smtClean="0">
-              <a:latin typeface="Calibri" panose="020F0502020204030204" pitchFamily="34" charset="0"/>
-              <a:cs typeface="Calibri" panose="020F0502020204030204" pitchFamily="34" charset="0"/>
-            </a:endParaRPr>
           </a:p>
           <a:p>
             <a:pPr lvl="2"/>
@@ -38750,7 +39928,7 @@
 </p:sld>
 </file>
 
-<file path=ppt/slides/slide84.xml><?xml version="1.0" encoding="utf-8"?>
+<file path=ppt/slides/slide85.xml><?xml version="1.0" encoding="utf-8"?>
 <p:sld xmlns:a="http://schemas.openxmlformats.org/drawingml/2006/main" xmlns:r="http://schemas.openxmlformats.org/officeDocument/2006/relationships" xmlns:p="http://schemas.openxmlformats.org/presentationml/2006/main">
   <p:cSld>
     <p:spTree>
@@ -39355,625 +40533,6 @@
 </p:sld>
 </file>
 
-<file path=ppt/slides/slide85.xml><?xml version="1.0" encoding="utf-8"?>
-<p:sld xmlns:a="http://schemas.openxmlformats.org/drawingml/2006/main" xmlns:r="http://schemas.openxmlformats.org/officeDocument/2006/relationships" xmlns:p="http://schemas.openxmlformats.org/presentationml/2006/main">
-  <p:cSld>
-    <p:spTree>
-      <p:nvGrpSpPr>
-        <p:cNvPr id="1" name=""/>
-        <p:cNvGrpSpPr/>
-        <p:nvPr/>
-      </p:nvGrpSpPr>
-      <p:grpSpPr>
-        <a:xfrm>
-          <a:off x="0" y="0"/>
-          <a:ext cx="0" cy="0"/>
-          <a:chOff x="0" y="0"/>
-          <a:chExt cx="0" cy="0"/>
-        </a:xfrm>
-      </p:grpSpPr>
-      <p:sp>
-        <p:nvSpPr>
-          <p:cNvPr id="2" name="Title 1"/>
-          <p:cNvSpPr>
-            <a:spLocks noGrp="1"/>
-          </p:cNvSpPr>
-          <p:nvPr>
-            <p:ph type="title"/>
-          </p:nvPr>
-        </p:nvSpPr>
-        <p:spPr>
-          <a:xfrm>
-            <a:off x="913775" y="618517"/>
-            <a:ext cx="10364451" cy="624129"/>
-          </a:xfrm>
-        </p:spPr>
-        <p:txBody>
-          <a:bodyPr>
-            <a:normAutofit/>
-          </a:bodyPr>
-          <a:lstStyle/>
-          <a:p>
-            <a:r>
-              <a:rPr lang="en-US" b="1" dirty="0" smtClean="0"/>
-              <a:t>Ridge regression</a:t>
-            </a:r>
-            <a:endParaRPr lang="en-US" b="1" dirty="0">
-              <a:latin typeface="Gill Sans MT" panose="020B0502020104020203" pitchFamily="34" charset="0"/>
-            </a:endParaRPr>
-          </a:p>
-        </p:txBody>
-      </p:sp>
-      <p:sp>
-        <p:nvSpPr>
-          <p:cNvPr id="6" name="Content Placeholder 2"/>
-          <p:cNvSpPr txBox="1">
-            <a:spLocks/>
-          </p:cNvSpPr>
-          <p:nvPr/>
-        </p:nvSpPr>
-        <p:spPr>
-          <a:xfrm>
-            <a:off x="913775" y="1639461"/>
-            <a:ext cx="10364451" cy="4830350"/>
-          </a:xfrm>
-          <a:prstGeom prst="rect">
-            <a:avLst/>
-          </a:prstGeom>
-        </p:spPr>
-        <p:txBody>
-          <a:bodyPr vert="horz" lIns="91440" tIns="45720" rIns="91440" bIns="45720" rtlCol="0">
-            <a:normAutofit/>
-          </a:bodyPr>
-          <a:lstStyle>
-            <a:lvl1pPr marL="228600" indent="-228600" algn="l" defTabSz="914400" rtl="0" eaLnBrk="1" latinLnBrk="0" hangingPunct="1">
-              <a:lnSpc>
-                <a:spcPct val="120000"/>
-              </a:lnSpc>
-              <a:spcBef>
-                <a:spcPts val="1000"/>
-              </a:spcBef>
-              <a:buClr>
-                <a:schemeClr val="tx1"/>
-              </a:buClr>
-              <a:buFont typeface="Arial" panose="020B0604020202020204" pitchFamily="34" charset="0"/>
-              <a:buChar char="•"/>
-              <a:defRPr sz="2000" kern="1200" cap="all" baseline="0">
-                <a:solidFill>
-                  <a:schemeClr val="tx1"/>
-                </a:solidFill>
-                <a:effectLst/>
-                <a:latin typeface="+mn-lt"/>
-                <a:ea typeface="+mn-ea"/>
-                <a:cs typeface="+mn-cs"/>
-              </a:defRPr>
-            </a:lvl1pPr>
-            <a:lvl2pPr marL="685800" indent="-228600" algn="l" defTabSz="914400" rtl="0" eaLnBrk="1" latinLnBrk="0" hangingPunct="1">
-              <a:lnSpc>
-                <a:spcPct val="120000"/>
-              </a:lnSpc>
-              <a:spcBef>
-                <a:spcPts val="500"/>
-              </a:spcBef>
-              <a:buClr>
-                <a:schemeClr val="tx1"/>
-              </a:buClr>
-              <a:buFont typeface="Arial" panose="020B0604020202020204" pitchFamily="34" charset="0"/>
-              <a:buChar char="•"/>
-              <a:defRPr sz="1800" kern="1200" cap="all" baseline="0">
-                <a:solidFill>
-                  <a:schemeClr val="tx1"/>
-                </a:solidFill>
-                <a:effectLst/>
-                <a:latin typeface="+mn-lt"/>
-                <a:ea typeface="+mn-ea"/>
-                <a:cs typeface="+mn-cs"/>
-              </a:defRPr>
-            </a:lvl2pPr>
-            <a:lvl3pPr marL="1143000" indent="-228600" algn="l" defTabSz="914400" rtl="0" eaLnBrk="1" latinLnBrk="0" hangingPunct="1">
-              <a:lnSpc>
-                <a:spcPct val="120000"/>
-              </a:lnSpc>
-              <a:spcBef>
-                <a:spcPts val="500"/>
-              </a:spcBef>
-              <a:buClr>
-                <a:schemeClr val="tx1"/>
-              </a:buClr>
-              <a:buFont typeface="Arial" panose="020B0604020202020204" pitchFamily="34" charset="0"/>
-              <a:buChar char="•"/>
-              <a:defRPr sz="1600" kern="1200" cap="all" baseline="0">
-                <a:solidFill>
-                  <a:schemeClr val="tx1"/>
-                </a:solidFill>
-                <a:effectLst/>
-                <a:latin typeface="+mn-lt"/>
-                <a:ea typeface="+mn-ea"/>
-                <a:cs typeface="+mn-cs"/>
-              </a:defRPr>
-            </a:lvl3pPr>
-            <a:lvl4pPr marL="1600200" indent="-228600" algn="l" defTabSz="914400" rtl="0" eaLnBrk="1" latinLnBrk="0" hangingPunct="1">
-              <a:lnSpc>
-                <a:spcPct val="120000"/>
-              </a:lnSpc>
-              <a:spcBef>
-                <a:spcPts val="500"/>
-              </a:spcBef>
-              <a:buClr>
-                <a:schemeClr val="tx1"/>
-              </a:buClr>
-              <a:buFont typeface="Arial" panose="020B0604020202020204" pitchFamily="34" charset="0"/>
-              <a:buChar char="•"/>
-              <a:defRPr sz="1400" kern="1200" cap="all" baseline="0">
-                <a:solidFill>
-                  <a:schemeClr val="tx1"/>
-                </a:solidFill>
-                <a:effectLst/>
-                <a:latin typeface="+mn-lt"/>
-                <a:ea typeface="+mn-ea"/>
-                <a:cs typeface="+mn-cs"/>
-              </a:defRPr>
-            </a:lvl4pPr>
-            <a:lvl5pPr marL="2057400" indent="-228600" algn="l" defTabSz="914400" rtl="0" eaLnBrk="1" latinLnBrk="0" hangingPunct="1">
-              <a:lnSpc>
-                <a:spcPct val="120000"/>
-              </a:lnSpc>
-              <a:spcBef>
-                <a:spcPts val="500"/>
-              </a:spcBef>
-              <a:buClr>
-                <a:schemeClr val="tx1"/>
-              </a:buClr>
-              <a:buFont typeface="Arial" panose="020B0604020202020204" pitchFamily="34" charset="0"/>
-              <a:buChar char="•"/>
-              <a:defRPr sz="1400" kern="1200" cap="all" baseline="0">
-                <a:solidFill>
-                  <a:schemeClr val="tx1"/>
-                </a:solidFill>
-                <a:effectLst/>
-                <a:latin typeface="+mn-lt"/>
-                <a:ea typeface="+mn-ea"/>
-                <a:cs typeface="+mn-cs"/>
-              </a:defRPr>
-            </a:lvl5pPr>
-            <a:lvl6pPr marL="2514600" indent="-228600" algn="l" defTabSz="914400" rtl="0" eaLnBrk="1" latinLnBrk="0" hangingPunct="1">
-              <a:lnSpc>
-                <a:spcPct val="120000"/>
-              </a:lnSpc>
-              <a:spcBef>
-                <a:spcPts val="500"/>
-              </a:spcBef>
-              <a:buClr>
-                <a:schemeClr val="tx1"/>
-              </a:buClr>
-              <a:buFont typeface="Arial" panose="020B0604020202020204" pitchFamily="34" charset="0"/>
-              <a:buChar char="•"/>
-              <a:defRPr sz="1400" kern="1200" cap="all" baseline="0">
-                <a:solidFill>
-                  <a:schemeClr val="tx1"/>
-                </a:solidFill>
-                <a:effectLst/>
-                <a:latin typeface="+mn-lt"/>
-                <a:ea typeface="+mn-ea"/>
-                <a:cs typeface="+mn-cs"/>
-              </a:defRPr>
-            </a:lvl6pPr>
-            <a:lvl7pPr marL="2971800" indent="-228600" algn="l" defTabSz="914400" rtl="0" eaLnBrk="1" latinLnBrk="0" hangingPunct="1">
-              <a:lnSpc>
-                <a:spcPct val="120000"/>
-              </a:lnSpc>
-              <a:spcBef>
-                <a:spcPts val="500"/>
-              </a:spcBef>
-              <a:buClr>
-                <a:schemeClr val="tx1"/>
-              </a:buClr>
-              <a:buFont typeface="Arial" panose="020B0604020202020204" pitchFamily="34" charset="0"/>
-              <a:buChar char="•"/>
-              <a:defRPr sz="1400" kern="1200" cap="all" baseline="0">
-                <a:solidFill>
-                  <a:schemeClr val="tx1"/>
-                </a:solidFill>
-                <a:effectLst/>
-                <a:latin typeface="+mn-lt"/>
-                <a:ea typeface="+mn-ea"/>
-                <a:cs typeface="+mn-cs"/>
-              </a:defRPr>
-            </a:lvl7pPr>
-            <a:lvl8pPr marL="3429000" indent="-228600" algn="l" defTabSz="914400" rtl="0" eaLnBrk="1" latinLnBrk="0" hangingPunct="1">
-              <a:lnSpc>
-                <a:spcPct val="120000"/>
-              </a:lnSpc>
-              <a:spcBef>
-                <a:spcPts val="500"/>
-              </a:spcBef>
-              <a:buClr>
-                <a:schemeClr val="tx1"/>
-              </a:buClr>
-              <a:buFont typeface="Arial" panose="020B0604020202020204" pitchFamily="34" charset="0"/>
-              <a:buChar char="•"/>
-              <a:defRPr sz="1400" kern="1200" cap="all" baseline="0">
-                <a:solidFill>
-                  <a:schemeClr val="tx1"/>
-                </a:solidFill>
-                <a:effectLst/>
-                <a:latin typeface="+mn-lt"/>
-                <a:ea typeface="+mn-ea"/>
-                <a:cs typeface="+mn-cs"/>
-              </a:defRPr>
-            </a:lvl8pPr>
-            <a:lvl9pPr marL="3886200" indent="-228600" algn="l" defTabSz="914400" rtl="0" eaLnBrk="1" latinLnBrk="0" hangingPunct="1">
-              <a:lnSpc>
-                <a:spcPct val="120000"/>
-              </a:lnSpc>
-              <a:spcBef>
-                <a:spcPts val="500"/>
-              </a:spcBef>
-              <a:buClr>
-                <a:schemeClr val="tx1"/>
-              </a:buClr>
-              <a:buFont typeface="Arial" panose="020B0604020202020204" pitchFamily="34" charset="0"/>
-              <a:buChar char="•"/>
-              <a:defRPr sz="1400" kern="1200" cap="all" baseline="0">
-                <a:solidFill>
-                  <a:schemeClr val="tx1"/>
-                </a:solidFill>
-                <a:effectLst/>
-                <a:latin typeface="+mn-lt"/>
-                <a:ea typeface="+mn-ea"/>
-                <a:cs typeface="+mn-cs"/>
-              </a:defRPr>
-            </a:lvl9pPr>
-          </a:lstStyle>
-          <a:p>
-            <a:pPr lvl="2"/>
-            <a:endParaRPr lang="en-US" sz="2600" cap="none" dirty="0" smtClean="0">
-              <a:latin typeface="Calibri" panose="020F0502020204030204" pitchFamily="34" charset="0"/>
-              <a:cs typeface="Calibri" panose="020F0502020204030204" pitchFamily="34" charset="0"/>
-            </a:endParaRPr>
-          </a:p>
-          <a:p>
-            <a:pPr lvl="2"/>
-            <a:endParaRPr lang="en-US" sz="2600" cap="none" dirty="0" smtClean="0">
-              <a:latin typeface="Calibri" panose="020F0502020204030204" pitchFamily="34" charset="0"/>
-              <a:cs typeface="Calibri" panose="020F0502020204030204" pitchFamily="34" charset="0"/>
-            </a:endParaRPr>
-          </a:p>
-          <a:p>
-            <a:pPr lvl="2"/>
-            <a:endParaRPr lang="en-US" sz="2800" cap="none" dirty="0" smtClean="0">
-              <a:latin typeface="Calibri" panose="020F0502020204030204" pitchFamily="34" charset="0"/>
-              <a:cs typeface="Calibri" panose="020F0502020204030204" pitchFamily="34" charset="0"/>
-            </a:endParaRPr>
-          </a:p>
-          <a:p>
-            <a:pPr lvl="2"/>
-            <a:endParaRPr lang="en-US" sz="2800" cap="none" dirty="0" smtClean="0">
-              <a:latin typeface="Calibri" panose="020F0502020204030204" pitchFamily="34" charset="0"/>
-              <a:cs typeface="Calibri" panose="020F0502020204030204" pitchFamily="34" charset="0"/>
-            </a:endParaRPr>
-          </a:p>
-        </p:txBody>
-      </p:sp>
-      <p:sp>
-        <p:nvSpPr>
-          <p:cNvPr id="4" name="Content Placeholder 2"/>
-          <p:cNvSpPr txBox="1">
-            <a:spLocks/>
-          </p:cNvSpPr>
-          <p:nvPr/>
-        </p:nvSpPr>
-        <p:spPr>
-          <a:xfrm>
-            <a:off x="408214" y="1639461"/>
-            <a:ext cx="11348357" cy="5822696"/>
-          </a:xfrm>
-          <a:prstGeom prst="rect">
-            <a:avLst/>
-          </a:prstGeom>
-        </p:spPr>
-        <p:txBody>
-          <a:bodyPr vert="horz" lIns="91440" tIns="45720" rIns="91440" bIns="45720" rtlCol="0">
-            <a:normAutofit/>
-          </a:bodyPr>
-          <a:lstStyle>
-            <a:lvl1pPr marL="228600" indent="-228600" algn="l" defTabSz="914400" rtl="0" eaLnBrk="1" latinLnBrk="0" hangingPunct="1">
-              <a:lnSpc>
-                <a:spcPct val="120000"/>
-              </a:lnSpc>
-              <a:spcBef>
-                <a:spcPts val="1000"/>
-              </a:spcBef>
-              <a:buClr>
-                <a:schemeClr val="tx1"/>
-              </a:buClr>
-              <a:buFont typeface="Arial" panose="020B0604020202020204" pitchFamily="34" charset="0"/>
-              <a:buChar char="•"/>
-              <a:defRPr sz="2000" kern="1200" cap="all" baseline="0">
-                <a:solidFill>
-                  <a:schemeClr val="tx1"/>
-                </a:solidFill>
-                <a:effectLst/>
-                <a:latin typeface="+mn-lt"/>
-                <a:ea typeface="+mn-ea"/>
-                <a:cs typeface="+mn-cs"/>
-              </a:defRPr>
-            </a:lvl1pPr>
-            <a:lvl2pPr marL="685800" indent="-228600" algn="l" defTabSz="914400" rtl="0" eaLnBrk="1" latinLnBrk="0" hangingPunct="1">
-              <a:lnSpc>
-                <a:spcPct val="120000"/>
-              </a:lnSpc>
-              <a:spcBef>
-                <a:spcPts val="500"/>
-              </a:spcBef>
-              <a:buClr>
-                <a:schemeClr val="tx1"/>
-              </a:buClr>
-              <a:buFont typeface="Arial" panose="020B0604020202020204" pitchFamily="34" charset="0"/>
-              <a:buChar char="•"/>
-              <a:defRPr sz="1800" kern="1200" cap="all" baseline="0">
-                <a:solidFill>
-                  <a:schemeClr val="tx1"/>
-                </a:solidFill>
-                <a:effectLst/>
-                <a:latin typeface="+mn-lt"/>
-                <a:ea typeface="+mn-ea"/>
-                <a:cs typeface="+mn-cs"/>
-              </a:defRPr>
-            </a:lvl2pPr>
-            <a:lvl3pPr marL="1143000" indent="-228600" algn="l" defTabSz="914400" rtl="0" eaLnBrk="1" latinLnBrk="0" hangingPunct="1">
-              <a:lnSpc>
-                <a:spcPct val="120000"/>
-              </a:lnSpc>
-              <a:spcBef>
-                <a:spcPts val="500"/>
-              </a:spcBef>
-              <a:buClr>
-                <a:schemeClr val="tx1"/>
-              </a:buClr>
-              <a:buFont typeface="Arial" panose="020B0604020202020204" pitchFamily="34" charset="0"/>
-              <a:buChar char="•"/>
-              <a:defRPr sz="1600" kern="1200" cap="all" baseline="0">
-                <a:solidFill>
-                  <a:schemeClr val="tx1"/>
-                </a:solidFill>
-                <a:effectLst/>
-                <a:latin typeface="+mn-lt"/>
-                <a:ea typeface="+mn-ea"/>
-                <a:cs typeface="+mn-cs"/>
-              </a:defRPr>
-            </a:lvl3pPr>
-            <a:lvl4pPr marL="1600200" indent="-228600" algn="l" defTabSz="914400" rtl="0" eaLnBrk="1" latinLnBrk="0" hangingPunct="1">
-              <a:lnSpc>
-                <a:spcPct val="120000"/>
-              </a:lnSpc>
-              <a:spcBef>
-                <a:spcPts val="500"/>
-              </a:spcBef>
-              <a:buClr>
-                <a:schemeClr val="tx1"/>
-              </a:buClr>
-              <a:buFont typeface="Arial" panose="020B0604020202020204" pitchFamily="34" charset="0"/>
-              <a:buChar char="•"/>
-              <a:defRPr sz="1400" kern="1200" cap="all" baseline="0">
-                <a:solidFill>
-                  <a:schemeClr val="tx1"/>
-                </a:solidFill>
-                <a:effectLst/>
-                <a:latin typeface="+mn-lt"/>
-                <a:ea typeface="+mn-ea"/>
-                <a:cs typeface="+mn-cs"/>
-              </a:defRPr>
-            </a:lvl4pPr>
-            <a:lvl5pPr marL="2057400" indent="-228600" algn="l" defTabSz="914400" rtl="0" eaLnBrk="1" latinLnBrk="0" hangingPunct="1">
-              <a:lnSpc>
-                <a:spcPct val="120000"/>
-              </a:lnSpc>
-              <a:spcBef>
-                <a:spcPts val="500"/>
-              </a:spcBef>
-              <a:buClr>
-                <a:schemeClr val="tx1"/>
-              </a:buClr>
-              <a:buFont typeface="Arial" panose="020B0604020202020204" pitchFamily="34" charset="0"/>
-              <a:buChar char="•"/>
-              <a:defRPr sz="1400" kern="1200" cap="all" baseline="0">
-                <a:solidFill>
-                  <a:schemeClr val="tx1"/>
-                </a:solidFill>
-                <a:effectLst/>
-                <a:latin typeface="+mn-lt"/>
-                <a:ea typeface="+mn-ea"/>
-                <a:cs typeface="+mn-cs"/>
-              </a:defRPr>
-            </a:lvl5pPr>
-            <a:lvl6pPr marL="2514600" indent="-228600" algn="l" defTabSz="914400" rtl="0" eaLnBrk="1" latinLnBrk="0" hangingPunct="1">
-              <a:lnSpc>
-                <a:spcPct val="120000"/>
-              </a:lnSpc>
-              <a:spcBef>
-                <a:spcPts val="500"/>
-              </a:spcBef>
-              <a:buClr>
-                <a:schemeClr val="tx1"/>
-              </a:buClr>
-              <a:buFont typeface="Arial" panose="020B0604020202020204" pitchFamily="34" charset="0"/>
-              <a:buChar char="•"/>
-              <a:defRPr sz="1400" kern="1200" cap="all" baseline="0">
-                <a:solidFill>
-                  <a:schemeClr val="tx1"/>
-                </a:solidFill>
-                <a:effectLst/>
-                <a:latin typeface="+mn-lt"/>
-                <a:ea typeface="+mn-ea"/>
-                <a:cs typeface="+mn-cs"/>
-              </a:defRPr>
-            </a:lvl6pPr>
-            <a:lvl7pPr marL="2971800" indent="-228600" algn="l" defTabSz="914400" rtl="0" eaLnBrk="1" latinLnBrk="0" hangingPunct="1">
-              <a:lnSpc>
-                <a:spcPct val="120000"/>
-              </a:lnSpc>
-              <a:spcBef>
-                <a:spcPts val="500"/>
-              </a:spcBef>
-              <a:buClr>
-                <a:schemeClr val="tx1"/>
-              </a:buClr>
-              <a:buFont typeface="Arial" panose="020B0604020202020204" pitchFamily="34" charset="0"/>
-              <a:buChar char="•"/>
-              <a:defRPr sz="1400" kern="1200" cap="all" baseline="0">
-                <a:solidFill>
-                  <a:schemeClr val="tx1"/>
-                </a:solidFill>
-                <a:effectLst/>
-                <a:latin typeface="+mn-lt"/>
-                <a:ea typeface="+mn-ea"/>
-                <a:cs typeface="+mn-cs"/>
-              </a:defRPr>
-            </a:lvl7pPr>
-            <a:lvl8pPr marL="3429000" indent="-228600" algn="l" defTabSz="914400" rtl="0" eaLnBrk="1" latinLnBrk="0" hangingPunct="1">
-              <a:lnSpc>
-                <a:spcPct val="120000"/>
-              </a:lnSpc>
-              <a:spcBef>
-                <a:spcPts val="500"/>
-              </a:spcBef>
-              <a:buClr>
-                <a:schemeClr val="tx1"/>
-              </a:buClr>
-              <a:buFont typeface="Arial" panose="020B0604020202020204" pitchFamily="34" charset="0"/>
-              <a:buChar char="•"/>
-              <a:defRPr sz="1400" kern="1200" cap="all" baseline="0">
-                <a:solidFill>
-                  <a:schemeClr val="tx1"/>
-                </a:solidFill>
-                <a:effectLst/>
-                <a:latin typeface="+mn-lt"/>
-                <a:ea typeface="+mn-ea"/>
-                <a:cs typeface="+mn-cs"/>
-              </a:defRPr>
-            </a:lvl8pPr>
-            <a:lvl9pPr marL="3886200" indent="-228600" algn="l" defTabSz="914400" rtl="0" eaLnBrk="1" latinLnBrk="0" hangingPunct="1">
-              <a:lnSpc>
-                <a:spcPct val="120000"/>
-              </a:lnSpc>
-              <a:spcBef>
-                <a:spcPts val="500"/>
-              </a:spcBef>
-              <a:buClr>
-                <a:schemeClr val="tx1"/>
-              </a:buClr>
-              <a:buFont typeface="Arial" panose="020B0604020202020204" pitchFamily="34" charset="0"/>
-              <a:buChar char="•"/>
-              <a:defRPr sz="1400" kern="1200" cap="all" baseline="0">
-                <a:solidFill>
-                  <a:schemeClr val="tx1"/>
-                </a:solidFill>
-                <a:effectLst/>
-                <a:latin typeface="+mn-lt"/>
-                <a:ea typeface="+mn-ea"/>
-                <a:cs typeface="+mn-cs"/>
-              </a:defRPr>
-            </a:lvl9pPr>
-          </a:lstStyle>
-          <a:p>
-            <a:pPr lvl="2"/>
-            <a:r>
-              <a:rPr lang="en-US" sz="2800" cap="none" dirty="0" smtClean="0">
-                <a:latin typeface="Calibri" panose="020F0502020204030204" pitchFamily="34" charset="0"/>
-                <a:cs typeface="Calibri" panose="020F0502020204030204" pitchFamily="34" charset="0"/>
-              </a:rPr>
-              <a:t>When the response – predictor relationship is mostly linear, the OLS estimates have low bias but might have high variance</a:t>
-            </a:r>
-          </a:p>
-          <a:p>
-            <a:pPr lvl="2"/>
-            <a:r>
-              <a:rPr lang="en-US" sz="2800" cap="none" dirty="0" smtClean="0">
-                <a:latin typeface="Calibri" panose="020F0502020204030204" pitchFamily="34" charset="0"/>
-                <a:cs typeface="Calibri" panose="020F0502020204030204" pitchFamily="34" charset="0"/>
-              </a:rPr>
-              <a:t>This means a small change in the training data can have a large affect in the coefficient estimates</a:t>
-            </a:r>
-          </a:p>
-          <a:p>
-            <a:pPr lvl="2"/>
-            <a:r>
-              <a:rPr lang="en-US" sz="2800" cap="none" dirty="0" smtClean="0">
-                <a:latin typeface="Calibri" panose="020F0502020204030204" pitchFamily="34" charset="0"/>
-                <a:cs typeface="Calibri" panose="020F0502020204030204" pitchFamily="34" charset="0"/>
-              </a:rPr>
-              <a:t>Also works well when </a:t>
-            </a:r>
-            <a:r>
-              <a:rPr lang="en-US" sz="2800" b="1" cap="none" dirty="0" smtClean="0">
-                <a:latin typeface="Calibri" panose="020F0502020204030204" pitchFamily="34" charset="0"/>
-                <a:cs typeface="Calibri" panose="020F0502020204030204" pitchFamily="34" charset="0"/>
-              </a:rPr>
-              <a:t>p</a:t>
-            </a:r>
-            <a:r>
-              <a:rPr lang="en-US" sz="2800" cap="none" dirty="0" smtClean="0">
-                <a:latin typeface="Calibri" panose="020F0502020204030204" pitchFamily="34" charset="0"/>
-                <a:cs typeface="Calibri" panose="020F0502020204030204" pitchFamily="34" charset="0"/>
-              </a:rPr>
-              <a:t> &gt; </a:t>
-            </a:r>
-            <a:r>
-              <a:rPr lang="en-US" sz="2800" b="1" cap="none" dirty="0" smtClean="0">
-                <a:latin typeface="Calibri" panose="020F0502020204030204" pitchFamily="34" charset="0"/>
-                <a:cs typeface="Calibri" panose="020F0502020204030204" pitchFamily="34" charset="0"/>
-              </a:rPr>
-              <a:t>n</a:t>
-            </a:r>
-            <a:endParaRPr lang="en-US" sz="2800" b="1" cap="none" dirty="0" smtClean="0">
-              <a:latin typeface="Calibri" panose="020F0502020204030204" pitchFamily="34" charset="0"/>
-              <a:cs typeface="Calibri" panose="020F0502020204030204" pitchFamily="34" charset="0"/>
-            </a:endParaRPr>
-          </a:p>
-          <a:p>
-            <a:pPr lvl="2"/>
-            <a:r>
-              <a:rPr lang="en-US" sz="2800" cap="none" dirty="0" smtClean="0">
-                <a:latin typeface="Calibri" panose="020F0502020204030204" pitchFamily="34" charset="0"/>
-                <a:cs typeface="Calibri" panose="020F0502020204030204" pitchFamily="34" charset="0"/>
-              </a:rPr>
-              <a:t>Also works well for solving </a:t>
-            </a:r>
-            <a:r>
-              <a:rPr lang="en-US" sz="2800" cap="none" dirty="0" err="1" smtClean="0">
-                <a:latin typeface="Calibri" panose="020F0502020204030204" pitchFamily="34" charset="0"/>
-                <a:cs typeface="Calibri" panose="020F0502020204030204" pitchFamily="34" charset="0"/>
-              </a:rPr>
-              <a:t>multicollinearity</a:t>
-            </a:r>
-            <a:endParaRPr lang="en-US" sz="2800" cap="none" dirty="0" smtClean="0">
-              <a:latin typeface="Calibri" panose="020F0502020204030204" pitchFamily="34" charset="0"/>
-              <a:cs typeface="Calibri" panose="020F0502020204030204" pitchFamily="34" charset="0"/>
-            </a:endParaRPr>
-          </a:p>
-        </p:txBody>
-      </p:sp>
-    </p:spTree>
-    <p:extLst>
-      <p:ext uri="{BB962C8B-B14F-4D97-AF65-F5344CB8AC3E}">
-        <p14:creationId xmlns:p14="http://schemas.microsoft.com/office/powerpoint/2010/main" val="2395990360"/>
-      </p:ext>
-    </p:extLst>
-  </p:cSld>
-  <p:clrMapOvr>
-    <a:masterClrMapping/>
-  </p:clrMapOvr>
-  <p:timing>
-    <p:tnLst>
-      <p:par>
-        <p:cTn id="1" dur="indefinite" restart="never" nodeType="tmRoot"/>
-      </p:par>
-    </p:tnLst>
-  </p:timing>
-</p:sld>
-</file>
-
 <file path=ppt/slides/slide86.xml><?xml version="1.0" encoding="utf-8"?>
 <p:sld xmlns:a="http://schemas.openxmlformats.org/drawingml/2006/main" xmlns:r="http://schemas.openxmlformats.org/officeDocument/2006/relationships" xmlns:p="http://schemas.openxmlformats.org/presentationml/2006/main">
   <p:cSld>
@@ -40015,7 +40574,7 @@
           <a:p>
             <a:r>
               <a:rPr lang="en-US" b="1" dirty="0" smtClean="0"/>
-              <a:t>The Lasso</a:t>
+              <a:t>Ridge regression</a:t>
             </a:r>
             <a:endParaRPr lang="en-US" b="1" dirty="0">
               <a:latin typeface="Gill Sans MT" panose="020B0502020104020203" pitchFamily="34" charset="0"/>
@@ -40502,12 +41061,67 @@
                 <a:latin typeface="Calibri" panose="020F0502020204030204" pitchFamily="34" charset="0"/>
                 <a:cs typeface="Calibri" panose="020F0502020204030204" pitchFamily="34" charset="0"/>
               </a:rPr>
-              <a:t>Ridge Regression suffers from one disadvantage: it only shrinks unwanted coefficients, but doesn’t remove them entirely (set to zero)</a:t>
+              <a:t>When the response – predictor relationship is mostly linear, the OLS estimates have low bias but might have high variance</a:t>
             </a:r>
           </a:p>
           <a:p>
             <a:pPr lvl="2"/>
-            <a:endParaRPr lang="en-US" sz="2600" cap="none" dirty="0" smtClean="0">
+            <a:r>
+              <a:rPr lang="en-US" sz="2800" cap="none" dirty="0" smtClean="0">
+                <a:latin typeface="Calibri" panose="020F0502020204030204" pitchFamily="34" charset="0"/>
+                <a:cs typeface="Calibri" panose="020F0502020204030204" pitchFamily="34" charset="0"/>
+              </a:rPr>
+              <a:t>This means a small change in the training data can have a large affect in the coefficient estimates</a:t>
+            </a:r>
+          </a:p>
+          <a:p>
+            <a:pPr lvl="2"/>
+            <a:r>
+              <a:rPr lang="en-US" sz="2800" cap="none" dirty="0" smtClean="0">
+                <a:latin typeface="Calibri" panose="020F0502020204030204" pitchFamily="34" charset="0"/>
+                <a:cs typeface="Calibri" panose="020F0502020204030204" pitchFamily="34" charset="0"/>
+              </a:rPr>
+              <a:t>Also works well when </a:t>
+            </a:r>
+            <a:r>
+              <a:rPr lang="en-US" sz="2800" b="1" cap="none" dirty="0" smtClean="0">
+                <a:latin typeface="Calibri" panose="020F0502020204030204" pitchFamily="34" charset="0"/>
+                <a:cs typeface="Calibri" panose="020F0502020204030204" pitchFamily="34" charset="0"/>
+              </a:rPr>
+              <a:t>p</a:t>
+            </a:r>
+            <a:r>
+              <a:rPr lang="en-US" sz="2800" cap="none" dirty="0" smtClean="0">
+                <a:latin typeface="Calibri" panose="020F0502020204030204" pitchFamily="34" charset="0"/>
+                <a:cs typeface="Calibri" panose="020F0502020204030204" pitchFamily="34" charset="0"/>
+              </a:rPr>
+              <a:t> &gt; </a:t>
+            </a:r>
+            <a:r>
+              <a:rPr lang="en-US" sz="2800" b="1" cap="none" dirty="0" smtClean="0">
+                <a:latin typeface="Calibri" panose="020F0502020204030204" pitchFamily="34" charset="0"/>
+                <a:cs typeface="Calibri" panose="020F0502020204030204" pitchFamily="34" charset="0"/>
+              </a:rPr>
+              <a:t>n</a:t>
+            </a:r>
+          </a:p>
+          <a:p>
+            <a:pPr lvl="2"/>
+            <a:r>
+              <a:rPr lang="en-US" sz="2800" cap="none" dirty="0" smtClean="0">
+                <a:latin typeface="Calibri" panose="020F0502020204030204" pitchFamily="34" charset="0"/>
+                <a:cs typeface="Calibri" panose="020F0502020204030204" pitchFamily="34" charset="0"/>
+              </a:rPr>
+              <a:t>Also works well for solving </a:t>
+            </a:r>
+            <a:r>
+              <a:rPr lang="en-US" sz="2800" cap="none" dirty="0" err="1" smtClean="0">
+                <a:latin typeface="Calibri" panose="020F0502020204030204" pitchFamily="34" charset="0"/>
+                <a:cs typeface="Calibri" panose="020F0502020204030204" pitchFamily="34" charset="0"/>
+              </a:rPr>
+              <a:t>multicollinearity</a:t>
+            </a:r>
+            <a:endParaRPr lang="en-US" sz="2800" cap="none" dirty="0" smtClean="0">
               <a:latin typeface="Calibri" panose="020F0502020204030204" pitchFamily="34" charset="0"/>
               <a:cs typeface="Calibri" panose="020F0502020204030204" pitchFamily="34" charset="0"/>
             </a:endParaRPr>
@@ -40517,7 +41131,7 @@
     </p:spTree>
     <p:extLst>
       <p:ext uri="{BB962C8B-B14F-4D97-AF65-F5344CB8AC3E}">
-        <p14:creationId xmlns:p14="http://schemas.microsoft.com/office/powerpoint/2010/main" val="1870873629"/>
+        <p14:creationId xmlns:p14="http://schemas.microsoft.com/office/powerpoint/2010/main" val="2395990360"/>
       </p:ext>
     </p:extLst>
   </p:cSld>
@@ -41067,16 +41681,6 @@
           </a:p>
           <a:p>
             <a:pPr lvl="2"/>
-            <a:r>
-              <a:rPr lang="en-US" sz="2800" cap="none" dirty="0" smtClean="0">
-                <a:latin typeface="Calibri" panose="020F0502020204030204" pitchFamily="34" charset="0"/>
-                <a:cs typeface="Calibri" panose="020F0502020204030204" pitchFamily="34" charset="0"/>
-              </a:rPr>
-              <a:t>The lasso is a slight twist on ridge regression</a:t>
-            </a:r>
-          </a:p>
-          <a:p>
-            <a:pPr lvl="2"/>
             <a:endParaRPr lang="en-US" sz="2600" cap="none" dirty="0" smtClean="0">
               <a:latin typeface="Calibri" panose="020F0502020204030204" pitchFamily="34" charset="0"/>
               <a:cs typeface="Calibri" panose="020F0502020204030204" pitchFamily="34" charset="0"/>
@@ -41087,7 +41691,7 @@
     </p:spTree>
     <p:extLst>
       <p:ext uri="{BB962C8B-B14F-4D97-AF65-F5344CB8AC3E}">
-        <p14:creationId xmlns:p14="http://schemas.microsoft.com/office/powerpoint/2010/main" val="1960855719"/>
+        <p14:creationId xmlns:p14="http://schemas.microsoft.com/office/powerpoint/2010/main" val="1870873629"/>
       </p:ext>
     </p:extLst>
   </p:cSld>
@@ -41647,16 +42251,6 @@
           </a:p>
           <a:p>
             <a:pPr lvl="2"/>
-            <a:r>
-              <a:rPr lang="en-US" sz="2800" cap="none" dirty="0" smtClean="0">
-                <a:latin typeface="Calibri" panose="020F0502020204030204" pitchFamily="34" charset="0"/>
-                <a:cs typeface="Calibri" panose="020F0502020204030204" pitchFamily="34" charset="0"/>
-              </a:rPr>
-              <a:t>The penalty function pushes insignificant coefficients to zero much faster</a:t>
-            </a:r>
-          </a:p>
-          <a:p>
-            <a:pPr lvl="2"/>
             <a:endParaRPr lang="en-US" sz="2600" cap="none" dirty="0" smtClean="0">
               <a:latin typeface="Calibri" panose="020F0502020204030204" pitchFamily="34" charset="0"/>
               <a:cs typeface="Calibri" panose="020F0502020204030204" pitchFamily="34" charset="0"/>
@@ -41667,7 +42261,7 @@
     </p:spTree>
     <p:extLst>
       <p:ext uri="{BB962C8B-B14F-4D97-AF65-F5344CB8AC3E}">
-        <p14:creationId xmlns:p14="http://schemas.microsoft.com/office/powerpoint/2010/main" val="994939394"/>
+        <p14:creationId xmlns:p14="http://schemas.microsoft.com/office/powerpoint/2010/main" val="1960855719"/>
       </p:ext>
     </p:extLst>
   </p:cSld>
@@ -42237,16 +42831,6 @@
           </a:p>
           <a:p>
             <a:pPr lvl="2"/>
-            <a:r>
-              <a:rPr lang="en-US" sz="2800" cap="none" dirty="0" smtClean="0">
-                <a:latin typeface="Calibri" panose="020F0502020204030204" pitchFamily="34" charset="0"/>
-                <a:cs typeface="Calibri" panose="020F0502020204030204" pitchFamily="34" charset="0"/>
-              </a:rPr>
-              <a:t>Same tuning parameter, lambda</a:t>
-            </a:r>
-          </a:p>
-          <a:p>
-            <a:pPr lvl="2"/>
             <a:endParaRPr lang="en-US" sz="2600" cap="none" dirty="0" smtClean="0">
               <a:latin typeface="Calibri" panose="020F0502020204030204" pitchFamily="34" charset="0"/>
               <a:cs typeface="Calibri" panose="020F0502020204030204" pitchFamily="34" charset="0"/>
@@ -42257,7 +42841,7 @@
     </p:spTree>
     <p:extLst>
       <p:ext uri="{BB962C8B-B14F-4D97-AF65-F5344CB8AC3E}">
-        <p14:creationId xmlns:p14="http://schemas.microsoft.com/office/powerpoint/2010/main" val="4077070308"/>
+        <p14:creationId xmlns:p14="http://schemas.microsoft.com/office/powerpoint/2010/main" val="994939394"/>
       </p:ext>
     </p:extLst>
   </p:cSld>
@@ -42462,6 +43046,257 @@
       </p:sp>
       <p:sp>
         <p:nvSpPr>
+          <p:cNvPr id="6" name="Content Placeholder 2"/>
+          <p:cNvSpPr txBox="1">
+            <a:spLocks/>
+          </p:cNvSpPr>
+          <p:nvPr/>
+        </p:nvSpPr>
+        <p:spPr>
+          <a:xfrm>
+            <a:off x="913775" y="1639461"/>
+            <a:ext cx="10364451" cy="4830350"/>
+          </a:xfrm>
+          <a:prstGeom prst="rect">
+            <a:avLst/>
+          </a:prstGeom>
+        </p:spPr>
+        <p:txBody>
+          <a:bodyPr vert="horz" lIns="91440" tIns="45720" rIns="91440" bIns="45720" rtlCol="0">
+            <a:normAutofit/>
+          </a:bodyPr>
+          <a:lstStyle>
+            <a:lvl1pPr marL="228600" indent="-228600" algn="l" defTabSz="914400" rtl="0" eaLnBrk="1" latinLnBrk="0" hangingPunct="1">
+              <a:lnSpc>
+                <a:spcPct val="120000"/>
+              </a:lnSpc>
+              <a:spcBef>
+                <a:spcPts val="1000"/>
+              </a:spcBef>
+              <a:buClr>
+                <a:schemeClr val="tx1"/>
+              </a:buClr>
+              <a:buFont typeface="Arial" panose="020B0604020202020204" pitchFamily="34" charset="0"/>
+              <a:buChar char="•"/>
+              <a:defRPr sz="2000" kern="1200" cap="all" baseline="0">
+                <a:solidFill>
+                  <a:schemeClr val="tx1"/>
+                </a:solidFill>
+                <a:effectLst/>
+                <a:latin typeface="+mn-lt"/>
+                <a:ea typeface="+mn-ea"/>
+                <a:cs typeface="+mn-cs"/>
+              </a:defRPr>
+            </a:lvl1pPr>
+            <a:lvl2pPr marL="685800" indent="-228600" algn="l" defTabSz="914400" rtl="0" eaLnBrk="1" latinLnBrk="0" hangingPunct="1">
+              <a:lnSpc>
+                <a:spcPct val="120000"/>
+              </a:lnSpc>
+              <a:spcBef>
+                <a:spcPts val="500"/>
+              </a:spcBef>
+              <a:buClr>
+                <a:schemeClr val="tx1"/>
+              </a:buClr>
+              <a:buFont typeface="Arial" panose="020B0604020202020204" pitchFamily="34" charset="0"/>
+              <a:buChar char="•"/>
+              <a:defRPr sz="1800" kern="1200" cap="all" baseline="0">
+                <a:solidFill>
+                  <a:schemeClr val="tx1"/>
+                </a:solidFill>
+                <a:effectLst/>
+                <a:latin typeface="+mn-lt"/>
+                <a:ea typeface="+mn-ea"/>
+                <a:cs typeface="+mn-cs"/>
+              </a:defRPr>
+            </a:lvl2pPr>
+            <a:lvl3pPr marL="1143000" indent="-228600" algn="l" defTabSz="914400" rtl="0" eaLnBrk="1" latinLnBrk="0" hangingPunct="1">
+              <a:lnSpc>
+                <a:spcPct val="120000"/>
+              </a:lnSpc>
+              <a:spcBef>
+                <a:spcPts val="500"/>
+              </a:spcBef>
+              <a:buClr>
+                <a:schemeClr val="tx1"/>
+              </a:buClr>
+              <a:buFont typeface="Arial" panose="020B0604020202020204" pitchFamily="34" charset="0"/>
+              <a:buChar char="•"/>
+              <a:defRPr sz="1600" kern="1200" cap="all" baseline="0">
+                <a:solidFill>
+                  <a:schemeClr val="tx1"/>
+                </a:solidFill>
+                <a:effectLst/>
+                <a:latin typeface="+mn-lt"/>
+                <a:ea typeface="+mn-ea"/>
+                <a:cs typeface="+mn-cs"/>
+              </a:defRPr>
+            </a:lvl3pPr>
+            <a:lvl4pPr marL="1600200" indent="-228600" algn="l" defTabSz="914400" rtl="0" eaLnBrk="1" latinLnBrk="0" hangingPunct="1">
+              <a:lnSpc>
+                <a:spcPct val="120000"/>
+              </a:lnSpc>
+              <a:spcBef>
+                <a:spcPts val="500"/>
+              </a:spcBef>
+              <a:buClr>
+                <a:schemeClr val="tx1"/>
+              </a:buClr>
+              <a:buFont typeface="Arial" panose="020B0604020202020204" pitchFamily="34" charset="0"/>
+              <a:buChar char="•"/>
+              <a:defRPr sz="1400" kern="1200" cap="all" baseline="0">
+                <a:solidFill>
+                  <a:schemeClr val="tx1"/>
+                </a:solidFill>
+                <a:effectLst/>
+                <a:latin typeface="+mn-lt"/>
+                <a:ea typeface="+mn-ea"/>
+                <a:cs typeface="+mn-cs"/>
+              </a:defRPr>
+            </a:lvl4pPr>
+            <a:lvl5pPr marL="2057400" indent="-228600" algn="l" defTabSz="914400" rtl="0" eaLnBrk="1" latinLnBrk="0" hangingPunct="1">
+              <a:lnSpc>
+                <a:spcPct val="120000"/>
+              </a:lnSpc>
+              <a:spcBef>
+                <a:spcPts val="500"/>
+              </a:spcBef>
+              <a:buClr>
+                <a:schemeClr val="tx1"/>
+              </a:buClr>
+              <a:buFont typeface="Arial" panose="020B0604020202020204" pitchFamily="34" charset="0"/>
+              <a:buChar char="•"/>
+              <a:defRPr sz="1400" kern="1200" cap="all" baseline="0">
+                <a:solidFill>
+                  <a:schemeClr val="tx1"/>
+                </a:solidFill>
+                <a:effectLst/>
+                <a:latin typeface="+mn-lt"/>
+                <a:ea typeface="+mn-ea"/>
+                <a:cs typeface="+mn-cs"/>
+              </a:defRPr>
+            </a:lvl5pPr>
+            <a:lvl6pPr marL="2514600" indent="-228600" algn="l" defTabSz="914400" rtl="0" eaLnBrk="1" latinLnBrk="0" hangingPunct="1">
+              <a:lnSpc>
+                <a:spcPct val="120000"/>
+              </a:lnSpc>
+              <a:spcBef>
+                <a:spcPts val="500"/>
+              </a:spcBef>
+              <a:buClr>
+                <a:schemeClr val="tx1"/>
+              </a:buClr>
+              <a:buFont typeface="Arial" panose="020B0604020202020204" pitchFamily="34" charset="0"/>
+              <a:buChar char="•"/>
+              <a:defRPr sz="1400" kern="1200" cap="all" baseline="0">
+                <a:solidFill>
+                  <a:schemeClr val="tx1"/>
+                </a:solidFill>
+                <a:effectLst/>
+                <a:latin typeface="+mn-lt"/>
+                <a:ea typeface="+mn-ea"/>
+                <a:cs typeface="+mn-cs"/>
+              </a:defRPr>
+            </a:lvl6pPr>
+            <a:lvl7pPr marL="2971800" indent="-228600" algn="l" defTabSz="914400" rtl="0" eaLnBrk="1" latinLnBrk="0" hangingPunct="1">
+              <a:lnSpc>
+                <a:spcPct val="120000"/>
+              </a:lnSpc>
+              <a:spcBef>
+                <a:spcPts val="500"/>
+              </a:spcBef>
+              <a:buClr>
+                <a:schemeClr val="tx1"/>
+              </a:buClr>
+              <a:buFont typeface="Arial" panose="020B0604020202020204" pitchFamily="34" charset="0"/>
+              <a:buChar char="•"/>
+              <a:defRPr sz="1400" kern="1200" cap="all" baseline="0">
+                <a:solidFill>
+                  <a:schemeClr val="tx1"/>
+                </a:solidFill>
+                <a:effectLst/>
+                <a:latin typeface="+mn-lt"/>
+                <a:ea typeface="+mn-ea"/>
+                <a:cs typeface="+mn-cs"/>
+              </a:defRPr>
+            </a:lvl7pPr>
+            <a:lvl8pPr marL="3429000" indent="-228600" algn="l" defTabSz="914400" rtl="0" eaLnBrk="1" latinLnBrk="0" hangingPunct="1">
+              <a:lnSpc>
+                <a:spcPct val="120000"/>
+              </a:lnSpc>
+              <a:spcBef>
+                <a:spcPts val="500"/>
+              </a:spcBef>
+              <a:buClr>
+                <a:schemeClr val="tx1"/>
+              </a:buClr>
+              <a:buFont typeface="Arial" panose="020B0604020202020204" pitchFamily="34" charset="0"/>
+              <a:buChar char="•"/>
+              <a:defRPr sz="1400" kern="1200" cap="all" baseline="0">
+                <a:solidFill>
+                  <a:schemeClr val="tx1"/>
+                </a:solidFill>
+                <a:effectLst/>
+                <a:latin typeface="+mn-lt"/>
+                <a:ea typeface="+mn-ea"/>
+                <a:cs typeface="+mn-cs"/>
+              </a:defRPr>
+            </a:lvl8pPr>
+            <a:lvl9pPr marL="3886200" indent="-228600" algn="l" defTabSz="914400" rtl="0" eaLnBrk="1" latinLnBrk="0" hangingPunct="1">
+              <a:lnSpc>
+                <a:spcPct val="120000"/>
+              </a:lnSpc>
+              <a:spcBef>
+                <a:spcPts val="500"/>
+              </a:spcBef>
+              <a:buClr>
+                <a:schemeClr val="tx1"/>
+              </a:buClr>
+              <a:buFont typeface="Arial" panose="020B0604020202020204" pitchFamily="34" charset="0"/>
+              <a:buChar char="•"/>
+              <a:defRPr sz="1400" kern="1200" cap="all" baseline="0">
+                <a:solidFill>
+                  <a:schemeClr val="tx1"/>
+                </a:solidFill>
+                <a:effectLst/>
+                <a:latin typeface="+mn-lt"/>
+                <a:ea typeface="+mn-ea"/>
+                <a:cs typeface="+mn-cs"/>
+              </a:defRPr>
+            </a:lvl9pPr>
+          </a:lstStyle>
+          <a:p>
+            <a:pPr lvl="2"/>
+            <a:endParaRPr lang="en-US" sz="2600" cap="none" dirty="0" smtClean="0">
+              <a:latin typeface="Calibri" panose="020F0502020204030204" pitchFamily="34" charset="0"/>
+              <a:cs typeface="Calibri" panose="020F0502020204030204" pitchFamily="34" charset="0"/>
+            </a:endParaRPr>
+          </a:p>
+          <a:p>
+            <a:pPr lvl="2"/>
+            <a:endParaRPr lang="en-US" sz="2600" cap="none" dirty="0" smtClean="0">
+              <a:latin typeface="Calibri" panose="020F0502020204030204" pitchFamily="34" charset="0"/>
+              <a:cs typeface="Calibri" panose="020F0502020204030204" pitchFamily="34" charset="0"/>
+            </a:endParaRPr>
+          </a:p>
+          <a:p>
+            <a:pPr lvl="2"/>
+            <a:endParaRPr lang="en-US" sz="2800" cap="none" dirty="0" smtClean="0">
+              <a:latin typeface="Calibri" panose="020F0502020204030204" pitchFamily="34" charset="0"/>
+              <a:cs typeface="Calibri" panose="020F0502020204030204" pitchFamily="34" charset="0"/>
+            </a:endParaRPr>
+          </a:p>
+          <a:p>
+            <a:pPr lvl="2"/>
+            <a:endParaRPr lang="en-US" sz="2800" cap="none" dirty="0" smtClean="0">
+              <a:latin typeface="Calibri" panose="020F0502020204030204" pitchFamily="34" charset="0"/>
+              <a:cs typeface="Calibri" panose="020F0502020204030204" pitchFamily="34" charset="0"/>
+            </a:endParaRPr>
+          </a:p>
+        </p:txBody>
+      </p:sp>
+      <p:sp>
+        <p:nvSpPr>
           <p:cNvPr id="4" name="Content Placeholder 2"/>
           <p:cNvSpPr txBox="1">
             <a:spLocks/>
@@ -42683,6 +43518,345 @@
           </a:lstStyle>
           <a:p>
             <a:pPr lvl="2"/>
+            <a:r>
+              <a:rPr lang="en-US" sz="2800" cap="none" dirty="0" smtClean="0">
+                <a:latin typeface="Calibri" panose="020F0502020204030204" pitchFamily="34" charset="0"/>
+                <a:cs typeface="Calibri" panose="020F0502020204030204" pitchFamily="34" charset="0"/>
+              </a:rPr>
+              <a:t>Ridge Regression suffers from one disadvantage: it only shrinks unwanted coefficients, but doesn’t remove them entirely (set to zero)</a:t>
+            </a:r>
+          </a:p>
+          <a:p>
+            <a:pPr lvl="2"/>
+            <a:r>
+              <a:rPr lang="en-US" sz="2800" cap="none" dirty="0" smtClean="0">
+                <a:latin typeface="Calibri" panose="020F0502020204030204" pitchFamily="34" charset="0"/>
+                <a:cs typeface="Calibri" panose="020F0502020204030204" pitchFamily="34" charset="0"/>
+              </a:rPr>
+              <a:t>The lasso is a slight twist on ridge regression</a:t>
+            </a:r>
+          </a:p>
+          <a:p>
+            <a:pPr lvl="2"/>
+            <a:r>
+              <a:rPr lang="en-US" sz="2800" cap="none" dirty="0" smtClean="0">
+                <a:latin typeface="Calibri" panose="020F0502020204030204" pitchFamily="34" charset="0"/>
+                <a:cs typeface="Calibri" panose="020F0502020204030204" pitchFamily="34" charset="0"/>
+              </a:rPr>
+              <a:t>The penalty function pushes insignificant coefficients to zero much faster</a:t>
+            </a:r>
+          </a:p>
+          <a:p>
+            <a:pPr lvl="2"/>
+            <a:r>
+              <a:rPr lang="en-US" sz="2800" cap="none" dirty="0" smtClean="0">
+                <a:latin typeface="Calibri" panose="020F0502020204030204" pitchFamily="34" charset="0"/>
+                <a:cs typeface="Calibri" panose="020F0502020204030204" pitchFamily="34" charset="0"/>
+              </a:rPr>
+              <a:t>Same tuning parameter, lambda</a:t>
+            </a:r>
+          </a:p>
+          <a:p>
+            <a:pPr lvl="2"/>
+            <a:endParaRPr lang="en-US" sz="2600" cap="none" dirty="0" smtClean="0">
+              <a:latin typeface="Calibri" panose="020F0502020204030204" pitchFamily="34" charset="0"/>
+              <a:cs typeface="Calibri" panose="020F0502020204030204" pitchFamily="34" charset="0"/>
+            </a:endParaRPr>
+          </a:p>
+        </p:txBody>
+      </p:sp>
+    </p:spTree>
+    <p:extLst>
+      <p:ext uri="{BB962C8B-B14F-4D97-AF65-F5344CB8AC3E}">
+        <p14:creationId xmlns:p14="http://schemas.microsoft.com/office/powerpoint/2010/main" val="4077070308"/>
+      </p:ext>
+    </p:extLst>
+  </p:cSld>
+  <p:clrMapOvr>
+    <a:masterClrMapping/>
+  </p:clrMapOvr>
+  <p:timing>
+    <p:tnLst>
+      <p:par>
+        <p:cTn id="1" dur="indefinite" restart="never" nodeType="tmRoot"/>
+      </p:par>
+    </p:tnLst>
+  </p:timing>
+</p:sld>
+</file>
+
+<file path=ppt/slides/slide91.xml><?xml version="1.0" encoding="utf-8"?>
+<p:sld xmlns:a="http://schemas.openxmlformats.org/drawingml/2006/main" xmlns:r="http://schemas.openxmlformats.org/officeDocument/2006/relationships" xmlns:p="http://schemas.openxmlformats.org/presentationml/2006/main">
+  <p:cSld>
+    <p:spTree>
+      <p:nvGrpSpPr>
+        <p:cNvPr id="1" name=""/>
+        <p:cNvGrpSpPr/>
+        <p:nvPr/>
+      </p:nvGrpSpPr>
+      <p:grpSpPr>
+        <a:xfrm>
+          <a:off x="0" y="0"/>
+          <a:ext cx="0" cy="0"/>
+          <a:chOff x="0" y="0"/>
+          <a:chExt cx="0" cy="0"/>
+        </a:xfrm>
+      </p:grpSpPr>
+      <p:sp>
+        <p:nvSpPr>
+          <p:cNvPr id="2" name="Title 1"/>
+          <p:cNvSpPr>
+            <a:spLocks noGrp="1"/>
+          </p:cNvSpPr>
+          <p:nvPr>
+            <p:ph type="title"/>
+          </p:nvPr>
+        </p:nvSpPr>
+        <p:spPr>
+          <a:xfrm>
+            <a:off x="913775" y="618517"/>
+            <a:ext cx="10364451" cy="624129"/>
+          </a:xfrm>
+        </p:spPr>
+        <p:txBody>
+          <a:bodyPr>
+            <a:normAutofit/>
+          </a:bodyPr>
+          <a:lstStyle/>
+          <a:p>
+            <a:r>
+              <a:rPr lang="en-US" b="1" dirty="0" smtClean="0"/>
+              <a:t>The Lasso</a:t>
+            </a:r>
+            <a:endParaRPr lang="en-US" b="1" dirty="0">
+              <a:latin typeface="Gill Sans MT" panose="020B0502020104020203" pitchFamily="34" charset="0"/>
+            </a:endParaRPr>
+          </a:p>
+        </p:txBody>
+      </p:sp>
+      <p:sp>
+        <p:nvSpPr>
+          <p:cNvPr id="4" name="Content Placeholder 2"/>
+          <p:cNvSpPr txBox="1">
+            <a:spLocks/>
+          </p:cNvSpPr>
+          <p:nvPr/>
+        </p:nvSpPr>
+        <p:spPr>
+          <a:xfrm>
+            <a:off x="408214" y="1639461"/>
+            <a:ext cx="11348357" cy="5822696"/>
+          </a:xfrm>
+          <a:prstGeom prst="rect">
+            <a:avLst/>
+          </a:prstGeom>
+        </p:spPr>
+        <p:txBody>
+          <a:bodyPr vert="horz" lIns="91440" tIns="45720" rIns="91440" bIns="45720" rtlCol="0">
+            <a:normAutofit/>
+          </a:bodyPr>
+          <a:lstStyle>
+            <a:lvl1pPr marL="228600" indent="-228600" algn="l" defTabSz="914400" rtl="0" eaLnBrk="1" latinLnBrk="0" hangingPunct="1">
+              <a:lnSpc>
+                <a:spcPct val="120000"/>
+              </a:lnSpc>
+              <a:spcBef>
+                <a:spcPts val="1000"/>
+              </a:spcBef>
+              <a:buClr>
+                <a:schemeClr val="tx1"/>
+              </a:buClr>
+              <a:buFont typeface="Arial" panose="020B0604020202020204" pitchFamily="34" charset="0"/>
+              <a:buChar char="•"/>
+              <a:defRPr sz="2000" kern="1200" cap="all" baseline="0">
+                <a:solidFill>
+                  <a:schemeClr val="tx1"/>
+                </a:solidFill>
+                <a:effectLst/>
+                <a:latin typeface="+mn-lt"/>
+                <a:ea typeface="+mn-ea"/>
+                <a:cs typeface="+mn-cs"/>
+              </a:defRPr>
+            </a:lvl1pPr>
+            <a:lvl2pPr marL="685800" indent="-228600" algn="l" defTabSz="914400" rtl="0" eaLnBrk="1" latinLnBrk="0" hangingPunct="1">
+              <a:lnSpc>
+                <a:spcPct val="120000"/>
+              </a:lnSpc>
+              <a:spcBef>
+                <a:spcPts val="500"/>
+              </a:spcBef>
+              <a:buClr>
+                <a:schemeClr val="tx1"/>
+              </a:buClr>
+              <a:buFont typeface="Arial" panose="020B0604020202020204" pitchFamily="34" charset="0"/>
+              <a:buChar char="•"/>
+              <a:defRPr sz="1800" kern="1200" cap="all" baseline="0">
+                <a:solidFill>
+                  <a:schemeClr val="tx1"/>
+                </a:solidFill>
+                <a:effectLst/>
+                <a:latin typeface="+mn-lt"/>
+                <a:ea typeface="+mn-ea"/>
+                <a:cs typeface="+mn-cs"/>
+              </a:defRPr>
+            </a:lvl2pPr>
+            <a:lvl3pPr marL="1143000" indent="-228600" algn="l" defTabSz="914400" rtl="0" eaLnBrk="1" latinLnBrk="0" hangingPunct="1">
+              <a:lnSpc>
+                <a:spcPct val="120000"/>
+              </a:lnSpc>
+              <a:spcBef>
+                <a:spcPts val="500"/>
+              </a:spcBef>
+              <a:buClr>
+                <a:schemeClr val="tx1"/>
+              </a:buClr>
+              <a:buFont typeface="Arial" panose="020B0604020202020204" pitchFamily="34" charset="0"/>
+              <a:buChar char="•"/>
+              <a:defRPr sz="1600" kern="1200" cap="all" baseline="0">
+                <a:solidFill>
+                  <a:schemeClr val="tx1"/>
+                </a:solidFill>
+                <a:effectLst/>
+                <a:latin typeface="+mn-lt"/>
+                <a:ea typeface="+mn-ea"/>
+                <a:cs typeface="+mn-cs"/>
+              </a:defRPr>
+            </a:lvl3pPr>
+            <a:lvl4pPr marL="1600200" indent="-228600" algn="l" defTabSz="914400" rtl="0" eaLnBrk="1" latinLnBrk="0" hangingPunct="1">
+              <a:lnSpc>
+                <a:spcPct val="120000"/>
+              </a:lnSpc>
+              <a:spcBef>
+                <a:spcPts val="500"/>
+              </a:spcBef>
+              <a:buClr>
+                <a:schemeClr val="tx1"/>
+              </a:buClr>
+              <a:buFont typeface="Arial" panose="020B0604020202020204" pitchFamily="34" charset="0"/>
+              <a:buChar char="•"/>
+              <a:defRPr sz="1400" kern="1200" cap="all" baseline="0">
+                <a:solidFill>
+                  <a:schemeClr val="tx1"/>
+                </a:solidFill>
+                <a:effectLst/>
+                <a:latin typeface="+mn-lt"/>
+                <a:ea typeface="+mn-ea"/>
+                <a:cs typeface="+mn-cs"/>
+              </a:defRPr>
+            </a:lvl4pPr>
+            <a:lvl5pPr marL="2057400" indent="-228600" algn="l" defTabSz="914400" rtl="0" eaLnBrk="1" latinLnBrk="0" hangingPunct="1">
+              <a:lnSpc>
+                <a:spcPct val="120000"/>
+              </a:lnSpc>
+              <a:spcBef>
+                <a:spcPts val="500"/>
+              </a:spcBef>
+              <a:buClr>
+                <a:schemeClr val="tx1"/>
+              </a:buClr>
+              <a:buFont typeface="Arial" panose="020B0604020202020204" pitchFamily="34" charset="0"/>
+              <a:buChar char="•"/>
+              <a:defRPr sz="1400" kern="1200" cap="all" baseline="0">
+                <a:solidFill>
+                  <a:schemeClr val="tx1"/>
+                </a:solidFill>
+                <a:effectLst/>
+                <a:latin typeface="+mn-lt"/>
+                <a:ea typeface="+mn-ea"/>
+                <a:cs typeface="+mn-cs"/>
+              </a:defRPr>
+            </a:lvl5pPr>
+            <a:lvl6pPr marL="2514600" indent="-228600" algn="l" defTabSz="914400" rtl="0" eaLnBrk="1" latinLnBrk="0" hangingPunct="1">
+              <a:lnSpc>
+                <a:spcPct val="120000"/>
+              </a:lnSpc>
+              <a:spcBef>
+                <a:spcPts val="500"/>
+              </a:spcBef>
+              <a:buClr>
+                <a:schemeClr val="tx1"/>
+              </a:buClr>
+              <a:buFont typeface="Arial" panose="020B0604020202020204" pitchFamily="34" charset="0"/>
+              <a:buChar char="•"/>
+              <a:defRPr sz="1400" kern="1200" cap="all" baseline="0">
+                <a:solidFill>
+                  <a:schemeClr val="tx1"/>
+                </a:solidFill>
+                <a:effectLst/>
+                <a:latin typeface="+mn-lt"/>
+                <a:ea typeface="+mn-ea"/>
+                <a:cs typeface="+mn-cs"/>
+              </a:defRPr>
+            </a:lvl6pPr>
+            <a:lvl7pPr marL="2971800" indent="-228600" algn="l" defTabSz="914400" rtl="0" eaLnBrk="1" latinLnBrk="0" hangingPunct="1">
+              <a:lnSpc>
+                <a:spcPct val="120000"/>
+              </a:lnSpc>
+              <a:spcBef>
+                <a:spcPts val="500"/>
+              </a:spcBef>
+              <a:buClr>
+                <a:schemeClr val="tx1"/>
+              </a:buClr>
+              <a:buFont typeface="Arial" panose="020B0604020202020204" pitchFamily="34" charset="0"/>
+              <a:buChar char="•"/>
+              <a:defRPr sz="1400" kern="1200" cap="all" baseline="0">
+                <a:solidFill>
+                  <a:schemeClr val="tx1"/>
+                </a:solidFill>
+                <a:effectLst/>
+                <a:latin typeface="+mn-lt"/>
+                <a:ea typeface="+mn-ea"/>
+                <a:cs typeface="+mn-cs"/>
+              </a:defRPr>
+            </a:lvl7pPr>
+            <a:lvl8pPr marL="3429000" indent="-228600" algn="l" defTabSz="914400" rtl="0" eaLnBrk="1" latinLnBrk="0" hangingPunct="1">
+              <a:lnSpc>
+                <a:spcPct val="120000"/>
+              </a:lnSpc>
+              <a:spcBef>
+                <a:spcPts val="500"/>
+              </a:spcBef>
+              <a:buClr>
+                <a:schemeClr val="tx1"/>
+              </a:buClr>
+              <a:buFont typeface="Arial" panose="020B0604020202020204" pitchFamily="34" charset="0"/>
+              <a:buChar char="•"/>
+              <a:defRPr sz="1400" kern="1200" cap="all" baseline="0">
+                <a:solidFill>
+                  <a:schemeClr val="tx1"/>
+                </a:solidFill>
+                <a:effectLst/>
+                <a:latin typeface="+mn-lt"/>
+                <a:ea typeface="+mn-ea"/>
+                <a:cs typeface="+mn-cs"/>
+              </a:defRPr>
+            </a:lvl8pPr>
+            <a:lvl9pPr marL="3886200" indent="-228600" algn="l" defTabSz="914400" rtl="0" eaLnBrk="1" latinLnBrk="0" hangingPunct="1">
+              <a:lnSpc>
+                <a:spcPct val="120000"/>
+              </a:lnSpc>
+              <a:spcBef>
+                <a:spcPts val="500"/>
+              </a:spcBef>
+              <a:buClr>
+                <a:schemeClr val="tx1"/>
+              </a:buClr>
+              <a:buFont typeface="Arial" panose="020B0604020202020204" pitchFamily="34" charset="0"/>
+              <a:buChar char="•"/>
+              <a:defRPr sz="1400" kern="1200" cap="all" baseline="0">
+                <a:solidFill>
+                  <a:schemeClr val="tx1"/>
+                </a:solidFill>
+                <a:effectLst/>
+                <a:latin typeface="+mn-lt"/>
+                <a:ea typeface="+mn-ea"/>
+                <a:cs typeface="+mn-cs"/>
+              </a:defRPr>
+            </a:lvl9pPr>
+          </a:lstStyle>
+          <a:p>
+            <a:pPr lvl="2"/>
             <a:endParaRPr lang="en-US" sz="2600" cap="none" dirty="0" smtClean="0">
               <a:latin typeface="Calibri" panose="020F0502020204030204" pitchFamily="34" charset="0"/>
               <a:cs typeface="Calibri" panose="020F0502020204030204" pitchFamily="34" charset="0"/>
@@ -42708,6 +43882,30 @@
           <a:xfrm>
             <a:off x="2984476" y="1242646"/>
             <a:ext cx="6223047" cy="5385936"/>
+          </a:xfrm>
+          <a:prstGeom prst="rect">
+            <a:avLst/>
+          </a:prstGeom>
+        </p:spPr>
+      </p:pic>
+      <p:pic>
+        <p:nvPicPr>
+          <p:cNvPr id="5" name="Picture 4"/>
+          <p:cNvPicPr>
+            <a:picLocks noChangeAspect="1"/>
+          </p:cNvPicPr>
+          <p:nvPr/>
+        </p:nvPicPr>
+        <p:blipFill>
+          <a:blip r:embed="rId3"/>
+          <a:stretch>
+            <a:fillRect/>
+          </a:stretch>
+        </p:blipFill>
+        <p:spPr>
+          <a:xfrm>
+            <a:off x="7445829" y="4347382"/>
+            <a:ext cx="1321933" cy="969418"/>
           </a:xfrm>
           <a:prstGeom prst="rect">
             <a:avLst/>

--- a/3. Regression.pptx
+++ b/3. Regression.pptx
@@ -373,7 +373,7 @@
           <a:p>
             <a:fld id="{48A87A34-81AB-432B-8DAE-1953F412C126}" type="datetimeFigureOut">
               <a:rPr lang="en-US" smtClean="0"/>
-              <a:t>5/2/2018</a:t>
+              <a:t>5/3/2018</a:t>
             </a:fld>
             <a:endParaRPr lang="en-US" dirty="0"/>
           </a:p>
@@ -689,7 +689,7 @@
             <a:fld id="{48A87A34-81AB-432B-8DAE-1953F412C126}" type="datetimeFigureOut">
               <a:rPr lang="en-US" smtClean="0"/>
               <a:pPr/>
-              <a:t>5/2/2018</a:t>
+              <a:t>5/3/2018</a:t>
             </a:fld>
             <a:endParaRPr lang="en-US" dirty="0"/>
           </a:p>
@@ -913,7 +913,7 @@
             <a:fld id="{48A87A34-81AB-432B-8DAE-1953F412C126}" type="datetimeFigureOut">
               <a:rPr lang="en-US" smtClean="0"/>
               <a:pPr/>
-              <a:t>5/2/2018</a:t>
+              <a:t>5/3/2018</a:t>
             </a:fld>
             <a:endParaRPr lang="en-US" dirty="0"/>
           </a:p>
@@ -1206,7 +1206,7 @@
             <a:fld id="{48A87A34-81AB-432B-8DAE-1953F412C126}" type="datetimeFigureOut">
               <a:rPr lang="en-US" smtClean="0"/>
               <a:pPr/>
-              <a:t>5/2/2018</a:t>
+              <a:t>5/3/2018</a:t>
             </a:fld>
             <a:endParaRPr lang="en-US" dirty="0"/>
           </a:p>
@@ -1662,7 +1662,7 @@
             <a:fld id="{48A87A34-81AB-432B-8DAE-1953F412C126}" type="datetimeFigureOut">
               <a:rPr lang="en-US" smtClean="0"/>
               <a:pPr/>
-              <a:t>5/2/2018</a:t>
+              <a:t>5/3/2018</a:t>
             </a:fld>
             <a:endParaRPr lang="en-US" dirty="0"/>
           </a:p>
@@ -2240,7 +2240,7 @@
             <a:fld id="{48A87A34-81AB-432B-8DAE-1953F412C126}" type="datetimeFigureOut">
               <a:rPr lang="en-US" smtClean="0"/>
               <a:pPr/>
-              <a:t>5/2/2018</a:t>
+              <a:t>5/3/2018</a:t>
             </a:fld>
             <a:endParaRPr lang="en-US" dirty="0"/>
           </a:p>
@@ -3103,7 +3103,7 @@
             <a:fld id="{48A87A34-81AB-432B-8DAE-1953F412C126}" type="datetimeFigureOut">
               <a:rPr lang="en-US" smtClean="0"/>
               <a:pPr/>
-              <a:t>5/2/2018</a:t>
+              <a:t>5/3/2018</a:t>
             </a:fld>
             <a:endParaRPr lang="en-US" dirty="0"/>
           </a:p>
@@ -3310,7 +3310,7 @@
             <a:fld id="{48A87A34-81AB-432B-8DAE-1953F412C126}" type="datetimeFigureOut">
               <a:rPr lang="en-US" smtClean="0"/>
               <a:pPr/>
-              <a:t>5/2/2018</a:t>
+              <a:t>5/3/2018</a:t>
             </a:fld>
             <a:endParaRPr lang="en-US" dirty="0"/>
           </a:p>
@@ -3526,7 +3526,7 @@
             <a:fld id="{48A87A34-81AB-432B-8DAE-1953F412C126}" type="datetimeFigureOut">
               <a:rPr lang="en-US" smtClean="0"/>
               <a:pPr/>
-              <a:t>5/2/2018</a:t>
+              <a:t>5/3/2018</a:t>
             </a:fld>
             <a:endParaRPr lang="en-US" dirty="0"/>
           </a:p>
@@ -3703,7 +3703,7 @@
           <a:p>
             <a:fld id="{48A87A34-81AB-432B-8DAE-1953F412C126}" type="datetimeFigureOut">
               <a:rPr lang="en-US" smtClean="0"/>
-              <a:t>5/2/2018</a:t>
+              <a:t>5/3/2018</a:t>
             </a:fld>
             <a:endParaRPr lang="en-US" dirty="0"/>
           </a:p>
@@ -3909,7 +3909,7 @@
             <a:fld id="{48A87A34-81AB-432B-8DAE-1953F412C126}" type="datetimeFigureOut">
               <a:rPr lang="en-US" smtClean="0"/>
               <a:pPr/>
-              <a:t>5/2/2018</a:t>
+              <a:t>5/3/2018</a:t>
             </a:fld>
             <a:endParaRPr lang="en-US" dirty="0"/>
           </a:p>
@@ -4190,7 +4190,7 @@
           <a:p>
             <a:fld id="{48A87A34-81AB-432B-8DAE-1953F412C126}" type="datetimeFigureOut">
               <a:rPr lang="en-US" smtClean="0"/>
-              <a:t>5/2/2018</a:t>
+              <a:t>5/3/2018</a:t>
             </a:fld>
             <a:endParaRPr lang="en-US" dirty="0"/>
           </a:p>
@@ -4458,7 +4458,7 @@
             <a:fld id="{48A87A34-81AB-432B-8DAE-1953F412C126}" type="datetimeFigureOut">
               <a:rPr lang="en-US" smtClean="0"/>
               <a:pPr/>
-              <a:t>5/2/2018</a:t>
+              <a:t>5/3/2018</a:t>
             </a:fld>
             <a:endParaRPr lang="en-US" dirty="0"/>
           </a:p>
@@ -4875,7 +4875,7 @@
             <a:fld id="{48A87A34-81AB-432B-8DAE-1953F412C126}" type="datetimeFigureOut">
               <a:rPr lang="en-US" smtClean="0"/>
               <a:pPr/>
-              <a:t>5/2/2018</a:t>
+              <a:t>5/3/2018</a:t>
             </a:fld>
             <a:endParaRPr lang="en-US" dirty="0"/>
           </a:p>
@@ -5024,7 +5024,7 @@
           <a:p>
             <a:fld id="{48A87A34-81AB-432B-8DAE-1953F412C126}" type="datetimeFigureOut">
               <a:rPr lang="en-US" smtClean="0"/>
-              <a:t>5/2/2018</a:t>
+              <a:t>5/3/2018</a:t>
             </a:fld>
             <a:endParaRPr lang="en-US" dirty="0"/>
           </a:p>
@@ -5149,7 +5149,7 @@
           <a:p>
             <a:fld id="{48A87A34-81AB-432B-8DAE-1953F412C126}" type="datetimeFigureOut">
               <a:rPr lang="en-US" smtClean="0"/>
-              <a:t>5/2/2018</a:t>
+              <a:t>5/3/2018</a:t>
             </a:fld>
             <a:endParaRPr lang="en-US" dirty="0"/>
           </a:p>
@@ -5429,7 +5429,7 @@
             <a:fld id="{48A87A34-81AB-432B-8DAE-1953F412C126}" type="datetimeFigureOut">
               <a:rPr lang="en-US" smtClean="0"/>
               <a:pPr/>
-              <a:t>5/2/2018</a:t>
+              <a:t>5/3/2018</a:t>
             </a:fld>
             <a:endParaRPr lang="en-US" dirty="0"/>
           </a:p>
@@ -5746,7 +5746,7 @@
             <a:fld id="{48A87A34-81AB-432B-8DAE-1953F412C126}" type="datetimeFigureOut">
               <a:rPr lang="en-US" smtClean="0"/>
               <a:pPr/>
-              <a:t>5/2/2018</a:t>
+              <a:t>5/3/2018</a:t>
             </a:fld>
             <a:endParaRPr lang="en-US" dirty="0"/>
           </a:p>
@@ -6000,7 +6000,7 @@
             <a:fld id="{48A87A34-81AB-432B-8DAE-1953F412C126}" type="datetimeFigureOut">
               <a:rPr lang="en-US" smtClean="0"/>
               <a:pPr/>
-              <a:t>5/2/2018</a:t>
+              <a:t>5/3/2018</a:t>
             </a:fld>
             <a:endParaRPr lang="en-US" dirty="0"/>
           </a:p>
@@ -9122,15 +9122,7 @@
           <a:p>
             <a:r>
               <a:rPr lang="en-US" b="1" dirty="0" smtClean="0"/>
-              <a:t>Assessing </a:t>
-            </a:r>
-            <a:r>
-              <a:rPr lang="en-US" b="1" dirty="0" smtClean="0"/>
-              <a:t>the accuracy of the </a:t>
-            </a:r>
-            <a:r>
-              <a:rPr lang="en-US" b="1" dirty="0" smtClean="0"/>
-              <a:t>OLS coefficients</a:t>
+              <a:t>Assessing the accuracy of the OLS coefficients</a:t>
             </a:r>
             <a:endParaRPr lang="en-US" b="1" dirty="0">
               <a:latin typeface="Gill Sans MT" panose="020B0502020104020203" pitchFamily="34" charset="0"/>
@@ -11940,19 +11932,8 @@
                 <a:latin typeface="Calibri" panose="020F0502020204030204" pitchFamily="34" charset="0"/>
                 <a:cs typeface="Calibri" panose="020F0502020204030204" pitchFamily="34" charset="0"/>
               </a:rPr>
-              <a:t>In both cases, we can see that the relationship is strong enough that we can be very confident that the relationship we are capturing is </a:t>
-            </a:r>
-            <a:r>
-              <a:rPr lang="en-US" sz="2800" dirty="0" smtClean="0">
-                <a:latin typeface="Calibri" panose="020F0502020204030204" pitchFamily="34" charset="0"/>
-                <a:cs typeface="Calibri" panose="020F0502020204030204" pitchFamily="34" charset="0"/>
-              </a:rPr>
-              <a:t>real (higher TV budget will increase sales). </a:t>
-            </a:r>
-            <a:endParaRPr lang="en-US" sz="2800" dirty="0" smtClean="0">
-              <a:latin typeface="Calibri" panose="020F0502020204030204" pitchFamily="34" charset="0"/>
-              <a:cs typeface="Calibri" panose="020F0502020204030204" pitchFamily="34" charset="0"/>
-            </a:endParaRPr>
+              <a:t>In both cases, we can see that the relationship is strong enough that we can be very confident that the relationship we are capturing is real (higher TV budget will increase sales). </a:t>
+            </a:r>
           </a:p>
           <a:p>
             <a:pPr marL="342900" indent="-342900">
@@ -12039,8 +12020,8 @@
           </a:p>
         </p:txBody>
       </p:sp>
-      <mc:AlternateContent xmlns:mc="http://schemas.openxmlformats.org/markup-compatibility/2006">
-        <mc:Choice xmlns:a14="http://schemas.microsoft.com/office/drawing/2010/main" Requires="a14">
+      <mc:AlternateContent xmlns:mc="http://schemas.openxmlformats.org/markup-compatibility/2006" xmlns:a14="http://schemas.microsoft.com/office/drawing/2010/main">
+        <mc:Choice Requires="a14">
           <p:sp>
             <p:nvSpPr>
               <p:cNvPr id="6" name="Content Placeholder 2"/>
@@ -12279,35 +12260,7 @@
                     <a:latin typeface="Calibri" panose="020F0502020204030204" pitchFamily="34" charset="0"/>
                     <a:cs typeface="Calibri" panose="020F0502020204030204" pitchFamily="34" charset="0"/>
                   </a:rPr>
-                  <a:t>For linear regression, we tend to look at three different measures of how well the </a:t>
-                </a:r>
-                <a:r>
-                  <a:rPr lang="en-US" sz="2800" cap="none" dirty="0" smtClean="0">
-                    <a:latin typeface="Calibri" panose="020F0502020204030204" pitchFamily="34" charset="0"/>
-                    <a:cs typeface="Calibri" panose="020F0502020204030204" pitchFamily="34" charset="0"/>
-                  </a:rPr>
-                  <a:t>model </a:t>
-                </a:r>
-                <a:r>
-                  <a:rPr lang="en-US" sz="2800" cap="none" dirty="0" smtClean="0">
-                    <a:latin typeface="Calibri" panose="020F0502020204030204" pitchFamily="34" charset="0"/>
-                    <a:cs typeface="Calibri" panose="020F0502020204030204" pitchFamily="34" charset="0"/>
-                  </a:rPr>
-                  <a:t>fits the </a:t>
-                </a:r>
-                <a:r>
-                  <a:rPr lang="en-US" sz="2800" cap="none" dirty="0" smtClean="0">
-                    <a:latin typeface="Calibri" panose="020F0502020204030204" pitchFamily="34" charset="0"/>
-                    <a:cs typeface="Calibri" panose="020F0502020204030204" pitchFamily="34" charset="0"/>
-                  </a:rPr>
-                  <a:t>training data</a:t>
-                </a:r>
-                <a:r>
-                  <a:rPr lang="en-US" sz="2800" cap="none" dirty="0" smtClean="0">
-                    <a:latin typeface="Calibri" panose="020F0502020204030204" pitchFamily="34" charset="0"/>
-                    <a:cs typeface="Calibri" panose="020F0502020204030204" pitchFamily="34" charset="0"/>
-                  </a:rPr>
-                  <a:t>: </a:t>
+                  <a:t>For linear regression, we tend to look at three different measures of how well the model fits the training data: </a:t>
                 </a:r>
               </a:p>
               <a:p>
@@ -12384,7 +12337,7 @@
             </p:txBody>
           </p:sp>
         </mc:Choice>
-        <mc:Fallback>
+        <mc:Fallback xmlns="">
           <p:sp>
             <p:nvSpPr>
               <p:cNvPr id="6" name="Content Placeholder 2"/>
@@ -13334,19 +13287,8 @@
                 <a:latin typeface="Calibri" panose="020F0502020204030204" pitchFamily="34" charset="0"/>
                 <a:cs typeface="Calibri" panose="020F0502020204030204" pitchFamily="34" charset="0"/>
               </a:rPr>
-              <a:t>RSE is the measure of the average amount the response will deviate from the regression </a:t>
-            </a:r>
-            <a:r>
-              <a:rPr lang="en-US" sz="2800" cap="none" dirty="0" smtClean="0">
-                <a:latin typeface="Calibri" panose="020F0502020204030204" pitchFamily="34" charset="0"/>
-                <a:cs typeface="Calibri" panose="020F0502020204030204" pitchFamily="34" charset="0"/>
-              </a:rPr>
-              <a:t>line (standard deviation).</a:t>
-            </a:r>
-            <a:endParaRPr lang="en-US" sz="2800" cap="none" dirty="0" smtClean="0">
-              <a:latin typeface="Calibri" panose="020F0502020204030204" pitchFamily="34" charset="0"/>
-              <a:cs typeface="Calibri" panose="020F0502020204030204" pitchFamily="34" charset="0"/>
-            </a:endParaRPr>
+              <a:t>RSE is the measure of the average amount the response will deviate from the regression line (standard deviation).</a:t>
+            </a:r>
           </a:p>
           <a:p>
             <a:pPr lvl="1"/>
@@ -18193,14 +18135,7 @@
                 <a:latin typeface="Calibri" panose="020F0502020204030204" pitchFamily="34" charset="0"/>
                 <a:cs typeface="Calibri" panose="020F0502020204030204" pitchFamily="34" charset="0"/>
               </a:rPr>
-              <a:t>Ridge, Lasso, </a:t>
-            </a:r>
-            <a:r>
-              <a:rPr lang="en-US" sz="2800" cap="none" dirty="0" smtClean="0">
-                <a:latin typeface="Calibri" panose="020F0502020204030204" pitchFamily="34" charset="0"/>
-                <a:cs typeface="Calibri" panose="020F0502020204030204" pitchFamily="34" charset="0"/>
-              </a:rPr>
-              <a:t>Elastic Net, Principal </a:t>
+              <a:t>Ridge, Lasso, Elastic Net, Principal </a:t>
             </a:r>
             <a:r>
               <a:rPr lang="en-US" sz="2800" cap="none" dirty="0">
@@ -18228,26 +18163,8 @@
                 <a:latin typeface="Calibri" panose="020F0502020204030204" pitchFamily="34" charset="0"/>
                 <a:cs typeface="Calibri" panose="020F0502020204030204" pitchFamily="34" charset="0"/>
               </a:rPr>
-              <a:t>egression</a:t>
-            </a:r>
-            <a:r>
-              <a:rPr lang="en-US" sz="2800" cap="none" dirty="0" smtClean="0">
-                <a:latin typeface="Calibri" panose="020F0502020204030204" pitchFamily="34" charset="0"/>
-                <a:cs typeface="Calibri" panose="020F0502020204030204" pitchFamily="34" charset="0"/>
-              </a:rPr>
-              <a:t>, Total </a:t>
-            </a:r>
-            <a:r>
-              <a:rPr lang="en-US" sz="2800" cap="none" dirty="0" smtClean="0">
-                <a:latin typeface="Calibri" panose="020F0502020204030204" pitchFamily="34" charset="0"/>
-                <a:cs typeface="Calibri" panose="020F0502020204030204" pitchFamily="34" charset="0"/>
-              </a:rPr>
-              <a:t>Least Squares</a:t>
-            </a:r>
-            <a:endParaRPr lang="en-US" sz="2800" cap="none" dirty="0" smtClean="0">
-              <a:latin typeface="Calibri" panose="020F0502020204030204" pitchFamily="34" charset="0"/>
-              <a:cs typeface="Calibri" panose="020F0502020204030204" pitchFamily="34" charset="0"/>
-            </a:endParaRPr>
+              <a:t>egression, Total Least Squares</a:t>
+            </a:r>
           </a:p>
           <a:p>
             <a:pPr lvl="1"/>
@@ -23149,8 +23066,8 @@
           </a:p>
         </p:txBody>
       </p:sp>
-      <mc:AlternateContent xmlns:mc="http://schemas.openxmlformats.org/markup-compatibility/2006" xmlns:a14="http://schemas.microsoft.com/office/drawing/2010/main">
-        <mc:Choice Requires="a14">
+      <mc:AlternateContent xmlns:mc="http://schemas.openxmlformats.org/markup-compatibility/2006">
+        <mc:Choice xmlns:a14="http://schemas.microsoft.com/office/drawing/2010/main" Requires="a14">
           <p:sp>
             <p:nvSpPr>
               <p:cNvPr id="3" name="Content Placeholder 2"/>
@@ -23187,13 +23104,13 @@
                 <a14:m>
                   <m:oMath xmlns:m="http://schemas.openxmlformats.org/officeDocument/2006/math">
                     <m:r>
-                      <a:rPr lang="en-US" sz="2800" b="0" i="1" cap="none" smtClean="0">
+                      <a:rPr lang="en-US" sz="2800" b="1" i="1" cap="none" smtClean="0">
                         <a:latin typeface="Cambria Math" panose="02040503050406030204" pitchFamily="18" charset="0"/>
                       </a:rPr>
-                      <m:t>𝑌</m:t>
+                      <m:t>𝒀</m:t>
                     </m:r>
                     <m:r>
-                      <a:rPr lang="en-US" sz="2800" b="0" i="1" cap="none" smtClean="0">
+                      <a:rPr lang="en-US" sz="2800" b="1" i="1" cap="none" smtClean="0">
                         <a:latin typeface="Cambria Math" panose="02040503050406030204" pitchFamily="18" charset="0"/>
                       </a:rPr>
                       <m:t>= </m:t>
@@ -23201,31 +23118,31 @@
                     <m:sSub>
                       <m:sSubPr>
                         <m:ctrlPr>
-                          <a:rPr lang="en-US" sz="2800" b="0" i="1" cap="none" smtClean="0">
+                          <a:rPr lang="en-US" sz="2800" b="1" i="1" cap="none" smtClean="0">
                             <a:latin typeface="Cambria Math" panose="02040503050406030204" pitchFamily="18" charset="0"/>
                           </a:rPr>
                         </m:ctrlPr>
                       </m:sSubPr>
                       <m:e>
                         <m:r>
-                          <a:rPr lang="en-US" sz="2800" b="0" i="1" cap="none" smtClean="0">
+                          <a:rPr lang="en-US" sz="2800" b="1" i="1" cap="none" smtClean="0">
                             <a:latin typeface="Cambria Math" panose="02040503050406030204" pitchFamily="18" charset="0"/>
                             <a:ea typeface="Cambria Math" panose="02040503050406030204" pitchFamily="18" charset="0"/>
                           </a:rPr>
-                          <m:t>𝛽</m:t>
+                          <m:t>𝜷</m:t>
                         </m:r>
                       </m:e>
                       <m:sub>
                         <m:r>
-                          <a:rPr lang="en-US" sz="2800" b="0" i="1" cap="none" smtClean="0">
+                          <a:rPr lang="en-US" sz="2800" b="1" i="1" cap="none" smtClean="0">
                             <a:latin typeface="Cambria Math" panose="02040503050406030204" pitchFamily="18" charset="0"/>
                           </a:rPr>
-                          <m:t>0</m:t>
+                          <m:t>𝟎</m:t>
                         </m:r>
                       </m:sub>
                     </m:sSub>
                     <m:r>
-                      <a:rPr lang="en-US" sz="2800" b="0" i="1" cap="none" smtClean="0">
+                      <a:rPr lang="en-US" sz="2800" b="1" i="1" cap="none" smtClean="0">
                         <a:latin typeface="Cambria Math" panose="02040503050406030204" pitchFamily="18" charset="0"/>
                       </a:rPr>
                       <m:t>+ </m:t>
@@ -23233,44 +23150,44 @@
                     <m:sSub>
                       <m:sSubPr>
                         <m:ctrlPr>
-                          <a:rPr lang="en-US" sz="2800" b="0" i="1" cap="none" smtClean="0">
+                          <a:rPr lang="en-US" sz="2800" b="1" i="1" cap="none" smtClean="0">
                             <a:latin typeface="Cambria Math" panose="02040503050406030204" pitchFamily="18" charset="0"/>
                           </a:rPr>
                         </m:ctrlPr>
                       </m:sSubPr>
                       <m:e>
                         <m:r>
-                          <a:rPr lang="en-US" sz="2800" b="0" i="1" cap="none" smtClean="0">
+                          <a:rPr lang="en-US" sz="2800" b="1" i="1" cap="none" smtClean="0">
                             <a:latin typeface="Cambria Math" panose="02040503050406030204" pitchFamily="18" charset="0"/>
                             <a:ea typeface="Cambria Math" panose="02040503050406030204" pitchFamily="18" charset="0"/>
                           </a:rPr>
-                          <m:t>𝛽</m:t>
+                          <m:t>𝜷</m:t>
                         </m:r>
                       </m:e>
                       <m:sub>
                         <m:r>
-                          <a:rPr lang="en-US" sz="2800" b="0" i="1" cap="none" smtClean="0">
+                          <a:rPr lang="en-US" sz="2800" b="1" i="1" cap="none" smtClean="0">
                             <a:latin typeface="Cambria Math" panose="02040503050406030204" pitchFamily="18" charset="0"/>
                           </a:rPr>
-                          <m:t>1</m:t>
+                          <m:t>𝟏</m:t>
                         </m:r>
                       </m:sub>
                     </m:sSub>
                     <m:r>
-                      <a:rPr lang="en-US" sz="2800" b="0" i="1" cap="none" smtClean="0">
+                      <a:rPr lang="en-US" sz="2800" b="1" i="1" cap="none" smtClean="0">
                         <a:latin typeface="Cambria Math" panose="02040503050406030204" pitchFamily="18" charset="0"/>
                       </a:rPr>
                       <m:t>∗</m:t>
                     </m:r>
                     <m:r>
-                      <a:rPr lang="en-US" sz="2800" b="0" i="1" cap="none" smtClean="0">
+                      <a:rPr lang="en-US" sz="2800" b="1" i="1" cap="none" smtClean="0">
                         <a:latin typeface="Cambria Math" panose="02040503050406030204" pitchFamily="18" charset="0"/>
                       </a:rPr>
-                      <m:t>𝑋</m:t>
+                      <m:t>𝑿</m:t>
                     </m:r>
                   </m:oMath>
                 </a14:m>
-                <a:endParaRPr lang="en-US" sz="2800" cap="none" dirty="0" smtClean="0">
+                <a:endParaRPr lang="en-US" sz="2800" b="1" cap="none" dirty="0" smtClean="0">
                   <a:latin typeface="Calibri" panose="020F0502020204030204" pitchFamily="34" charset="0"/>
                   <a:cs typeface="Calibri" panose="020F0502020204030204" pitchFamily="34" charset="0"/>
                 </a:endParaRPr>
@@ -23299,7 +23216,7 @@
             </p:txBody>
           </p:sp>
         </mc:Choice>
-        <mc:Fallback xmlns="">
+        <mc:Fallback>
           <p:sp>
             <p:nvSpPr>
               <p:cNvPr id="3" name="Content Placeholder 2"/>
@@ -24068,14 +23985,20 @@
                 <a:latin typeface="Calibri" panose="020F0502020204030204" pitchFamily="34" charset="0"/>
                 <a:cs typeface="Calibri" panose="020F0502020204030204" pitchFamily="34" charset="0"/>
               </a:rPr>
-              <a:t>Is </a:t>
-            </a:r>
+              <a:t>Is at least one of the predictors useful in predicting the response (F-statistic)?</a:t>
+            </a:r>
+          </a:p>
+          <a:p>
+            <a:pPr marL="1428750" lvl="2" indent="-514350">
+              <a:buFont typeface="+mj-lt"/>
+              <a:buAutoNum type="arabicPeriod"/>
+            </a:pPr>
             <a:r>
               <a:rPr lang="en-US" sz="2800" cap="none" dirty="0" smtClean="0">
                 <a:latin typeface="Calibri" panose="020F0502020204030204" pitchFamily="34" charset="0"/>
                 <a:cs typeface="Calibri" panose="020F0502020204030204" pitchFamily="34" charset="0"/>
               </a:rPr>
-              <a:t>at least one of the predictors useful in predicting the response (F-statistic)?</a:t>
+              <a:t>Do all predictors help explain the response, or only a subset?</a:t>
             </a:r>
           </a:p>
           <a:p>
@@ -24088,54 +24011,20 @@
                 <a:latin typeface="Calibri" panose="020F0502020204030204" pitchFamily="34" charset="0"/>
                 <a:cs typeface="Calibri" panose="020F0502020204030204" pitchFamily="34" charset="0"/>
               </a:rPr>
-              <a:t>Do </a:t>
-            </a:r>
+              <a:t>How well does the model fit the data?</a:t>
+            </a:r>
+          </a:p>
+          <a:p>
+            <a:pPr marL="1428750" lvl="2" indent="-514350">
+              <a:buFont typeface="+mj-lt"/>
+              <a:buAutoNum type="arabicPeriod"/>
+            </a:pPr>
             <a:r>
               <a:rPr lang="en-US" sz="2800" cap="none" dirty="0" smtClean="0">
                 <a:latin typeface="Calibri" panose="020F0502020204030204" pitchFamily="34" charset="0"/>
                 <a:cs typeface="Calibri" panose="020F0502020204030204" pitchFamily="34" charset="0"/>
               </a:rPr>
-              <a:t>all predictors help explain the response, or only a subset?</a:t>
-            </a:r>
-          </a:p>
-          <a:p>
-            <a:pPr marL="1428750" lvl="2" indent="-514350">
-              <a:buFont typeface="+mj-lt"/>
-              <a:buAutoNum type="arabicPeriod"/>
-            </a:pPr>
-            <a:r>
-              <a:rPr lang="en-US" sz="2800" cap="none" dirty="0" smtClean="0">
-                <a:latin typeface="Calibri" panose="020F0502020204030204" pitchFamily="34" charset="0"/>
-                <a:cs typeface="Calibri" panose="020F0502020204030204" pitchFamily="34" charset="0"/>
-              </a:rPr>
-              <a:t>How </a:t>
-            </a:r>
-            <a:r>
-              <a:rPr lang="en-US" sz="2800" cap="none" dirty="0" smtClean="0">
-                <a:latin typeface="Calibri" panose="020F0502020204030204" pitchFamily="34" charset="0"/>
-                <a:cs typeface="Calibri" panose="020F0502020204030204" pitchFamily="34" charset="0"/>
-              </a:rPr>
-              <a:t>well does the model fit the data?</a:t>
-            </a:r>
-          </a:p>
-          <a:p>
-            <a:pPr marL="1428750" lvl="2" indent="-514350">
-              <a:buFont typeface="+mj-lt"/>
-              <a:buAutoNum type="arabicPeriod"/>
-            </a:pPr>
-            <a:r>
-              <a:rPr lang="en-US" sz="2800" cap="none" dirty="0" smtClean="0">
-                <a:latin typeface="Calibri" panose="020F0502020204030204" pitchFamily="34" charset="0"/>
-                <a:cs typeface="Calibri" panose="020F0502020204030204" pitchFamily="34" charset="0"/>
-              </a:rPr>
-              <a:t>Given a set of input values, what response should we predict, and how </a:t>
-            </a:r>
-            <a:r>
-              <a:rPr lang="en-US" sz="2800" cap="none" dirty="0" smtClean="0">
-                <a:latin typeface="Calibri" panose="020F0502020204030204" pitchFamily="34" charset="0"/>
-                <a:cs typeface="Calibri" panose="020F0502020204030204" pitchFamily="34" charset="0"/>
-              </a:rPr>
-              <a:t>accurate are the model predictions?</a:t>
+              <a:t>Given a set of input values, what response should we predict, and how accurate are the model predictions?</a:t>
             </a:r>
           </a:p>
           <a:p>
@@ -24244,8 +24133,8 @@
           </a:p>
         </p:txBody>
       </p:sp>
-      <mc:AlternateContent xmlns:mc="http://schemas.openxmlformats.org/markup-compatibility/2006">
-        <mc:Choice xmlns:a14="http://schemas.microsoft.com/office/drawing/2010/main" Requires="a14">
+      <mc:AlternateContent xmlns:mc="http://schemas.openxmlformats.org/markup-compatibility/2006" xmlns:a14="http://schemas.microsoft.com/office/drawing/2010/main">
+        <mc:Choice Requires="a14">
           <p:sp>
             <p:nvSpPr>
               <p:cNvPr id="6" name="Content Placeholder 2"/>
@@ -24711,7 +24600,7 @@
             </p:txBody>
           </p:sp>
         </mc:Choice>
-        <mc:Fallback>
+        <mc:Fallback xmlns="">
           <p:sp>
             <p:nvSpPr>
               <p:cNvPr id="6" name="Content Placeholder 2"/>
@@ -26338,8 +26227,8 @@
           </a:p>
         </p:txBody>
       </p:sp>
-      <mc:AlternateContent xmlns:mc="http://schemas.openxmlformats.org/markup-compatibility/2006">
-        <mc:Choice xmlns:a14="http://schemas.microsoft.com/office/drawing/2010/main" Requires="a14">
+      <mc:AlternateContent xmlns:mc="http://schemas.openxmlformats.org/markup-compatibility/2006" xmlns:a14="http://schemas.microsoft.com/office/drawing/2010/main">
+        <mc:Choice Requires="a14">
           <p:sp>
             <p:nvSpPr>
               <p:cNvPr id="6" name="Content Placeholder 2"/>
@@ -26687,10 +26576,6 @@
                   </a:rPr>
                   <a:t> or smallest testing data MSE)</a:t>
                 </a:r>
-                <a:endParaRPr lang="en-US" sz="2600" cap="none" dirty="0" smtClean="0">
-                  <a:latin typeface="Calibri" panose="020F0502020204030204" pitchFamily="34" charset="0"/>
-                  <a:cs typeface="Calibri" panose="020F0502020204030204" pitchFamily="34" charset="0"/>
-                </a:endParaRPr>
               </a:p>
               <a:p>
                 <a:pPr lvl="1"/>
@@ -26723,7 +26608,7 @@
             </p:txBody>
           </p:sp>
         </mc:Choice>
-        <mc:Fallback>
+        <mc:Fallback xmlns="">
           <p:sp>
             <p:nvSpPr>
               <p:cNvPr id="6" name="Content Placeholder 2"/>
@@ -27561,8 +27446,8 @@
           </a:p>
         </p:txBody>
       </p:sp>
-      <mc:AlternateContent xmlns:mc="http://schemas.openxmlformats.org/markup-compatibility/2006" xmlns:a14="http://schemas.microsoft.com/office/drawing/2010/main">
-        <mc:Choice Requires="a14">
+      <mc:AlternateContent xmlns:mc="http://schemas.openxmlformats.org/markup-compatibility/2006">
+        <mc:Choice xmlns:a14="http://schemas.microsoft.com/office/drawing/2010/main" Requires="a14">
           <p:sp>
             <p:nvSpPr>
               <p:cNvPr id="3" name="Content Placeholder 2"/>
@@ -27599,13 +27484,13 @@
                 <a14:m>
                   <m:oMath xmlns:m="http://schemas.openxmlformats.org/officeDocument/2006/math">
                     <m:r>
-                      <a:rPr lang="en-US" sz="2800" b="0" i="1" cap="none" smtClean="0">
+                      <a:rPr lang="en-US" sz="2800" b="1" i="1" cap="none" smtClean="0">
                         <a:latin typeface="Cambria Math" panose="02040503050406030204" pitchFamily="18" charset="0"/>
                       </a:rPr>
-                      <m:t>𝑌</m:t>
+                      <m:t>𝒀</m:t>
                     </m:r>
                     <m:r>
-                      <a:rPr lang="en-US" sz="2800" b="0" i="1" cap="none" smtClean="0">
+                      <a:rPr lang="en-US" sz="2800" b="1" i="1" cap="none" smtClean="0">
                         <a:latin typeface="Cambria Math" panose="02040503050406030204" pitchFamily="18" charset="0"/>
                       </a:rPr>
                       <m:t>= </m:t>
@@ -27613,31 +27498,31 @@
                     <m:sSub>
                       <m:sSubPr>
                         <m:ctrlPr>
-                          <a:rPr lang="en-US" sz="2800" b="0" i="1" cap="none" smtClean="0">
+                          <a:rPr lang="en-US" sz="2800" b="1" i="1" cap="none" smtClean="0">
                             <a:latin typeface="Cambria Math" panose="02040503050406030204" pitchFamily="18" charset="0"/>
                           </a:rPr>
                         </m:ctrlPr>
                       </m:sSubPr>
                       <m:e>
                         <m:r>
-                          <a:rPr lang="en-US" sz="2800" b="0" i="1" cap="none" smtClean="0">
+                          <a:rPr lang="en-US" sz="2800" b="1" i="1" cap="none" smtClean="0">
                             <a:latin typeface="Cambria Math" panose="02040503050406030204" pitchFamily="18" charset="0"/>
                             <a:ea typeface="Cambria Math" panose="02040503050406030204" pitchFamily="18" charset="0"/>
                           </a:rPr>
-                          <m:t>𝛽</m:t>
+                          <m:t>𝜷</m:t>
                         </m:r>
                       </m:e>
                       <m:sub>
                         <m:r>
-                          <a:rPr lang="en-US" sz="2800" b="0" i="1" cap="none" smtClean="0">
+                          <a:rPr lang="en-US" sz="2800" b="1" i="1" cap="none" smtClean="0">
                             <a:latin typeface="Cambria Math" panose="02040503050406030204" pitchFamily="18" charset="0"/>
                           </a:rPr>
-                          <m:t>0</m:t>
+                          <m:t>𝟎</m:t>
                         </m:r>
                       </m:sub>
                     </m:sSub>
                     <m:r>
-                      <a:rPr lang="en-US" sz="2800" b="0" i="1" cap="none" smtClean="0">
+                      <a:rPr lang="en-US" sz="2800" b="1" i="1" cap="none" smtClean="0">
                         <a:latin typeface="Cambria Math" panose="02040503050406030204" pitchFamily="18" charset="0"/>
                       </a:rPr>
                       <m:t>+ </m:t>
@@ -27645,44 +27530,44 @@
                     <m:sSub>
                       <m:sSubPr>
                         <m:ctrlPr>
-                          <a:rPr lang="en-US" sz="2800" b="0" i="1" cap="none" smtClean="0">
+                          <a:rPr lang="en-US" sz="2800" b="1" i="1" cap="none" smtClean="0">
                             <a:latin typeface="Cambria Math" panose="02040503050406030204" pitchFamily="18" charset="0"/>
                           </a:rPr>
                         </m:ctrlPr>
                       </m:sSubPr>
                       <m:e>
                         <m:r>
-                          <a:rPr lang="en-US" sz="2800" b="0" i="1" cap="none" smtClean="0">
+                          <a:rPr lang="en-US" sz="2800" b="1" i="1" cap="none" smtClean="0">
                             <a:latin typeface="Cambria Math" panose="02040503050406030204" pitchFamily="18" charset="0"/>
                             <a:ea typeface="Cambria Math" panose="02040503050406030204" pitchFamily="18" charset="0"/>
                           </a:rPr>
-                          <m:t>𝛽</m:t>
+                          <m:t>𝜷</m:t>
                         </m:r>
                       </m:e>
                       <m:sub>
                         <m:r>
-                          <a:rPr lang="en-US" sz="2800" b="0" i="1" cap="none" smtClean="0">
+                          <a:rPr lang="en-US" sz="2800" b="1" i="1" cap="none" smtClean="0">
                             <a:latin typeface="Cambria Math" panose="02040503050406030204" pitchFamily="18" charset="0"/>
                           </a:rPr>
-                          <m:t>1</m:t>
+                          <m:t>𝟏</m:t>
                         </m:r>
                       </m:sub>
                     </m:sSub>
                     <m:r>
-                      <a:rPr lang="en-US" sz="2800" b="0" i="1" cap="none" smtClean="0">
+                      <a:rPr lang="en-US" sz="2800" b="1" i="1" cap="none" smtClean="0">
                         <a:latin typeface="Cambria Math" panose="02040503050406030204" pitchFamily="18" charset="0"/>
                       </a:rPr>
                       <m:t>∗</m:t>
                     </m:r>
                     <m:r>
-                      <a:rPr lang="en-US" sz="2800" b="0" i="1" cap="none" smtClean="0">
+                      <a:rPr lang="en-US" sz="2800" b="1" i="1" cap="none" smtClean="0">
                         <a:latin typeface="Cambria Math" panose="02040503050406030204" pitchFamily="18" charset="0"/>
                       </a:rPr>
-                      <m:t>𝑋</m:t>
+                      <m:t>𝑿</m:t>
                     </m:r>
                   </m:oMath>
                 </a14:m>
-                <a:endParaRPr lang="en-US" sz="2800" cap="none" dirty="0" smtClean="0">
+                <a:endParaRPr lang="en-US" sz="2800" b="1" cap="none" dirty="0" smtClean="0">
                   <a:latin typeface="Calibri" panose="020F0502020204030204" pitchFamily="34" charset="0"/>
                   <a:cs typeface="Calibri" panose="020F0502020204030204" pitchFamily="34" charset="0"/>
                 </a:endParaRPr>
@@ -27731,7 +27616,7 @@
             </p:txBody>
           </p:sp>
         </mc:Choice>
-        <mc:Fallback xmlns="">
+        <mc:Fallback>
           <p:sp>
             <p:nvSpPr>
               <p:cNvPr id="3" name="Content Placeholder 2"/>
@@ -28230,8 +28115,8 @@
           </a:p>
         </p:txBody>
       </p:sp>
-      <mc:AlternateContent xmlns:mc="http://schemas.openxmlformats.org/markup-compatibility/2006">
-        <mc:Choice xmlns:a14="http://schemas.microsoft.com/office/drawing/2010/main" Requires="a14">
+      <mc:AlternateContent xmlns:mc="http://schemas.openxmlformats.org/markup-compatibility/2006" xmlns:a14="http://schemas.microsoft.com/office/drawing/2010/main">
+        <mc:Choice Requires="a14">
           <p:sp>
             <p:nvSpPr>
               <p:cNvPr id="6" name="Content Placeholder 2"/>
@@ -28565,7 +28450,7 @@
             </p:txBody>
           </p:sp>
         </mc:Choice>
-        <mc:Fallback>
+        <mc:Fallback xmlns="">
           <p:sp>
             <p:nvSpPr>
               <p:cNvPr id="6" name="Content Placeholder 2"/>
@@ -28673,8 +28558,8 @@
           </a:p>
         </p:txBody>
       </p:sp>
-      <mc:AlternateContent xmlns:mc="http://schemas.openxmlformats.org/markup-compatibility/2006">
-        <mc:Choice xmlns:a14="http://schemas.microsoft.com/office/drawing/2010/main" Requires="a14">
+      <mc:AlternateContent xmlns:mc="http://schemas.openxmlformats.org/markup-compatibility/2006" xmlns:a14="http://schemas.microsoft.com/office/drawing/2010/main">
+        <mc:Choice Requires="a14">
           <p:sp>
             <p:nvSpPr>
               <p:cNvPr id="6" name="Content Placeholder 2"/>
@@ -29142,14 +29027,7 @@
                     <a:latin typeface="Calibri" panose="020F0502020204030204" pitchFamily="34" charset="0"/>
                     <a:cs typeface="Calibri" panose="020F0502020204030204" pitchFamily="34" charset="0"/>
                   </a:rPr>
-                  <a:t> penalizes the model as more predictors are </a:t>
-                </a:r>
-                <a:r>
-                  <a:rPr lang="en-US" sz="2400" cap="none" dirty="0" smtClean="0">
-                    <a:latin typeface="Calibri" panose="020F0502020204030204" pitchFamily="34" charset="0"/>
-                    <a:cs typeface="Calibri" panose="020F0502020204030204" pitchFamily="34" charset="0"/>
-                  </a:rPr>
-                  <a:t>added, much like RSE does.</a:t>
+                  <a:t> penalizes the model as more predictors are added, much like RSE does.</a:t>
                 </a:r>
               </a:p>
               <a:p>
@@ -29183,7 +29061,7 @@
             </p:txBody>
           </p:sp>
         </mc:Choice>
-        <mc:Fallback>
+        <mc:Fallback xmlns="">
           <p:sp>
             <p:nvSpPr>
               <p:cNvPr id="6" name="Content Placeholder 2"/>
@@ -29315,8 +29193,8 @@
           </a:p>
         </p:txBody>
       </p:sp>
-      <mc:AlternateContent xmlns:mc="http://schemas.openxmlformats.org/markup-compatibility/2006">
-        <mc:Choice xmlns:a14="http://schemas.microsoft.com/office/drawing/2010/main" Requires="a14">
+      <mc:AlternateContent xmlns:mc="http://schemas.openxmlformats.org/markup-compatibility/2006" xmlns:a14="http://schemas.microsoft.com/office/drawing/2010/main">
+        <mc:Choice Requires="a14">
           <p:sp>
             <p:nvSpPr>
               <p:cNvPr id="6" name="Content Placeholder 2"/>
@@ -29564,19 +29442,8 @@
                     <a:latin typeface="Calibri" panose="020F0502020204030204" pitchFamily="34" charset="0"/>
                     <a:cs typeface="Calibri" panose="020F0502020204030204" pitchFamily="34" charset="0"/>
                   </a:rPr>
-                  <a:t>Once we have a model, it is easy to predict a new response based on a new set of input </a:t>
+                  <a:t>Once we have a model, it is easy to predict a new response based on a new set of input data. Prediction errors come from two places. </a:t>
                 </a:r>
-                <a:r>
-                  <a:rPr lang="en-US" sz="2400" cap="none" dirty="0" smtClean="0">
-                    <a:latin typeface="Calibri" panose="020F0502020204030204" pitchFamily="34" charset="0"/>
-                    <a:cs typeface="Calibri" panose="020F0502020204030204" pitchFamily="34" charset="0"/>
-                  </a:rPr>
-                  <a:t>data. Prediction errors come from two places. </a:t>
-                </a:r>
-                <a:endParaRPr lang="en-US" sz="2400" cap="none" dirty="0" smtClean="0">
-                  <a:latin typeface="Calibri" panose="020F0502020204030204" pitchFamily="34" charset="0"/>
-                  <a:cs typeface="Calibri" panose="020F0502020204030204" pitchFamily="34" charset="0"/>
-                </a:endParaRPr>
               </a:p>
               <a:p>
                 <a:pPr lvl="2"/>
@@ -29585,14 +29452,7 @@
                     <a:latin typeface="Calibri" panose="020F0502020204030204" pitchFamily="34" charset="0"/>
                     <a:cs typeface="Calibri" panose="020F0502020204030204" pitchFamily="34" charset="0"/>
                   </a:rPr>
-                  <a:t>Since the coefficients are estimates of the true coefficients, we will always have some error in our coefficient estimates </a:t>
-                </a:r>
-                <a:r>
-                  <a:rPr lang="en-US" sz="2400" cap="none" dirty="0" smtClean="0">
-                    <a:latin typeface="Calibri" panose="020F0502020204030204" pitchFamily="34" charset="0"/>
-                    <a:cs typeface="Calibri" panose="020F0502020204030204" pitchFamily="34" charset="0"/>
-                  </a:rPr>
-                  <a:t>(</a:t>
+                  <a:t>Since the coefficients are estimates of the true coefficients, we will always have some error in our coefficient estimates (</a:t>
                 </a:r>
                 <a:r>
                   <a:rPr lang="en-US" sz="2400" b="1" cap="none" dirty="0" smtClean="0">
@@ -29630,14 +29490,7 @@
                     <a:latin typeface="Calibri" panose="020F0502020204030204" pitchFamily="34" charset="0"/>
                     <a:cs typeface="Calibri" panose="020F0502020204030204" pitchFamily="34" charset="0"/>
                   </a:rPr>
-                  <a:t>to </a:t>
-                </a:r>
-                <a:r>
-                  <a:rPr lang="en-US" sz="2400" cap="none" dirty="0" smtClean="0">
-                    <a:latin typeface="Calibri" panose="020F0502020204030204" pitchFamily="34" charset="0"/>
-                    <a:cs typeface="Calibri" panose="020F0502020204030204" pitchFamily="34" charset="0"/>
-                  </a:rPr>
-                  <a:t>determine how close our estimate, </a:t>
+                  <a:t>to determine how close our estimate, </a:t>
                 </a:r>
                 <a14:m>
                   <m:oMath xmlns:m="http://schemas.openxmlformats.org/officeDocument/2006/math">
@@ -29709,7 +29562,7 @@
             </p:txBody>
           </p:sp>
         </mc:Choice>
-        <mc:Fallback>
+        <mc:Fallback xmlns="">
           <p:sp>
             <p:nvSpPr>
               <p:cNvPr id="6" name="Content Placeholder 2"/>
@@ -29817,8 +29670,8 @@
           </a:p>
         </p:txBody>
       </p:sp>
-      <mc:AlternateContent xmlns:mc="http://schemas.openxmlformats.org/markup-compatibility/2006">
-        <mc:Choice xmlns:a14="http://schemas.microsoft.com/office/drawing/2010/main" Requires="a14">
+      <mc:AlternateContent xmlns:mc="http://schemas.openxmlformats.org/markup-compatibility/2006" xmlns:a14="http://schemas.microsoft.com/office/drawing/2010/main">
+        <mc:Choice Requires="a14">
           <p:sp>
             <p:nvSpPr>
               <p:cNvPr id="6" name="Content Placeholder 2"/>
@@ -30173,7 +30026,7 @@
             </p:txBody>
           </p:sp>
         </mc:Choice>
-        <mc:Fallback>
+        <mc:Fallback xmlns="">
           <p:sp>
             <p:nvSpPr>
               <p:cNvPr id="6" name="Content Placeholder 2"/>
@@ -32273,13 +32126,13 @@
                 <a14:m>
                   <m:oMath xmlns:m="http://schemas.openxmlformats.org/officeDocument/2006/math">
                     <m:r>
-                      <a:rPr lang="en-US" sz="2800" b="0" i="1" cap="none" smtClean="0">
+                      <a:rPr lang="en-US" sz="2800" b="1" i="1" cap="none" smtClean="0">
                         <a:latin typeface="Cambria Math" panose="02040503050406030204" pitchFamily="18" charset="0"/>
                       </a:rPr>
-                      <m:t>𝑌</m:t>
+                      <m:t>𝒀</m:t>
                     </m:r>
                     <m:r>
-                      <a:rPr lang="en-US" sz="2800" b="0" i="1" cap="none" smtClean="0">
+                      <a:rPr lang="en-US" sz="2800" b="1" i="1" cap="none" smtClean="0">
                         <a:latin typeface="Cambria Math" panose="02040503050406030204" pitchFamily="18" charset="0"/>
                       </a:rPr>
                       <m:t>= </m:t>
@@ -32287,31 +32140,31 @@
                     <m:sSub>
                       <m:sSubPr>
                         <m:ctrlPr>
-                          <a:rPr lang="en-US" sz="2800" b="0" i="1" cap="none" smtClean="0">
+                          <a:rPr lang="en-US" sz="2800" b="1" i="1" cap="none" smtClean="0">
                             <a:latin typeface="Cambria Math" panose="02040503050406030204" pitchFamily="18" charset="0"/>
                           </a:rPr>
                         </m:ctrlPr>
                       </m:sSubPr>
                       <m:e>
                         <m:r>
-                          <a:rPr lang="en-US" sz="2800" b="0" i="1" cap="none" smtClean="0">
+                          <a:rPr lang="en-US" sz="2800" b="1" i="1" cap="none" smtClean="0">
                             <a:latin typeface="Cambria Math" panose="02040503050406030204" pitchFamily="18" charset="0"/>
                             <a:ea typeface="Cambria Math" panose="02040503050406030204" pitchFamily="18" charset="0"/>
                           </a:rPr>
-                          <m:t>𝛽</m:t>
+                          <m:t>𝜷</m:t>
                         </m:r>
                       </m:e>
                       <m:sub>
                         <m:r>
-                          <a:rPr lang="en-US" sz="2800" b="0" i="1" cap="none" smtClean="0">
+                          <a:rPr lang="en-US" sz="2800" b="1" i="1" cap="none" smtClean="0">
                             <a:latin typeface="Cambria Math" panose="02040503050406030204" pitchFamily="18" charset="0"/>
                           </a:rPr>
-                          <m:t>0</m:t>
+                          <m:t>𝟎</m:t>
                         </m:r>
                       </m:sub>
                     </m:sSub>
                     <m:r>
-                      <a:rPr lang="en-US" sz="2800" b="0" i="1" cap="none" smtClean="0">
+                      <a:rPr lang="en-US" sz="2800" b="1" i="1" cap="none" smtClean="0">
                         <a:latin typeface="Cambria Math" panose="02040503050406030204" pitchFamily="18" charset="0"/>
                       </a:rPr>
                       <m:t>+ </m:t>
@@ -32319,44 +32172,44 @@
                     <m:sSub>
                       <m:sSubPr>
                         <m:ctrlPr>
-                          <a:rPr lang="en-US" sz="2800" b="0" i="1" cap="none" smtClean="0">
+                          <a:rPr lang="en-US" sz="2800" b="1" i="1" cap="none" smtClean="0">
                             <a:latin typeface="Cambria Math" panose="02040503050406030204" pitchFamily="18" charset="0"/>
                           </a:rPr>
                         </m:ctrlPr>
                       </m:sSubPr>
                       <m:e>
                         <m:r>
-                          <a:rPr lang="en-US" sz="2800" b="0" i="1" cap="none" smtClean="0">
+                          <a:rPr lang="en-US" sz="2800" b="1" i="1" cap="none" smtClean="0">
                             <a:latin typeface="Cambria Math" panose="02040503050406030204" pitchFamily="18" charset="0"/>
                             <a:ea typeface="Cambria Math" panose="02040503050406030204" pitchFamily="18" charset="0"/>
                           </a:rPr>
-                          <m:t>𝛽</m:t>
+                          <m:t>𝜷</m:t>
                         </m:r>
                       </m:e>
                       <m:sub>
                         <m:r>
-                          <a:rPr lang="en-US" sz="2800" b="0" i="1" cap="none" smtClean="0">
+                          <a:rPr lang="en-US" sz="2800" b="1" i="1" cap="none" smtClean="0">
                             <a:latin typeface="Cambria Math" panose="02040503050406030204" pitchFamily="18" charset="0"/>
                           </a:rPr>
-                          <m:t>1</m:t>
+                          <m:t>𝟏</m:t>
                         </m:r>
                       </m:sub>
                     </m:sSub>
                     <m:r>
-                      <a:rPr lang="en-US" sz="2800" b="0" i="1" cap="none" smtClean="0">
+                      <a:rPr lang="en-US" sz="2800" b="1" i="1" cap="none" smtClean="0">
                         <a:latin typeface="Cambria Math" panose="02040503050406030204" pitchFamily="18" charset="0"/>
                       </a:rPr>
                       <m:t>∗</m:t>
                     </m:r>
                     <m:r>
-                      <a:rPr lang="en-US" sz="2800" b="0" i="1" cap="none" smtClean="0">
+                      <a:rPr lang="en-US" sz="2800" b="1" i="1" cap="none" smtClean="0">
                         <a:latin typeface="Cambria Math" panose="02040503050406030204" pitchFamily="18" charset="0"/>
                       </a:rPr>
-                      <m:t>𝑋</m:t>
+                      <m:t>𝑿</m:t>
                     </m:r>
                   </m:oMath>
                 </a14:m>
-                <a:endParaRPr lang="en-US" sz="2800" cap="none" dirty="0" smtClean="0">
+                <a:endParaRPr lang="en-US" sz="2800" b="1" cap="none" dirty="0" smtClean="0">
                   <a:latin typeface="Calibri" panose="020F0502020204030204" pitchFamily="34" charset="0"/>
                   <a:cs typeface="Calibri" panose="020F0502020204030204" pitchFamily="34" charset="0"/>
                 </a:endParaRPr>
@@ -36574,8 +36427,8 @@
           </a:p>
         </p:txBody>
       </p:sp>
-      <mc:AlternateContent xmlns:mc="http://schemas.openxmlformats.org/markup-compatibility/2006">
-        <mc:Choice xmlns:a14="http://schemas.microsoft.com/office/drawing/2010/main" Requires="a14">
+      <mc:AlternateContent xmlns:mc="http://schemas.openxmlformats.org/markup-compatibility/2006" xmlns:a14="http://schemas.microsoft.com/office/drawing/2010/main">
+        <mc:Choice Requires="a14">
           <p:sp>
             <p:nvSpPr>
               <p:cNvPr id="3" name="Content Placeholder 2"/>
@@ -36847,7 +36700,7 @@
             </p:txBody>
           </p:sp>
         </mc:Choice>
-        <mc:Fallback>
+        <mc:Fallback xmlns="">
           <p:sp>
             <p:nvSpPr>
               <p:cNvPr id="3" name="Content Placeholder 2"/>
@@ -37443,14 +37296,7 @@
                 <a:latin typeface="Calibri" panose="020F0502020204030204" pitchFamily="34" charset="0"/>
                 <a:cs typeface="Calibri" panose="020F0502020204030204" pitchFamily="34" charset="0"/>
               </a:rPr>
-              <a:t>The </a:t>
-            </a:r>
-            <a:r>
-              <a:rPr lang="en-US" sz="3200" cap="none" dirty="0" smtClean="0">
-                <a:latin typeface="Calibri" panose="020F0502020204030204" pitchFamily="34" charset="0"/>
-                <a:cs typeface="Calibri" panose="020F0502020204030204" pitchFamily="34" charset="0"/>
-              </a:rPr>
-              <a:t>Lasso</a:t>
+              <a:t>The Lasso</a:t>
             </a:r>
           </a:p>
           <a:p>
@@ -37462,10 +37308,6 @@
               </a:rPr>
               <a:t>Elastic Net Regularization</a:t>
             </a:r>
-            <a:endParaRPr lang="en-US" sz="3200" cap="none" dirty="0" smtClean="0">
-              <a:latin typeface="Calibri" panose="020F0502020204030204" pitchFamily="34" charset="0"/>
-              <a:cs typeface="Calibri" panose="020F0502020204030204" pitchFamily="34" charset="0"/>
-            </a:endParaRPr>
           </a:p>
           <a:p>
             <a:pPr lvl="2"/>
